--- a/Orchard Harvest 2023.pptx
+++ b/Orchard Harvest 2023.pptx
@@ -809,7 +809,7 @@
   <p:cSld>
     <p:spTree>
       <p:nvGrpSpPr>
-        <p:cNvPr id="145" name="Shape 145"/>
+        <p:cNvPr id="144" name="Shape 144"/>
         <p:cNvGrpSpPr/>
         <p:nvPr/>
       </p:nvGrpSpPr>
@@ -823,7 +823,7 @@
       </p:grpSpPr>
       <p:sp>
         <p:nvSpPr>
-          <p:cNvPr id="146" name="Google Shape;146;g242cf0fc797_0_49:notes"/>
+          <p:cNvPr id="145" name="Google Shape;145;g242cf0fc797_0_49:notes"/>
           <p:cNvSpPr/>
           <p:nvPr>
             <p:ph idx="2" type="sldImg"/>
@@ -858,7 +858,7 @@
       </p:sp>
       <p:sp>
         <p:nvSpPr>
-          <p:cNvPr id="147" name="Google Shape;147;g242cf0fc797_0_49:notes"/>
+          <p:cNvPr id="146" name="Google Shape;146;g242cf0fc797_0_49:notes"/>
           <p:cNvSpPr txBox="1"/>
           <p:nvPr>
             <p:ph idx="1" type="body"/>
@@ -908,7 +908,7 @@
   <p:cSld>
     <p:spTree>
       <p:nvGrpSpPr>
-        <p:cNvPr id="158" name="Shape 158"/>
+        <p:cNvPr id="157" name="Shape 157"/>
         <p:cNvGrpSpPr/>
         <p:nvPr/>
       </p:nvGrpSpPr>
@@ -922,7 +922,7 @@
       </p:grpSpPr>
       <p:sp>
         <p:nvSpPr>
-          <p:cNvPr id="159" name="Google Shape;159;g242cf0fc797_1_18:notes"/>
+          <p:cNvPr id="158" name="Google Shape;158;g242cf0fc797_1_18:notes"/>
           <p:cNvSpPr/>
           <p:nvPr>
             <p:ph idx="2" type="sldImg"/>
@@ -957,7 +957,7 @@
       </p:sp>
       <p:sp>
         <p:nvSpPr>
-          <p:cNvPr id="160" name="Google Shape;160;g242cf0fc797_1_18:notes"/>
+          <p:cNvPr id="159" name="Google Shape;159;g242cf0fc797_1_18:notes"/>
           <p:cNvSpPr txBox="1"/>
           <p:nvPr>
             <p:ph idx="1" type="body"/>
@@ -1007,7 +1007,7 @@
   <p:cSld>
     <p:spTree>
       <p:nvGrpSpPr>
-        <p:cNvPr id="171" name="Shape 171"/>
+        <p:cNvPr id="170" name="Shape 170"/>
         <p:cNvGrpSpPr/>
         <p:nvPr/>
       </p:nvGrpSpPr>
@@ -1021,7 +1021,7 @@
       </p:grpSpPr>
       <p:sp>
         <p:nvSpPr>
-          <p:cNvPr id="172" name="Google Shape;172;g242cf0fc797_2_1:notes"/>
+          <p:cNvPr id="171" name="Google Shape;171;g242cf0fc797_2_1:notes"/>
           <p:cNvSpPr/>
           <p:nvPr>
             <p:ph idx="2" type="sldImg"/>
@@ -1056,7 +1056,7 @@
       </p:sp>
       <p:sp>
         <p:nvSpPr>
-          <p:cNvPr id="173" name="Google Shape;173;g242cf0fc797_2_1:notes"/>
+          <p:cNvPr id="172" name="Google Shape;172;g242cf0fc797_2_1:notes"/>
           <p:cNvSpPr txBox="1"/>
           <p:nvPr>
             <p:ph idx="1" type="body"/>
@@ -9678,37 +9678,9 @@
           </a:ln>
         </p:spPr>
       </p:pic>
-      <p:pic>
-        <p:nvPicPr>
-          <p:cNvPr id="143" name="Google Shape;143;p13"/>
-          <p:cNvPicPr preferRelativeResize="0"/>
-          <p:nvPr/>
-        </p:nvPicPr>
-        <p:blipFill>
-          <a:blip r:embed="rId5">
-            <a:alphaModFix/>
-          </a:blip>
-          <a:stretch>
-            <a:fillRect/>
-          </a:stretch>
-        </p:blipFill>
-        <p:spPr>
-          <a:xfrm>
-            <a:off x="125975" y="4360475"/>
-            <a:ext cx="683326" cy="726899"/>
-          </a:xfrm>
-          <a:prstGeom prst="rect">
-            <a:avLst/>
-          </a:prstGeom>
-          <a:noFill/>
-          <a:ln>
-            <a:noFill/>
-          </a:ln>
-        </p:spPr>
-      </p:pic>
       <p:sp>
         <p:nvSpPr>
-          <p:cNvPr id="144" name="Google Shape;144;p13"/>
+          <p:cNvPr id="143" name="Google Shape;143;p13"/>
           <p:cNvSpPr txBox="1"/>
           <p:nvPr>
             <p:ph type="ctrTitle"/>
@@ -9717,7 +9689,7 @@
         <p:spPr>
           <a:xfrm>
             <a:off x="3537150" y="124200"/>
-            <a:ext cx="5417100" cy="1578900"/>
+            <a:ext cx="5520300" cy="1578900"/>
           </a:xfrm>
           <a:prstGeom prst="rect">
             <a:avLst/>
@@ -9777,7 +9749,7 @@
   <p:cSld>
     <p:spTree>
       <p:nvGrpSpPr>
-        <p:cNvPr id="148" name="Shape 148"/>
+        <p:cNvPr id="147" name="Shape 147"/>
         <p:cNvGrpSpPr/>
         <p:nvPr/>
       </p:nvGrpSpPr>
@@ -9791,7 +9763,7 @@
       </p:grpSpPr>
       <p:sp>
         <p:nvSpPr>
-          <p:cNvPr id="149" name="Google Shape;149;p14"/>
+          <p:cNvPr id="148" name="Google Shape;148;p14"/>
           <p:cNvSpPr txBox="1"/>
           <p:nvPr>
             <p:ph type="title"/>
@@ -9835,7 +9807,7 @@
       </p:sp>
       <p:sp>
         <p:nvSpPr>
-          <p:cNvPr id="150" name="Google Shape;150;p14"/>
+          <p:cNvPr id="149" name="Google Shape;149;p14"/>
           <p:cNvSpPr txBox="1"/>
           <p:nvPr>
             <p:ph idx="1" type="body"/>
@@ -9989,7 +9961,7 @@
                   <a:schemeClr val="dk1"/>
                 </a:solidFill>
               </a:rPr>
-              <a:t>Git Hub:</a:t>
+              <a:t>GitHub:</a:t>
             </a:r>
             <a:r>
               <a:rPr lang="en">
@@ -10041,7 +10013,7 @@
       </p:sp>
       <p:grpSp>
         <p:nvGrpSpPr>
-          <p:cNvPr id="151" name="Google Shape;151;p14"/>
+          <p:cNvPr id="150" name="Google Shape;150;p14"/>
           <p:cNvGrpSpPr/>
           <p:nvPr/>
         </p:nvGrpSpPr>
@@ -10055,7 +10027,7 @@
         </p:grpSpPr>
         <p:sp>
           <p:nvSpPr>
-            <p:cNvPr id="152" name="Google Shape;152;p14"/>
+            <p:cNvPr id="151" name="Google Shape;151;p14"/>
             <p:cNvSpPr/>
             <p:nvPr/>
           </p:nvSpPr>
@@ -10100,7 +10072,7 @@
         </p:sp>
         <p:sp>
           <p:nvSpPr>
-            <p:cNvPr id="153" name="Google Shape;153;p14"/>
+            <p:cNvPr id="152" name="Google Shape;152;p14"/>
             <p:cNvSpPr txBox="1"/>
             <p:nvPr/>
           </p:nvSpPr>
@@ -10158,7 +10130,7 @@
         </p:sp>
         <p:grpSp>
           <p:nvGrpSpPr>
-            <p:cNvPr id="154" name="Google Shape;154;p14"/>
+            <p:cNvPr id="153" name="Google Shape;153;p14"/>
             <p:cNvGrpSpPr/>
             <p:nvPr/>
           </p:nvGrpSpPr>
@@ -10172,7 +10144,7 @@
           </p:grpSpPr>
           <p:sp>
             <p:nvSpPr>
-              <p:cNvPr id="155" name="Google Shape;155;p14"/>
+              <p:cNvPr id="154" name="Google Shape;154;p14"/>
               <p:cNvSpPr/>
               <p:nvPr/>
             </p:nvSpPr>
@@ -10215,7 +10187,7 @@
           </p:sp>
           <p:pic>
             <p:nvPicPr>
-              <p:cNvPr id="156" name="Google Shape;156;p14"/>
+              <p:cNvPr id="155" name="Google Shape;155;p14"/>
               <p:cNvPicPr preferRelativeResize="0"/>
               <p:nvPr/>
             </p:nvPicPr>
@@ -10245,7 +10217,7 @@
       </p:grpSp>
       <p:sp>
         <p:nvSpPr>
-          <p:cNvPr id="157" name="Google Shape;157;p14"/>
+          <p:cNvPr id="156" name="Google Shape;156;p14"/>
           <p:cNvSpPr txBox="1"/>
           <p:nvPr>
             <p:ph idx="4294967295" type="ctrTitle"/>
@@ -10254,7 +10226,7 @@
         <p:spPr>
           <a:xfrm>
             <a:off x="3537150" y="124200"/>
-            <a:ext cx="5417100" cy="1608300"/>
+            <a:ext cx="5520300" cy="1578900"/>
           </a:xfrm>
           <a:prstGeom prst="rect">
             <a:avLst/>
@@ -10278,11 +10250,7 @@
               <a:buNone/>
             </a:pPr>
             <a:r>
-              <a:rPr b="1" lang="en" sz="2600">
-                <a:solidFill>
-                  <a:srgbClr val="41B670"/>
-                </a:solidFill>
-              </a:rPr>
+              <a:rPr b="1" lang="en" sz="2600"/>
               <a:t>ORCHARD HARVEST</a:t>
             </a:r>
             <a:r>
@@ -10318,7 +10286,7 @@
   <p:cSld>
     <p:spTree>
       <p:nvGrpSpPr>
-        <p:cNvPr id="161" name="Shape 161"/>
+        <p:cNvPr id="160" name="Shape 160"/>
         <p:cNvGrpSpPr/>
         <p:nvPr/>
       </p:nvGrpSpPr>
@@ -10332,7 +10300,7 @@
       </p:grpSpPr>
       <p:sp>
         <p:nvSpPr>
-          <p:cNvPr id="162" name="Google Shape;162;p15"/>
+          <p:cNvPr id="161" name="Google Shape;161;p15"/>
           <p:cNvSpPr txBox="1"/>
           <p:nvPr>
             <p:ph type="title"/>
@@ -10376,7 +10344,7 @@
       </p:sp>
       <p:sp>
         <p:nvSpPr>
-          <p:cNvPr id="163" name="Google Shape;163;p15"/>
+          <p:cNvPr id="162" name="Google Shape;162;p15"/>
           <p:cNvSpPr txBox="1"/>
           <p:nvPr>
             <p:ph idx="1" type="body"/>
@@ -10509,7 +10477,7 @@
       </p:sp>
       <p:grpSp>
         <p:nvGrpSpPr>
-          <p:cNvPr id="164" name="Google Shape;164;p15"/>
+          <p:cNvPr id="163" name="Google Shape;163;p15"/>
           <p:cNvGrpSpPr/>
           <p:nvPr/>
         </p:nvGrpSpPr>
@@ -10523,7 +10491,7 @@
         </p:grpSpPr>
         <p:sp>
           <p:nvSpPr>
-            <p:cNvPr id="165" name="Google Shape;165;p15"/>
+            <p:cNvPr id="164" name="Google Shape;164;p15"/>
             <p:cNvSpPr/>
             <p:nvPr/>
           </p:nvSpPr>
@@ -10568,7 +10536,7 @@
         </p:sp>
         <p:sp>
           <p:nvSpPr>
-            <p:cNvPr id="166" name="Google Shape;166;p15"/>
+            <p:cNvPr id="165" name="Google Shape;165;p15"/>
             <p:cNvSpPr txBox="1"/>
             <p:nvPr/>
           </p:nvSpPr>
@@ -10626,7 +10594,7 @@
         </p:sp>
         <p:grpSp>
           <p:nvGrpSpPr>
-            <p:cNvPr id="167" name="Google Shape;167;p15"/>
+            <p:cNvPr id="166" name="Google Shape;166;p15"/>
             <p:cNvGrpSpPr/>
             <p:nvPr/>
           </p:nvGrpSpPr>
@@ -10640,7 +10608,7 @@
           </p:grpSpPr>
           <p:sp>
             <p:nvSpPr>
-              <p:cNvPr id="168" name="Google Shape;168;p15"/>
+              <p:cNvPr id="167" name="Google Shape;167;p15"/>
               <p:cNvSpPr/>
               <p:nvPr/>
             </p:nvSpPr>
@@ -10683,7 +10651,7 @@
           </p:sp>
           <p:pic>
             <p:nvPicPr>
-              <p:cNvPr id="169" name="Google Shape;169;p15"/>
+              <p:cNvPr id="168" name="Google Shape;168;p15"/>
               <p:cNvPicPr preferRelativeResize="0"/>
               <p:nvPr/>
             </p:nvPicPr>
@@ -10713,7 +10681,7 @@
       </p:grpSp>
       <p:sp>
         <p:nvSpPr>
-          <p:cNvPr id="170" name="Google Shape;170;p15"/>
+          <p:cNvPr id="169" name="Google Shape;169;p15"/>
           <p:cNvSpPr txBox="1"/>
           <p:nvPr>
             <p:ph idx="4294967295" type="ctrTitle"/>
@@ -10722,7 +10690,7 @@
         <p:spPr>
           <a:xfrm>
             <a:off x="3537150" y="124200"/>
-            <a:ext cx="5417100" cy="1578900"/>
+            <a:ext cx="5520300" cy="1578900"/>
           </a:xfrm>
           <a:prstGeom prst="rect">
             <a:avLst/>
@@ -10746,11 +10714,7 @@
               <a:buNone/>
             </a:pPr>
             <a:r>
-              <a:rPr b="1" lang="en" sz="2600">
-                <a:solidFill>
-                  <a:srgbClr val="41B670"/>
-                </a:solidFill>
-              </a:rPr>
+              <a:rPr b="1" lang="en" sz="2600"/>
               <a:t>ORCHARD HARVEST</a:t>
             </a:r>
             <a:r>
@@ -10786,7 +10750,7 @@
   <p:cSld>
     <p:spTree>
       <p:nvGrpSpPr>
-        <p:cNvPr id="174" name="Shape 174"/>
+        <p:cNvPr id="173" name="Shape 173"/>
         <p:cNvGrpSpPr/>
         <p:nvPr/>
       </p:nvGrpSpPr>
@@ -10800,7 +10764,7 @@
       </p:grpSpPr>
       <p:sp>
         <p:nvSpPr>
-          <p:cNvPr id="175" name="Google Shape;175;p16"/>
+          <p:cNvPr id="174" name="Google Shape;174;p16"/>
           <p:cNvSpPr txBox="1"/>
           <p:nvPr>
             <p:ph type="title"/>
@@ -10844,7 +10808,7 @@
       </p:sp>
       <p:sp>
         <p:nvSpPr>
-          <p:cNvPr id="176" name="Google Shape;176;p16"/>
+          <p:cNvPr id="175" name="Google Shape;175;p16"/>
           <p:cNvSpPr txBox="1"/>
           <p:nvPr>
             <p:ph idx="1" type="body"/>
@@ -10892,7 +10856,7 @@
       </p:sp>
       <p:grpSp>
         <p:nvGrpSpPr>
-          <p:cNvPr id="177" name="Google Shape;177;p16"/>
+          <p:cNvPr id="176" name="Google Shape;176;p16"/>
           <p:cNvGrpSpPr/>
           <p:nvPr/>
         </p:nvGrpSpPr>
@@ -10906,7 +10870,7 @@
         </p:grpSpPr>
         <p:sp>
           <p:nvSpPr>
-            <p:cNvPr id="178" name="Google Shape;178;p16"/>
+            <p:cNvPr id="177" name="Google Shape;177;p16"/>
             <p:cNvSpPr/>
             <p:nvPr/>
           </p:nvSpPr>
@@ -10951,7 +10915,7 @@
         </p:sp>
         <p:sp>
           <p:nvSpPr>
-            <p:cNvPr id="179" name="Google Shape;179;p16"/>
+            <p:cNvPr id="178" name="Google Shape;178;p16"/>
             <p:cNvSpPr txBox="1"/>
             <p:nvPr/>
           </p:nvSpPr>
@@ -11009,7 +10973,7 @@
         </p:sp>
         <p:grpSp>
           <p:nvGrpSpPr>
-            <p:cNvPr id="180" name="Google Shape;180;p16"/>
+            <p:cNvPr id="179" name="Google Shape;179;p16"/>
             <p:cNvGrpSpPr/>
             <p:nvPr/>
           </p:nvGrpSpPr>
@@ -11023,7 +10987,7 @@
           </p:grpSpPr>
           <p:sp>
             <p:nvSpPr>
-              <p:cNvPr id="181" name="Google Shape;181;p16"/>
+              <p:cNvPr id="180" name="Google Shape;180;p16"/>
               <p:cNvSpPr/>
               <p:nvPr/>
             </p:nvSpPr>
@@ -11066,7 +11030,7 @@
           </p:sp>
           <p:pic>
             <p:nvPicPr>
-              <p:cNvPr id="182" name="Google Shape;182;p16"/>
+              <p:cNvPr id="181" name="Google Shape;181;p16"/>
               <p:cNvPicPr preferRelativeResize="0"/>
               <p:nvPr/>
             </p:nvPicPr>
@@ -11096,7 +11060,7 @@
       </p:grpSp>
       <p:sp>
         <p:nvSpPr>
-          <p:cNvPr id="183" name="Google Shape;183;p16"/>
+          <p:cNvPr id="182" name="Google Shape;182;p16"/>
           <p:cNvSpPr txBox="1"/>
           <p:nvPr>
             <p:ph idx="4294967295" type="ctrTitle"/>
@@ -11105,7 +11069,7 @@
         <p:spPr>
           <a:xfrm>
             <a:off x="3537150" y="124200"/>
-            <a:ext cx="5417100" cy="1578900"/>
+            <a:ext cx="5520300" cy="1578900"/>
           </a:xfrm>
           <a:prstGeom prst="rect">
             <a:avLst/>
@@ -11129,11 +11093,7 @@
               <a:buNone/>
             </a:pPr>
             <a:r>
-              <a:rPr b="1" lang="en" sz="2600">
-                <a:solidFill>
-                  <a:srgbClr val="41B670"/>
-                </a:solidFill>
-              </a:rPr>
+              <a:rPr b="1" lang="en" sz="2600"/>
               <a:t>ORCHARD HARVEST</a:t>
             </a:r>
             <a:r>

--- a/Orchard Harvest 2023.pptx
+++ b/Orchard Harvest 2023.pptx
@@ -1,38 +1,38 @@
 
 <file path=ppt/presentation.xml><?xml version="1.0" encoding="utf-8"?>
-<p:presentation xmlns:a="http://schemas.openxmlformats.org/drawingml/2006/main" xmlns:r="http://schemas.openxmlformats.org/officeDocument/2006/relationships" xmlns:mc="http://schemas.openxmlformats.org/markup-compatibility/2006" xmlns:mv="urn:schemas-microsoft-com:mac:vml" xmlns:p="http://schemas.openxmlformats.org/presentationml/2006/main" xmlns:c="http://schemas.openxmlformats.org/drawingml/2006/chart" xmlns:dgm="http://schemas.openxmlformats.org/drawingml/2006/diagram" xmlns:o="urn:schemas-microsoft-com:office:office" xmlns:v="urn:schemas-microsoft-com:vml" xmlns:pvml="urn:schemas-microsoft-com:office:powerpoint" xmlns:com="http://schemas.openxmlformats.org/drawingml/2006/compatibility" xmlns:p14="http://schemas.microsoft.com/office/powerpoint/2010/main" xmlns:p15="http://schemas.microsoft.com/office/powerpoint/2012/main" xmlns:ahyp="http://schemas.microsoft.com/office/drawing/2018/hyperlinkcolor" autoCompressPictures="0" embedTrueTypeFonts="1" strictFirstAndLastChars="0" saveSubsetFonts="1">
+<p:presentation xmlns:a="http://schemas.openxmlformats.org/drawingml/2006/main" xmlns:r="http://schemas.openxmlformats.org/officeDocument/2006/relationships" xmlns:p="http://schemas.openxmlformats.org/presentationml/2006/main" strictFirstAndLastChars="0" embedTrueTypeFonts="1" saveSubsetFonts="1" autoCompressPictures="0">
   <p:sldMasterIdLst>
-    <p:sldMasterId id="2147483659" r:id="rId4"/>
+    <p:sldMasterId id="2147483659" r:id="rId1"/>
   </p:sldMasterIdLst>
   <p:notesMasterIdLst>
-    <p:notesMasterId r:id="rId5"/>
+    <p:notesMasterId r:id="rId6"/>
   </p:notesMasterIdLst>
   <p:sldIdLst>
-    <p:sldId id="256" r:id="rId6"/>
-    <p:sldId id="257" r:id="rId7"/>
-    <p:sldId id="258" r:id="rId8"/>
-    <p:sldId id="259" r:id="rId9"/>
+    <p:sldId id="256" r:id="rId2"/>
+    <p:sldId id="267" r:id="rId3"/>
+    <p:sldId id="268" r:id="rId4"/>
+    <p:sldId id="269" r:id="rId5"/>
   </p:sldIdLst>
-  <p:sldSz cy="5143500" cx="9144000"/>
+  <p:sldSz cx="9144000" cy="5143500" type="screen16x9"/>
   <p:notesSz cx="6858000" cy="9144000"/>
   <p:embeddedFontLst>
     <p:embeddedFont>
-      <p:font typeface="Montserrat"/>
-      <p:regular r:id="rId10"/>
-      <p:bold r:id="rId11"/>
-      <p:italic r:id="rId12"/>
-      <p:boldItalic r:id="rId13"/>
+      <p:font typeface="Lato" panose="020F0502020204030203" pitchFamily="34" charset="0"/>
+      <p:regular r:id="rId7"/>
+      <p:bold r:id="rId8"/>
+      <p:italic r:id="rId9"/>
+      <p:boldItalic r:id="rId10"/>
     </p:embeddedFont>
     <p:embeddedFont>
-      <p:font typeface="Lato"/>
-      <p:regular r:id="rId14"/>
-      <p:bold r:id="rId15"/>
-      <p:italic r:id="rId16"/>
-      <p:boldItalic r:id="rId17"/>
+      <p:font typeface="Montserrat" panose="00000500000000000000" pitchFamily="2" charset="0"/>
+      <p:regular r:id="rId11"/>
+      <p:bold r:id="rId12"/>
+      <p:italic r:id="rId13"/>
+      <p:boldItalic r:id="rId14"/>
     </p:embeddedFont>
   </p:embeddedFontLst>
   <p:defaultTextStyle>
-    <a:defPPr lvl="0" marR="0" rtl="0" algn="l">
+    <a:defPPr marR="0" lvl="0" algn="l" rtl="0">
       <a:lnSpc>
         <a:spcPct val="100000"/>
       </a:lnSpc>
@@ -43,7 +43,7 @@
         <a:spcPts val="0"/>
       </a:spcAft>
     </a:defPPr>
-    <a:lvl1pPr lvl="0" marR="0" rtl="0" algn="l">
+    <a:lvl1pPr marR="0" lvl="0" algn="l" rtl="0">
       <a:lnSpc>
         <a:spcPct val="100000"/>
       </a:lnSpc>
@@ -57,7 +57,7 @@
         <a:srgbClr val="000000"/>
       </a:buClr>
       <a:buFont typeface="Arial"/>
-      <a:defRPr b="0" i="0" sz="1400" u="none" cap="none" strike="noStrike">
+      <a:defRPr sz="1400" b="0" i="0" u="none" strike="noStrike" cap="none">
         <a:solidFill>
           <a:srgbClr val="000000"/>
         </a:solidFill>
@@ -67,7 +67,7 @@
         <a:sym typeface="Arial"/>
       </a:defRPr>
     </a:lvl1pPr>
-    <a:lvl2pPr lvl="1" marR="0" rtl="0" algn="l">
+    <a:lvl2pPr marR="0" lvl="1" algn="l" rtl="0">
       <a:lnSpc>
         <a:spcPct val="100000"/>
       </a:lnSpc>
@@ -81,7 +81,7 @@
         <a:srgbClr val="000000"/>
       </a:buClr>
       <a:buFont typeface="Arial"/>
-      <a:defRPr b="0" i="0" sz="1400" u="none" cap="none" strike="noStrike">
+      <a:defRPr sz="1400" b="0" i="0" u="none" strike="noStrike" cap="none">
         <a:solidFill>
           <a:srgbClr val="000000"/>
         </a:solidFill>
@@ -91,7 +91,7 @@
         <a:sym typeface="Arial"/>
       </a:defRPr>
     </a:lvl2pPr>
-    <a:lvl3pPr lvl="2" marR="0" rtl="0" algn="l">
+    <a:lvl3pPr marR="0" lvl="2" algn="l" rtl="0">
       <a:lnSpc>
         <a:spcPct val="100000"/>
       </a:lnSpc>
@@ -105,7 +105,7 @@
         <a:srgbClr val="000000"/>
       </a:buClr>
       <a:buFont typeface="Arial"/>
-      <a:defRPr b="0" i="0" sz="1400" u="none" cap="none" strike="noStrike">
+      <a:defRPr sz="1400" b="0" i="0" u="none" strike="noStrike" cap="none">
         <a:solidFill>
           <a:srgbClr val="000000"/>
         </a:solidFill>
@@ -115,7 +115,7 @@
         <a:sym typeface="Arial"/>
       </a:defRPr>
     </a:lvl3pPr>
-    <a:lvl4pPr lvl="3" marR="0" rtl="0" algn="l">
+    <a:lvl4pPr marR="0" lvl="3" algn="l" rtl="0">
       <a:lnSpc>
         <a:spcPct val="100000"/>
       </a:lnSpc>
@@ -129,7 +129,7 @@
         <a:srgbClr val="000000"/>
       </a:buClr>
       <a:buFont typeface="Arial"/>
-      <a:defRPr b="0" i="0" sz="1400" u="none" cap="none" strike="noStrike">
+      <a:defRPr sz="1400" b="0" i="0" u="none" strike="noStrike" cap="none">
         <a:solidFill>
           <a:srgbClr val="000000"/>
         </a:solidFill>
@@ -139,7 +139,7 @@
         <a:sym typeface="Arial"/>
       </a:defRPr>
     </a:lvl4pPr>
-    <a:lvl5pPr lvl="4" marR="0" rtl="0" algn="l">
+    <a:lvl5pPr marR="0" lvl="4" algn="l" rtl="0">
       <a:lnSpc>
         <a:spcPct val="100000"/>
       </a:lnSpc>
@@ -153,7 +153,7 @@
         <a:srgbClr val="000000"/>
       </a:buClr>
       <a:buFont typeface="Arial"/>
-      <a:defRPr b="0" i="0" sz="1400" u="none" cap="none" strike="noStrike">
+      <a:defRPr sz="1400" b="0" i="0" u="none" strike="noStrike" cap="none">
         <a:solidFill>
           <a:srgbClr val="000000"/>
         </a:solidFill>
@@ -163,7 +163,7 @@
         <a:sym typeface="Arial"/>
       </a:defRPr>
     </a:lvl5pPr>
-    <a:lvl6pPr lvl="5" marR="0" rtl="0" algn="l">
+    <a:lvl6pPr marR="0" lvl="5" algn="l" rtl="0">
       <a:lnSpc>
         <a:spcPct val="100000"/>
       </a:lnSpc>
@@ -177,7 +177,7 @@
         <a:srgbClr val="000000"/>
       </a:buClr>
       <a:buFont typeface="Arial"/>
-      <a:defRPr b="0" i="0" sz="1400" u="none" cap="none" strike="noStrike">
+      <a:defRPr sz="1400" b="0" i="0" u="none" strike="noStrike" cap="none">
         <a:solidFill>
           <a:srgbClr val="000000"/>
         </a:solidFill>
@@ -187,7 +187,7 @@
         <a:sym typeface="Arial"/>
       </a:defRPr>
     </a:lvl6pPr>
-    <a:lvl7pPr lvl="6" marR="0" rtl="0" algn="l">
+    <a:lvl7pPr marR="0" lvl="6" algn="l" rtl="0">
       <a:lnSpc>
         <a:spcPct val="100000"/>
       </a:lnSpc>
@@ -201,7 +201,7 @@
         <a:srgbClr val="000000"/>
       </a:buClr>
       <a:buFont typeface="Arial"/>
-      <a:defRPr b="0" i="0" sz="1400" u="none" cap="none" strike="noStrike">
+      <a:defRPr sz="1400" b="0" i="0" u="none" strike="noStrike" cap="none">
         <a:solidFill>
           <a:srgbClr val="000000"/>
         </a:solidFill>
@@ -211,7 +211,7 @@
         <a:sym typeface="Arial"/>
       </a:defRPr>
     </a:lvl7pPr>
-    <a:lvl8pPr lvl="7" marR="0" rtl="0" algn="l">
+    <a:lvl8pPr marR="0" lvl="7" algn="l" rtl="0">
       <a:lnSpc>
         <a:spcPct val="100000"/>
       </a:lnSpc>
@@ -225,7 +225,7 @@
         <a:srgbClr val="000000"/>
       </a:buClr>
       <a:buFont typeface="Arial"/>
-      <a:defRPr b="0" i="0" sz="1400" u="none" cap="none" strike="noStrike">
+      <a:defRPr sz="1400" b="0" i="0" u="none" strike="noStrike" cap="none">
         <a:solidFill>
           <a:srgbClr val="000000"/>
         </a:solidFill>
@@ -235,7 +235,7 @@
         <a:sym typeface="Arial"/>
       </a:defRPr>
     </a:lvl8pPr>
-    <a:lvl9pPr lvl="8" marR="0" rtl="0" algn="l">
+    <a:lvl9pPr marR="0" lvl="8" algn="l" rtl="0">
       <a:lnSpc>
         <a:spcPct val="100000"/>
       </a:lnSpc>
@@ -249,7 +249,7 @@
         <a:srgbClr val="000000"/>
       </a:buClr>
       <a:buFont typeface="Arial"/>
-      <a:defRPr b="0" i="0" sz="1400" u="none" cap="none" strike="noStrike">
+      <a:defRPr sz="1400" b="0" i="0" u="none" strike="noStrike" cap="none">
         <a:solidFill>
           <a:srgbClr val="000000"/>
         </a:solidFill>
@@ -262,7 +262,7 @@
   </p:defaultTextStyle>
   <p:extLst>
     <p:ext uri="{EFAFB233-063F-42B5-8137-9DF3F51BA10A}">
-      <p15:sldGuideLst>
+      <p15:sldGuideLst xmlns:p15="http://schemas.microsoft.com/office/powerpoint/2012/main">
         <p15:guide id="1" orient="horz" pos="1620">
           <p15:clr>
             <a:srgbClr val="747775"/>
@@ -280,11 +280,16 @@
 </file>
 
 <file path=ppt/notesMasters/notesMaster1.xml><?xml version="1.0" encoding="utf-8"?>
-<p:notesMaster xmlns:a="http://schemas.openxmlformats.org/drawingml/2006/main" xmlns:r="http://schemas.openxmlformats.org/officeDocument/2006/relationships" xmlns:mc="http://schemas.openxmlformats.org/markup-compatibility/2006" xmlns:mv="urn:schemas-microsoft-com:mac:vml" xmlns:p="http://schemas.openxmlformats.org/presentationml/2006/main" xmlns:c="http://schemas.openxmlformats.org/drawingml/2006/chart" xmlns:dgm="http://schemas.openxmlformats.org/drawingml/2006/diagram" xmlns:o="urn:schemas-microsoft-com:office:office" xmlns:v="urn:schemas-microsoft-com:vml" xmlns:pvml="urn:schemas-microsoft-com:office:powerpoint" xmlns:com="http://schemas.openxmlformats.org/drawingml/2006/compatibility" xmlns:p14="http://schemas.microsoft.com/office/powerpoint/2010/main" xmlns:p15="http://schemas.microsoft.com/office/powerpoint/2012/main" xmlns:ahyp="http://schemas.microsoft.com/office/drawing/2018/hyperlinkcolor">
+<p:notesMaster xmlns:a="http://schemas.openxmlformats.org/drawingml/2006/main" xmlns:r="http://schemas.openxmlformats.org/officeDocument/2006/relationships" xmlns:p="http://schemas.openxmlformats.org/presentationml/2006/main">
   <p:cSld>
+    <p:bg>
+      <p:bgRef idx="1001">
+        <a:schemeClr val="bg1"/>
+      </p:bgRef>
+    </p:bg>
     <p:spTree>
       <p:nvGrpSpPr>
-        <p:cNvPr id="2" name="Shape 2"/>
+        <p:cNvPr id="1" name="Shape 2"/>
         <p:cNvGrpSpPr/>
         <p:nvPr/>
       </p:nvGrpSpPr>
@@ -299,9 +304,11 @@
       <p:sp>
         <p:nvSpPr>
           <p:cNvPr id="3" name="Google Shape;3;n"/>
-          <p:cNvSpPr/>
+          <p:cNvSpPr>
+            <a:spLocks noGrp="1" noRot="1" noChangeAspect="1"/>
+          </p:cNvSpPr>
           <p:nvPr>
-            <p:ph idx="2" type="sldImg"/>
+            <p:ph type="sldImg" idx="2"/>
           </p:nvPr>
         </p:nvSpPr>
         <p:spPr>
@@ -310,9 +317,13 @@
             <a:ext cx="6096075" cy="3429000"/>
           </a:xfrm>
           <a:custGeom>
-            <a:rect b="b" l="l" r="r" t="t"/>
+            <a:avLst/>
+            <a:gdLst/>
+            <a:ahLst/>
+            <a:cxnLst/>
+            <a:rect l="l" t="t" r="r" b="b"/>
             <a:pathLst>
-              <a:path extrusionOk="0" h="120000" w="120000">
+              <a:path w="120000" h="120000" extrusionOk="0">
                 <a:moveTo>
                   <a:pt x="0" y="0"/>
                 </a:moveTo>
@@ -330,23 +341,25 @@
             </a:pathLst>
           </a:custGeom>
           <a:noFill/>
-          <a:ln cap="flat" cmpd="sng" w="9525">
+          <a:ln w="9525" cap="flat" cmpd="sng">
             <a:solidFill>
               <a:srgbClr val="000000"/>
             </a:solidFill>
             <a:prstDash val="solid"/>
             <a:round/>
-            <a:headEnd len="sm" w="sm" type="none"/>
-            <a:tailEnd len="sm" w="sm" type="none"/>
+            <a:headEnd type="none" w="sm" len="sm"/>
+            <a:tailEnd type="none" w="sm" len="sm"/>
           </a:ln>
         </p:spPr>
       </p:sp>
       <p:sp>
         <p:nvSpPr>
           <p:cNvPr id="4" name="Google Shape;4;n"/>
-          <p:cNvSpPr txBox="1"/>
+          <p:cNvSpPr txBox="1">
+            <a:spLocks noGrp="1"/>
+          </p:cNvSpPr>
           <p:nvPr>
-            <p:ph idx="1" type="body"/>
+            <p:ph type="body" idx="1"/>
           </p:nvPr>
         </p:nvSpPr>
         <p:spPr>
@@ -363,11 +376,11 @@
           </a:ln>
         </p:spPr>
         <p:txBody>
-          <a:bodyPr anchorCtr="0" anchor="t" bIns="91425" lIns="91425" spcFirstLastPara="1" rIns="91425" wrap="square" tIns="91425">
+          <a:bodyPr spcFirstLastPara="1" wrap="square" lIns="91425" tIns="91425" rIns="91425" bIns="91425" anchor="t" anchorCtr="0">
             <a:noAutofit/>
           </a:bodyPr>
           <a:lstStyle>
-            <a:lvl1pPr indent="-298450" lvl="0" marL="457200">
+            <a:lvl1pPr marL="457200" lvl="0" indent="-298450">
               <a:spcBef>
                 <a:spcPts val="0"/>
               </a:spcBef>
@@ -378,7 +391,7 @@
               <a:buChar char="●"/>
               <a:defRPr sz="1100"/>
             </a:lvl1pPr>
-            <a:lvl2pPr indent="-298450" lvl="1" marL="914400">
+            <a:lvl2pPr marL="914400" lvl="1" indent="-298450">
               <a:spcBef>
                 <a:spcPts val="0"/>
               </a:spcBef>
@@ -389,7 +402,7 @@
               <a:buChar char="○"/>
               <a:defRPr sz="1100"/>
             </a:lvl2pPr>
-            <a:lvl3pPr indent="-298450" lvl="2" marL="1371600">
+            <a:lvl3pPr marL="1371600" lvl="2" indent="-298450">
               <a:spcBef>
                 <a:spcPts val="0"/>
               </a:spcBef>
@@ -400,7 +413,7 @@
               <a:buChar char="■"/>
               <a:defRPr sz="1100"/>
             </a:lvl3pPr>
-            <a:lvl4pPr indent="-298450" lvl="3" marL="1828800">
+            <a:lvl4pPr marL="1828800" lvl="3" indent="-298450">
               <a:spcBef>
                 <a:spcPts val="0"/>
               </a:spcBef>
@@ -411,7 +424,7 @@
               <a:buChar char="●"/>
               <a:defRPr sz="1100"/>
             </a:lvl4pPr>
-            <a:lvl5pPr indent="-298450" lvl="4" marL="2286000">
+            <a:lvl5pPr marL="2286000" lvl="4" indent="-298450">
               <a:spcBef>
                 <a:spcPts val="0"/>
               </a:spcBef>
@@ -422,7 +435,7 @@
               <a:buChar char="○"/>
               <a:defRPr sz="1100"/>
             </a:lvl5pPr>
-            <a:lvl6pPr indent="-298450" lvl="5" marL="2743200">
+            <a:lvl6pPr marL="2743200" lvl="5" indent="-298450">
               <a:spcBef>
                 <a:spcPts val="0"/>
               </a:spcBef>
@@ -433,7 +446,7 @@
               <a:buChar char="■"/>
               <a:defRPr sz="1100"/>
             </a:lvl6pPr>
-            <a:lvl7pPr indent="-298450" lvl="6" marL="3200400">
+            <a:lvl7pPr marL="3200400" lvl="6" indent="-298450">
               <a:spcBef>
                 <a:spcPts val="0"/>
               </a:spcBef>
@@ -444,7 +457,7 @@
               <a:buChar char="●"/>
               <a:defRPr sz="1100"/>
             </a:lvl7pPr>
-            <a:lvl8pPr indent="-298450" lvl="7" marL="3657600">
+            <a:lvl8pPr marL="3657600" lvl="7" indent="-298450">
               <a:spcBef>
                 <a:spcPts val="0"/>
               </a:spcBef>
@@ -455,7 +468,7 @@
               <a:buChar char="○"/>
               <a:defRPr sz="1100"/>
             </a:lvl8pPr>
-            <a:lvl9pPr indent="-298450" lvl="8" marL="4114800">
+            <a:lvl9pPr marL="4114800" lvl="8" indent="-298450">
               <a:spcBef>
                 <a:spcPts val="0"/>
               </a:spcBef>
@@ -467,14 +480,16 @@
               <a:defRPr sz="1100"/>
             </a:lvl9pPr>
           </a:lstStyle>
-          <a:p/>
+          <a:p>
+            <a:endParaRPr/>
+          </a:p>
         </p:txBody>
       </p:sp>
     </p:spTree>
   </p:cSld>
-  <p:clrMap accent1="accent1" accent2="accent2" accent3="accent3" accent4="accent4" accent5="accent5" accent6="accent6" bg1="lt1" bg2="dk2" tx1="dk1" tx2="lt2" folHlink="folHlink" hlink="hlink"/>
+  <p:clrMap bg1="lt1" tx1="dk1" bg2="dk2" tx2="lt2" accent1="accent1" accent2="accent2" accent3="accent3" accent4="accent4" accent5="accent5" accent6="accent6" hlink="hlink" folHlink="folHlink"/>
   <p:notesStyle>
-    <a:defPPr lvl="0" marR="0" rtl="0" algn="l">
+    <a:defPPr marR="0" lvl="0" algn="l" rtl="0">
       <a:lnSpc>
         <a:spcPct val="100000"/>
       </a:lnSpc>
@@ -485,7 +500,7 @@
         <a:spcPts val="0"/>
       </a:spcAft>
     </a:defPPr>
-    <a:lvl1pPr lvl="0" marR="0" rtl="0" algn="l">
+    <a:lvl1pPr marR="0" lvl="0" algn="l" rtl="0">
       <a:lnSpc>
         <a:spcPct val="100000"/>
       </a:lnSpc>
@@ -499,7 +514,7 @@
         <a:srgbClr val="000000"/>
       </a:buClr>
       <a:buFont typeface="Arial"/>
-      <a:defRPr b="0" i="0" sz="1400" u="none" cap="none" strike="noStrike">
+      <a:defRPr sz="1400" b="0" i="0" u="none" strike="noStrike" cap="none">
         <a:solidFill>
           <a:srgbClr val="000000"/>
         </a:solidFill>
@@ -509,7 +524,7 @@
         <a:sym typeface="Arial"/>
       </a:defRPr>
     </a:lvl1pPr>
-    <a:lvl2pPr lvl="1" marR="0" rtl="0" algn="l">
+    <a:lvl2pPr marR="0" lvl="1" algn="l" rtl="0">
       <a:lnSpc>
         <a:spcPct val="100000"/>
       </a:lnSpc>
@@ -523,7 +538,7 @@
         <a:srgbClr val="000000"/>
       </a:buClr>
       <a:buFont typeface="Arial"/>
-      <a:defRPr b="0" i="0" sz="1400" u="none" cap="none" strike="noStrike">
+      <a:defRPr sz="1400" b="0" i="0" u="none" strike="noStrike" cap="none">
         <a:solidFill>
           <a:srgbClr val="000000"/>
         </a:solidFill>
@@ -533,7 +548,7 @@
         <a:sym typeface="Arial"/>
       </a:defRPr>
     </a:lvl2pPr>
-    <a:lvl3pPr lvl="2" marR="0" rtl="0" algn="l">
+    <a:lvl3pPr marR="0" lvl="2" algn="l" rtl="0">
       <a:lnSpc>
         <a:spcPct val="100000"/>
       </a:lnSpc>
@@ -547,7 +562,7 @@
         <a:srgbClr val="000000"/>
       </a:buClr>
       <a:buFont typeface="Arial"/>
-      <a:defRPr b="0" i="0" sz="1400" u="none" cap="none" strike="noStrike">
+      <a:defRPr sz="1400" b="0" i="0" u="none" strike="noStrike" cap="none">
         <a:solidFill>
           <a:srgbClr val="000000"/>
         </a:solidFill>
@@ -557,7 +572,7 @@
         <a:sym typeface="Arial"/>
       </a:defRPr>
     </a:lvl3pPr>
-    <a:lvl4pPr lvl="3" marR="0" rtl="0" algn="l">
+    <a:lvl4pPr marR="0" lvl="3" algn="l" rtl="0">
       <a:lnSpc>
         <a:spcPct val="100000"/>
       </a:lnSpc>
@@ -571,7 +586,7 @@
         <a:srgbClr val="000000"/>
       </a:buClr>
       <a:buFont typeface="Arial"/>
-      <a:defRPr b="0" i="0" sz="1400" u="none" cap="none" strike="noStrike">
+      <a:defRPr sz="1400" b="0" i="0" u="none" strike="noStrike" cap="none">
         <a:solidFill>
           <a:srgbClr val="000000"/>
         </a:solidFill>
@@ -581,7 +596,7 @@
         <a:sym typeface="Arial"/>
       </a:defRPr>
     </a:lvl4pPr>
-    <a:lvl5pPr lvl="4" marR="0" rtl="0" algn="l">
+    <a:lvl5pPr marR="0" lvl="4" algn="l" rtl="0">
       <a:lnSpc>
         <a:spcPct val="100000"/>
       </a:lnSpc>
@@ -595,7 +610,7 @@
         <a:srgbClr val="000000"/>
       </a:buClr>
       <a:buFont typeface="Arial"/>
-      <a:defRPr b="0" i="0" sz="1400" u="none" cap="none" strike="noStrike">
+      <a:defRPr sz="1400" b="0" i="0" u="none" strike="noStrike" cap="none">
         <a:solidFill>
           <a:srgbClr val="000000"/>
         </a:solidFill>
@@ -605,7 +620,7 @@
         <a:sym typeface="Arial"/>
       </a:defRPr>
     </a:lvl5pPr>
-    <a:lvl6pPr lvl="5" marR="0" rtl="0" algn="l">
+    <a:lvl6pPr marR="0" lvl="5" algn="l" rtl="0">
       <a:lnSpc>
         <a:spcPct val="100000"/>
       </a:lnSpc>
@@ -619,7 +634,7 @@
         <a:srgbClr val="000000"/>
       </a:buClr>
       <a:buFont typeface="Arial"/>
-      <a:defRPr b="0" i="0" sz="1400" u="none" cap="none" strike="noStrike">
+      <a:defRPr sz="1400" b="0" i="0" u="none" strike="noStrike" cap="none">
         <a:solidFill>
           <a:srgbClr val="000000"/>
         </a:solidFill>
@@ -629,7 +644,7 @@
         <a:sym typeface="Arial"/>
       </a:defRPr>
     </a:lvl6pPr>
-    <a:lvl7pPr lvl="6" marR="0" rtl="0" algn="l">
+    <a:lvl7pPr marR="0" lvl="6" algn="l" rtl="0">
       <a:lnSpc>
         <a:spcPct val="100000"/>
       </a:lnSpc>
@@ -643,7 +658,7 @@
         <a:srgbClr val="000000"/>
       </a:buClr>
       <a:buFont typeface="Arial"/>
-      <a:defRPr b="0" i="0" sz="1400" u="none" cap="none" strike="noStrike">
+      <a:defRPr sz="1400" b="0" i="0" u="none" strike="noStrike" cap="none">
         <a:solidFill>
           <a:srgbClr val="000000"/>
         </a:solidFill>
@@ -653,7 +668,7 @@
         <a:sym typeface="Arial"/>
       </a:defRPr>
     </a:lvl7pPr>
-    <a:lvl8pPr lvl="7" marR="0" rtl="0" algn="l">
+    <a:lvl8pPr marR="0" lvl="7" algn="l" rtl="0">
       <a:lnSpc>
         <a:spcPct val="100000"/>
       </a:lnSpc>
@@ -667,7 +682,7 @@
         <a:srgbClr val="000000"/>
       </a:buClr>
       <a:buFont typeface="Arial"/>
-      <a:defRPr b="0" i="0" sz="1400" u="none" cap="none" strike="noStrike">
+      <a:defRPr sz="1400" b="0" i="0" u="none" strike="noStrike" cap="none">
         <a:solidFill>
           <a:srgbClr val="000000"/>
         </a:solidFill>
@@ -677,7 +692,7 @@
         <a:sym typeface="Arial"/>
       </a:defRPr>
     </a:lvl8pPr>
-    <a:lvl9pPr lvl="8" marR="0" rtl="0" algn="l">
+    <a:lvl9pPr marR="0" lvl="8" algn="l" rtl="0">
       <a:lnSpc>
         <a:spcPct val="100000"/>
       </a:lnSpc>
@@ -691,7 +706,7 @@
         <a:srgbClr val="000000"/>
       </a:buClr>
       <a:buFont typeface="Arial"/>
-      <a:defRPr b="0" i="0" sz="1400" u="none" cap="none" strike="noStrike">
+      <a:defRPr sz="1400" b="0" i="0" u="none" strike="noStrike" cap="none">
         <a:solidFill>
           <a:srgbClr val="000000"/>
         </a:solidFill>
@@ -706,11 +721,11 @@
 </file>
 
 <file path=ppt/notesSlides/notesSlide1.xml><?xml version="1.0" encoding="utf-8"?>
-<p:notes xmlns:a="http://schemas.openxmlformats.org/drawingml/2006/main" xmlns:r="http://schemas.openxmlformats.org/officeDocument/2006/relationships" xmlns:mc="http://schemas.openxmlformats.org/markup-compatibility/2006" xmlns:mv="urn:schemas-microsoft-com:mac:vml" xmlns:p="http://schemas.openxmlformats.org/presentationml/2006/main" xmlns:c="http://schemas.openxmlformats.org/drawingml/2006/chart" xmlns:dgm="http://schemas.openxmlformats.org/drawingml/2006/diagram" xmlns:o="urn:schemas-microsoft-com:office:office" xmlns:v="urn:schemas-microsoft-com:vml" xmlns:pvml="urn:schemas-microsoft-com:office:powerpoint" xmlns:com="http://schemas.openxmlformats.org/drawingml/2006/compatibility" xmlns:p14="http://schemas.microsoft.com/office/powerpoint/2010/main" xmlns:p15="http://schemas.microsoft.com/office/powerpoint/2012/main" xmlns:ahyp="http://schemas.microsoft.com/office/drawing/2018/hyperlinkcolor" showMasterPhAnim="0" showMasterSp="0">
+<p:notes xmlns:a="http://schemas.openxmlformats.org/drawingml/2006/main" xmlns:r="http://schemas.openxmlformats.org/officeDocument/2006/relationships" xmlns:p="http://schemas.openxmlformats.org/presentationml/2006/main" showMasterSp="0" showMasterPhAnim="0">
   <p:cSld>
     <p:spTree>
       <p:nvGrpSpPr>
-        <p:cNvPr id="130" name="Shape 130"/>
+        <p:cNvPr id="1" name="Shape 130"/>
         <p:cNvGrpSpPr/>
         <p:nvPr/>
       </p:nvGrpSpPr>
@@ -725,20 +740,26 @@
       <p:sp>
         <p:nvSpPr>
           <p:cNvPr id="131" name="Google Shape;131;p:notes"/>
-          <p:cNvSpPr/>
+          <p:cNvSpPr>
+            <a:spLocks noGrp="1" noRot="1" noChangeAspect="1"/>
+          </p:cNvSpPr>
           <p:nvPr>
-            <p:ph idx="2" type="sldImg"/>
+            <p:ph type="sldImg" idx="2"/>
           </p:nvPr>
         </p:nvSpPr>
         <p:spPr>
           <a:xfrm>
-            <a:off x="381300" y="685800"/>
-            <a:ext cx="6096075" cy="3429000"/>
+            <a:off x="381000" y="685800"/>
+            <a:ext cx="6096000" cy="3429000"/>
           </a:xfrm>
           <a:custGeom>
-            <a:rect b="b" l="l" r="r" t="t"/>
+            <a:avLst/>
+            <a:gdLst/>
+            <a:ahLst/>
+            <a:cxnLst/>
+            <a:rect l="l" t="t" r="r" b="b"/>
             <a:pathLst>
-              <a:path extrusionOk="0" h="120000" w="120000">
+              <a:path w="120000" h="120000" extrusionOk="0">
                 <a:moveTo>
                   <a:pt x="0" y="0"/>
                 </a:moveTo>
@@ -760,9 +781,11 @@
       <p:sp>
         <p:nvSpPr>
           <p:cNvPr id="132" name="Google Shape;132;p:notes"/>
-          <p:cNvSpPr txBox="1"/>
+          <p:cNvSpPr txBox="1">
+            <a:spLocks noGrp="1"/>
+          </p:cNvSpPr>
           <p:nvPr>
-            <p:ph idx="1" type="body"/>
+            <p:ph type="body" idx="1"/>
           </p:nvPr>
         </p:nvSpPr>
         <p:spPr>
@@ -775,12 +798,12 @@
           </a:prstGeom>
         </p:spPr>
         <p:txBody>
-          <a:bodyPr anchorCtr="0" anchor="t" bIns="91425" lIns="91425" spcFirstLastPara="1" rIns="91425" wrap="square" tIns="91425">
+          <a:bodyPr spcFirstLastPara="1" wrap="square" lIns="91425" tIns="91425" rIns="91425" bIns="91425" anchor="t" anchorCtr="0">
             <a:noAutofit/>
           </a:bodyPr>
           <a:lstStyle/>
           <a:p>
-            <a:pPr indent="0" lvl="0" marL="0" rtl="0" algn="l">
+            <a:pPr marL="0" lvl="0" indent="0" algn="l" rtl="0">
               <a:spcBef>
                 <a:spcPts val="0"/>
               </a:spcBef>
@@ -789,9 +812,6 @@
               </a:spcAft>
               <a:buNone/>
             </a:pPr>
-            <a:r>
-              <a:t/>
-            </a:r>
             <a:endParaRPr/>
           </a:p>
         </p:txBody>
@@ -805,11 +825,11 @@
 </file>
 
 <file path=ppt/notesSlides/notesSlide2.xml><?xml version="1.0" encoding="utf-8"?>
-<p:notes xmlns:a="http://schemas.openxmlformats.org/drawingml/2006/main" xmlns:r="http://schemas.openxmlformats.org/officeDocument/2006/relationships" xmlns:mc="http://schemas.openxmlformats.org/markup-compatibility/2006" xmlns:mv="urn:schemas-microsoft-com:mac:vml" xmlns:p="http://schemas.openxmlformats.org/presentationml/2006/main" xmlns:c="http://schemas.openxmlformats.org/drawingml/2006/chart" xmlns:dgm="http://schemas.openxmlformats.org/drawingml/2006/diagram" xmlns:o="urn:schemas-microsoft-com:office:office" xmlns:v="urn:schemas-microsoft-com:vml" xmlns:pvml="urn:schemas-microsoft-com:office:powerpoint" xmlns:com="http://schemas.openxmlformats.org/drawingml/2006/compatibility" xmlns:p14="http://schemas.microsoft.com/office/powerpoint/2010/main" xmlns:p15="http://schemas.microsoft.com/office/powerpoint/2012/main" xmlns:ahyp="http://schemas.microsoft.com/office/drawing/2018/hyperlinkcolor" showMasterPhAnim="0" showMasterSp="0">
+<p:notes xmlns:a="http://schemas.openxmlformats.org/drawingml/2006/main" xmlns:r="http://schemas.openxmlformats.org/officeDocument/2006/relationships" xmlns:p="http://schemas.openxmlformats.org/presentationml/2006/main" showMasterSp="0" showMasterPhAnim="0">
   <p:cSld>
     <p:spTree>
       <p:nvGrpSpPr>
-        <p:cNvPr id="144" name="Shape 144"/>
+        <p:cNvPr id="1" name="Shape 284"/>
         <p:cNvGrpSpPr/>
         <p:nvPr/>
       </p:nvGrpSpPr>
@@ -823,21 +843,27 @@
       </p:grpSpPr>
       <p:sp>
         <p:nvSpPr>
-          <p:cNvPr id="145" name="Google Shape;145;g242cf0fc797_0_49:notes"/>
-          <p:cNvSpPr/>
+          <p:cNvPr id="285" name="Google Shape;285;g2436440780a_0_27:notes"/>
+          <p:cNvSpPr>
+            <a:spLocks noGrp="1" noRot="1" noChangeAspect="1"/>
+          </p:cNvSpPr>
           <p:nvPr>
-            <p:ph idx="2" type="sldImg"/>
+            <p:ph type="sldImg" idx="2"/>
           </p:nvPr>
         </p:nvSpPr>
         <p:spPr>
           <a:xfrm>
-            <a:off x="381300" y="685800"/>
+            <a:off x="381000" y="685800"/>
             <a:ext cx="6096000" cy="3429000"/>
           </a:xfrm>
           <a:custGeom>
-            <a:rect b="b" l="l" r="r" t="t"/>
+            <a:avLst/>
+            <a:gdLst/>
+            <a:ahLst/>
+            <a:cxnLst/>
+            <a:rect l="l" t="t" r="r" b="b"/>
             <a:pathLst>
-              <a:path extrusionOk="0" h="120000" w="120000">
+              <a:path w="120000" h="120000" extrusionOk="0">
                 <a:moveTo>
                   <a:pt x="0" y="0"/>
                 </a:moveTo>
@@ -858,10 +884,12 @@
       </p:sp>
       <p:sp>
         <p:nvSpPr>
-          <p:cNvPr id="146" name="Google Shape;146;g242cf0fc797_0_49:notes"/>
-          <p:cNvSpPr txBox="1"/>
+          <p:cNvPr id="286" name="Google Shape;286;g2436440780a_0_27:notes"/>
+          <p:cNvSpPr txBox="1">
+            <a:spLocks noGrp="1"/>
+          </p:cNvSpPr>
           <p:nvPr>
-            <p:ph idx="1" type="body"/>
+            <p:ph type="body" idx="1"/>
           </p:nvPr>
         </p:nvSpPr>
         <p:spPr>
@@ -874,12 +902,12 @@
           </a:prstGeom>
         </p:spPr>
         <p:txBody>
-          <a:bodyPr anchorCtr="0" anchor="t" bIns="91425" lIns="91425" spcFirstLastPara="1" rIns="91425" wrap="square" tIns="91425">
+          <a:bodyPr spcFirstLastPara="1" wrap="square" lIns="91425" tIns="91425" rIns="91425" bIns="91425" anchor="t" anchorCtr="0">
             <a:noAutofit/>
           </a:bodyPr>
           <a:lstStyle/>
           <a:p>
-            <a:pPr indent="0" lvl="0" marL="0" rtl="0" algn="l">
+            <a:pPr marL="0" lvl="0" indent="0" algn="l" rtl="0">
               <a:spcBef>
                 <a:spcPts val="0"/>
               </a:spcBef>
@@ -888,9 +916,6 @@
               </a:spcAft>
               <a:buNone/>
             </a:pPr>
-            <a:r>
-              <a:t/>
-            </a:r>
             <a:endParaRPr/>
           </a:p>
         </p:txBody>
@@ -904,11 +929,11 @@
 </file>
 
 <file path=ppt/notesSlides/notesSlide3.xml><?xml version="1.0" encoding="utf-8"?>
-<p:notes xmlns:a="http://schemas.openxmlformats.org/drawingml/2006/main" xmlns:r="http://schemas.openxmlformats.org/officeDocument/2006/relationships" xmlns:mc="http://schemas.openxmlformats.org/markup-compatibility/2006" xmlns:mv="urn:schemas-microsoft-com:mac:vml" xmlns:p="http://schemas.openxmlformats.org/presentationml/2006/main" xmlns:c="http://schemas.openxmlformats.org/drawingml/2006/chart" xmlns:dgm="http://schemas.openxmlformats.org/drawingml/2006/diagram" xmlns:o="urn:schemas-microsoft-com:office:office" xmlns:v="urn:schemas-microsoft-com:vml" xmlns:pvml="urn:schemas-microsoft-com:office:powerpoint" xmlns:com="http://schemas.openxmlformats.org/drawingml/2006/compatibility" xmlns:p14="http://schemas.microsoft.com/office/powerpoint/2010/main" xmlns:p15="http://schemas.microsoft.com/office/powerpoint/2012/main" xmlns:ahyp="http://schemas.microsoft.com/office/drawing/2018/hyperlinkcolor" showMasterPhAnim="0" showMasterSp="0">
+<p:notes xmlns:a="http://schemas.openxmlformats.org/drawingml/2006/main" xmlns:r="http://schemas.openxmlformats.org/officeDocument/2006/relationships" xmlns:p="http://schemas.openxmlformats.org/presentationml/2006/main" showMasterSp="0" showMasterPhAnim="0">
   <p:cSld>
     <p:spTree>
       <p:nvGrpSpPr>
-        <p:cNvPr id="157" name="Shape 157"/>
+        <p:cNvPr id="1" name="Shape 284"/>
         <p:cNvGrpSpPr/>
         <p:nvPr/>
       </p:nvGrpSpPr>
@@ -922,21 +947,27 @@
       </p:grpSpPr>
       <p:sp>
         <p:nvSpPr>
-          <p:cNvPr id="158" name="Google Shape;158;g242cf0fc797_1_18:notes"/>
-          <p:cNvSpPr/>
+          <p:cNvPr id="285" name="Google Shape;285;g2436440780a_0_27:notes"/>
+          <p:cNvSpPr>
+            <a:spLocks noGrp="1" noRot="1" noChangeAspect="1"/>
+          </p:cNvSpPr>
           <p:nvPr>
-            <p:ph idx="2" type="sldImg"/>
+            <p:ph type="sldImg" idx="2"/>
           </p:nvPr>
         </p:nvSpPr>
         <p:spPr>
           <a:xfrm>
-            <a:off x="381300" y="685800"/>
+            <a:off x="381000" y="685800"/>
             <a:ext cx="6096000" cy="3429000"/>
           </a:xfrm>
           <a:custGeom>
-            <a:rect b="b" l="l" r="r" t="t"/>
+            <a:avLst/>
+            <a:gdLst/>
+            <a:ahLst/>
+            <a:cxnLst/>
+            <a:rect l="l" t="t" r="r" b="b"/>
             <a:pathLst>
-              <a:path extrusionOk="0" h="120000" w="120000">
+              <a:path w="120000" h="120000" extrusionOk="0">
                 <a:moveTo>
                   <a:pt x="0" y="0"/>
                 </a:moveTo>
@@ -957,10 +988,12 @@
       </p:sp>
       <p:sp>
         <p:nvSpPr>
-          <p:cNvPr id="159" name="Google Shape;159;g242cf0fc797_1_18:notes"/>
-          <p:cNvSpPr txBox="1"/>
+          <p:cNvPr id="286" name="Google Shape;286;g2436440780a_0_27:notes"/>
+          <p:cNvSpPr txBox="1">
+            <a:spLocks noGrp="1"/>
+          </p:cNvSpPr>
           <p:nvPr>
-            <p:ph idx="1" type="body"/>
+            <p:ph type="body" idx="1"/>
           </p:nvPr>
         </p:nvSpPr>
         <p:spPr>
@@ -973,12 +1006,12 @@
           </a:prstGeom>
         </p:spPr>
         <p:txBody>
-          <a:bodyPr anchorCtr="0" anchor="t" bIns="91425" lIns="91425" spcFirstLastPara="1" rIns="91425" wrap="square" tIns="91425">
+          <a:bodyPr spcFirstLastPara="1" wrap="square" lIns="91425" tIns="91425" rIns="91425" bIns="91425" anchor="t" anchorCtr="0">
             <a:noAutofit/>
           </a:bodyPr>
           <a:lstStyle/>
           <a:p>
-            <a:pPr indent="0" lvl="0" marL="0" rtl="0" algn="l">
+            <a:pPr marL="0" lvl="0" indent="0" algn="l" rtl="0">
               <a:spcBef>
                 <a:spcPts val="0"/>
               </a:spcBef>
@@ -987,14 +1020,16 @@
               </a:spcAft>
               <a:buNone/>
             </a:pPr>
-            <a:r>
-              <a:t/>
-            </a:r>
             <a:endParaRPr/>
           </a:p>
         </p:txBody>
       </p:sp>
     </p:spTree>
+    <p:extLst>
+      <p:ext uri="{BB962C8B-B14F-4D97-AF65-F5344CB8AC3E}">
+        <p14:creationId xmlns:p14="http://schemas.microsoft.com/office/powerpoint/2010/main" val="1358307729"/>
+      </p:ext>
+    </p:extLst>
   </p:cSld>
   <p:clrMapOvr>
     <a:masterClrMapping/>
@@ -1003,11 +1038,11 @@
 </file>
 
 <file path=ppt/notesSlides/notesSlide4.xml><?xml version="1.0" encoding="utf-8"?>
-<p:notes xmlns:a="http://schemas.openxmlformats.org/drawingml/2006/main" xmlns:r="http://schemas.openxmlformats.org/officeDocument/2006/relationships" xmlns:mc="http://schemas.openxmlformats.org/markup-compatibility/2006" xmlns:mv="urn:schemas-microsoft-com:mac:vml" xmlns:p="http://schemas.openxmlformats.org/presentationml/2006/main" xmlns:c="http://schemas.openxmlformats.org/drawingml/2006/chart" xmlns:dgm="http://schemas.openxmlformats.org/drawingml/2006/diagram" xmlns:o="urn:schemas-microsoft-com:office:office" xmlns:v="urn:schemas-microsoft-com:vml" xmlns:pvml="urn:schemas-microsoft-com:office:powerpoint" xmlns:com="http://schemas.openxmlformats.org/drawingml/2006/compatibility" xmlns:p14="http://schemas.microsoft.com/office/powerpoint/2010/main" xmlns:p15="http://schemas.microsoft.com/office/powerpoint/2012/main" xmlns:ahyp="http://schemas.microsoft.com/office/drawing/2018/hyperlinkcolor" showMasterPhAnim="0" showMasterSp="0">
+<p:notes xmlns:a="http://schemas.openxmlformats.org/drawingml/2006/main" xmlns:r="http://schemas.openxmlformats.org/officeDocument/2006/relationships" xmlns:p="http://schemas.openxmlformats.org/presentationml/2006/main" showMasterSp="0" showMasterPhAnim="0">
   <p:cSld>
     <p:spTree>
       <p:nvGrpSpPr>
-        <p:cNvPr id="170" name="Shape 170"/>
+        <p:cNvPr id="1" name="Shape 284"/>
         <p:cNvGrpSpPr/>
         <p:nvPr/>
       </p:nvGrpSpPr>
@@ -1021,21 +1056,27 @@
       </p:grpSpPr>
       <p:sp>
         <p:nvSpPr>
-          <p:cNvPr id="171" name="Google Shape;171;g242cf0fc797_2_1:notes"/>
-          <p:cNvSpPr/>
+          <p:cNvPr id="285" name="Google Shape;285;g2436440780a_0_27:notes"/>
+          <p:cNvSpPr>
+            <a:spLocks noGrp="1" noRot="1" noChangeAspect="1"/>
+          </p:cNvSpPr>
           <p:nvPr>
-            <p:ph idx="2" type="sldImg"/>
+            <p:ph type="sldImg" idx="2"/>
           </p:nvPr>
         </p:nvSpPr>
         <p:spPr>
           <a:xfrm>
-            <a:off x="381300" y="685800"/>
+            <a:off x="381000" y="685800"/>
             <a:ext cx="6096000" cy="3429000"/>
           </a:xfrm>
           <a:custGeom>
-            <a:rect b="b" l="l" r="r" t="t"/>
+            <a:avLst/>
+            <a:gdLst/>
+            <a:ahLst/>
+            <a:cxnLst/>
+            <a:rect l="l" t="t" r="r" b="b"/>
             <a:pathLst>
-              <a:path extrusionOk="0" h="120000" w="120000">
+              <a:path w="120000" h="120000" extrusionOk="0">
                 <a:moveTo>
                   <a:pt x="0" y="0"/>
                 </a:moveTo>
@@ -1056,10 +1097,12 @@
       </p:sp>
       <p:sp>
         <p:nvSpPr>
-          <p:cNvPr id="172" name="Google Shape;172;g242cf0fc797_2_1:notes"/>
-          <p:cNvSpPr txBox="1"/>
+          <p:cNvPr id="286" name="Google Shape;286;g2436440780a_0_27:notes"/>
+          <p:cNvSpPr txBox="1">
+            <a:spLocks noGrp="1"/>
+          </p:cNvSpPr>
           <p:nvPr>
-            <p:ph idx="1" type="body"/>
+            <p:ph type="body" idx="1"/>
           </p:nvPr>
         </p:nvSpPr>
         <p:spPr>
@@ -1072,12 +1115,12 @@
           </a:prstGeom>
         </p:spPr>
         <p:txBody>
-          <a:bodyPr anchorCtr="0" anchor="t" bIns="91425" lIns="91425" spcFirstLastPara="1" rIns="91425" wrap="square" tIns="91425">
+          <a:bodyPr spcFirstLastPara="1" wrap="square" lIns="91425" tIns="91425" rIns="91425" bIns="91425" anchor="t" anchorCtr="0">
             <a:noAutofit/>
           </a:bodyPr>
           <a:lstStyle/>
           <a:p>
-            <a:pPr indent="0" lvl="0" marL="0" rtl="0" algn="l">
+            <a:pPr marL="0" lvl="0" indent="0" algn="l" rtl="0">
               <a:spcBef>
                 <a:spcPts val="0"/>
               </a:spcBef>
@@ -1086,14 +1129,16 @@
               </a:spcAft>
               <a:buNone/>
             </a:pPr>
-            <a:r>
-              <a:t/>
-            </a:r>
             <a:endParaRPr/>
           </a:p>
         </p:txBody>
       </p:sp>
     </p:spTree>
+    <p:extLst>
+      <p:ext uri="{BB962C8B-B14F-4D97-AF65-F5344CB8AC3E}">
+        <p14:creationId xmlns:p14="http://schemas.microsoft.com/office/powerpoint/2010/main" val="3227162233"/>
+      </p:ext>
+    </p:extLst>
   </p:cSld>
   <p:clrMapOvr>
     <a:masterClrMapping/>
@@ -1102,18 +1147,19 @@
 </file>
 
 <file path=ppt/slideLayouts/slideLayout1.xml><?xml version="1.0" encoding="utf-8"?>
-<p:sldLayout xmlns:a="http://schemas.openxmlformats.org/drawingml/2006/main" xmlns:r="http://schemas.openxmlformats.org/officeDocument/2006/relationships" xmlns:mc="http://schemas.openxmlformats.org/markup-compatibility/2006" xmlns:mv="urn:schemas-microsoft-com:mac:vml" xmlns:p="http://schemas.openxmlformats.org/presentationml/2006/main" xmlns:c="http://schemas.openxmlformats.org/drawingml/2006/chart" xmlns:dgm="http://schemas.openxmlformats.org/drawingml/2006/diagram" xmlns:o="urn:schemas-microsoft-com:office:office" xmlns:v="urn:schemas-microsoft-com:vml" xmlns:pvml="urn:schemas-microsoft-com:office:powerpoint" xmlns:com="http://schemas.openxmlformats.org/drawingml/2006/compatibility" xmlns:p14="http://schemas.microsoft.com/office/powerpoint/2010/main" xmlns:p15="http://schemas.microsoft.com/office/powerpoint/2012/main" xmlns:ahyp="http://schemas.microsoft.com/office/drawing/2018/hyperlinkcolor" matchingName="Title slide" type="title">
+<p:sldLayout xmlns:a="http://schemas.openxmlformats.org/drawingml/2006/main" xmlns:r="http://schemas.openxmlformats.org/officeDocument/2006/relationships" xmlns:p="http://schemas.openxmlformats.org/presentationml/2006/main" matchingName="Title slide" type="title">
   <p:cSld name="TITLE">
     <p:bg>
       <p:bgPr>
         <a:solidFill>
           <a:schemeClr val="lt1"/>
         </a:solidFill>
+        <a:effectLst/>
       </p:bgPr>
     </p:bg>
     <p:spTree>
       <p:nvGrpSpPr>
-        <p:cNvPr id="9" name="Shape 9"/>
+        <p:cNvPr id="1" name="Shape 9"/>
         <p:cNvGrpSpPr/>
         <p:nvPr/>
       </p:nvGrpSpPr>
@@ -1138,7 +1184,7 @@
           </a:xfrm>
           <a:prstGeom prst="diagStripe">
             <a:avLst>
-              <a:gd fmla="val 0" name="adj"/>
+              <a:gd name="adj" fmla="val 0"/>
             </a:avLst>
           </a:prstGeom>
           <a:solidFill>
@@ -1151,12 +1197,12 @@
           </a:ln>
         </p:spPr>
         <p:txBody>
-          <a:bodyPr anchorCtr="0" anchor="ctr" bIns="91425" lIns="91425" spcFirstLastPara="1" rIns="91425" wrap="square" tIns="91425">
+          <a:bodyPr spcFirstLastPara="1" wrap="square" lIns="91425" tIns="91425" rIns="91425" bIns="91425" anchor="ctr" anchorCtr="0">
             <a:noAutofit/>
           </a:bodyPr>
           <a:lstStyle/>
           <a:p>
-            <a:pPr indent="0" lvl="0" marL="0" rtl="0" algn="l">
+            <a:pPr marL="0" lvl="0" indent="0" algn="l" rtl="0">
               <a:spcBef>
                 <a:spcPts val="0"/>
               </a:spcBef>
@@ -1165,9 +1211,6 @@
               </a:spcAft>
               <a:buNone/>
             </a:pPr>
-            <a:r>
-              <a:t/>
-            </a:r>
             <a:endParaRPr/>
           </a:p>
         </p:txBody>
@@ -1199,7 +1242,7 @@
             </a:xfrm>
             <a:prstGeom prst="diagStripe">
               <a:avLst>
-                <a:gd fmla="val 50000" name="adj"/>
+                <a:gd name="adj" fmla="val 50000"/>
               </a:avLst>
             </a:prstGeom>
             <a:solidFill>
@@ -1212,12 +1255,12 @@
             </a:ln>
           </p:spPr>
           <p:txBody>
-            <a:bodyPr anchorCtr="0" anchor="ctr" bIns="91425" lIns="91425" spcFirstLastPara="1" rIns="91425" wrap="square" tIns="91425">
+            <a:bodyPr spcFirstLastPara="1" wrap="square" lIns="91425" tIns="91425" rIns="91425" bIns="91425" anchor="ctr" anchorCtr="0">
               <a:noAutofit/>
             </a:bodyPr>
             <a:lstStyle/>
             <a:p>
-              <a:pPr indent="0" lvl="0" marL="0" rtl="0" algn="l">
+              <a:pPr marL="0" lvl="0" indent="0" algn="l" rtl="0">
                 <a:spcBef>
                   <a:spcPts val="0"/>
                 </a:spcBef>
@@ -1226,9 +1269,6 @@
                 </a:spcAft>
                 <a:buNone/>
               </a:pPr>
-              <a:r>
-                <a:t/>
-              </a:r>
               <a:endParaRPr/>
             </a:p>
           </p:txBody>
@@ -1246,7 +1286,7 @@
             </a:xfrm>
             <a:prstGeom prst="diagStripe">
               <a:avLst>
-                <a:gd fmla="val 58774" name="adj"/>
+                <a:gd name="adj" fmla="val 58774"/>
               </a:avLst>
             </a:prstGeom>
             <a:solidFill>
@@ -1259,12 +1299,12 @@
             </a:ln>
           </p:spPr>
           <p:txBody>
-            <a:bodyPr anchorCtr="0" anchor="ctr" bIns="91425" lIns="91425" spcFirstLastPara="1" rIns="91425" wrap="square" tIns="91425">
+            <a:bodyPr spcFirstLastPara="1" wrap="square" lIns="91425" tIns="91425" rIns="91425" bIns="91425" anchor="ctr" anchorCtr="0">
               <a:noAutofit/>
             </a:bodyPr>
             <a:lstStyle/>
             <a:p>
-              <a:pPr indent="0" lvl="0" marL="0" rtl="0" algn="l">
+              <a:pPr marL="0" lvl="0" indent="0" algn="l" rtl="0">
                 <a:spcBef>
                   <a:spcPts val="0"/>
                 </a:spcBef>
@@ -1273,9 +1313,6 @@
                 </a:spcAft>
                 <a:buNone/>
               </a:pPr>
-              <a:r>
-                <a:t/>
-              </a:r>
               <a:endParaRPr/>
             </a:p>
           </p:txBody>
@@ -1293,7 +1330,7 @@
             </a:xfrm>
             <a:prstGeom prst="diagStripe">
               <a:avLst>
-                <a:gd fmla="val 50000" name="adj"/>
+                <a:gd name="adj" fmla="val 50000"/>
               </a:avLst>
             </a:prstGeom>
             <a:solidFill>
@@ -1304,12 +1341,12 @@
             </a:ln>
           </p:spPr>
           <p:txBody>
-            <a:bodyPr anchorCtr="0" anchor="ctr" bIns="91425" lIns="91425" spcFirstLastPara="1" rIns="91425" wrap="square" tIns="91425">
+            <a:bodyPr spcFirstLastPara="1" wrap="square" lIns="91425" tIns="91425" rIns="91425" bIns="91425" anchor="ctr" anchorCtr="0">
               <a:noAutofit/>
             </a:bodyPr>
             <a:lstStyle/>
             <a:p>
-              <a:pPr indent="0" lvl="0" marL="0" rtl="0" algn="l">
+              <a:pPr marL="0" lvl="0" indent="0" algn="l" rtl="0">
                 <a:spcBef>
                   <a:spcPts val="0"/>
                 </a:spcBef>
@@ -1318,9 +1355,6 @@
                 </a:spcAft>
                 <a:buNone/>
               </a:pPr>
-              <a:r>
-                <a:t/>
-              </a:r>
               <a:endParaRPr/>
             </a:p>
           </p:txBody>
@@ -1338,7 +1372,7 @@
             </a:xfrm>
             <a:prstGeom prst="diagStripe">
               <a:avLst>
-                <a:gd fmla="val 50000" name="adj"/>
+                <a:gd name="adj" fmla="val 50000"/>
               </a:avLst>
             </a:prstGeom>
             <a:solidFill>
@@ -1349,12 +1383,12 @@
             </a:ln>
           </p:spPr>
           <p:txBody>
-            <a:bodyPr anchorCtr="0" anchor="ctr" bIns="91425" lIns="91425" spcFirstLastPara="1" rIns="91425" wrap="square" tIns="91425">
+            <a:bodyPr spcFirstLastPara="1" wrap="square" lIns="91425" tIns="91425" rIns="91425" bIns="91425" anchor="ctr" anchorCtr="0">
               <a:noAutofit/>
             </a:bodyPr>
             <a:lstStyle/>
             <a:p>
-              <a:pPr indent="0" lvl="0" marL="0" rtl="0" algn="l">
+              <a:pPr marL="0" lvl="0" indent="0" algn="l" rtl="0">
                 <a:spcBef>
                   <a:spcPts val="0"/>
                 </a:spcBef>
@@ -1363,9 +1397,6 @@
                 </a:spcAft>
                 <a:buNone/>
               </a:pPr>
-              <a:r>
-                <a:t/>
-              </a:r>
               <a:endParaRPr/>
             </a:p>
           </p:txBody>
@@ -1374,7 +1405,9 @@
       <p:sp>
         <p:nvSpPr>
           <p:cNvPr id="16" name="Google Shape;16;p2"/>
-          <p:cNvSpPr txBox="1"/>
+          <p:cNvSpPr txBox="1">
+            <a:spLocks noGrp="1"/>
+          </p:cNvSpPr>
           <p:nvPr>
             <p:ph type="ctrTitle"/>
           </p:nvPr>
@@ -1390,7 +1423,7 @@
           <a:noFill/>
         </p:spPr>
         <p:txBody>
-          <a:bodyPr anchorCtr="0" anchor="t" bIns="91425" lIns="91425" spcFirstLastPara="1" rIns="91425" wrap="square" tIns="91425">
+          <a:bodyPr spcFirstLastPara="1" wrap="square" lIns="91425" tIns="91425" rIns="91425" bIns="91425" anchor="t" anchorCtr="0">
             <a:normAutofit/>
           </a:bodyPr>
           <a:lstStyle>
@@ -1501,15 +1534,19 @@
               <a:defRPr sz="4000"/>
             </a:lvl9pPr>
           </a:lstStyle>
-          <a:p/>
+          <a:p>
+            <a:endParaRPr/>
+          </a:p>
         </p:txBody>
       </p:sp>
       <p:sp>
         <p:nvSpPr>
           <p:cNvPr id="17" name="Google Shape;17;p2"/>
-          <p:cNvSpPr txBox="1"/>
+          <p:cNvSpPr txBox="1">
+            <a:spLocks noGrp="1"/>
+          </p:cNvSpPr>
           <p:nvPr>
-            <p:ph idx="1" type="subTitle"/>
+            <p:ph type="subTitle" idx="1"/>
           </p:nvPr>
         </p:nvSpPr>
         <p:spPr>
@@ -1522,7 +1559,7 @@
           </a:prstGeom>
         </p:spPr>
         <p:txBody>
-          <a:bodyPr anchorCtr="0" anchor="t" bIns="91425" lIns="91425" spcFirstLastPara="1" rIns="91425" wrap="square" tIns="91425">
+          <a:bodyPr spcFirstLastPara="1" wrap="square" lIns="91425" tIns="91425" rIns="91425" bIns="91425" anchor="t" anchorCtr="0">
             <a:normAutofit/>
           </a:bodyPr>
           <a:lstStyle>
@@ -1653,15 +1690,19 @@
               <a:defRPr sz="1300"/>
             </a:lvl9pPr>
           </a:lstStyle>
-          <a:p/>
+          <a:p>
+            <a:endParaRPr/>
+          </a:p>
         </p:txBody>
       </p:sp>
       <p:sp>
         <p:nvSpPr>
           <p:cNvPr id="18" name="Google Shape;18;p2"/>
-          <p:cNvSpPr txBox="1"/>
+          <p:cNvSpPr txBox="1">
+            <a:spLocks noGrp="1"/>
+          </p:cNvSpPr>
           <p:nvPr>
-            <p:ph idx="12" type="sldNum"/>
+            <p:ph type="sldNum" idx="12"/>
           </p:nvPr>
         </p:nvSpPr>
         <p:spPr>
@@ -1674,7 +1715,7 @@
           </a:prstGeom>
         </p:spPr>
         <p:txBody>
-          <a:bodyPr anchorCtr="0" anchor="ctr" bIns="91425" lIns="91425" spcFirstLastPara="1" rIns="91425" wrap="square" tIns="91425">
+          <a:bodyPr spcFirstLastPara="1" wrap="square" lIns="91425" tIns="91425" rIns="91425" bIns="91425" anchor="ctr" anchorCtr="0">
             <a:normAutofit/>
           </a:bodyPr>
           <a:lstStyle>
@@ -1716,7 +1757,7 @@
             </a:lvl9pPr>
           </a:lstStyle>
           <a:p>
-            <a:pPr indent="0" lvl="0" marL="0" rtl="0" algn="r">
+            <a:pPr marL="0" lvl="0" indent="0" algn="r" rtl="0">
               <a:spcBef>
                 <a:spcPts val="0"/>
               </a:spcBef>
@@ -1742,11 +1783,11 @@
 </file>
 
 <file path=ppt/slideLayouts/slideLayout10.xml><?xml version="1.0" encoding="utf-8"?>
-<p:sldLayout xmlns:a="http://schemas.openxmlformats.org/drawingml/2006/main" xmlns:r="http://schemas.openxmlformats.org/officeDocument/2006/relationships" xmlns:mc="http://schemas.openxmlformats.org/markup-compatibility/2006" xmlns:mv="urn:schemas-microsoft-com:mac:vml" xmlns:p="http://schemas.openxmlformats.org/presentationml/2006/main" xmlns:c="http://schemas.openxmlformats.org/drawingml/2006/chart" xmlns:dgm="http://schemas.openxmlformats.org/drawingml/2006/diagram" xmlns:o="urn:schemas-microsoft-com:office:office" xmlns:v="urn:schemas-microsoft-com:vml" xmlns:pvml="urn:schemas-microsoft-com:office:powerpoint" xmlns:com="http://schemas.openxmlformats.org/drawingml/2006/compatibility" xmlns:p14="http://schemas.microsoft.com/office/powerpoint/2010/main" xmlns:p15="http://schemas.microsoft.com/office/powerpoint/2012/main" xmlns:ahyp="http://schemas.microsoft.com/office/drawing/2018/hyperlinkcolor" matchingName="Big number">
+<p:sldLayout xmlns:a="http://schemas.openxmlformats.org/drawingml/2006/main" xmlns:r="http://schemas.openxmlformats.org/officeDocument/2006/relationships" xmlns:p="http://schemas.openxmlformats.org/presentationml/2006/main" matchingName="Big number">
   <p:cSld name="BIG_NUMBER">
     <p:spTree>
       <p:nvGrpSpPr>
-        <p:cNvPr id="105" name="Shape 105"/>
+        <p:cNvPr id="1" name="Shape 105"/>
         <p:cNvGrpSpPr/>
         <p:nvPr/>
       </p:nvGrpSpPr>
@@ -1785,7 +1826,7 @@
             </a:xfrm>
             <a:prstGeom prst="diagStripe">
               <a:avLst>
-                <a:gd fmla="val 49469" name="adj"/>
+                <a:gd name="adj" fmla="val 49469"/>
               </a:avLst>
             </a:prstGeom>
             <a:solidFill>
@@ -1798,12 +1839,12 @@
             </a:ln>
           </p:spPr>
           <p:txBody>
-            <a:bodyPr anchorCtr="0" anchor="ctr" bIns="91425" lIns="91425" spcFirstLastPara="1" rIns="91425" wrap="square" tIns="91425">
+            <a:bodyPr spcFirstLastPara="1" wrap="square" lIns="91425" tIns="91425" rIns="91425" bIns="91425" anchor="ctr" anchorCtr="0">
               <a:noAutofit/>
             </a:bodyPr>
             <a:lstStyle/>
             <a:p>
-              <a:pPr indent="0" lvl="0" marL="0" rtl="0" algn="l">
+              <a:pPr marL="0" lvl="0" indent="0" algn="l" rtl="0">
                 <a:spcBef>
                   <a:spcPts val="0"/>
                 </a:spcBef>
@@ -1812,9 +1853,6 @@
                 </a:spcAft>
                 <a:buNone/>
               </a:pPr>
-              <a:r>
-                <a:t/>
-              </a:r>
               <a:endParaRPr/>
             </a:p>
           </p:txBody>
@@ -1832,7 +1870,7 @@
             </a:xfrm>
             <a:prstGeom prst="diagStripe">
               <a:avLst>
-                <a:gd fmla="val 0" name="adj"/>
+                <a:gd name="adj" fmla="val 0"/>
               </a:avLst>
             </a:prstGeom>
             <a:solidFill>
@@ -1845,12 +1883,12 @@
             </a:ln>
           </p:spPr>
           <p:txBody>
-            <a:bodyPr anchorCtr="0" anchor="ctr" bIns="91425" lIns="91425" spcFirstLastPara="1" rIns="91425" wrap="square" tIns="91425">
+            <a:bodyPr spcFirstLastPara="1" wrap="square" lIns="91425" tIns="91425" rIns="91425" bIns="91425" anchor="ctr" anchorCtr="0">
               <a:noAutofit/>
             </a:bodyPr>
             <a:lstStyle/>
             <a:p>
-              <a:pPr indent="0" lvl="0" marL="0" rtl="0" algn="l">
+              <a:pPr marL="0" lvl="0" indent="0" algn="l" rtl="0">
                 <a:spcBef>
                   <a:spcPts val="0"/>
                 </a:spcBef>
@@ -1859,9 +1897,6 @@
                 </a:spcAft>
                 <a:buNone/>
               </a:pPr>
-              <a:r>
-                <a:t/>
-              </a:r>
               <a:endParaRPr/>
             </a:p>
           </p:txBody>
@@ -1879,7 +1914,7 @@
             </a:xfrm>
             <a:prstGeom prst="diagStripe">
               <a:avLst>
-                <a:gd fmla="val 50000" name="adj"/>
+                <a:gd name="adj" fmla="val 50000"/>
               </a:avLst>
             </a:prstGeom>
             <a:solidFill>
@@ -1892,12 +1927,12 @@
             </a:ln>
           </p:spPr>
           <p:txBody>
-            <a:bodyPr anchorCtr="0" anchor="ctr" bIns="91425" lIns="91425" spcFirstLastPara="1" rIns="91425" wrap="square" tIns="91425">
+            <a:bodyPr spcFirstLastPara="1" wrap="square" lIns="91425" tIns="91425" rIns="91425" bIns="91425" anchor="ctr" anchorCtr="0">
               <a:noAutofit/>
             </a:bodyPr>
             <a:lstStyle/>
             <a:p>
-              <a:pPr indent="0" lvl="0" marL="0" rtl="0" algn="l">
+              <a:pPr marL="0" lvl="0" indent="0" algn="l" rtl="0">
                 <a:spcBef>
                   <a:spcPts val="0"/>
                 </a:spcBef>
@@ -1906,9 +1941,6 @@
                 </a:spcAft>
                 <a:buNone/>
               </a:pPr>
-              <a:r>
-                <a:t/>
-              </a:r>
               <a:endParaRPr/>
             </a:p>
           </p:txBody>
@@ -1926,7 +1958,7 @@
             </a:xfrm>
             <a:prstGeom prst="diagStripe">
               <a:avLst>
-                <a:gd fmla="val 50000" name="adj"/>
+                <a:gd name="adj" fmla="val 50000"/>
               </a:avLst>
             </a:prstGeom>
             <a:solidFill>
@@ -1939,12 +1971,12 @@
             </a:ln>
           </p:spPr>
           <p:txBody>
-            <a:bodyPr anchorCtr="0" anchor="ctr" bIns="91425" lIns="91425" spcFirstLastPara="1" rIns="91425" wrap="square" tIns="91425">
+            <a:bodyPr spcFirstLastPara="1" wrap="square" lIns="91425" tIns="91425" rIns="91425" bIns="91425" anchor="ctr" anchorCtr="0">
               <a:noAutofit/>
             </a:bodyPr>
             <a:lstStyle/>
             <a:p>
-              <a:pPr indent="0" lvl="0" marL="0" rtl="0" algn="l">
+              <a:pPr marL="0" lvl="0" indent="0" algn="l" rtl="0">
                 <a:spcBef>
                   <a:spcPts val="0"/>
                 </a:spcBef>
@@ -1953,9 +1985,6 @@
                 </a:spcAft>
                 <a:buNone/>
               </a:pPr>
-              <a:r>
-                <a:t/>
-              </a:r>
               <a:endParaRPr/>
             </a:p>
           </p:txBody>
@@ -1973,7 +2002,7 @@
             </a:xfrm>
             <a:prstGeom prst="diagStripe">
               <a:avLst>
-                <a:gd fmla="val 50000" name="adj"/>
+                <a:gd name="adj" fmla="val 50000"/>
               </a:avLst>
             </a:prstGeom>
             <a:solidFill>
@@ -1986,12 +2015,12 @@
             </a:ln>
           </p:spPr>
           <p:txBody>
-            <a:bodyPr anchorCtr="0" anchor="ctr" bIns="91425" lIns="91425" spcFirstLastPara="1" rIns="91425" wrap="square" tIns="91425">
+            <a:bodyPr spcFirstLastPara="1" wrap="square" lIns="91425" tIns="91425" rIns="91425" bIns="91425" anchor="ctr" anchorCtr="0">
               <a:noAutofit/>
             </a:bodyPr>
             <a:lstStyle/>
             <a:p>
-              <a:pPr indent="0" lvl="0" marL="0" rtl="0" algn="l">
+              <a:pPr marL="0" lvl="0" indent="0" algn="l" rtl="0">
                 <a:spcBef>
                   <a:spcPts val="0"/>
                 </a:spcBef>
@@ -2000,9 +2029,6 @@
                 </a:spcAft>
                 <a:buNone/>
               </a:pPr>
-              <a:r>
-                <a:t/>
-              </a:r>
               <a:endParaRPr/>
             </a:p>
           </p:txBody>
@@ -2020,7 +2046,7 @@
             </a:xfrm>
             <a:prstGeom prst="diagStripe">
               <a:avLst>
-                <a:gd fmla="val 50000" name="adj"/>
+                <a:gd name="adj" fmla="val 50000"/>
               </a:avLst>
             </a:prstGeom>
             <a:solidFill>
@@ -2033,12 +2059,12 @@
             </a:ln>
           </p:spPr>
           <p:txBody>
-            <a:bodyPr anchorCtr="0" anchor="ctr" bIns="91425" lIns="91425" spcFirstLastPara="1" rIns="91425" wrap="square" tIns="91425">
+            <a:bodyPr spcFirstLastPara="1" wrap="square" lIns="91425" tIns="91425" rIns="91425" bIns="91425" anchor="ctr" anchorCtr="0">
               <a:noAutofit/>
             </a:bodyPr>
             <a:lstStyle/>
             <a:p>
-              <a:pPr indent="0" lvl="0" marL="0" rtl="0" algn="l">
+              <a:pPr marL="0" lvl="0" indent="0" algn="l" rtl="0">
                 <a:spcBef>
                   <a:spcPts val="0"/>
                 </a:spcBef>
@@ -2047,9 +2073,6 @@
                 </a:spcAft>
                 <a:buNone/>
               </a:pPr>
-              <a:r>
-                <a:t/>
-              </a:r>
               <a:endParaRPr/>
             </a:p>
           </p:txBody>
@@ -2067,7 +2090,7 @@
             </a:xfrm>
             <a:prstGeom prst="diagStripe">
               <a:avLst>
-                <a:gd fmla="val 50000" name="adj"/>
+                <a:gd name="adj" fmla="val 50000"/>
               </a:avLst>
             </a:prstGeom>
             <a:solidFill>
@@ -2080,12 +2103,12 @@
             </a:ln>
           </p:spPr>
           <p:txBody>
-            <a:bodyPr anchorCtr="0" anchor="ctr" bIns="91425" lIns="91425" spcFirstLastPara="1" rIns="91425" wrap="square" tIns="91425">
+            <a:bodyPr spcFirstLastPara="1" wrap="square" lIns="91425" tIns="91425" rIns="91425" bIns="91425" anchor="ctr" anchorCtr="0">
               <a:noAutofit/>
             </a:bodyPr>
             <a:lstStyle/>
             <a:p>
-              <a:pPr indent="0" lvl="0" marL="0" rtl="0" algn="l">
+              <a:pPr marL="0" lvl="0" indent="0" algn="l" rtl="0">
                 <a:spcBef>
                   <a:spcPts val="0"/>
                 </a:spcBef>
@@ -2094,9 +2117,6 @@
                 </a:spcAft>
                 <a:buNone/>
               </a:pPr>
-              <a:r>
-                <a:t/>
-              </a:r>
               <a:endParaRPr/>
             </a:p>
           </p:txBody>
@@ -2114,7 +2134,7 @@
             </a:xfrm>
             <a:prstGeom prst="diagStripe">
               <a:avLst>
-                <a:gd fmla="val 50000" name="adj"/>
+                <a:gd name="adj" fmla="val 50000"/>
               </a:avLst>
             </a:prstGeom>
             <a:solidFill>
@@ -2125,12 +2145,12 @@
             </a:ln>
           </p:spPr>
           <p:txBody>
-            <a:bodyPr anchorCtr="0" anchor="ctr" bIns="91425" lIns="91425" spcFirstLastPara="1" rIns="91425" wrap="square" tIns="91425">
+            <a:bodyPr spcFirstLastPara="1" wrap="square" lIns="91425" tIns="91425" rIns="91425" bIns="91425" anchor="ctr" anchorCtr="0">
               <a:noAutofit/>
             </a:bodyPr>
             <a:lstStyle/>
             <a:p>
-              <a:pPr indent="0" lvl="0" marL="0" rtl="0" algn="l">
+              <a:pPr marL="0" lvl="0" indent="0" algn="l" rtl="0">
                 <a:spcBef>
                   <a:spcPts val="0"/>
                 </a:spcBef>
@@ -2139,9 +2159,6 @@
                 </a:spcAft>
                 <a:buNone/>
               </a:pPr>
-              <a:r>
-                <a:t/>
-              </a:r>
               <a:endParaRPr/>
             </a:p>
           </p:txBody>
@@ -2159,7 +2176,7 @@
             </a:xfrm>
             <a:prstGeom prst="diagStripe">
               <a:avLst>
-                <a:gd fmla="val 50000" name="adj"/>
+                <a:gd name="adj" fmla="val 50000"/>
               </a:avLst>
             </a:prstGeom>
             <a:solidFill>
@@ -2172,12 +2189,12 @@
             </a:ln>
           </p:spPr>
           <p:txBody>
-            <a:bodyPr anchorCtr="0" anchor="ctr" bIns="91425" lIns="91425" spcFirstLastPara="1" rIns="91425" wrap="square" tIns="91425">
+            <a:bodyPr spcFirstLastPara="1" wrap="square" lIns="91425" tIns="91425" rIns="91425" bIns="91425" anchor="ctr" anchorCtr="0">
               <a:noAutofit/>
             </a:bodyPr>
             <a:lstStyle/>
             <a:p>
-              <a:pPr indent="0" lvl="0" marL="0" rtl="0" algn="l">
+              <a:pPr marL="0" lvl="0" indent="0" algn="l" rtl="0">
                 <a:spcBef>
                   <a:spcPts val="0"/>
                 </a:spcBef>
@@ -2186,9 +2203,6 @@
                 </a:spcAft>
                 <a:buNone/>
               </a:pPr>
-              <a:r>
-                <a:t/>
-              </a:r>
               <a:endParaRPr/>
             </a:p>
           </p:txBody>
@@ -2206,7 +2220,7 @@
             </a:xfrm>
             <a:prstGeom prst="diagStripe">
               <a:avLst>
-                <a:gd fmla="val 50000" name="adj"/>
+                <a:gd name="adj" fmla="val 50000"/>
               </a:avLst>
             </a:prstGeom>
             <a:solidFill>
@@ -2219,12 +2233,12 @@
             </a:ln>
           </p:spPr>
           <p:txBody>
-            <a:bodyPr anchorCtr="0" anchor="ctr" bIns="91425" lIns="91425" spcFirstLastPara="1" rIns="91425" wrap="square" tIns="91425">
+            <a:bodyPr spcFirstLastPara="1" wrap="square" lIns="91425" tIns="91425" rIns="91425" bIns="91425" anchor="ctr" anchorCtr="0">
               <a:noAutofit/>
             </a:bodyPr>
             <a:lstStyle/>
             <a:p>
-              <a:pPr indent="0" lvl="0" marL="0" rtl="0" algn="l">
+              <a:pPr marL="0" lvl="0" indent="0" algn="l" rtl="0">
                 <a:spcBef>
                   <a:spcPts val="0"/>
                 </a:spcBef>
@@ -2233,9 +2247,6 @@
                 </a:spcAft>
                 <a:buNone/>
               </a:pPr>
-              <a:r>
-                <a:t/>
-              </a:r>
               <a:endParaRPr/>
             </a:p>
           </p:txBody>
@@ -2253,7 +2264,7 @@
             </a:xfrm>
             <a:prstGeom prst="diagStripe">
               <a:avLst>
-                <a:gd fmla="val 50000" name="adj"/>
+                <a:gd name="adj" fmla="val 50000"/>
               </a:avLst>
             </a:prstGeom>
             <a:solidFill>
@@ -2266,12 +2277,12 @@
             </a:ln>
           </p:spPr>
           <p:txBody>
-            <a:bodyPr anchorCtr="0" anchor="ctr" bIns="91425" lIns="91425" spcFirstLastPara="1" rIns="91425" wrap="square" tIns="91425">
+            <a:bodyPr spcFirstLastPara="1" wrap="square" lIns="91425" tIns="91425" rIns="91425" bIns="91425" anchor="ctr" anchorCtr="0">
               <a:noAutofit/>
             </a:bodyPr>
             <a:lstStyle/>
             <a:p>
-              <a:pPr indent="0" lvl="0" marL="0" rtl="0" algn="l">
+              <a:pPr marL="0" lvl="0" indent="0" algn="l" rtl="0">
                 <a:spcBef>
                   <a:spcPts val="0"/>
                 </a:spcBef>
@@ -2280,9 +2291,6 @@
                 </a:spcAft>
                 <a:buNone/>
               </a:pPr>
-              <a:r>
-                <a:t/>
-              </a:r>
               <a:endParaRPr/>
             </a:p>
           </p:txBody>
@@ -2300,7 +2308,7 @@
             </a:xfrm>
             <a:prstGeom prst="diagStripe">
               <a:avLst>
-                <a:gd fmla="val 50000" name="adj"/>
+                <a:gd name="adj" fmla="val 50000"/>
               </a:avLst>
             </a:prstGeom>
             <a:solidFill>
@@ -2313,12 +2321,12 @@
             </a:ln>
           </p:spPr>
           <p:txBody>
-            <a:bodyPr anchorCtr="0" anchor="ctr" bIns="91425" lIns="91425" spcFirstLastPara="1" rIns="91425" wrap="square" tIns="91425">
+            <a:bodyPr spcFirstLastPara="1" wrap="square" lIns="91425" tIns="91425" rIns="91425" bIns="91425" anchor="ctr" anchorCtr="0">
               <a:noAutofit/>
             </a:bodyPr>
             <a:lstStyle/>
             <a:p>
-              <a:pPr indent="0" lvl="0" marL="0" rtl="0" algn="l">
+              <a:pPr marL="0" lvl="0" indent="0" algn="l" rtl="0">
                 <a:spcBef>
                   <a:spcPts val="0"/>
                 </a:spcBef>
@@ -2327,9 +2335,6 @@
                 </a:spcAft>
                 <a:buNone/>
               </a:pPr>
-              <a:r>
-                <a:t/>
-              </a:r>
               <a:endParaRPr/>
             </a:p>
           </p:txBody>
@@ -2347,7 +2352,7 @@
             </a:xfrm>
             <a:prstGeom prst="diagStripe">
               <a:avLst>
-                <a:gd fmla="val 50000" name="adj"/>
+                <a:gd name="adj" fmla="val 50000"/>
               </a:avLst>
             </a:prstGeom>
             <a:solidFill>
@@ -2360,12 +2365,12 @@
             </a:ln>
           </p:spPr>
           <p:txBody>
-            <a:bodyPr anchorCtr="0" anchor="ctr" bIns="91425" lIns="91425" spcFirstLastPara="1" rIns="91425" wrap="square" tIns="91425">
+            <a:bodyPr spcFirstLastPara="1" wrap="square" lIns="91425" tIns="91425" rIns="91425" bIns="91425" anchor="ctr" anchorCtr="0">
               <a:noAutofit/>
             </a:bodyPr>
             <a:lstStyle/>
             <a:p>
-              <a:pPr indent="0" lvl="0" marL="0" rtl="0" algn="l">
+              <a:pPr marL="0" lvl="0" indent="0" algn="l" rtl="0">
                 <a:spcBef>
                   <a:spcPts val="0"/>
                 </a:spcBef>
@@ -2374,9 +2379,6 @@
                 </a:spcAft>
                 <a:buNone/>
               </a:pPr>
-              <a:r>
-                <a:t/>
-              </a:r>
               <a:endParaRPr/>
             </a:p>
           </p:txBody>
@@ -2394,7 +2396,7 @@
             </a:xfrm>
             <a:prstGeom prst="diagStripe">
               <a:avLst>
-                <a:gd fmla="val 50000" name="adj"/>
+                <a:gd name="adj" fmla="val 50000"/>
               </a:avLst>
             </a:prstGeom>
             <a:solidFill>
@@ -2405,12 +2407,12 @@
             </a:ln>
           </p:spPr>
           <p:txBody>
-            <a:bodyPr anchorCtr="0" anchor="ctr" bIns="91425" lIns="91425" spcFirstLastPara="1" rIns="91425" wrap="square" tIns="91425">
+            <a:bodyPr spcFirstLastPara="1" wrap="square" lIns="91425" tIns="91425" rIns="91425" bIns="91425" anchor="ctr" anchorCtr="0">
               <a:noAutofit/>
             </a:bodyPr>
             <a:lstStyle/>
             <a:p>
-              <a:pPr indent="0" lvl="0" marL="0" rtl="0" algn="l">
+              <a:pPr marL="0" lvl="0" indent="0" algn="l" rtl="0">
                 <a:spcBef>
                   <a:spcPts val="0"/>
                 </a:spcBef>
@@ -2419,9 +2421,6 @@
                 </a:spcAft>
                 <a:buNone/>
               </a:pPr>
-              <a:r>
-                <a:t/>
-              </a:r>
               <a:endParaRPr/>
             </a:p>
           </p:txBody>
@@ -2439,7 +2438,7 @@
             </a:xfrm>
             <a:prstGeom prst="diagStripe">
               <a:avLst>
-                <a:gd fmla="val 50000" name="adj"/>
+                <a:gd name="adj" fmla="val 50000"/>
               </a:avLst>
             </a:prstGeom>
             <a:solidFill>
@@ -2452,12 +2451,12 @@
             </a:ln>
           </p:spPr>
           <p:txBody>
-            <a:bodyPr anchorCtr="0" anchor="ctr" bIns="91425" lIns="91425" spcFirstLastPara="1" rIns="91425" wrap="square" tIns="91425">
+            <a:bodyPr spcFirstLastPara="1" wrap="square" lIns="91425" tIns="91425" rIns="91425" bIns="91425" anchor="ctr" anchorCtr="0">
               <a:noAutofit/>
             </a:bodyPr>
             <a:lstStyle/>
             <a:p>
-              <a:pPr indent="0" lvl="0" marL="0" rtl="0" algn="l">
+              <a:pPr marL="0" lvl="0" indent="0" algn="l" rtl="0">
                 <a:spcBef>
                   <a:spcPts val="0"/>
                 </a:spcBef>
@@ -2466,9 +2465,6 @@
                 </a:spcAft>
                 <a:buNone/>
               </a:pPr>
-              <a:r>
-                <a:t/>
-              </a:r>
               <a:endParaRPr/>
             </a:p>
           </p:txBody>
@@ -2486,7 +2482,7 @@
             </a:xfrm>
             <a:prstGeom prst="diagStripe">
               <a:avLst>
-                <a:gd fmla="val 50000" name="adj"/>
+                <a:gd name="adj" fmla="val 50000"/>
               </a:avLst>
             </a:prstGeom>
             <a:solidFill>
@@ -2499,12 +2495,12 @@
             </a:ln>
           </p:spPr>
           <p:txBody>
-            <a:bodyPr anchorCtr="0" anchor="ctr" bIns="91425" lIns="91425" spcFirstLastPara="1" rIns="91425" wrap="square" tIns="91425">
+            <a:bodyPr spcFirstLastPara="1" wrap="square" lIns="91425" tIns="91425" rIns="91425" bIns="91425" anchor="ctr" anchorCtr="0">
               <a:noAutofit/>
             </a:bodyPr>
             <a:lstStyle/>
             <a:p>
-              <a:pPr indent="0" lvl="0" marL="0" rtl="0" algn="l">
+              <a:pPr marL="0" lvl="0" indent="0" algn="l" rtl="0">
                 <a:spcBef>
                   <a:spcPts val="0"/>
                 </a:spcBef>
@@ -2513,9 +2509,6 @@
                 </a:spcAft>
                 <a:buNone/>
               </a:pPr>
-              <a:r>
-                <a:t/>
-              </a:r>
               <a:endParaRPr/>
             </a:p>
           </p:txBody>
@@ -2533,7 +2526,7 @@
             </a:xfrm>
             <a:prstGeom prst="diagStripe">
               <a:avLst>
-                <a:gd fmla="val 50000" name="adj"/>
+                <a:gd name="adj" fmla="val 50000"/>
               </a:avLst>
             </a:prstGeom>
             <a:solidFill>
@@ -2546,12 +2539,12 @@
             </a:ln>
           </p:spPr>
           <p:txBody>
-            <a:bodyPr anchorCtr="0" anchor="ctr" bIns="91425" lIns="91425" spcFirstLastPara="1" rIns="91425" wrap="square" tIns="91425">
+            <a:bodyPr spcFirstLastPara="1" wrap="square" lIns="91425" tIns="91425" rIns="91425" bIns="91425" anchor="ctr" anchorCtr="0">
               <a:noAutofit/>
             </a:bodyPr>
             <a:lstStyle/>
             <a:p>
-              <a:pPr indent="0" lvl="0" marL="0" rtl="0" algn="l">
+              <a:pPr marL="0" lvl="0" indent="0" algn="l" rtl="0">
                 <a:spcBef>
                   <a:spcPts val="0"/>
                 </a:spcBef>
@@ -2560,9 +2553,6 @@
                 </a:spcAft>
                 <a:buNone/>
               </a:pPr>
-              <a:r>
-                <a:t/>
-              </a:r>
               <a:endParaRPr/>
             </a:p>
           </p:txBody>
@@ -2580,7 +2570,7 @@
             </a:xfrm>
             <a:prstGeom prst="diagStripe">
               <a:avLst>
-                <a:gd fmla="val 50000" name="adj"/>
+                <a:gd name="adj" fmla="val 50000"/>
               </a:avLst>
             </a:prstGeom>
             <a:solidFill>
@@ -2593,12 +2583,12 @@
             </a:ln>
           </p:spPr>
           <p:txBody>
-            <a:bodyPr anchorCtr="0" anchor="ctr" bIns="91425" lIns="91425" spcFirstLastPara="1" rIns="91425" wrap="square" tIns="91425">
+            <a:bodyPr spcFirstLastPara="1" wrap="square" lIns="91425" tIns="91425" rIns="91425" bIns="91425" anchor="ctr" anchorCtr="0">
               <a:noAutofit/>
             </a:bodyPr>
             <a:lstStyle/>
             <a:p>
-              <a:pPr indent="0" lvl="0" marL="0" rtl="0" algn="l">
+              <a:pPr marL="0" lvl="0" indent="0" algn="l" rtl="0">
                 <a:spcBef>
                   <a:spcPts val="0"/>
                 </a:spcBef>
@@ -2607,9 +2597,6 @@
                 </a:spcAft>
                 <a:buNone/>
               </a:pPr>
-              <a:r>
-                <a:t/>
-              </a:r>
               <a:endParaRPr/>
             </a:p>
           </p:txBody>
@@ -2618,9 +2605,11 @@
       <p:sp>
         <p:nvSpPr>
           <p:cNvPr id="125" name="Google Shape;125;p11"/>
-          <p:cNvSpPr txBox="1"/>
+          <p:cNvSpPr txBox="1">
+            <a:spLocks noGrp="1"/>
+          </p:cNvSpPr>
           <p:nvPr>
-            <p:ph hasCustomPrompt="1" type="title"/>
+            <p:ph type="title" hasCustomPrompt="1"/>
           </p:nvPr>
         </p:nvSpPr>
         <p:spPr>
@@ -2633,7 +2622,7 @@
           </a:prstGeom>
         </p:spPr>
         <p:txBody>
-          <a:bodyPr anchorCtr="0" anchor="t" bIns="91425" lIns="91425" spcFirstLastPara="1" rIns="91425" wrap="square" tIns="91425">
+          <a:bodyPr spcFirstLastPara="1" wrap="square" lIns="91425" tIns="91425" rIns="91425" bIns="91425" anchor="t" anchorCtr="0">
             <a:normAutofit/>
           </a:bodyPr>
           <a:lstStyle>
@@ -2747,9 +2736,11 @@
       <p:sp>
         <p:nvSpPr>
           <p:cNvPr id="126" name="Google Shape;126;p11"/>
-          <p:cNvSpPr txBox="1"/>
+          <p:cNvSpPr txBox="1">
+            <a:spLocks noGrp="1"/>
+          </p:cNvSpPr>
           <p:nvPr>
-            <p:ph idx="1" type="body"/>
+            <p:ph type="body" idx="1"/>
           </p:nvPr>
         </p:nvSpPr>
         <p:spPr>
@@ -2762,11 +2753,11 @@
           </a:prstGeom>
         </p:spPr>
         <p:txBody>
-          <a:bodyPr anchorCtr="0" anchor="t" bIns="91425" lIns="91425" spcFirstLastPara="1" rIns="91425" wrap="square" tIns="91425">
+          <a:bodyPr spcFirstLastPara="1" wrap="square" lIns="91425" tIns="91425" rIns="91425" bIns="91425" anchor="t" anchorCtr="0">
             <a:normAutofit/>
           </a:bodyPr>
           <a:lstStyle>
-            <a:lvl1pPr indent="-311150" lvl="0" marL="457200">
+            <a:lvl1pPr marL="457200" lvl="0" indent="-311150">
               <a:spcBef>
                 <a:spcPts val="0"/>
               </a:spcBef>
@@ -2777,7 +2768,7 @@
               <a:buChar char="●"/>
               <a:defRPr/>
             </a:lvl1pPr>
-            <a:lvl2pPr indent="-298450" lvl="1" marL="914400">
+            <a:lvl2pPr marL="914400" lvl="1" indent="-298450">
               <a:spcBef>
                 <a:spcPts val="0"/>
               </a:spcBef>
@@ -2788,7 +2779,7 @@
               <a:buChar char="○"/>
               <a:defRPr/>
             </a:lvl2pPr>
-            <a:lvl3pPr indent="-298450" lvl="2" marL="1371600">
+            <a:lvl3pPr marL="1371600" lvl="2" indent="-298450">
               <a:spcBef>
                 <a:spcPts val="0"/>
               </a:spcBef>
@@ -2799,7 +2790,7 @@
               <a:buChar char="■"/>
               <a:defRPr/>
             </a:lvl3pPr>
-            <a:lvl4pPr indent="-298450" lvl="3" marL="1828800">
+            <a:lvl4pPr marL="1828800" lvl="3" indent="-298450">
               <a:spcBef>
                 <a:spcPts val="0"/>
               </a:spcBef>
@@ -2810,7 +2801,7 @@
               <a:buChar char="●"/>
               <a:defRPr/>
             </a:lvl4pPr>
-            <a:lvl5pPr indent="-298450" lvl="4" marL="2286000">
+            <a:lvl5pPr marL="2286000" lvl="4" indent="-298450">
               <a:spcBef>
                 <a:spcPts val="0"/>
               </a:spcBef>
@@ -2821,7 +2812,7 @@
               <a:buChar char="○"/>
               <a:defRPr/>
             </a:lvl5pPr>
-            <a:lvl6pPr indent="-298450" lvl="5" marL="2743200">
+            <a:lvl6pPr marL="2743200" lvl="5" indent="-298450">
               <a:spcBef>
                 <a:spcPts val="0"/>
               </a:spcBef>
@@ -2832,7 +2823,7 @@
               <a:buChar char="■"/>
               <a:defRPr/>
             </a:lvl6pPr>
-            <a:lvl7pPr indent="-298450" lvl="6" marL="3200400">
+            <a:lvl7pPr marL="3200400" lvl="6" indent="-298450">
               <a:spcBef>
                 <a:spcPts val="0"/>
               </a:spcBef>
@@ -2843,7 +2834,7 @@
               <a:buChar char="●"/>
               <a:defRPr/>
             </a:lvl7pPr>
-            <a:lvl8pPr indent="-298450" lvl="7" marL="3657600">
+            <a:lvl8pPr marL="3657600" lvl="7" indent="-298450">
               <a:spcBef>
                 <a:spcPts val="0"/>
               </a:spcBef>
@@ -2854,7 +2845,7 @@
               <a:buChar char="○"/>
               <a:defRPr/>
             </a:lvl8pPr>
-            <a:lvl9pPr indent="-298450" lvl="8" marL="4114800">
+            <a:lvl9pPr marL="4114800" lvl="8" indent="-298450">
               <a:spcBef>
                 <a:spcPts val="0"/>
               </a:spcBef>
@@ -2866,15 +2857,19 @@
               <a:defRPr/>
             </a:lvl9pPr>
           </a:lstStyle>
-          <a:p/>
+          <a:p>
+            <a:endParaRPr/>
+          </a:p>
         </p:txBody>
       </p:sp>
       <p:sp>
         <p:nvSpPr>
           <p:cNvPr id="127" name="Google Shape;127;p11"/>
-          <p:cNvSpPr txBox="1"/>
+          <p:cNvSpPr txBox="1">
+            <a:spLocks noGrp="1"/>
+          </p:cNvSpPr>
           <p:nvPr>
-            <p:ph idx="12" type="sldNum"/>
+            <p:ph type="sldNum" idx="12"/>
           </p:nvPr>
         </p:nvSpPr>
         <p:spPr>
@@ -2887,7 +2882,7 @@
           </a:prstGeom>
         </p:spPr>
         <p:txBody>
-          <a:bodyPr anchorCtr="0" anchor="ctr" bIns="91425" lIns="91425" spcFirstLastPara="1" rIns="91425" wrap="square" tIns="91425">
+          <a:bodyPr spcFirstLastPara="1" wrap="square" lIns="91425" tIns="91425" rIns="91425" bIns="91425" anchor="ctr" anchorCtr="0">
             <a:normAutofit/>
           </a:bodyPr>
           <a:lstStyle>
@@ -2929,7 +2924,7 @@
             </a:lvl9pPr>
           </a:lstStyle>
           <a:p>
-            <a:pPr indent="0" lvl="0" marL="0" rtl="0" algn="r">
+            <a:pPr marL="0" lvl="0" indent="0" algn="r" rtl="0">
               <a:spcBef>
                 <a:spcPts val="0"/>
               </a:spcBef>
@@ -2955,11 +2950,11 @@
 </file>
 
 <file path=ppt/slideLayouts/slideLayout11.xml><?xml version="1.0" encoding="utf-8"?>
-<p:sldLayout xmlns:a="http://schemas.openxmlformats.org/drawingml/2006/main" xmlns:r="http://schemas.openxmlformats.org/officeDocument/2006/relationships" xmlns:mc="http://schemas.openxmlformats.org/markup-compatibility/2006" xmlns:mv="urn:schemas-microsoft-com:mac:vml" xmlns:p="http://schemas.openxmlformats.org/presentationml/2006/main" xmlns:c="http://schemas.openxmlformats.org/drawingml/2006/chart" xmlns:dgm="http://schemas.openxmlformats.org/drawingml/2006/diagram" xmlns:o="urn:schemas-microsoft-com:office:office" xmlns:v="urn:schemas-microsoft-com:vml" xmlns:pvml="urn:schemas-microsoft-com:office:powerpoint" xmlns:com="http://schemas.openxmlformats.org/drawingml/2006/compatibility" xmlns:p14="http://schemas.microsoft.com/office/powerpoint/2010/main" xmlns:p15="http://schemas.microsoft.com/office/powerpoint/2012/main" xmlns:ahyp="http://schemas.microsoft.com/office/drawing/2018/hyperlinkcolor" matchingName="Blank" type="blank">
+<p:sldLayout xmlns:a="http://schemas.openxmlformats.org/drawingml/2006/main" xmlns:r="http://schemas.openxmlformats.org/officeDocument/2006/relationships" xmlns:p="http://schemas.openxmlformats.org/presentationml/2006/main" matchingName="Blank" type="blank">
   <p:cSld name="BLANK">
     <p:spTree>
       <p:nvGrpSpPr>
-        <p:cNvPr id="128" name="Shape 128"/>
+        <p:cNvPr id="1" name="Shape 128"/>
         <p:cNvGrpSpPr/>
         <p:nvPr/>
       </p:nvGrpSpPr>
@@ -2974,9 +2969,11 @@
       <p:sp>
         <p:nvSpPr>
           <p:cNvPr id="129" name="Google Shape;129;p12"/>
-          <p:cNvSpPr txBox="1"/>
+          <p:cNvSpPr txBox="1">
+            <a:spLocks noGrp="1"/>
+          </p:cNvSpPr>
           <p:nvPr>
-            <p:ph idx="12" type="sldNum"/>
+            <p:ph type="sldNum" idx="12"/>
           </p:nvPr>
         </p:nvSpPr>
         <p:spPr>
@@ -2989,7 +2986,7 @@
           </a:prstGeom>
         </p:spPr>
         <p:txBody>
-          <a:bodyPr anchorCtr="0" anchor="ctr" bIns="91425" lIns="91425" spcFirstLastPara="1" rIns="91425" wrap="square" tIns="91425">
+          <a:bodyPr spcFirstLastPara="1" wrap="square" lIns="91425" tIns="91425" rIns="91425" bIns="91425" anchor="ctr" anchorCtr="0">
             <a:normAutofit/>
           </a:bodyPr>
           <a:lstStyle>
@@ -3031,7 +3028,7 @@
             </a:lvl9pPr>
           </a:lstStyle>
           <a:p>
-            <a:pPr indent="0" lvl="0" marL="0" rtl="0" algn="r">
+            <a:pPr marL="0" lvl="0" indent="0" algn="r" rtl="0">
               <a:spcBef>
                 <a:spcPts val="0"/>
               </a:spcBef>
@@ -3057,11 +3054,11 @@
 </file>
 
 <file path=ppt/slideLayouts/slideLayout2.xml><?xml version="1.0" encoding="utf-8"?>
-<p:sldLayout xmlns:a="http://schemas.openxmlformats.org/drawingml/2006/main" xmlns:r="http://schemas.openxmlformats.org/officeDocument/2006/relationships" xmlns:mc="http://schemas.openxmlformats.org/markup-compatibility/2006" xmlns:mv="urn:schemas-microsoft-com:mac:vml" xmlns:p="http://schemas.openxmlformats.org/presentationml/2006/main" xmlns:c="http://schemas.openxmlformats.org/drawingml/2006/chart" xmlns:dgm="http://schemas.openxmlformats.org/drawingml/2006/diagram" xmlns:o="urn:schemas-microsoft-com:office:office" xmlns:v="urn:schemas-microsoft-com:vml" xmlns:pvml="urn:schemas-microsoft-com:office:powerpoint" xmlns:com="http://schemas.openxmlformats.org/drawingml/2006/compatibility" xmlns:p14="http://schemas.microsoft.com/office/powerpoint/2010/main" xmlns:p15="http://schemas.microsoft.com/office/powerpoint/2012/main" xmlns:ahyp="http://schemas.microsoft.com/office/drawing/2018/hyperlinkcolor" matchingName="Section header" type="secHead">
+<p:sldLayout xmlns:a="http://schemas.openxmlformats.org/drawingml/2006/main" xmlns:r="http://schemas.openxmlformats.org/officeDocument/2006/relationships" xmlns:p="http://schemas.openxmlformats.org/presentationml/2006/main" matchingName="Section header" type="secHead">
   <p:cSld name="SECTION_HEADER">
     <p:spTree>
       <p:nvGrpSpPr>
-        <p:cNvPr id="19" name="Shape 19"/>
+        <p:cNvPr id="1" name="Shape 19"/>
         <p:cNvGrpSpPr/>
         <p:nvPr/>
       </p:nvGrpSpPr>
@@ -3100,7 +3097,7 @@
             </a:xfrm>
             <a:prstGeom prst="diagStripe">
               <a:avLst>
-                <a:gd fmla="val 49469" name="adj"/>
+                <a:gd name="adj" fmla="val 49469"/>
               </a:avLst>
             </a:prstGeom>
             <a:solidFill>
@@ -3113,12 +3110,12 @@
             </a:ln>
           </p:spPr>
           <p:txBody>
-            <a:bodyPr anchorCtr="0" anchor="ctr" bIns="91425" lIns="91425" spcFirstLastPara="1" rIns="91425" wrap="square" tIns="91425">
+            <a:bodyPr spcFirstLastPara="1" wrap="square" lIns="91425" tIns="91425" rIns="91425" bIns="91425" anchor="ctr" anchorCtr="0">
               <a:noAutofit/>
             </a:bodyPr>
             <a:lstStyle/>
             <a:p>
-              <a:pPr indent="0" lvl="0" marL="0" rtl="0" algn="l">
+              <a:pPr marL="0" lvl="0" indent="0" algn="l" rtl="0">
                 <a:spcBef>
                   <a:spcPts val="0"/>
                 </a:spcBef>
@@ -3127,9 +3124,6 @@
                 </a:spcAft>
                 <a:buNone/>
               </a:pPr>
-              <a:r>
-                <a:t/>
-              </a:r>
               <a:endParaRPr/>
             </a:p>
           </p:txBody>
@@ -3147,7 +3141,7 @@
             </a:xfrm>
             <a:prstGeom prst="diagStripe">
               <a:avLst>
-                <a:gd fmla="val 0" name="adj"/>
+                <a:gd name="adj" fmla="val 0"/>
               </a:avLst>
             </a:prstGeom>
             <a:solidFill>
@@ -3160,12 +3154,12 @@
             </a:ln>
           </p:spPr>
           <p:txBody>
-            <a:bodyPr anchorCtr="0" anchor="ctr" bIns="91425" lIns="91425" spcFirstLastPara="1" rIns="91425" wrap="square" tIns="91425">
+            <a:bodyPr spcFirstLastPara="1" wrap="square" lIns="91425" tIns="91425" rIns="91425" bIns="91425" anchor="ctr" anchorCtr="0">
               <a:noAutofit/>
             </a:bodyPr>
             <a:lstStyle/>
             <a:p>
-              <a:pPr indent="0" lvl="0" marL="0" rtl="0" algn="l">
+              <a:pPr marL="0" lvl="0" indent="0" algn="l" rtl="0">
                 <a:spcBef>
                   <a:spcPts val="0"/>
                 </a:spcBef>
@@ -3174,9 +3168,6 @@
                 </a:spcAft>
                 <a:buNone/>
               </a:pPr>
-              <a:r>
-                <a:t/>
-              </a:r>
               <a:endParaRPr/>
             </a:p>
           </p:txBody>
@@ -3194,7 +3185,7 @@
             </a:xfrm>
             <a:prstGeom prst="diagStripe">
               <a:avLst>
-                <a:gd fmla="val 50000" name="adj"/>
+                <a:gd name="adj" fmla="val 50000"/>
               </a:avLst>
             </a:prstGeom>
             <a:solidFill>
@@ -3207,12 +3198,12 @@
             </a:ln>
           </p:spPr>
           <p:txBody>
-            <a:bodyPr anchorCtr="0" anchor="ctr" bIns="91425" lIns="91425" spcFirstLastPara="1" rIns="91425" wrap="square" tIns="91425">
+            <a:bodyPr spcFirstLastPara="1" wrap="square" lIns="91425" tIns="91425" rIns="91425" bIns="91425" anchor="ctr" anchorCtr="0">
               <a:noAutofit/>
             </a:bodyPr>
             <a:lstStyle/>
             <a:p>
-              <a:pPr indent="0" lvl="0" marL="0" rtl="0" algn="l">
+              <a:pPr marL="0" lvl="0" indent="0" algn="l" rtl="0">
                 <a:spcBef>
                   <a:spcPts val="0"/>
                 </a:spcBef>
@@ -3221,9 +3212,6 @@
                 </a:spcAft>
                 <a:buNone/>
               </a:pPr>
-              <a:r>
-                <a:t/>
-              </a:r>
               <a:endParaRPr/>
             </a:p>
           </p:txBody>
@@ -3241,7 +3229,7 @@
             </a:xfrm>
             <a:prstGeom prst="diagStripe">
               <a:avLst>
-                <a:gd fmla="val 50000" name="adj"/>
+                <a:gd name="adj" fmla="val 50000"/>
               </a:avLst>
             </a:prstGeom>
             <a:solidFill>
@@ -3254,12 +3242,12 @@
             </a:ln>
           </p:spPr>
           <p:txBody>
-            <a:bodyPr anchorCtr="0" anchor="ctr" bIns="91425" lIns="91425" spcFirstLastPara="1" rIns="91425" wrap="square" tIns="91425">
+            <a:bodyPr spcFirstLastPara="1" wrap="square" lIns="91425" tIns="91425" rIns="91425" bIns="91425" anchor="ctr" anchorCtr="0">
               <a:noAutofit/>
             </a:bodyPr>
             <a:lstStyle/>
             <a:p>
-              <a:pPr indent="0" lvl="0" marL="0" rtl="0" algn="l">
+              <a:pPr marL="0" lvl="0" indent="0" algn="l" rtl="0">
                 <a:spcBef>
                   <a:spcPts val="0"/>
                 </a:spcBef>
@@ -3268,9 +3256,6 @@
                 </a:spcAft>
                 <a:buNone/>
               </a:pPr>
-              <a:r>
-                <a:t/>
-              </a:r>
               <a:endParaRPr/>
             </a:p>
           </p:txBody>
@@ -3288,7 +3273,7 @@
             </a:xfrm>
             <a:prstGeom prst="diagStripe">
               <a:avLst>
-                <a:gd fmla="val 50000" name="adj"/>
+                <a:gd name="adj" fmla="val 50000"/>
               </a:avLst>
             </a:prstGeom>
             <a:solidFill>
@@ -3301,12 +3286,12 @@
             </a:ln>
           </p:spPr>
           <p:txBody>
-            <a:bodyPr anchorCtr="0" anchor="ctr" bIns="91425" lIns="91425" spcFirstLastPara="1" rIns="91425" wrap="square" tIns="91425">
+            <a:bodyPr spcFirstLastPara="1" wrap="square" lIns="91425" tIns="91425" rIns="91425" bIns="91425" anchor="ctr" anchorCtr="0">
               <a:noAutofit/>
             </a:bodyPr>
             <a:lstStyle/>
             <a:p>
-              <a:pPr indent="0" lvl="0" marL="0" rtl="0" algn="l">
+              <a:pPr marL="0" lvl="0" indent="0" algn="l" rtl="0">
                 <a:spcBef>
                   <a:spcPts val="0"/>
                 </a:spcBef>
@@ -3315,9 +3300,6 @@
                 </a:spcAft>
                 <a:buNone/>
               </a:pPr>
-              <a:r>
-                <a:t/>
-              </a:r>
               <a:endParaRPr/>
             </a:p>
           </p:txBody>
@@ -3335,7 +3317,7 @@
             </a:xfrm>
             <a:prstGeom prst="diagStripe">
               <a:avLst>
-                <a:gd fmla="val 50000" name="adj"/>
+                <a:gd name="adj" fmla="val 50000"/>
               </a:avLst>
             </a:prstGeom>
             <a:solidFill>
@@ -3348,12 +3330,12 @@
             </a:ln>
           </p:spPr>
           <p:txBody>
-            <a:bodyPr anchorCtr="0" anchor="ctr" bIns="91425" lIns="91425" spcFirstLastPara="1" rIns="91425" wrap="square" tIns="91425">
+            <a:bodyPr spcFirstLastPara="1" wrap="square" lIns="91425" tIns="91425" rIns="91425" bIns="91425" anchor="ctr" anchorCtr="0">
               <a:noAutofit/>
             </a:bodyPr>
             <a:lstStyle/>
             <a:p>
-              <a:pPr indent="0" lvl="0" marL="0" rtl="0" algn="l">
+              <a:pPr marL="0" lvl="0" indent="0" algn="l" rtl="0">
                 <a:spcBef>
                   <a:spcPts val="0"/>
                 </a:spcBef>
@@ -3362,9 +3344,6 @@
                 </a:spcAft>
                 <a:buNone/>
               </a:pPr>
-              <a:r>
-                <a:t/>
-              </a:r>
               <a:endParaRPr/>
             </a:p>
           </p:txBody>
@@ -3382,7 +3361,7 @@
             </a:xfrm>
             <a:prstGeom prst="diagStripe">
               <a:avLst>
-                <a:gd fmla="val 50000" name="adj"/>
+                <a:gd name="adj" fmla="val 50000"/>
               </a:avLst>
             </a:prstGeom>
             <a:solidFill>
@@ -3395,12 +3374,12 @@
             </a:ln>
           </p:spPr>
           <p:txBody>
-            <a:bodyPr anchorCtr="0" anchor="ctr" bIns="91425" lIns="91425" spcFirstLastPara="1" rIns="91425" wrap="square" tIns="91425">
+            <a:bodyPr spcFirstLastPara="1" wrap="square" lIns="91425" tIns="91425" rIns="91425" bIns="91425" anchor="ctr" anchorCtr="0">
               <a:noAutofit/>
             </a:bodyPr>
             <a:lstStyle/>
             <a:p>
-              <a:pPr indent="0" lvl="0" marL="0" rtl="0" algn="l">
+              <a:pPr marL="0" lvl="0" indent="0" algn="l" rtl="0">
                 <a:spcBef>
                   <a:spcPts val="0"/>
                 </a:spcBef>
@@ -3409,9 +3388,6 @@
                 </a:spcAft>
                 <a:buNone/>
               </a:pPr>
-              <a:r>
-                <a:t/>
-              </a:r>
               <a:endParaRPr/>
             </a:p>
           </p:txBody>
@@ -3429,7 +3405,7 @@
             </a:xfrm>
             <a:prstGeom prst="diagStripe">
               <a:avLst>
-                <a:gd fmla="val 50000" name="adj"/>
+                <a:gd name="adj" fmla="val 50000"/>
               </a:avLst>
             </a:prstGeom>
             <a:solidFill>
@@ -3440,12 +3416,12 @@
             </a:ln>
           </p:spPr>
           <p:txBody>
-            <a:bodyPr anchorCtr="0" anchor="ctr" bIns="91425" lIns="91425" spcFirstLastPara="1" rIns="91425" wrap="square" tIns="91425">
+            <a:bodyPr spcFirstLastPara="1" wrap="square" lIns="91425" tIns="91425" rIns="91425" bIns="91425" anchor="ctr" anchorCtr="0">
               <a:noAutofit/>
             </a:bodyPr>
             <a:lstStyle/>
             <a:p>
-              <a:pPr indent="0" lvl="0" marL="0" rtl="0" algn="l">
+              <a:pPr marL="0" lvl="0" indent="0" algn="l" rtl="0">
                 <a:spcBef>
                   <a:spcPts val="0"/>
                 </a:spcBef>
@@ -3454,9 +3430,6 @@
                 </a:spcAft>
                 <a:buNone/>
               </a:pPr>
-              <a:r>
-                <a:t/>
-              </a:r>
               <a:endParaRPr/>
             </a:p>
           </p:txBody>
@@ -3474,7 +3447,7 @@
             </a:xfrm>
             <a:prstGeom prst="diagStripe">
               <a:avLst>
-                <a:gd fmla="val 50000" name="adj"/>
+                <a:gd name="adj" fmla="val 50000"/>
               </a:avLst>
             </a:prstGeom>
             <a:solidFill>
@@ -3487,12 +3460,12 @@
             </a:ln>
           </p:spPr>
           <p:txBody>
-            <a:bodyPr anchorCtr="0" anchor="ctr" bIns="91425" lIns="91425" spcFirstLastPara="1" rIns="91425" wrap="square" tIns="91425">
+            <a:bodyPr spcFirstLastPara="1" wrap="square" lIns="91425" tIns="91425" rIns="91425" bIns="91425" anchor="ctr" anchorCtr="0">
               <a:noAutofit/>
             </a:bodyPr>
             <a:lstStyle/>
             <a:p>
-              <a:pPr indent="0" lvl="0" marL="0" rtl="0" algn="l">
+              <a:pPr marL="0" lvl="0" indent="0" algn="l" rtl="0">
                 <a:spcBef>
                   <a:spcPts val="0"/>
                 </a:spcBef>
@@ -3501,9 +3474,6 @@
                 </a:spcAft>
                 <a:buNone/>
               </a:pPr>
-              <a:r>
-                <a:t/>
-              </a:r>
               <a:endParaRPr/>
             </a:p>
           </p:txBody>
@@ -3521,7 +3491,7 @@
             </a:xfrm>
             <a:prstGeom prst="diagStripe">
               <a:avLst>
-                <a:gd fmla="val 50000" name="adj"/>
+                <a:gd name="adj" fmla="val 50000"/>
               </a:avLst>
             </a:prstGeom>
             <a:solidFill>
@@ -3534,12 +3504,12 @@
             </a:ln>
           </p:spPr>
           <p:txBody>
-            <a:bodyPr anchorCtr="0" anchor="ctr" bIns="91425" lIns="91425" spcFirstLastPara="1" rIns="91425" wrap="square" tIns="91425">
+            <a:bodyPr spcFirstLastPara="1" wrap="square" lIns="91425" tIns="91425" rIns="91425" bIns="91425" anchor="ctr" anchorCtr="0">
               <a:noAutofit/>
             </a:bodyPr>
             <a:lstStyle/>
             <a:p>
-              <a:pPr indent="0" lvl="0" marL="0" rtl="0" algn="l">
+              <a:pPr marL="0" lvl="0" indent="0" algn="l" rtl="0">
                 <a:spcBef>
                   <a:spcPts val="0"/>
                 </a:spcBef>
@@ -3548,9 +3518,6 @@
                 </a:spcAft>
                 <a:buNone/>
               </a:pPr>
-              <a:r>
-                <a:t/>
-              </a:r>
               <a:endParaRPr/>
             </a:p>
           </p:txBody>
@@ -3568,7 +3535,7 @@
             </a:xfrm>
             <a:prstGeom prst="diagStripe">
               <a:avLst>
-                <a:gd fmla="val 50000" name="adj"/>
+                <a:gd name="adj" fmla="val 50000"/>
               </a:avLst>
             </a:prstGeom>
             <a:solidFill>
@@ -3581,12 +3548,12 @@
             </a:ln>
           </p:spPr>
           <p:txBody>
-            <a:bodyPr anchorCtr="0" anchor="ctr" bIns="91425" lIns="91425" spcFirstLastPara="1" rIns="91425" wrap="square" tIns="91425">
+            <a:bodyPr spcFirstLastPara="1" wrap="square" lIns="91425" tIns="91425" rIns="91425" bIns="91425" anchor="ctr" anchorCtr="0">
               <a:noAutofit/>
             </a:bodyPr>
             <a:lstStyle/>
             <a:p>
-              <a:pPr indent="0" lvl="0" marL="0" rtl="0" algn="l">
+              <a:pPr marL="0" lvl="0" indent="0" algn="l" rtl="0">
                 <a:spcBef>
                   <a:spcPts val="0"/>
                 </a:spcBef>
@@ -3595,9 +3562,6 @@
                 </a:spcAft>
                 <a:buNone/>
               </a:pPr>
-              <a:r>
-                <a:t/>
-              </a:r>
               <a:endParaRPr/>
             </a:p>
           </p:txBody>
@@ -3615,7 +3579,7 @@
             </a:xfrm>
             <a:prstGeom prst="diagStripe">
               <a:avLst>
-                <a:gd fmla="val 50000" name="adj"/>
+                <a:gd name="adj" fmla="val 50000"/>
               </a:avLst>
             </a:prstGeom>
             <a:solidFill>
@@ -3628,12 +3592,12 @@
             </a:ln>
           </p:spPr>
           <p:txBody>
-            <a:bodyPr anchorCtr="0" anchor="ctr" bIns="91425" lIns="91425" spcFirstLastPara="1" rIns="91425" wrap="square" tIns="91425">
+            <a:bodyPr spcFirstLastPara="1" wrap="square" lIns="91425" tIns="91425" rIns="91425" bIns="91425" anchor="ctr" anchorCtr="0">
               <a:noAutofit/>
             </a:bodyPr>
             <a:lstStyle/>
             <a:p>
-              <a:pPr indent="0" lvl="0" marL="0" rtl="0" algn="l">
+              <a:pPr marL="0" lvl="0" indent="0" algn="l" rtl="0">
                 <a:spcBef>
                   <a:spcPts val="0"/>
                 </a:spcBef>
@@ -3642,9 +3606,6 @@
                 </a:spcAft>
                 <a:buNone/>
               </a:pPr>
-              <a:r>
-                <a:t/>
-              </a:r>
               <a:endParaRPr/>
             </a:p>
           </p:txBody>
@@ -3662,7 +3623,7 @@
             </a:xfrm>
             <a:prstGeom prst="diagStripe">
               <a:avLst>
-                <a:gd fmla="val 50000" name="adj"/>
+                <a:gd name="adj" fmla="val 50000"/>
               </a:avLst>
             </a:prstGeom>
             <a:solidFill>
@@ -3675,12 +3636,12 @@
             </a:ln>
           </p:spPr>
           <p:txBody>
-            <a:bodyPr anchorCtr="0" anchor="ctr" bIns="91425" lIns="91425" spcFirstLastPara="1" rIns="91425" wrap="square" tIns="91425">
+            <a:bodyPr spcFirstLastPara="1" wrap="square" lIns="91425" tIns="91425" rIns="91425" bIns="91425" anchor="ctr" anchorCtr="0">
               <a:noAutofit/>
             </a:bodyPr>
             <a:lstStyle/>
             <a:p>
-              <a:pPr indent="0" lvl="0" marL="0" rtl="0" algn="l">
+              <a:pPr marL="0" lvl="0" indent="0" algn="l" rtl="0">
                 <a:spcBef>
                   <a:spcPts val="0"/>
                 </a:spcBef>
@@ -3689,9 +3650,6 @@
                 </a:spcAft>
                 <a:buNone/>
               </a:pPr>
-              <a:r>
-                <a:t/>
-              </a:r>
               <a:endParaRPr/>
             </a:p>
           </p:txBody>
@@ -3709,7 +3667,7 @@
             </a:xfrm>
             <a:prstGeom prst="diagStripe">
               <a:avLst>
-                <a:gd fmla="val 50000" name="adj"/>
+                <a:gd name="adj" fmla="val 50000"/>
               </a:avLst>
             </a:prstGeom>
             <a:solidFill>
@@ -3720,12 +3678,12 @@
             </a:ln>
           </p:spPr>
           <p:txBody>
-            <a:bodyPr anchorCtr="0" anchor="ctr" bIns="91425" lIns="91425" spcFirstLastPara="1" rIns="91425" wrap="square" tIns="91425">
+            <a:bodyPr spcFirstLastPara="1" wrap="square" lIns="91425" tIns="91425" rIns="91425" bIns="91425" anchor="ctr" anchorCtr="0">
               <a:noAutofit/>
             </a:bodyPr>
             <a:lstStyle/>
             <a:p>
-              <a:pPr indent="0" lvl="0" marL="0" rtl="0" algn="l">
+              <a:pPr marL="0" lvl="0" indent="0" algn="l" rtl="0">
                 <a:spcBef>
                   <a:spcPts val="0"/>
                 </a:spcBef>
@@ -3734,9 +3692,6 @@
                 </a:spcAft>
                 <a:buNone/>
               </a:pPr>
-              <a:r>
-                <a:t/>
-              </a:r>
               <a:endParaRPr/>
             </a:p>
           </p:txBody>
@@ -3754,7 +3709,7 @@
             </a:xfrm>
             <a:prstGeom prst="diagStripe">
               <a:avLst>
-                <a:gd fmla="val 50000" name="adj"/>
+                <a:gd name="adj" fmla="val 50000"/>
               </a:avLst>
             </a:prstGeom>
             <a:solidFill>
@@ -3767,12 +3722,12 @@
             </a:ln>
           </p:spPr>
           <p:txBody>
-            <a:bodyPr anchorCtr="0" anchor="ctr" bIns="91425" lIns="91425" spcFirstLastPara="1" rIns="91425" wrap="square" tIns="91425">
+            <a:bodyPr spcFirstLastPara="1" wrap="square" lIns="91425" tIns="91425" rIns="91425" bIns="91425" anchor="ctr" anchorCtr="0">
               <a:noAutofit/>
             </a:bodyPr>
             <a:lstStyle/>
             <a:p>
-              <a:pPr indent="0" lvl="0" marL="0" rtl="0" algn="l">
+              <a:pPr marL="0" lvl="0" indent="0" algn="l" rtl="0">
                 <a:spcBef>
                   <a:spcPts val="0"/>
                 </a:spcBef>
@@ -3781,9 +3736,6 @@
                 </a:spcAft>
                 <a:buNone/>
               </a:pPr>
-              <a:r>
-                <a:t/>
-              </a:r>
               <a:endParaRPr/>
             </a:p>
           </p:txBody>
@@ -3801,7 +3753,7 @@
             </a:xfrm>
             <a:prstGeom prst="diagStripe">
               <a:avLst>
-                <a:gd fmla="val 50000" name="adj"/>
+                <a:gd name="adj" fmla="val 50000"/>
               </a:avLst>
             </a:prstGeom>
             <a:solidFill>
@@ -3814,12 +3766,12 @@
             </a:ln>
           </p:spPr>
           <p:txBody>
-            <a:bodyPr anchorCtr="0" anchor="ctr" bIns="91425" lIns="91425" spcFirstLastPara="1" rIns="91425" wrap="square" tIns="91425">
+            <a:bodyPr spcFirstLastPara="1" wrap="square" lIns="91425" tIns="91425" rIns="91425" bIns="91425" anchor="ctr" anchorCtr="0">
               <a:noAutofit/>
             </a:bodyPr>
             <a:lstStyle/>
             <a:p>
-              <a:pPr indent="0" lvl="0" marL="0" rtl="0" algn="l">
+              <a:pPr marL="0" lvl="0" indent="0" algn="l" rtl="0">
                 <a:spcBef>
                   <a:spcPts val="0"/>
                 </a:spcBef>
@@ -3828,9 +3780,6 @@
                 </a:spcAft>
                 <a:buNone/>
               </a:pPr>
-              <a:r>
-                <a:t/>
-              </a:r>
               <a:endParaRPr/>
             </a:p>
           </p:txBody>
@@ -3848,7 +3797,7 @@
             </a:xfrm>
             <a:prstGeom prst="diagStripe">
               <a:avLst>
-                <a:gd fmla="val 50000" name="adj"/>
+                <a:gd name="adj" fmla="val 50000"/>
               </a:avLst>
             </a:prstGeom>
             <a:solidFill>
@@ -3861,12 +3810,12 @@
             </a:ln>
           </p:spPr>
           <p:txBody>
-            <a:bodyPr anchorCtr="0" anchor="ctr" bIns="91425" lIns="91425" spcFirstLastPara="1" rIns="91425" wrap="square" tIns="91425">
+            <a:bodyPr spcFirstLastPara="1" wrap="square" lIns="91425" tIns="91425" rIns="91425" bIns="91425" anchor="ctr" anchorCtr="0">
               <a:noAutofit/>
             </a:bodyPr>
             <a:lstStyle/>
             <a:p>
-              <a:pPr indent="0" lvl="0" marL="0" rtl="0" algn="l">
+              <a:pPr marL="0" lvl="0" indent="0" algn="l" rtl="0">
                 <a:spcBef>
                   <a:spcPts val="0"/>
                 </a:spcBef>
@@ -3875,9 +3824,6 @@
                 </a:spcAft>
                 <a:buNone/>
               </a:pPr>
-              <a:r>
-                <a:t/>
-              </a:r>
               <a:endParaRPr/>
             </a:p>
           </p:txBody>
@@ -3895,7 +3841,7 @@
             </a:xfrm>
             <a:prstGeom prst="diagStripe">
               <a:avLst>
-                <a:gd fmla="val 50000" name="adj"/>
+                <a:gd name="adj" fmla="val 50000"/>
               </a:avLst>
             </a:prstGeom>
             <a:solidFill>
@@ -3908,12 +3854,12 @@
             </a:ln>
           </p:spPr>
           <p:txBody>
-            <a:bodyPr anchorCtr="0" anchor="ctr" bIns="91425" lIns="91425" spcFirstLastPara="1" rIns="91425" wrap="square" tIns="91425">
+            <a:bodyPr spcFirstLastPara="1" wrap="square" lIns="91425" tIns="91425" rIns="91425" bIns="91425" anchor="ctr" anchorCtr="0">
               <a:noAutofit/>
             </a:bodyPr>
             <a:lstStyle/>
             <a:p>
-              <a:pPr indent="0" lvl="0" marL="0" rtl="0" algn="l">
+              <a:pPr marL="0" lvl="0" indent="0" algn="l" rtl="0">
                 <a:spcBef>
                   <a:spcPts val="0"/>
                 </a:spcBef>
@@ -3922,9 +3868,6 @@
                 </a:spcAft>
                 <a:buNone/>
               </a:pPr>
-              <a:r>
-                <a:t/>
-              </a:r>
               <a:endParaRPr/>
             </a:p>
           </p:txBody>
@@ -3933,7 +3876,9 @@
       <p:sp>
         <p:nvSpPr>
           <p:cNvPr id="39" name="Google Shape;39;p3"/>
-          <p:cNvSpPr txBox="1"/>
+          <p:cNvSpPr txBox="1">
+            <a:spLocks noGrp="1"/>
+          </p:cNvSpPr>
           <p:nvPr>
             <p:ph type="title"/>
           </p:nvPr>
@@ -3948,7 +3893,7 @@
           </a:prstGeom>
         </p:spPr>
         <p:txBody>
-          <a:bodyPr anchorCtr="0" anchor="ctr" bIns="91425" lIns="91425" spcFirstLastPara="1" rIns="91425" wrap="square" tIns="91425">
+          <a:bodyPr spcFirstLastPara="1" wrap="square" lIns="91425" tIns="91425" rIns="91425" bIns="91425" anchor="ctr" anchorCtr="0">
             <a:normAutofit/>
           </a:bodyPr>
           <a:lstStyle>
@@ -4052,15 +3997,19 @@
               <a:defRPr/>
             </a:lvl9pPr>
           </a:lstStyle>
-          <a:p/>
+          <a:p>
+            <a:endParaRPr/>
+          </a:p>
         </p:txBody>
       </p:sp>
       <p:sp>
         <p:nvSpPr>
           <p:cNvPr id="40" name="Google Shape;40;p3"/>
-          <p:cNvSpPr txBox="1"/>
+          <p:cNvSpPr txBox="1">
+            <a:spLocks noGrp="1"/>
+          </p:cNvSpPr>
           <p:nvPr>
-            <p:ph idx="12" type="sldNum"/>
+            <p:ph type="sldNum" idx="12"/>
           </p:nvPr>
         </p:nvSpPr>
         <p:spPr>
@@ -4073,7 +4022,7 @@
           </a:prstGeom>
         </p:spPr>
         <p:txBody>
-          <a:bodyPr anchorCtr="0" anchor="ctr" bIns="91425" lIns="91425" spcFirstLastPara="1" rIns="91425" wrap="square" tIns="91425">
+          <a:bodyPr spcFirstLastPara="1" wrap="square" lIns="91425" tIns="91425" rIns="91425" bIns="91425" anchor="ctr" anchorCtr="0">
             <a:normAutofit/>
           </a:bodyPr>
           <a:lstStyle>
@@ -4115,7 +4064,7 @@
             </a:lvl9pPr>
           </a:lstStyle>
           <a:p>
-            <a:pPr indent="0" lvl="0" marL="0" rtl="0" algn="r">
+            <a:pPr marL="0" lvl="0" indent="0" algn="r" rtl="0">
               <a:spcBef>
                 <a:spcPts val="0"/>
               </a:spcBef>
@@ -4141,18 +4090,19 @@
 </file>
 
 <file path=ppt/slideLayouts/slideLayout3.xml><?xml version="1.0" encoding="utf-8"?>
-<p:sldLayout xmlns:a="http://schemas.openxmlformats.org/drawingml/2006/main" xmlns:r="http://schemas.openxmlformats.org/officeDocument/2006/relationships" xmlns:mc="http://schemas.openxmlformats.org/markup-compatibility/2006" xmlns:mv="urn:schemas-microsoft-com:mac:vml" xmlns:p="http://schemas.openxmlformats.org/presentationml/2006/main" xmlns:c="http://schemas.openxmlformats.org/drawingml/2006/chart" xmlns:dgm="http://schemas.openxmlformats.org/drawingml/2006/diagram" xmlns:o="urn:schemas-microsoft-com:office:office" xmlns:v="urn:schemas-microsoft-com:vml" xmlns:pvml="urn:schemas-microsoft-com:office:powerpoint" xmlns:com="http://schemas.openxmlformats.org/drawingml/2006/compatibility" xmlns:p14="http://schemas.microsoft.com/office/powerpoint/2010/main" xmlns:p15="http://schemas.microsoft.com/office/powerpoint/2012/main" xmlns:ahyp="http://schemas.microsoft.com/office/drawing/2018/hyperlinkcolor" matchingName="Title and body" type="tx">
+<p:sldLayout xmlns:a="http://schemas.openxmlformats.org/drawingml/2006/main" xmlns:r="http://schemas.openxmlformats.org/officeDocument/2006/relationships" xmlns:p="http://schemas.openxmlformats.org/presentationml/2006/main" matchingName="Title and body" type="tx">
   <p:cSld name="TITLE_AND_BODY">
     <p:bg>
       <p:bgPr>
         <a:solidFill>
           <a:schemeClr val="lt1"/>
         </a:solidFill>
+        <a:effectLst/>
       </p:bgPr>
     </p:bg>
     <p:spTree>
       <p:nvGrpSpPr>
-        <p:cNvPr id="41" name="Shape 41"/>
+        <p:cNvPr id="1" name="Shape 41"/>
         <p:cNvGrpSpPr/>
         <p:nvPr/>
       </p:nvGrpSpPr>
@@ -4191,7 +4141,7 @@
             </a:xfrm>
             <a:prstGeom prst="diagStripe">
               <a:avLst>
-                <a:gd fmla="val 50000" name="adj"/>
+                <a:gd name="adj" fmla="val 50000"/>
               </a:avLst>
             </a:prstGeom>
             <a:solidFill>
@@ -4202,12 +4152,12 @@
             </a:ln>
           </p:spPr>
           <p:txBody>
-            <a:bodyPr anchorCtr="0" anchor="ctr" bIns="91425" lIns="91425" spcFirstLastPara="1" rIns="91425" wrap="square" tIns="91425">
+            <a:bodyPr spcFirstLastPara="1" wrap="square" lIns="91425" tIns="91425" rIns="91425" bIns="91425" anchor="ctr" anchorCtr="0">
               <a:noAutofit/>
             </a:bodyPr>
             <a:lstStyle/>
             <a:p>
-              <a:pPr indent="0" lvl="0" marL="0" rtl="0" algn="l">
+              <a:pPr marL="0" lvl="0" indent="0" algn="l" rtl="0">
                 <a:spcBef>
                   <a:spcPts val="0"/>
                 </a:spcBef>
@@ -4216,9 +4166,6 @@
                 </a:spcAft>
                 <a:buNone/>
               </a:pPr>
-              <a:r>
-                <a:t/>
-              </a:r>
               <a:endParaRPr/>
             </a:p>
           </p:txBody>
@@ -4236,7 +4183,7 @@
             </a:xfrm>
             <a:prstGeom prst="diagStripe">
               <a:avLst>
-                <a:gd fmla="val 50000" name="adj"/>
+                <a:gd name="adj" fmla="val 50000"/>
               </a:avLst>
             </a:prstGeom>
             <a:solidFill>
@@ -4247,12 +4194,12 @@
             </a:ln>
           </p:spPr>
           <p:txBody>
-            <a:bodyPr anchorCtr="0" anchor="ctr" bIns="91425" lIns="91425" spcFirstLastPara="1" rIns="91425" wrap="square" tIns="91425">
+            <a:bodyPr spcFirstLastPara="1" wrap="square" lIns="91425" tIns="91425" rIns="91425" bIns="91425" anchor="ctr" anchorCtr="0">
               <a:noAutofit/>
             </a:bodyPr>
             <a:lstStyle/>
             <a:p>
-              <a:pPr indent="0" lvl="0" marL="0" rtl="0" algn="l">
+              <a:pPr marL="0" lvl="0" indent="0" algn="l" rtl="0">
                 <a:spcBef>
                   <a:spcPts val="0"/>
                 </a:spcBef>
@@ -4261,9 +4208,6 @@
                 </a:spcAft>
                 <a:buNone/>
               </a:pPr>
-              <a:r>
-                <a:t/>
-              </a:r>
               <a:endParaRPr/>
             </a:p>
           </p:txBody>
@@ -4272,7 +4216,9 @@
       <p:sp>
         <p:nvSpPr>
           <p:cNvPr id="45" name="Google Shape;45;p4"/>
-          <p:cNvSpPr txBox="1"/>
+          <p:cNvSpPr txBox="1">
+            <a:spLocks noGrp="1"/>
+          </p:cNvSpPr>
           <p:nvPr>
             <p:ph type="title"/>
           </p:nvPr>
@@ -4287,7 +4233,7 @@
           </a:prstGeom>
         </p:spPr>
         <p:txBody>
-          <a:bodyPr anchorCtr="0" anchor="t" bIns="91425" lIns="91425" spcFirstLastPara="1" rIns="91425" wrap="square" tIns="91425">
+          <a:bodyPr spcFirstLastPara="1" wrap="square" lIns="91425" tIns="91425" rIns="91425" bIns="91425" anchor="t" anchorCtr="0">
             <a:normAutofit/>
           </a:bodyPr>
           <a:lstStyle>
@@ -4398,15 +4344,19 @@
               <a:defRPr sz="2400"/>
             </a:lvl9pPr>
           </a:lstStyle>
-          <a:p/>
+          <a:p>
+            <a:endParaRPr/>
+          </a:p>
         </p:txBody>
       </p:sp>
       <p:sp>
         <p:nvSpPr>
           <p:cNvPr id="46" name="Google Shape;46;p4"/>
-          <p:cNvSpPr txBox="1"/>
+          <p:cNvSpPr txBox="1">
+            <a:spLocks noGrp="1"/>
+          </p:cNvSpPr>
           <p:nvPr>
-            <p:ph idx="1" type="body"/>
+            <p:ph type="body" idx="1"/>
           </p:nvPr>
         </p:nvSpPr>
         <p:spPr>
@@ -4419,11 +4369,11 @@
           </a:prstGeom>
         </p:spPr>
         <p:txBody>
-          <a:bodyPr anchorCtr="0" anchor="t" bIns="91425" lIns="91425" spcFirstLastPara="1" rIns="91425" wrap="square" tIns="91425">
+          <a:bodyPr spcFirstLastPara="1" wrap="square" lIns="91425" tIns="91425" rIns="91425" bIns="91425" anchor="t" anchorCtr="0">
             <a:normAutofit/>
           </a:bodyPr>
           <a:lstStyle>
-            <a:lvl1pPr indent="-311150" lvl="0" marL="457200">
+            <a:lvl1pPr marL="457200" lvl="0" indent="-311150">
               <a:spcBef>
                 <a:spcPts val="0"/>
               </a:spcBef>
@@ -4434,7 +4384,7 @@
               <a:buChar char="●"/>
               <a:defRPr/>
             </a:lvl1pPr>
-            <a:lvl2pPr indent="-298450" lvl="1" marL="914400">
+            <a:lvl2pPr marL="914400" lvl="1" indent="-298450">
               <a:spcBef>
                 <a:spcPts val="0"/>
               </a:spcBef>
@@ -4445,7 +4395,7 @@
               <a:buChar char="○"/>
               <a:defRPr/>
             </a:lvl2pPr>
-            <a:lvl3pPr indent="-298450" lvl="2" marL="1371600">
+            <a:lvl3pPr marL="1371600" lvl="2" indent="-298450">
               <a:spcBef>
                 <a:spcPts val="0"/>
               </a:spcBef>
@@ -4456,7 +4406,7 @@
               <a:buChar char="■"/>
               <a:defRPr/>
             </a:lvl3pPr>
-            <a:lvl4pPr indent="-298450" lvl="3" marL="1828800">
+            <a:lvl4pPr marL="1828800" lvl="3" indent="-298450">
               <a:spcBef>
                 <a:spcPts val="0"/>
               </a:spcBef>
@@ -4467,7 +4417,7 @@
               <a:buChar char="●"/>
               <a:defRPr/>
             </a:lvl4pPr>
-            <a:lvl5pPr indent="-298450" lvl="4" marL="2286000">
+            <a:lvl5pPr marL="2286000" lvl="4" indent="-298450">
               <a:spcBef>
                 <a:spcPts val="0"/>
               </a:spcBef>
@@ -4478,7 +4428,7 @@
               <a:buChar char="○"/>
               <a:defRPr/>
             </a:lvl5pPr>
-            <a:lvl6pPr indent="-298450" lvl="5" marL="2743200">
+            <a:lvl6pPr marL="2743200" lvl="5" indent="-298450">
               <a:spcBef>
                 <a:spcPts val="0"/>
               </a:spcBef>
@@ -4489,7 +4439,7 @@
               <a:buChar char="■"/>
               <a:defRPr/>
             </a:lvl6pPr>
-            <a:lvl7pPr indent="-298450" lvl="6" marL="3200400">
+            <a:lvl7pPr marL="3200400" lvl="6" indent="-298450">
               <a:spcBef>
                 <a:spcPts val="0"/>
               </a:spcBef>
@@ -4500,7 +4450,7 @@
               <a:buChar char="●"/>
               <a:defRPr/>
             </a:lvl7pPr>
-            <a:lvl8pPr indent="-298450" lvl="7" marL="3657600">
+            <a:lvl8pPr marL="3657600" lvl="7" indent="-298450">
               <a:spcBef>
                 <a:spcPts val="0"/>
               </a:spcBef>
@@ -4511,7 +4461,7 @@
               <a:buChar char="○"/>
               <a:defRPr/>
             </a:lvl8pPr>
-            <a:lvl9pPr indent="-298450" lvl="8" marL="4114800">
+            <a:lvl9pPr marL="4114800" lvl="8" indent="-298450">
               <a:spcBef>
                 <a:spcPts val="0"/>
               </a:spcBef>
@@ -4523,15 +4473,19 @@
               <a:defRPr/>
             </a:lvl9pPr>
           </a:lstStyle>
-          <a:p/>
+          <a:p>
+            <a:endParaRPr/>
+          </a:p>
         </p:txBody>
       </p:sp>
       <p:sp>
         <p:nvSpPr>
           <p:cNvPr id="47" name="Google Shape;47;p4"/>
-          <p:cNvSpPr txBox="1"/>
+          <p:cNvSpPr txBox="1">
+            <a:spLocks noGrp="1"/>
+          </p:cNvSpPr>
           <p:nvPr>
-            <p:ph idx="12" type="sldNum"/>
+            <p:ph type="sldNum" idx="12"/>
           </p:nvPr>
         </p:nvSpPr>
         <p:spPr>
@@ -4544,7 +4498,7 @@
           </a:prstGeom>
         </p:spPr>
         <p:txBody>
-          <a:bodyPr anchorCtr="0" anchor="ctr" bIns="91425" lIns="91425" spcFirstLastPara="1" rIns="91425" wrap="square" tIns="91425">
+          <a:bodyPr spcFirstLastPara="1" wrap="square" lIns="91425" tIns="91425" rIns="91425" bIns="91425" anchor="ctr" anchorCtr="0">
             <a:normAutofit/>
           </a:bodyPr>
           <a:lstStyle>
@@ -4586,7 +4540,7 @@
             </a:lvl9pPr>
           </a:lstStyle>
           <a:p>
-            <a:pPr indent="0" lvl="0" marL="0" rtl="0" algn="r">
+            <a:pPr marL="0" lvl="0" indent="0" algn="r" rtl="0">
               <a:spcBef>
                 <a:spcPts val="0"/>
               </a:spcBef>
@@ -4612,11 +4566,11 @@
 </file>
 
 <file path=ppt/slideLayouts/slideLayout4.xml><?xml version="1.0" encoding="utf-8"?>
-<p:sldLayout xmlns:a="http://schemas.openxmlformats.org/drawingml/2006/main" xmlns:r="http://schemas.openxmlformats.org/officeDocument/2006/relationships" xmlns:mc="http://schemas.openxmlformats.org/markup-compatibility/2006" xmlns:mv="urn:schemas-microsoft-com:mac:vml" xmlns:p="http://schemas.openxmlformats.org/presentationml/2006/main" xmlns:c="http://schemas.openxmlformats.org/drawingml/2006/chart" xmlns:dgm="http://schemas.openxmlformats.org/drawingml/2006/diagram" xmlns:o="urn:schemas-microsoft-com:office:office" xmlns:v="urn:schemas-microsoft-com:vml" xmlns:pvml="urn:schemas-microsoft-com:office:powerpoint" xmlns:com="http://schemas.openxmlformats.org/drawingml/2006/compatibility" xmlns:p14="http://schemas.microsoft.com/office/powerpoint/2010/main" xmlns:p15="http://schemas.microsoft.com/office/powerpoint/2012/main" xmlns:ahyp="http://schemas.microsoft.com/office/drawing/2018/hyperlinkcolor" matchingName="Title and two columns" type="twoColTx">
+<p:sldLayout xmlns:a="http://schemas.openxmlformats.org/drawingml/2006/main" xmlns:r="http://schemas.openxmlformats.org/officeDocument/2006/relationships" xmlns:p="http://schemas.openxmlformats.org/presentationml/2006/main" matchingName="Title and two columns" type="twoColTx">
   <p:cSld name="TITLE_AND_TWO_COLUMNS">
     <p:spTree>
       <p:nvGrpSpPr>
-        <p:cNvPr id="48" name="Shape 48"/>
+        <p:cNvPr id="1" name="Shape 48"/>
         <p:cNvGrpSpPr/>
         <p:nvPr/>
       </p:nvGrpSpPr>
@@ -4655,7 +4609,7 @@
             </a:xfrm>
             <a:prstGeom prst="diagStripe">
               <a:avLst>
-                <a:gd fmla="val 50000" name="adj"/>
+                <a:gd name="adj" fmla="val 50000"/>
               </a:avLst>
             </a:prstGeom>
             <a:solidFill>
@@ -4666,12 +4620,12 @@
             </a:ln>
           </p:spPr>
           <p:txBody>
-            <a:bodyPr anchorCtr="0" anchor="ctr" bIns="91425" lIns="91425" spcFirstLastPara="1" rIns="91425" wrap="square" tIns="91425">
+            <a:bodyPr spcFirstLastPara="1" wrap="square" lIns="91425" tIns="91425" rIns="91425" bIns="91425" anchor="ctr" anchorCtr="0">
               <a:noAutofit/>
             </a:bodyPr>
             <a:lstStyle/>
             <a:p>
-              <a:pPr indent="0" lvl="0" marL="0" rtl="0" algn="l">
+              <a:pPr marL="0" lvl="0" indent="0" algn="l" rtl="0">
                 <a:spcBef>
                   <a:spcPts val="0"/>
                 </a:spcBef>
@@ -4680,9 +4634,6 @@
                 </a:spcAft>
                 <a:buNone/>
               </a:pPr>
-              <a:r>
-                <a:t/>
-              </a:r>
               <a:endParaRPr/>
             </a:p>
           </p:txBody>
@@ -4700,7 +4651,7 @@
             </a:xfrm>
             <a:prstGeom prst="diagStripe">
               <a:avLst>
-                <a:gd fmla="val 50000" name="adj"/>
+                <a:gd name="adj" fmla="val 50000"/>
               </a:avLst>
             </a:prstGeom>
             <a:solidFill>
@@ -4711,12 +4662,12 @@
             </a:ln>
           </p:spPr>
           <p:txBody>
-            <a:bodyPr anchorCtr="0" anchor="ctr" bIns="91425" lIns="91425" spcFirstLastPara="1" rIns="91425" wrap="square" tIns="91425">
+            <a:bodyPr spcFirstLastPara="1" wrap="square" lIns="91425" tIns="91425" rIns="91425" bIns="91425" anchor="ctr" anchorCtr="0">
               <a:noAutofit/>
             </a:bodyPr>
             <a:lstStyle/>
             <a:p>
-              <a:pPr indent="0" lvl="0" marL="0" rtl="0" algn="l">
+              <a:pPr marL="0" lvl="0" indent="0" algn="l" rtl="0">
                 <a:spcBef>
                   <a:spcPts val="0"/>
                 </a:spcBef>
@@ -4725,9 +4676,6 @@
                 </a:spcAft>
                 <a:buNone/>
               </a:pPr>
-              <a:r>
-                <a:t/>
-              </a:r>
               <a:endParaRPr/>
             </a:p>
           </p:txBody>
@@ -4736,7 +4684,9 @@
       <p:sp>
         <p:nvSpPr>
           <p:cNvPr id="52" name="Google Shape;52;p5"/>
-          <p:cNvSpPr txBox="1"/>
+          <p:cNvSpPr txBox="1">
+            <a:spLocks noGrp="1"/>
+          </p:cNvSpPr>
           <p:nvPr>
             <p:ph type="title"/>
           </p:nvPr>
@@ -4751,7 +4701,7 @@
           </a:prstGeom>
         </p:spPr>
         <p:txBody>
-          <a:bodyPr anchorCtr="0" anchor="t" bIns="91425" lIns="91425" spcFirstLastPara="1" rIns="91425" wrap="square" tIns="91425">
+          <a:bodyPr spcFirstLastPara="1" wrap="square" lIns="91425" tIns="91425" rIns="91425" bIns="91425" anchor="t" anchorCtr="0">
             <a:normAutofit/>
           </a:bodyPr>
           <a:lstStyle>
@@ -4855,15 +4805,19 @@
               <a:defRPr sz="2400"/>
             </a:lvl9pPr>
           </a:lstStyle>
-          <a:p/>
+          <a:p>
+            <a:endParaRPr/>
+          </a:p>
         </p:txBody>
       </p:sp>
       <p:sp>
         <p:nvSpPr>
           <p:cNvPr id="53" name="Google Shape;53;p5"/>
-          <p:cNvSpPr txBox="1"/>
+          <p:cNvSpPr txBox="1">
+            <a:spLocks noGrp="1"/>
+          </p:cNvSpPr>
           <p:nvPr>
-            <p:ph idx="1" type="body"/>
+            <p:ph type="body" idx="1"/>
           </p:nvPr>
         </p:nvSpPr>
         <p:spPr>
@@ -4876,11 +4830,11 @@
           </a:prstGeom>
         </p:spPr>
         <p:txBody>
-          <a:bodyPr anchorCtr="0" anchor="t" bIns="91425" lIns="91425" spcFirstLastPara="1" rIns="91425" wrap="square" tIns="91425">
+          <a:bodyPr spcFirstLastPara="1" wrap="square" lIns="91425" tIns="91425" rIns="91425" bIns="91425" anchor="t" anchorCtr="0">
             <a:normAutofit/>
           </a:bodyPr>
           <a:lstStyle>
-            <a:lvl1pPr indent="-311150" lvl="0" marL="457200">
+            <a:lvl1pPr marL="457200" lvl="0" indent="-311150">
               <a:spcBef>
                 <a:spcPts val="0"/>
               </a:spcBef>
@@ -4891,7 +4845,7 @@
               <a:buChar char="●"/>
               <a:defRPr/>
             </a:lvl1pPr>
-            <a:lvl2pPr indent="-298450" lvl="1" marL="914400">
+            <a:lvl2pPr marL="914400" lvl="1" indent="-298450">
               <a:spcBef>
                 <a:spcPts val="0"/>
               </a:spcBef>
@@ -4902,7 +4856,7 @@
               <a:buChar char="○"/>
               <a:defRPr/>
             </a:lvl2pPr>
-            <a:lvl3pPr indent="-298450" lvl="2" marL="1371600">
+            <a:lvl3pPr marL="1371600" lvl="2" indent="-298450">
               <a:spcBef>
                 <a:spcPts val="0"/>
               </a:spcBef>
@@ -4913,7 +4867,7 @@
               <a:buChar char="■"/>
               <a:defRPr/>
             </a:lvl3pPr>
-            <a:lvl4pPr indent="-298450" lvl="3" marL="1828800">
+            <a:lvl4pPr marL="1828800" lvl="3" indent="-298450">
               <a:spcBef>
                 <a:spcPts val="0"/>
               </a:spcBef>
@@ -4924,7 +4878,7 @@
               <a:buChar char="●"/>
               <a:defRPr/>
             </a:lvl4pPr>
-            <a:lvl5pPr indent="-298450" lvl="4" marL="2286000">
+            <a:lvl5pPr marL="2286000" lvl="4" indent="-298450">
               <a:spcBef>
                 <a:spcPts val="0"/>
               </a:spcBef>
@@ -4935,7 +4889,7 @@
               <a:buChar char="○"/>
               <a:defRPr/>
             </a:lvl5pPr>
-            <a:lvl6pPr indent="-298450" lvl="5" marL="2743200">
+            <a:lvl6pPr marL="2743200" lvl="5" indent="-298450">
               <a:spcBef>
                 <a:spcPts val="0"/>
               </a:spcBef>
@@ -4946,7 +4900,7 @@
               <a:buChar char="■"/>
               <a:defRPr/>
             </a:lvl6pPr>
-            <a:lvl7pPr indent="-298450" lvl="6" marL="3200400">
+            <a:lvl7pPr marL="3200400" lvl="6" indent="-298450">
               <a:spcBef>
                 <a:spcPts val="0"/>
               </a:spcBef>
@@ -4957,7 +4911,7 @@
               <a:buChar char="●"/>
               <a:defRPr/>
             </a:lvl7pPr>
-            <a:lvl8pPr indent="-298450" lvl="7" marL="3657600">
+            <a:lvl8pPr marL="3657600" lvl="7" indent="-298450">
               <a:spcBef>
                 <a:spcPts val="0"/>
               </a:spcBef>
@@ -4968,7 +4922,7 @@
               <a:buChar char="○"/>
               <a:defRPr/>
             </a:lvl8pPr>
-            <a:lvl9pPr indent="-298450" lvl="8" marL="4114800">
+            <a:lvl9pPr marL="4114800" lvl="8" indent="-298450">
               <a:spcBef>
                 <a:spcPts val="0"/>
               </a:spcBef>
@@ -4980,15 +4934,19 @@
               <a:defRPr/>
             </a:lvl9pPr>
           </a:lstStyle>
-          <a:p/>
+          <a:p>
+            <a:endParaRPr/>
+          </a:p>
         </p:txBody>
       </p:sp>
       <p:sp>
         <p:nvSpPr>
           <p:cNvPr id="54" name="Google Shape;54;p5"/>
-          <p:cNvSpPr txBox="1"/>
+          <p:cNvSpPr txBox="1">
+            <a:spLocks noGrp="1"/>
+          </p:cNvSpPr>
           <p:nvPr>
-            <p:ph idx="2" type="body"/>
+            <p:ph type="body" idx="2"/>
           </p:nvPr>
         </p:nvSpPr>
         <p:spPr>
@@ -5001,11 +4959,11 @@
           </a:prstGeom>
         </p:spPr>
         <p:txBody>
-          <a:bodyPr anchorCtr="0" anchor="t" bIns="91425" lIns="91425" spcFirstLastPara="1" rIns="91425" wrap="square" tIns="91425">
+          <a:bodyPr spcFirstLastPara="1" wrap="square" lIns="91425" tIns="91425" rIns="91425" bIns="91425" anchor="t" anchorCtr="0">
             <a:normAutofit/>
           </a:bodyPr>
           <a:lstStyle>
-            <a:lvl1pPr indent="-311150" lvl="0" marL="457200">
+            <a:lvl1pPr marL="457200" lvl="0" indent="-311150">
               <a:spcBef>
                 <a:spcPts val="0"/>
               </a:spcBef>
@@ -5016,7 +4974,7 @@
               <a:buChar char="●"/>
               <a:defRPr/>
             </a:lvl1pPr>
-            <a:lvl2pPr indent="-298450" lvl="1" marL="914400">
+            <a:lvl2pPr marL="914400" lvl="1" indent="-298450">
               <a:spcBef>
                 <a:spcPts val="0"/>
               </a:spcBef>
@@ -5027,7 +4985,7 @@
               <a:buChar char="○"/>
               <a:defRPr/>
             </a:lvl2pPr>
-            <a:lvl3pPr indent="-298450" lvl="2" marL="1371600">
+            <a:lvl3pPr marL="1371600" lvl="2" indent="-298450">
               <a:spcBef>
                 <a:spcPts val="0"/>
               </a:spcBef>
@@ -5038,7 +4996,7 @@
               <a:buChar char="■"/>
               <a:defRPr/>
             </a:lvl3pPr>
-            <a:lvl4pPr indent="-298450" lvl="3" marL="1828800">
+            <a:lvl4pPr marL="1828800" lvl="3" indent="-298450">
               <a:spcBef>
                 <a:spcPts val="0"/>
               </a:spcBef>
@@ -5049,7 +5007,7 @@
               <a:buChar char="●"/>
               <a:defRPr/>
             </a:lvl4pPr>
-            <a:lvl5pPr indent="-298450" lvl="4" marL="2286000">
+            <a:lvl5pPr marL="2286000" lvl="4" indent="-298450">
               <a:spcBef>
                 <a:spcPts val="0"/>
               </a:spcBef>
@@ -5060,7 +5018,7 @@
               <a:buChar char="○"/>
               <a:defRPr/>
             </a:lvl5pPr>
-            <a:lvl6pPr indent="-298450" lvl="5" marL="2743200">
+            <a:lvl6pPr marL="2743200" lvl="5" indent="-298450">
               <a:spcBef>
                 <a:spcPts val="0"/>
               </a:spcBef>
@@ -5071,7 +5029,7 @@
               <a:buChar char="■"/>
               <a:defRPr/>
             </a:lvl6pPr>
-            <a:lvl7pPr indent="-298450" lvl="6" marL="3200400">
+            <a:lvl7pPr marL="3200400" lvl="6" indent="-298450">
               <a:spcBef>
                 <a:spcPts val="0"/>
               </a:spcBef>
@@ -5082,7 +5040,7 @@
               <a:buChar char="●"/>
               <a:defRPr/>
             </a:lvl7pPr>
-            <a:lvl8pPr indent="-298450" lvl="7" marL="3657600">
+            <a:lvl8pPr marL="3657600" lvl="7" indent="-298450">
               <a:spcBef>
                 <a:spcPts val="0"/>
               </a:spcBef>
@@ -5093,7 +5051,7 @@
               <a:buChar char="○"/>
               <a:defRPr/>
             </a:lvl8pPr>
-            <a:lvl9pPr indent="-298450" lvl="8" marL="4114800">
+            <a:lvl9pPr marL="4114800" lvl="8" indent="-298450">
               <a:spcBef>
                 <a:spcPts val="0"/>
               </a:spcBef>
@@ -5105,15 +5063,19 @@
               <a:defRPr/>
             </a:lvl9pPr>
           </a:lstStyle>
-          <a:p/>
+          <a:p>
+            <a:endParaRPr/>
+          </a:p>
         </p:txBody>
       </p:sp>
       <p:sp>
         <p:nvSpPr>
           <p:cNvPr id="55" name="Google Shape;55;p5"/>
-          <p:cNvSpPr txBox="1"/>
+          <p:cNvSpPr txBox="1">
+            <a:spLocks noGrp="1"/>
+          </p:cNvSpPr>
           <p:nvPr>
-            <p:ph idx="12" type="sldNum"/>
+            <p:ph type="sldNum" idx="12"/>
           </p:nvPr>
         </p:nvSpPr>
         <p:spPr>
@@ -5126,7 +5088,7 @@
           </a:prstGeom>
         </p:spPr>
         <p:txBody>
-          <a:bodyPr anchorCtr="0" anchor="ctr" bIns="91425" lIns="91425" spcFirstLastPara="1" rIns="91425" wrap="square" tIns="91425">
+          <a:bodyPr spcFirstLastPara="1" wrap="square" lIns="91425" tIns="91425" rIns="91425" bIns="91425" anchor="ctr" anchorCtr="0">
             <a:normAutofit/>
           </a:bodyPr>
           <a:lstStyle>
@@ -5168,7 +5130,7 @@
             </a:lvl9pPr>
           </a:lstStyle>
           <a:p>
-            <a:pPr indent="0" lvl="0" marL="0" rtl="0" algn="r">
+            <a:pPr marL="0" lvl="0" indent="0" algn="r" rtl="0">
               <a:spcBef>
                 <a:spcPts val="0"/>
               </a:spcBef>
@@ -5194,11 +5156,11 @@
 </file>
 
 <file path=ppt/slideLayouts/slideLayout5.xml><?xml version="1.0" encoding="utf-8"?>
-<p:sldLayout xmlns:a="http://schemas.openxmlformats.org/drawingml/2006/main" xmlns:r="http://schemas.openxmlformats.org/officeDocument/2006/relationships" xmlns:mc="http://schemas.openxmlformats.org/markup-compatibility/2006" xmlns:mv="urn:schemas-microsoft-com:mac:vml" xmlns:p="http://schemas.openxmlformats.org/presentationml/2006/main" xmlns:c="http://schemas.openxmlformats.org/drawingml/2006/chart" xmlns:dgm="http://schemas.openxmlformats.org/drawingml/2006/diagram" xmlns:o="urn:schemas-microsoft-com:office:office" xmlns:v="urn:schemas-microsoft-com:vml" xmlns:pvml="urn:schemas-microsoft-com:office:powerpoint" xmlns:com="http://schemas.openxmlformats.org/drawingml/2006/compatibility" xmlns:p14="http://schemas.microsoft.com/office/powerpoint/2010/main" xmlns:p15="http://schemas.microsoft.com/office/powerpoint/2012/main" xmlns:ahyp="http://schemas.microsoft.com/office/drawing/2018/hyperlinkcolor" matchingName="Title only" type="titleOnly">
+<p:sldLayout xmlns:a="http://schemas.openxmlformats.org/drawingml/2006/main" xmlns:r="http://schemas.openxmlformats.org/officeDocument/2006/relationships" xmlns:p="http://schemas.openxmlformats.org/presentationml/2006/main" matchingName="Title only" type="titleOnly">
   <p:cSld name="TITLE_ONLY">
     <p:spTree>
       <p:nvGrpSpPr>
-        <p:cNvPr id="56" name="Shape 56"/>
+        <p:cNvPr id="1" name="Shape 56"/>
         <p:cNvGrpSpPr/>
         <p:nvPr/>
       </p:nvGrpSpPr>
@@ -5237,7 +5199,7 @@
             </a:xfrm>
             <a:prstGeom prst="diagStripe">
               <a:avLst>
-                <a:gd fmla="val 50000" name="adj"/>
+                <a:gd name="adj" fmla="val 50000"/>
               </a:avLst>
             </a:prstGeom>
             <a:solidFill>
@@ -5248,12 +5210,12 @@
             </a:ln>
           </p:spPr>
           <p:txBody>
-            <a:bodyPr anchorCtr="0" anchor="ctr" bIns="91425" lIns="91425" spcFirstLastPara="1" rIns="91425" wrap="square" tIns="91425">
+            <a:bodyPr spcFirstLastPara="1" wrap="square" lIns="91425" tIns="91425" rIns="91425" bIns="91425" anchor="ctr" anchorCtr="0">
               <a:noAutofit/>
             </a:bodyPr>
             <a:lstStyle/>
             <a:p>
-              <a:pPr indent="0" lvl="0" marL="0" rtl="0" algn="l">
+              <a:pPr marL="0" lvl="0" indent="0" algn="l" rtl="0">
                 <a:spcBef>
                   <a:spcPts val="0"/>
                 </a:spcBef>
@@ -5262,9 +5224,6 @@
                 </a:spcAft>
                 <a:buNone/>
               </a:pPr>
-              <a:r>
-                <a:t/>
-              </a:r>
               <a:endParaRPr/>
             </a:p>
           </p:txBody>
@@ -5282,7 +5241,7 @@
             </a:xfrm>
             <a:prstGeom prst="diagStripe">
               <a:avLst>
-                <a:gd fmla="val 50000" name="adj"/>
+                <a:gd name="adj" fmla="val 50000"/>
               </a:avLst>
             </a:prstGeom>
             <a:solidFill>
@@ -5293,12 +5252,12 @@
             </a:ln>
           </p:spPr>
           <p:txBody>
-            <a:bodyPr anchorCtr="0" anchor="ctr" bIns="91425" lIns="91425" spcFirstLastPara="1" rIns="91425" wrap="square" tIns="91425">
+            <a:bodyPr spcFirstLastPara="1" wrap="square" lIns="91425" tIns="91425" rIns="91425" bIns="91425" anchor="ctr" anchorCtr="0">
               <a:noAutofit/>
             </a:bodyPr>
             <a:lstStyle/>
             <a:p>
-              <a:pPr indent="0" lvl="0" marL="0" rtl="0" algn="l">
+              <a:pPr marL="0" lvl="0" indent="0" algn="l" rtl="0">
                 <a:spcBef>
                   <a:spcPts val="0"/>
                 </a:spcBef>
@@ -5307,9 +5266,6 @@
                 </a:spcAft>
                 <a:buNone/>
               </a:pPr>
-              <a:r>
-                <a:t/>
-              </a:r>
               <a:endParaRPr/>
             </a:p>
           </p:txBody>
@@ -5318,7 +5274,9 @@
       <p:sp>
         <p:nvSpPr>
           <p:cNvPr id="60" name="Google Shape;60;p6"/>
-          <p:cNvSpPr txBox="1"/>
+          <p:cNvSpPr txBox="1">
+            <a:spLocks noGrp="1"/>
+          </p:cNvSpPr>
           <p:nvPr>
             <p:ph type="title"/>
           </p:nvPr>
@@ -5333,7 +5291,7 @@
           </a:prstGeom>
         </p:spPr>
         <p:txBody>
-          <a:bodyPr anchorCtr="0" anchor="t" bIns="91425" lIns="91425" spcFirstLastPara="1" rIns="91425" wrap="square" tIns="91425">
+          <a:bodyPr spcFirstLastPara="1" wrap="square" lIns="91425" tIns="91425" rIns="91425" bIns="91425" anchor="t" anchorCtr="0">
             <a:normAutofit/>
           </a:bodyPr>
           <a:lstStyle>
@@ -5437,15 +5395,19 @@
               <a:defRPr sz="2400"/>
             </a:lvl9pPr>
           </a:lstStyle>
-          <a:p/>
+          <a:p>
+            <a:endParaRPr/>
+          </a:p>
         </p:txBody>
       </p:sp>
       <p:sp>
         <p:nvSpPr>
           <p:cNvPr id="61" name="Google Shape;61;p6"/>
-          <p:cNvSpPr txBox="1"/>
+          <p:cNvSpPr txBox="1">
+            <a:spLocks noGrp="1"/>
+          </p:cNvSpPr>
           <p:nvPr>
-            <p:ph idx="12" type="sldNum"/>
+            <p:ph type="sldNum" idx="12"/>
           </p:nvPr>
         </p:nvSpPr>
         <p:spPr>
@@ -5458,7 +5420,7 @@
           </a:prstGeom>
         </p:spPr>
         <p:txBody>
-          <a:bodyPr anchorCtr="0" anchor="ctr" bIns="91425" lIns="91425" spcFirstLastPara="1" rIns="91425" wrap="square" tIns="91425">
+          <a:bodyPr spcFirstLastPara="1" wrap="square" lIns="91425" tIns="91425" rIns="91425" bIns="91425" anchor="ctr" anchorCtr="0">
             <a:normAutofit/>
           </a:bodyPr>
           <a:lstStyle>
@@ -5500,7 +5462,7 @@
             </a:lvl9pPr>
           </a:lstStyle>
           <a:p>
-            <a:pPr indent="0" lvl="0" marL="0" rtl="0" algn="r">
+            <a:pPr marL="0" lvl="0" indent="0" algn="r" rtl="0">
               <a:spcBef>
                 <a:spcPts val="0"/>
               </a:spcBef>
@@ -5526,11 +5488,11 @@
 </file>
 
 <file path=ppt/slideLayouts/slideLayout6.xml><?xml version="1.0" encoding="utf-8"?>
-<p:sldLayout xmlns:a="http://schemas.openxmlformats.org/drawingml/2006/main" xmlns:r="http://schemas.openxmlformats.org/officeDocument/2006/relationships" xmlns:mc="http://schemas.openxmlformats.org/markup-compatibility/2006" xmlns:mv="urn:schemas-microsoft-com:mac:vml" xmlns:p="http://schemas.openxmlformats.org/presentationml/2006/main" xmlns:c="http://schemas.openxmlformats.org/drawingml/2006/chart" xmlns:dgm="http://schemas.openxmlformats.org/drawingml/2006/diagram" xmlns:o="urn:schemas-microsoft-com:office:office" xmlns:v="urn:schemas-microsoft-com:vml" xmlns:pvml="urn:schemas-microsoft-com:office:powerpoint" xmlns:com="http://schemas.openxmlformats.org/drawingml/2006/compatibility" xmlns:p14="http://schemas.microsoft.com/office/powerpoint/2010/main" xmlns:p15="http://schemas.microsoft.com/office/powerpoint/2012/main" xmlns:ahyp="http://schemas.microsoft.com/office/drawing/2018/hyperlinkcolor" matchingName="One column text">
+<p:sldLayout xmlns:a="http://schemas.openxmlformats.org/drawingml/2006/main" xmlns:r="http://schemas.openxmlformats.org/officeDocument/2006/relationships" xmlns:p="http://schemas.openxmlformats.org/presentationml/2006/main" matchingName="One column text">
   <p:cSld name="ONE_COLUMN_TEXT">
     <p:spTree>
       <p:nvGrpSpPr>
-        <p:cNvPr id="62" name="Shape 62"/>
+        <p:cNvPr id="1" name="Shape 62"/>
         <p:cNvGrpSpPr/>
         <p:nvPr/>
       </p:nvGrpSpPr>
@@ -5569,7 +5531,7 @@
             </a:xfrm>
             <a:prstGeom prst="diagStripe">
               <a:avLst>
-                <a:gd fmla="val 50000" name="adj"/>
+                <a:gd name="adj" fmla="val 50000"/>
               </a:avLst>
             </a:prstGeom>
             <a:solidFill>
@@ -5580,12 +5542,12 @@
             </a:ln>
           </p:spPr>
           <p:txBody>
-            <a:bodyPr anchorCtr="0" anchor="ctr" bIns="91425" lIns="91425" spcFirstLastPara="1" rIns="91425" wrap="square" tIns="91425">
+            <a:bodyPr spcFirstLastPara="1" wrap="square" lIns="91425" tIns="91425" rIns="91425" bIns="91425" anchor="ctr" anchorCtr="0">
               <a:noAutofit/>
             </a:bodyPr>
             <a:lstStyle/>
             <a:p>
-              <a:pPr indent="0" lvl="0" marL="0" rtl="0" algn="l">
+              <a:pPr marL="0" lvl="0" indent="0" algn="l" rtl="0">
                 <a:spcBef>
                   <a:spcPts val="0"/>
                 </a:spcBef>
@@ -5594,9 +5556,6 @@
                 </a:spcAft>
                 <a:buNone/>
               </a:pPr>
-              <a:r>
-                <a:t/>
-              </a:r>
               <a:endParaRPr/>
             </a:p>
           </p:txBody>
@@ -5614,7 +5573,7 @@
             </a:xfrm>
             <a:prstGeom prst="diagStripe">
               <a:avLst>
-                <a:gd fmla="val 50000" name="adj"/>
+                <a:gd name="adj" fmla="val 50000"/>
               </a:avLst>
             </a:prstGeom>
             <a:solidFill>
@@ -5625,12 +5584,12 @@
             </a:ln>
           </p:spPr>
           <p:txBody>
-            <a:bodyPr anchorCtr="0" anchor="ctr" bIns="91425" lIns="91425" spcFirstLastPara="1" rIns="91425" wrap="square" tIns="91425">
+            <a:bodyPr spcFirstLastPara="1" wrap="square" lIns="91425" tIns="91425" rIns="91425" bIns="91425" anchor="ctr" anchorCtr="0">
               <a:noAutofit/>
             </a:bodyPr>
             <a:lstStyle/>
             <a:p>
-              <a:pPr indent="0" lvl="0" marL="0" rtl="0" algn="l">
+              <a:pPr marL="0" lvl="0" indent="0" algn="l" rtl="0">
                 <a:spcBef>
                   <a:spcPts val="0"/>
                 </a:spcBef>
@@ -5639,9 +5598,6 @@
                 </a:spcAft>
                 <a:buNone/>
               </a:pPr>
-              <a:r>
-                <a:t/>
-              </a:r>
               <a:endParaRPr/>
             </a:p>
           </p:txBody>
@@ -5650,7 +5606,9 @@
       <p:sp>
         <p:nvSpPr>
           <p:cNvPr id="66" name="Google Shape;66;p7"/>
-          <p:cNvSpPr txBox="1"/>
+          <p:cNvSpPr txBox="1">
+            <a:spLocks noGrp="1"/>
+          </p:cNvSpPr>
           <p:nvPr>
             <p:ph type="title"/>
           </p:nvPr>
@@ -5665,7 +5623,7 @@
           </a:prstGeom>
         </p:spPr>
         <p:txBody>
-          <a:bodyPr anchorCtr="0" anchor="t" bIns="91425" lIns="91425" spcFirstLastPara="1" rIns="91425" wrap="square" tIns="91425">
+          <a:bodyPr spcFirstLastPara="1" wrap="square" lIns="91425" tIns="91425" rIns="91425" bIns="91425" anchor="t" anchorCtr="0">
             <a:normAutofit/>
           </a:bodyPr>
           <a:lstStyle>
@@ -5769,15 +5727,19 @@
               <a:defRPr sz="2400"/>
             </a:lvl9pPr>
           </a:lstStyle>
-          <a:p/>
+          <a:p>
+            <a:endParaRPr/>
+          </a:p>
         </p:txBody>
       </p:sp>
       <p:sp>
         <p:nvSpPr>
           <p:cNvPr id="67" name="Google Shape;67;p7"/>
-          <p:cNvSpPr txBox="1"/>
+          <p:cNvSpPr txBox="1">
+            <a:spLocks noGrp="1"/>
+          </p:cNvSpPr>
           <p:nvPr>
-            <p:ph idx="1" type="body"/>
+            <p:ph type="body" idx="1"/>
           </p:nvPr>
         </p:nvSpPr>
         <p:spPr>
@@ -5790,11 +5752,11 @@
           </a:prstGeom>
         </p:spPr>
         <p:txBody>
-          <a:bodyPr anchorCtr="0" anchor="t" bIns="91425" lIns="91425" spcFirstLastPara="1" rIns="91425" wrap="square" tIns="91425">
+          <a:bodyPr spcFirstLastPara="1" wrap="square" lIns="91425" tIns="91425" rIns="91425" bIns="91425" anchor="t" anchorCtr="0">
             <a:normAutofit/>
           </a:bodyPr>
           <a:lstStyle>
-            <a:lvl1pPr indent="-311150" lvl="0" marL="457200">
+            <a:lvl1pPr marL="457200" lvl="0" indent="-311150">
               <a:spcBef>
                 <a:spcPts val="0"/>
               </a:spcBef>
@@ -5805,7 +5767,7 @@
               <a:buChar char="●"/>
               <a:defRPr/>
             </a:lvl1pPr>
-            <a:lvl2pPr indent="-298450" lvl="1" marL="914400">
+            <a:lvl2pPr marL="914400" lvl="1" indent="-298450">
               <a:spcBef>
                 <a:spcPts val="0"/>
               </a:spcBef>
@@ -5816,7 +5778,7 @@
               <a:buChar char="○"/>
               <a:defRPr/>
             </a:lvl2pPr>
-            <a:lvl3pPr indent="-298450" lvl="2" marL="1371600">
+            <a:lvl3pPr marL="1371600" lvl="2" indent="-298450">
               <a:spcBef>
                 <a:spcPts val="0"/>
               </a:spcBef>
@@ -5827,7 +5789,7 @@
               <a:buChar char="■"/>
               <a:defRPr/>
             </a:lvl3pPr>
-            <a:lvl4pPr indent="-298450" lvl="3" marL="1828800">
+            <a:lvl4pPr marL="1828800" lvl="3" indent="-298450">
               <a:spcBef>
                 <a:spcPts val="0"/>
               </a:spcBef>
@@ -5838,7 +5800,7 @@
               <a:buChar char="●"/>
               <a:defRPr/>
             </a:lvl4pPr>
-            <a:lvl5pPr indent="-298450" lvl="4" marL="2286000">
+            <a:lvl5pPr marL="2286000" lvl="4" indent="-298450">
               <a:spcBef>
                 <a:spcPts val="0"/>
               </a:spcBef>
@@ -5849,7 +5811,7 @@
               <a:buChar char="○"/>
               <a:defRPr/>
             </a:lvl5pPr>
-            <a:lvl6pPr indent="-298450" lvl="5" marL="2743200">
+            <a:lvl6pPr marL="2743200" lvl="5" indent="-298450">
               <a:spcBef>
                 <a:spcPts val="0"/>
               </a:spcBef>
@@ -5860,7 +5822,7 @@
               <a:buChar char="■"/>
               <a:defRPr/>
             </a:lvl6pPr>
-            <a:lvl7pPr indent="-298450" lvl="6" marL="3200400">
+            <a:lvl7pPr marL="3200400" lvl="6" indent="-298450">
               <a:spcBef>
                 <a:spcPts val="0"/>
               </a:spcBef>
@@ -5871,7 +5833,7 @@
               <a:buChar char="●"/>
               <a:defRPr/>
             </a:lvl7pPr>
-            <a:lvl8pPr indent="-298450" lvl="7" marL="3657600">
+            <a:lvl8pPr marL="3657600" lvl="7" indent="-298450">
               <a:spcBef>
                 <a:spcPts val="0"/>
               </a:spcBef>
@@ -5882,7 +5844,7 @@
               <a:buChar char="○"/>
               <a:defRPr/>
             </a:lvl8pPr>
-            <a:lvl9pPr indent="-298450" lvl="8" marL="4114800">
+            <a:lvl9pPr marL="4114800" lvl="8" indent="-298450">
               <a:spcBef>
                 <a:spcPts val="0"/>
               </a:spcBef>
@@ -5894,15 +5856,19 @@
               <a:defRPr/>
             </a:lvl9pPr>
           </a:lstStyle>
-          <a:p/>
+          <a:p>
+            <a:endParaRPr/>
+          </a:p>
         </p:txBody>
       </p:sp>
       <p:sp>
         <p:nvSpPr>
           <p:cNvPr id="68" name="Google Shape;68;p7"/>
-          <p:cNvSpPr txBox="1"/>
+          <p:cNvSpPr txBox="1">
+            <a:spLocks noGrp="1"/>
+          </p:cNvSpPr>
           <p:nvPr>
-            <p:ph idx="12" type="sldNum"/>
+            <p:ph type="sldNum" idx="12"/>
           </p:nvPr>
         </p:nvSpPr>
         <p:spPr>
@@ -5915,7 +5881,7 @@
           </a:prstGeom>
         </p:spPr>
         <p:txBody>
-          <a:bodyPr anchorCtr="0" anchor="ctr" bIns="91425" lIns="91425" spcFirstLastPara="1" rIns="91425" wrap="square" tIns="91425">
+          <a:bodyPr spcFirstLastPara="1" wrap="square" lIns="91425" tIns="91425" rIns="91425" bIns="91425" anchor="ctr" anchorCtr="0">
             <a:normAutofit/>
           </a:bodyPr>
           <a:lstStyle>
@@ -5957,7 +5923,7 @@
             </a:lvl9pPr>
           </a:lstStyle>
           <a:p>
-            <a:pPr indent="0" lvl="0" marL="0" rtl="0" algn="r">
+            <a:pPr marL="0" lvl="0" indent="0" algn="r" rtl="0">
               <a:spcBef>
                 <a:spcPts val="0"/>
               </a:spcBef>
@@ -5983,11 +5949,11 @@
 </file>
 
 <file path=ppt/slideLayouts/slideLayout7.xml><?xml version="1.0" encoding="utf-8"?>
-<p:sldLayout xmlns:a="http://schemas.openxmlformats.org/drawingml/2006/main" xmlns:r="http://schemas.openxmlformats.org/officeDocument/2006/relationships" xmlns:mc="http://schemas.openxmlformats.org/markup-compatibility/2006" xmlns:mv="urn:schemas-microsoft-com:mac:vml" xmlns:p="http://schemas.openxmlformats.org/presentationml/2006/main" xmlns:c="http://schemas.openxmlformats.org/drawingml/2006/chart" xmlns:dgm="http://schemas.openxmlformats.org/drawingml/2006/diagram" xmlns:o="urn:schemas-microsoft-com:office:office" xmlns:v="urn:schemas-microsoft-com:vml" xmlns:pvml="urn:schemas-microsoft-com:office:powerpoint" xmlns:com="http://schemas.openxmlformats.org/drawingml/2006/compatibility" xmlns:p14="http://schemas.microsoft.com/office/powerpoint/2010/main" xmlns:p15="http://schemas.microsoft.com/office/powerpoint/2012/main" xmlns:ahyp="http://schemas.microsoft.com/office/drawing/2018/hyperlinkcolor" matchingName="Main point">
+<p:sldLayout xmlns:a="http://schemas.openxmlformats.org/drawingml/2006/main" xmlns:r="http://schemas.openxmlformats.org/officeDocument/2006/relationships" xmlns:p="http://schemas.openxmlformats.org/presentationml/2006/main" matchingName="Main point">
   <p:cSld name="MAIN_POINT">
     <p:spTree>
       <p:nvGrpSpPr>
-        <p:cNvPr id="69" name="Shape 69"/>
+        <p:cNvPr id="1" name="Shape 69"/>
         <p:cNvGrpSpPr/>
         <p:nvPr/>
       </p:nvGrpSpPr>
@@ -6026,7 +5992,7 @@
             </a:xfrm>
             <a:prstGeom prst="diagStripe">
               <a:avLst>
-                <a:gd fmla="val 49469" name="adj"/>
+                <a:gd name="adj" fmla="val 49469"/>
               </a:avLst>
             </a:prstGeom>
             <a:solidFill>
@@ -6039,12 +6005,12 @@
             </a:ln>
           </p:spPr>
           <p:txBody>
-            <a:bodyPr anchorCtr="0" anchor="ctr" bIns="91425" lIns="91425" spcFirstLastPara="1" rIns="91425" wrap="square" tIns="91425">
+            <a:bodyPr spcFirstLastPara="1" wrap="square" lIns="91425" tIns="91425" rIns="91425" bIns="91425" anchor="ctr" anchorCtr="0">
               <a:noAutofit/>
             </a:bodyPr>
             <a:lstStyle/>
             <a:p>
-              <a:pPr indent="0" lvl="0" marL="0" rtl="0" algn="l">
+              <a:pPr marL="0" lvl="0" indent="0" algn="l" rtl="0">
                 <a:spcBef>
                   <a:spcPts val="0"/>
                 </a:spcBef>
@@ -6053,9 +6019,6 @@
                 </a:spcAft>
                 <a:buNone/>
               </a:pPr>
-              <a:r>
-                <a:t/>
-              </a:r>
               <a:endParaRPr/>
             </a:p>
           </p:txBody>
@@ -6073,7 +6036,7 @@
             </a:xfrm>
             <a:prstGeom prst="diagStripe">
               <a:avLst>
-                <a:gd fmla="val 0" name="adj"/>
+                <a:gd name="adj" fmla="val 0"/>
               </a:avLst>
             </a:prstGeom>
             <a:solidFill>
@@ -6086,12 +6049,12 @@
             </a:ln>
           </p:spPr>
           <p:txBody>
-            <a:bodyPr anchorCtr="0" anchor="ctr" bIns="91425" lIns="91425" spcFirstLastPara="1" rIns="91425" wrap="square" tIns="91425">
+            <a:bodyPr spcFirstLastPara="1" wrap="square" lIns="91425" tIns="91425" rIns="91425" bIns="91425" anchor="ctr" anchorCtr="0">
               <a:noAutofit/>
             </a:bodyPr>
             <a:lstStyle/>
             <a:p>
-              <a:pPr indent="0" lvl="0" marL="0" rtl="0" algn="l">
+              <a:pPr marL="0" lvl="0" indent="0" algn="l" rtl="0">
                 <a:spcBef>
                   <a:spcPts val="0"/>
                 </a:spcBef>
@@ -6100,9 +6063,6 @@
                 </a:spcAft>
                 <a:buNone/>
               </a:pPr>
-              <a:r>
-                <a:t/>
-              </a:r>
               <a:endParaRPr/>
             </a:p>
           </p:txBody>
@@ -6120,7 +6080,7 @@
             </a:xfrm>
             <a:prstGeom prst="diagStripe">
               <a:avLst>
-                <a:gd fmla="val 50000" name="adj"/>
+                <a:gd name="adj" fmla="val 50000"/>
               </a:avLst>
             </a:prstGeom>
             <a:solidFill>
@@ -6133,12 +6093,12 @@
             </a:ln>
           </p:spPr>
           <p:txBody>
-            <a:bodyPr anchorCtr="0" anchor="ctr" bIns="91425" lIns="91425" spcFirstLastPara="1" rIns="91425" wrap="square" tIns="91425">
+            <a:bodyPr spcFirstLastPara="1" wrap="square" lIns="91425" tIns="91425" rIns="91425" bIns="91425" anchor="ctr" anchorCtr="0">
               <a:noAutofit/>
             </a:bodyPr>
             <a:lstStyle/>
             <a:p>
-              <a:pPr indent="0" lvl="0" marL="0" rtl="0" algn="l">
+              <a:pPr marL="0" lvl="0" indent="0" algn="l" rtl="0">
                 <a:spcBef>
                   <a:spcPts val="0"/>
                 </a:spcBef>
@@ -6147,9 +6107,6 @@
                 </a:spcAft>
                 <a:buNone/>
               </a:pPr>
-              <a:r>
-                <a:t/>
-              </a:r>
               <a:endParaRPr/>
             </a:p>
           </p:txBody>
@@ -6167,7 +6124,7 @@
             </a:xfrm>
             <a:prstGeom prst="diagStripe">
               <a:avLst>
-                <a:gd fmla="val 50000" name="adj"/>
+                <a:gd name="adj" fmla="val 50000"/>
               </a:avLst>
             </a:prstGeom>
             <a:solidFill>
@@ -6180,12 +6137,12 @@
             </a:ln>
           </p:spPr>
           <p:txBody>
-            <a:bodyPr anchorCtr="0" anchor="ctr" bIns="91425" lIns="91425" spcFirstLastPara="1" rIns="91425" wrap="square" tIns="91425">
+            <a:bodyPr spcFirstLastPara="1" wrap="square" lIns="91425" tIns="91425" rIns="91425" bIns="91425" anchor="ctr" anchorCtr="0">
               <a:noAutofit/>
             </a:bodyPr>
             <a:lstStyle/>
             <a:p>
-              <a:pPr indent="0" lvl="0" marL="0" rtl="0" algn="l">
+              <a:pPr marL="0" lvl="0" indent="0" algn="l" rtl="0">
                 <a:spcBef>
                   <a:spcPts val="0"/>
                 </a:spcBef>
@@ -6194,9 +6151,6 @@
                 </a:spcAft>
                 <a:buNone/>
               </a:pPr>
-              <a:r>
-                <a:t/>
-              </a:r>
               <a:endParaRPr/>
             </a:p>
           </p:txBody>
@@ -6214,7 +6168,7 @@
             </a:xfrm>
             <a:prstGeom prst="diagStripe">
               <a:avLst>
-                <a:gd fmla="val 50000" name="adj"/>
+                <a:gd name="adj" fmla="val 50000"/>
               </a:avLst>
             </a:prstGeom>
             <a:solidFill>
@@ -6227,12 +6181,12 @@
             </a:ln>
           </p:spPr>
           <p:txBody>
-            <a:bodyPr anchorCtr="0" anchor="ctr" bIns="91425" lIns="91425" spcFirstLastPara="1" rIns="91425" wrap="square" tIns="91425">
+            <a:bodyPr spcFirstLastPara="1" wrap="square" lIns="91425" tIns="91425" rIns="91425" bIns="91425" anchor="ctr" anchorCtr="0">
               <a:noAutofit/>
             </a:bodyPr>
             <a:lstStyle/>
             <a:p>
-              <a:pPr indent="0" lvl="0" marL="0" rtl="0" algn="l">
+              <a:pPr marL="0" lvl="0" indent="0" algn="l" rtl="0">
                 <a:spcBef>
                   <a:spcPts val="0"/>
                 </a:spcBef>
@@ -6241,9 +6195,6 @@
                 </a:spcAft>
                 <a:buNone/>
               </a:pPr>
-              <a:r>
-                <a:t/>
-              </a:r>
               <a:endParaRPr/>
             </a:p>
           </p:txBody>
@@ -6261,7 +6212,7 @@
             </a:xfrm>
             <a:prstGeom prst="diagStripe">
               <a:avLst>
-                <a:gd fmla="val 50000" name="adj"/>
+                <a:gd name="adj" fmla="val 50000"/>
               </a:avLst>
             </a:prstGeom>
             <a:solidFill>
@@ -6274,12 +6225,12 @@
             </a:ln>
           </p:spPr>
           <p:txBody>
-            <a:bodyPr anchorCtr="0" anchor="ctr" bIns="91425" lIns="91425" spcFirstLastPara="1" rIns="91425" wrap="square" tIns="91425">
+            <a:bodyPr spcFirstLastPara="1" wrap="square" lIns="91425" tIns="91425" rIns="91425" bIns="91425" anchor="ctr" anchorCtr="0">
               <a:noAutofit/>
             </a:bodyPr>
             <a:lstStyle/>
             <a:p>
-              <a:pPr indent="0" lvl="0" marL="0" rtl="0" algn="l">
+              <a:pPr marL="0" lvl="0" indent="0" algn="l" rtl="0">
                 <a:spcBef>
                   <a:spcPts val="0"/>
                 </a:spcBef>
@@ -6288,9 +6239,6 @@
                 </a:spcAft>
                 <a:buNone/>
               </a:pPr>
-              <a:r>
-                <a:t/>
-              </a:r>
               <a:endParaRPr/>
             </a:p>
           </p:txBody>
@@ -6308,7 +6256,7 @@
             </a:xfrm>
             <a:prstGeom prst="diagStripe">
               <a:avLst>
-                <a:gd fmla="val 50000" name="adj"/>
+                <a:gd name="adj" fmla="val 50000"/>
               </a:avLst>
             </a:prstGeom>
             <a:solidFill>
@@ -6321,12 +6269,12 @@
             </a:ln>
           </p:spPr>
           <p:txBody>
-            <a:bodyPr anchorCtr="0" anchor="ctr" bIns="91425" lIns="91425" spcFirstLastPara="1" rIns="91425" wrap="square" tIns="91425">
+            <a:bodyPr spcFirstLastPara="1" wrap="square" lIns="91425" tIns="91425" rIns="91425" bIns="91425" anchor="ctr" anchorCtr="0">
               <a:noAutofit/>
             </a:bodyPr>
             <a:lstStyle/>
             <a:p>
-              <a:pPr indent="0" lvl="0" marL="0" rtl="0" algn="l">
+              <a:pPr marL="0" lvl="0" indent="0" algn="l" rtl="0">
                 <a:spcBef>
                   <a:spcPts val="0"/>
                 </a:spcBef>
@@ -6335,9 +6283,6 @@
                 </a:spcAft>
                 <a:buNone/>
               </a:pPr>
-              <a:r>
-                <a:t/>
-              </a:r>
               <a:endParaRPr/>
             </a:p>
           </p:txBody>
@@ -6355,7 +6300,7 @@
             </a:xfrm>
             <a:prstGeom prst="diagStripe">
               <a:avLst>
-                <a:gd fmla="val 50000" name="adj"/>
+                <a:gd name="adj" fmla="val 50000"/>
               </a:avLst>
             </a:prstGeom>
             <a:solidFill>
@@ -6366,12 +6311,12 @@
             </a:ln>
           </p:spPr>
           <p:txBody>
-            <a:bodyPr anchorCtr="0" anchor="ctr" bIns="91425" lIns="91425" spcFirstLastPara="1" rIns="91425" wrap="square" tIns="91425">
+            <a:bodyPr spcFirstLastPara="1" wrap="square" lIns="91425" tIns="91425" rIns="91425" bIns="91425" anchor="ctr" anchorCtr="0">
               <a:noAutofit/>
             </a:bodyPr>
             <a:lstStyle/>
             <a:p>
-              <a:pPr indent="0" lvl="0" marL="0" rtl="0" algn="l">
+              <a:pPr marL="0" lvl="0" indent="0" algn="l" rtl="0">
                 <a:spcBef>
                   <a:spcPts val="0"/>
                 </a:spcBef>
@@ -6380,9 +6325,6 @@
                 </a:spcAft>
                 <a:buNone/>
               </a:pPr>
-              <a:r>
-                <a:t/>
-              </a:r>
               <a:endParaRPr/>
             </a:p>
           </p:txBody>
@@ -6400,7 +6342,7 @@
             </a:xfrm>
             <a:prstGeom prst="diagStripe">
               <a:avLst>
-                <a:gd fmla="val 50000" name="adj"/>
+                <a:gd name="adj" fmla="val 50000"/>
               </a:avLst>
             </a:prstGeom>
             <a:solidFill>
@@ -6413,12 +6355,12 @@
             </a:ln>
           </p:spPr>
           <p:txBody>
-            <a:bodyPr anchorCtr="0" anchor="ctr" bIns="91425" lIns="91425" spcFirstLastPara="1" rIns="91425" wrap="square" tIns="91425">
+            <a:bodyPr spcFirstLastPara="1" wrap="square" lIns="91425" tIns="91425" rIns="91425" bIns="91425" anchor="ctr" anchorCtr="0">
               <a:noAutofit/>
             </a:bodyPr>
             <a:lstStyle/>
             <a:p>
-              <a:pPr indent="0" lvl="0" marL="0" rtl="0" algn="l">
+              <a:pPr marL="0" lvl="0" indent="0" algn="l" rtl="0">
                 <a:spcBef>
                   <a:spcPts val="0"/>
                 </a:spcBef>
@@ -6427,9 +6369,6 @@
                 </a:spcAft>
                 <a:buNone/>
               </a:pPr>
-              <a:r>
-                <a:t/>
-              </a:r>
               <a:endParaRPr/>
             </a:p>
           </p:txBody>
@@ -6447,7 +6386,7 @@
             </a:xfrm>
             <a:prstGeom prst="diagStripe">
               <a:avLst>
-                <a:gd fmla="val 50000" name="adj"/>
+                <a:gd name="adj" fmla="val 50000"/>
               </a:avLst>
             </a:prstGeom>
             <a:solidFill>
@@ -6460,12 +6399,12 @@
             </a:ln>
           </p:spPr>
           <p:txBody>
-            <a:bodyPr anchorCtr="0" anchor="ctr" bIns="91425" lIns="91425" spcFirstLastPara="1" rIns="91425" wrap="square" tIns="91425">
+            <a:bodyPr spcFirstLastPara="1" wrap="square" lIns="91425" tIns="91425" rIns="91425" bIns="91425" anchor="ctr" anchorCtr="0">
               <a:noAutofit/>
             </a:bodyPr>
             <a:lstStyle/>
             <a:p>
-              <a:pPr indent="0" lvl="0" marL="0" rtl="0" algn="l">
+              <a:pPr marL="0" lvl="0" indent="0" algn="l" rtl="0">
                 <a:spcBef>
                   <a:spcPts val="0"/>
                 </a:spcBef>
@@ -6474,9 +6413,6 @@
                 </a:spcAft>
                 <a:buNone/>
               </a:pPr>
-              <a:r>
-                <a:t/>
-              </a:r>
               <a:endParaRPr/>
             </a:p>
           </p:txBody>
@@ -6494,7 +6430,7 @@
             </a:xfrm>
             <a:prstGeom prst="diagStripe">
               <a:avLst>
-                <a:gd fmla="val 50000" name="adj"/>
+                <a:gd name="adj" fmla="val 50000"/>
               </a:avLst>
             </a:prstGeom>
             <a:solidFill>
@@ -6507,12 +6443,12 @@
             </a:ln>
           </p:spPr>
           <p:txBody>
-            <a:bodyPr anchorCtr="0" anchor="ctr" bIns="91425" lIns="91425" spcFirstLastPara="1" rIns="91425" wrap="square" tIns="91425">
+            <a:bodyPr spcFirstLastPara="1" wrap="square" lIns="91425" tIns="91425" rIns="91425" bIns="91425" anchor="ctr" anchorCtr="0">
               <a:noAutofit/>
             </a:bodyPr>
             <a:lstStyle/>
             <a:p>
-              <a:pPr indent="0" lvl="0" marL="0" rtl="0" algn="l">
+              <a:pPr marL="0" lvl="0" indent="0" algn="l" rtl="0">
                 <a:spcBef>
                   <a:spcPts val="0"/>
                 </a:spcBef>
@@ -6521,9 +6457,6 @@
                 </a:spcAft>
                 <a:buNone/>
               </a:pPr>
-              <a:r>
-                <a:t/>
-              </a:r>
               <a:endParaRPr/>
             </a:p>
           </p:txBody>
@@ -6541,7 +6474,7 @@
             </a:xfrm>
             <a:prstGeom prst="diagStripe">
               <a:avLst>
-                <a:gd fmla="val 50000" name="adj"/>
+                <a:gd name="adj" fmla="val 50000"/>
               </a:avLst>
             </a:prstGeom>
             <a:solidFill>
@@ -6554,12 +6487,12 @@
             </a:ln>
           </p:spPr>
           <p:txBody>
-            <a:bodyPr anchorCtr="0" anchor="ctr" bIns="91425" lIns="91425" spcFirstLastPara="1" rIns="91425" wrap="square" tIns="91425">
+            <a:bodyPr spcFirstLastPara="1" wrap="square" lIns="91425" tIns="91425" rIns="91425" bIns="91425" anchor="ctr" anchorCtr="0">
               <a:noAutofit/>
             </a:bodyPr>
             <a:lstStyle/>
             <a:p>
-              <a:pPr indent="0" lvl="0" marL="0" rtl="0" algn="l">
+              <a:pPr marL="0" lvl="0" indent="0" algn="l" rtl="0">
                 <a:spcBef>
                   <a:spcPts val="0"/>
                 </a:spcBef>
@@ -6568,9 +6501,6 @@
                 </a:spcAft>
                 <a:buNone/>
               </a:pPr>
-              <a:r>
-                <a:t/>
-              </a:r>
               <a:endParaRPr/>
             </a:p>
           </p:txBody>
@@ -6588,7 +6518,7 @@
             </a:xfrm>
             <a:prstGeom prst="diagStripe">
               <a:avLst>
-                <a:gd fmla="val 50000" name="adj"/>
+                <a:gd name="adj" fmla="val 50000"/>
               </a:avLst>
             </a:prstGeom>
             <a:solidFill>
@@ -6601,12 +6531,12 @@
             </a:ln>
           </p:spPr>
           <p:txBody>
-            <a:bodyPr anchorCtr="0" anchor="ctr" bIns="91425" lIns="91425" spcFirstLastPara="1" rIns="91425" wrap="square" tIns="91425">
+            <a:bodyPr spcFirstLastPara="1" wrap="square" lIns="91425" tIns="91425" rIns="91425" bIns="91425" anchor="ctr" anchorCtr="0">
               <a:noAutofit/>
             </a:bodyPr>
             <a:lstStyle/>
             <a:p>
-              <a:pPr indent="0" lvl="0" marL="0" rtl="0" algn="l">
+              <a:pPr marL="0" lvl="0" indent="0" algn="l" rtl="0">
                 <a:spcBef>
                   <a:spcPts val="0"/>
                 </a:spcBef>
@@ -6615,9 +6545,6 @@
                 </a:spcAft>
                 <a:buNone/>
               </a:pPr>
-              <a:r>
-                <a:t/>
-              </a:r>
               <a:endParaRPr/>
             </a:p>
           </p:txBody>
@@ -6635,7 +6562,7 @@
             </a:xfrm>
             <a:prstGeom prst="diagStripe">
               <a:avLst>
-                <a:gd fmla="val 50000" name="adj"/>
+                <a:gd name="adj" fmla="val 50000"/>
               </a:avLst>
             </a:prstGeom>
             <a:solidFill>
@@ -6646,12 +6573,12 @@
             </a:ln>
           </p:spPr>
           <p:txBody>
-            <a:bodyPr anchorCtr="0" anchor="ctr" bIns="91425" lIns="91425" spcFirstLastPara="1" rIns="91425" wrap="square" tIns="91425">
+            <a:bodyPr spcFirstLastPara="1" wrap="square" lIns="91425" tIns="91425" rIns="91425" bIns="91425" anchor="ctr" anchorCtr="0">
               <a:noAutofit/>
             </a:bodyPr>
             <a:lstStyle/>
             <a:p>
-              <a:pPr indent="0" lvl="0" marL="0" rtl="0" algn="l">
+              <a:pPr marL="0" lvl="0" indent="0" algn="l" rtl="0">
                 <a:spcBef>
                   <a:spcPts val="0"/>
                 </a:spcBef>
@@ -6660,9 +6587,6 @@
                 </a:spcAft>
                 <a:buNone/>
               </a:pPr>
-              <a:r>
-                <a:t/>
-              </a:r>
               <a:endParaRPr/>
             </a:p>
           </p:txBody>
@@ -6680,7 +6604,7 @@
             </a:xfrm>
             <a:prstGeom prst="diagStripe">
               <a:avLst>
-                <a:gd fmla="val 50000" name="adj"/>
+                <a:gd name="adj" fmla="val 50000"/>
               </a:avLst>
             </a:prstGeom>
             <a:solidFill>
@@ -6693,12 +6617,12 @@
             </a:ln>
           </p:spPr>
           <p:txBody>
-            <a:bodyPr anchorCtr="0" anchor="ctr" bIns="91425" lIns="91425" spcFirstLastPara="1" rIns="91425" wrap="square" tIns="91425">
+            <a:bodyPr spcFirstLastPara="1" wrap="square" lIns="91425" tIns="91425" rIns="91425" bIns="91425" anchor="ctr" anchorCtr="0">
               <a:noAutofit/>
             </a:bodyPr>
             <a:lstStyle/>
             <a:p>
-              <a:pPr indent="0" lvl="0" marL="0" rtl="0" algn="l">
+              <a:pPr marL="0" lvl="0" indent="0" algn="l" rtl="0">
                 <a:spcBef>
                   <a:spcPts val="0"/>
                 </a:spcBef>
@@ -6707,9 +6631,6 @@
                 </a:spcAft>
                 <a:buNone/>
               </a:pPr>
-              <a:r>
-                <a:t/>
-              </a:r>
               <a:endParaRPr/>
             </a:p>
           </p:txBody>
@@ -6727,7 +6648,7 @@
             </a:xfrm>
             <a:prstGeom prst="diagStripe">
               <a:avLst>
-                <a:gd fmla="val 50000" name="adj"/>
+                <a:gd name="adj" fmla="val 50000"/>
               </a:avLst>
             </a:prstGeom>
             <a:solidFill>
@@ -6740,12 +6661,12 @@
             </a:ln>
           </p:spPr>
           <p:txBody>
-            <a:bodyPr anchorCtr="0" anchor="ctr" bIns="91425" lIns="91425" spcFirstLastPara="1" rIns="91425" wrap="square" tIns="91425">
+            <a:bodyPr spcFirstLastPara="1" wrap="square" lIns="91425" tIns="91425" rIns="91425" bIns="91425" anchor="ctr" anchorCtr="0">
               <a:noAutofit/>
             </a:bodyPr>
             <a:lstStyle/>
             <a:p>
-              <a:pPr indent="0" lvl="0" marL="0" rtl="0" algn="l">
+              <a:pPr marL="0" lvl="0" indent="0" algn="l" rtl="0">
                 <a:spcBef>
                   <a:spcPts val="0"/>
                 </a:spcBef>
@@ -6754,9 +6675,6 @@
                 </a:spcAft>
                 <a:buNone/>
               </a:pPr>
-              <a:r>
-                <a:t/>
-              </a:r>
               <a:endParaRPr/>
             </a:p>
           </p:txBody>
@@ -6774,7 +6692,7 @@
             </a:xfrm>
             <a:prstGeom prst="diagStripe">
               <a:avLst>
-                <a:gd fmla="val 50000" name="adj"/>
+                <a:gd name="adj" fmla="val 50000"/>
               </a:avLst>
             </a:prstGeom>
             <a:solidFill>
@@ -6787,12 +6705,12 @@
             </a:ln>
           </p:spPr>
           <p:txBody>
-            <a:bodyPr anchorCtr="0" anchor="ctr" bIns="91425" lIns="91425" spcFirstLastPara="1" rIns="91425" wrap="square" tIns="91425">
+            <a:bodyPr spcFirstLastPara="1" wrap="square" lIns="91425" tIns="91425" rIns="91425" bIns="91425" anchor="ctr" anchorCtr="0">
               <a:noAutofit/>
             </a:bodyPr>
             <a:lstStyle/>
             <a:p>
-              <a:pPr indent="0" lvl="0" marL="0" rtl="0" algn="l">
+              <a:pPr marL="0" lvl="0" indent="0" algn="l" rtl="0">
                 <a:spcBef>
                   <a:spcPts val="0"/>
                 </a:spcBef>
@@ -6801,9 +6719,6 @@
                 </a:spcAft>
                 <a:buNone/>
               </a:pPr>
-              <a:r>
-                <a:t/>
-              </a:r>
               <a:endParaRPr/>
             </a:p>
           </p:txBody>
@@ -6821,7 +6736,7 @@
             </a:xfrm>
             <a:prstGeom prst="diagStripe">
               <a:avLst>
-                <a:gd fmla="val 50000" name="adj"/>
+                <a:gd name="adj" fmla="val 50000"/>
               </a:avLst>
             </a:prstGeom>
             <a:solidFill>
@@ -6834,12 +6749,12 @@
             </a:ln>
           </p:spPr>
           <p:txBody>
-            <a:bodyPr anchorCtr="0" anchor="ctr" bIns="91425" lIns="91425" spcFirstLastPara="1" rIns="91425" wrap="square" tIns="91425">
+            <a:bodyPr spcFirstLastPara="1" wrap="square" lIns="91425" tIns="91425" rIns="91425" bIns="91425" anchor="ctr" anchorCtr="0">
               <a:noAutofit/>
             </a:bodyPr>
             <a:lstStyle/>
             <a:p>
-              <a:pPr indent="0" lvl="0" marL="0" rtl="0" algn="l">
+              <a:pPr marL="0" lvl="0" indent="0" algn="l" rtl="0">
                 <a:spcBef>
                   <a:spcPts val="0"/>
                 </a:spcBef>
@@ -6848,9 +6763,6 @@
                 </a:spcAft>
                 <a:buNone/>
               </a:pPr>
-              <a:r>
-                <a:t/>
-              </a:r>
               <a:endParaRPr/>
             </a:p>
           </p:txBody>
@@ -6859,7 +6771,9 @@
       <p:sp>
         <p:nvSpPr>
           <p:cNvPr id="89" name="Google Shape;89;p8"/>
-          <p:cNvSpPr txBox="1"/>
+          <p:cNvSpPr txBox="1">
+            <a:spLocks noGrp="1"/>
+          </p:cNvSpPr>
           <p:nvPr>
             <p:ph type="title"/>
           </p:nvPr>
@@ -6874,7 +6788,7 @@
           </a:prstGeom>
         </p:spPr>
         <p:txBody>
-          <a:bodyPr anchorCtr="0" anchor="ctr" bIns="91425" lIns="91425" spcFirstLastPara="1" rIns="91425" wrap="square" tIns="91425">
+          <a:bodyPr spcFirstLastPara="1" wrap="square" lIns="91425" tIns="91425" rIns="91425" bIns="91425" anchor="ctr" anchorCtr="0">
             <a:normAutofit/>
           </a:bodyPr>
           <a:lstStyle>
@@ -6978,15 +6892,19 @@
               <a:defRPr/>
             </a:lvl9pPr>
           </a:lstStyle>
-          <a:p/>
+          <a:p>
+            <a:endParaRPr/>
+          </a:p>
         </p:txBody>
       </p:sp>
       <p:sp>
         <p:nvSpPr>
           <p:cNvPr id="90" name="Google Shape;90;p8"/>
-          <p:cNvSpPr txBox="1"/>
+          <p:cNvSpPr txBox="1">
+            <a:spLocks noGrp="1"/>
+          </p:cNvSpPr>
           <p:nvPr>
-            <p:ph idx="12" type="sldNum"/>
+            <p:ph type="sldNum" idx="12"/>
           </p:nvPr>
         </p:nvSpPr>
         <p:spPr>
@@ -6999,7 +6917,7 @@
           </a:prstGeom>
         </p:spPr>
         <p:txBody>
-          <a:bodyPr anchorCtr="0" anchor="ctr" bIns="91425" lIns="91425" spcFirstLastPara="1" rIns="91425" wrap="square" tIns="91425">
+          <a:bodyPr spcFirstLastPara="1" wrap="square" lIns="91425" tIns="91425" rIns="91425" bIns="91425" anchor="ctr" anchorCtr="0">
             <a:normAutofit/>
           </a:bodyPr>
           <a:lstStyle>
@@ -7041,7 +6959,7 @@
             </a:lvl9pPr>
           </a:lstStyle>
           <a:p>
-            <a:pPr indent="0" lvl="0" marL="0" rtl="0" algn="r">
+            <a:pPr marL="0" lvl="0" indent="0" algn="r" rtl="0">
               <a:spcBef>
                 <a:spcPts val="0"/>
               </a:spcBef>
@@ -7067,11 +6985,11 @@
 </file>
 
 <file path=ppt/slideLayouts/slideLayout8.xml><?xml version="1.0" encoding="utf-8"?>
-<p:sldLayout xmlns:a="http://schemas.openxmlformats.org/drawingml/2006/main" xmlns:r="http://schemas.openxmlformats.org/officeDocument/2006/relationships" xmlns:mc="http://schemas.openxmlformats.org/markup-compatibility/2006" xmlns:mv="urn:schemas-microsoft-com:mac:vml" xmlns:p="http://schemas.openxmlformats.org/presentationml/2006/main" xmlns:c="http://schemas.openxmlformats.org/drawingml/2006/chart" xmlns:dgm="http://schemas.openxmlformats.org/drawingml/2006/diagram" xmlns:o="urn:schemas-microsoft-com:office:office" xmlns:v="urn:schemas-microsoft-com:vml" xmlns:pvml="urn:schemas-microsoft-com:office:powerpoint" xmlns:com="http://schemas.openxmlformats.org/drawingml/2006/compatibility" xmlns:p14="http://schemas.microsoft.com/office/powerpoint/2010/main" xmlns:p15="http://schemas.microsoft.com/office/powerpoint/2012/main" xmlns:ahyp="http://schemas.microsoft.com/office/drawing/2018/hyperlinkcolor" matchingName="Section title and description">
+<p:sldLayout xmlns:a="http://schemas.openxmlformats.org/drawingml/2006/main" xmlns:r="http://schemas.openxmlformats.org/officeDocument/2006/relationships" xmlns:p="http://schemas.openxmlformats.org/presentationml/2006/main" matchingName="Section title and description">
   <p:cSld name="SECTION_TITLE_AND_DESCRIPTION">
     <p:spTree>
       <p:nvGrpSpPr>
-        <p:cNvPr id="91" name="Shape 91"/>
+        <p:cNvPr id="1" name="Shape 91"/>
         <p:cNvGrpSpPr/>
         <p:nvPr/>
       </p:nvGrpSpPr>
@@ -7110,7 +7028,7 @@
             </a:xfrm>
             <a:prstGeom prst="diagStripe">
               <a:avLst>
-                <a:gd fmla="val 50000" name="adj"/>
+                <a:gd name="adj" fmla="val 50000"/>
               </a:avLst>
             </a:prstGeom>
             <a:solidFill>
@@ -7121,12 +7039,12 @@
             </a:ln>
           </p:spPr>
           <p:txBody>
-            <a:bodyPr anchorCtr="0" anchor="ctr" bIns="91425" lIns="91425" spcFirstLastPara="1" rIns="91425" wrap="square" tIns="91425">
+            <a:bodyPr spcFirstLastPara="1" wrap="square" lIns="91425" tIns="91425" rIns="91425" bIns="91425" anchor="ctr" anchorCtr="0">
               <a:noAutofit/>
             </a:bodyPr>
             <a:lstStyle/>
             <a:p>
-              <a:pPr indent="0" lvl="0" marL="0" rtl="0" algn="l">
+              <a:pPr marL="0" lvl="0" indent="0" algn="l" rtl="0">
                 <a:spcBef>
                   <a:spcPts val="0"/>
                 </a:spcBef>
@@ -7135,9 +7053,6 @@
                 </a:spcAft>
                 <a:buNone/>
               </a:pPr>
-              <a:r>
-                <a:t/>
-              </a:r>
               <a:endParaRPr/>
             </a:p>
           </p:txBody>
@@ -7155,7 +7070,7 @@
             </a:xfrm>
             <a:prstGeom prst="diagStripe">
               <a:avLst>
-                <a:gd fmla="val 50000" name="adj"/>
+                <a:gd name="adj" fmla="val 50000"/>
               </a:avLst>
             </a:prstGeom>
             <a:solidFill>
@@ -7166,12 +7081,12 @@
             </a:ln>
           </p:spPr>
           <p:txBody>
-            <a:bodyPr anchorCtr="0" anchor="ctr" bIns="91425" lIns="91425" spcFirstLastPara="1" rIns="91425" wrap="square" tIns="91425">
+            <a:bodyPr spcFirstLastPara="1" wrap="square" lIns="91425" tIns="91425" rIns="91425" bIns="91425" anchor="ctr" anchorCtr="0">
               <a:noAutofit/>
             </a:bodyPr>
             <a:lstStyle/>
             <a:p>
-              <a:pPr indent="0" lvl="0" marL="0" rtl="0" algn="l">
+              <a:pPr marL="0" lvl="0" indent="0" algn="l" rtl="0">
                 <a:spcBef>
                   <a:spcPts val="0"/>
                 </a:spcBef>
@@ -7180,9 +7095,6 @@
                 </a:spcAft>
                 <a:buNone/>
               </a:pPr>
-              <a:r>
-                <a:t/>
-              </a:r>
               <a:endParaRPr/>
             </a:p>
           </p:txBody>
@@ -7191,7 +7103,9 @@
       <p:sp>
         <p:nvSpPr>
           <p:cNvPr id="95" name="Google Shape;95;p9"/>
-          <p:cNvSpPr txBox="1"/>
+          <p:cNvSpPr txBox="1">
+            <a:spLocks noGrp="1"/>
+          </p:cNvSpPr>
           <p:nvPr>
             <p:ph type="title"/>
           </p:nvPr>
@@ -7206,7 +7120,7 @@
           </a:prstGeom>
         </p:spPr>
         <p:txBody>
-          <a:bodyPr anchorCtr="0" anchor="t" bIns="91425" lIns="91425" spcFirstLastPara="1" rIns="91425" wrap="square" tIns="91425">
+          <a:bodyPr spcFirstLastPara="1" wrap="square" lIns="91425" tIns="91425" rIns="91425" bIns="91425" anchor="t" anchorCtr="0">
             <a:normAutofit/>
           </a:bodyPr>
           <a:lstStyle>
@@ -7310,15 +7224,19 @@
               <a:defRPr sz="2400"/>
             </a:lvl9pPr>
           </a:lstStyle>
-          <a:p/>
+          <a:p>
+            <a:endParaRPr/>
+          </a:p>
         </p:txBody>
       </p:sp>
       <p:sp>
         <p:nvSpPr>
           <p:cNvPr id="96" name="Google Shape;96;p9"/>
-          <p:cNvSpPr txBox="1"/>
+          <p:cNvSpPr txBox="1">
+            <a:spLocks noGrp="1"/>
+          </p:cNvSpPr>
           <p:nvPr>
-            <p:ph idx="1" type="subTitle"/>
+            <p:ph type="subTitle" idx="1"/>
           </p:nvPr>
         </p:nvSpPr>
         <p:spPr>
@@ -7331,7 +7249,7 @@
           </a:prstGeom>
         </p:spPr>
         <p:txBody>
-          <a:bodyPr anchorCtr="0" anchor="t" bIns="91425" lIns="91425" spcFirstLastPara="1" rIns="91425" wrap="square" tIns="91425">
+          <a:bodyPr spcFirstLastPara="1" wrap="square" lIns="91425" tIns="91425" rIns="91425" bIns="91425" anchor="t" anchorCtr="0">
             <a:normAutofit/>
           </a:bodyPr>
           <a:lstStyle>
@@ -7462,15 +7380,19 @@
               <a:defRPr sz="1300"/>
             </a:lvl9pPr>
           </a:lstStyle>
-          <a:p/>
+          <a:p>
+            <a:endParaRPr/>
+          </a:p>
         </p:txBody>
       </p:sp>
       <p:sp>
         <p:nvSpPr>
           <p:cNvPr id="97" name="Google Shape;97;p9"/>
-          <p:cNvSpPr txBox="1"/>
+          <p:cNvSpPr txBox="1">
+            <a:spLocks noGrp="1"/>
+          </p:cNvSpPr>
           <p:nvPr>
-            <p:ph idx="2" type="body"/>
+            <p:ph type="body" idx="2"/>
           </p:nvPr>
         </p:nvSpPr>
         <p:spPr>
@@ -7483,11 +7405,11 @@
           </a:prstGeom>
         </p:spPr>
         <p:txBody>
-          <a:bodyPr anchorCtr="0" anchor="t" bIns="91425" lIns="91425" spcFirstLastPara="1" rIns="91425" wrap="square" tIns="91425">
+          <a:bodyPr spcFirstLastPara="1" wrap="square" lIns="91425" tIns="91425" rIns="91425" bIns="91425" anchor="t" anchorCtr="0">
             <a:normAutofit/>
           </a:bodyPr>
           <a:lstStyle>
-            <a:lvl1pPr indent="-311150" lvl="0" marL="457200">
+            <a:lvl1pPr marL="457200" lvl="0" indent="-311150">
               <a:spcBef>
                 <a:spcPts val="0"/>
               </a:spcBef>
@@ -7498,7 +7420,7 @@
               <a:buChar char="●"/>
               <a:defRPr/>
             </a:lvl1pPr>
-            <a:lvl2pPr indent="-298450" lvl="1" marL="914400">
+            <a:lvl2pPr marL="914400" lvl="1" indent="-298450">
               <a:spcBef>
                 <a:spcPts val="0"/>
               </a:spcBef>
@@ -7509,7 +7431,7 @@
               <a:buChar char="○"/>
               <a:defRPr/>
             </a:lvl2pPr>
-            <a:lvl3pPr indent="-298450" lvl="2" marL="1371600">
+            <a:lvl3pPr marL="1371600" lvl="2" indent="-298450">
               <a:spcBef>
                 <a:spcPts val="0"/>
               </a:spcBef>
@@ -7520,7 +7442,7 @@
               <a:buChar char="■"/>
               <a:defRPr/>
             </a:lvl3pPr>
-            <a:lvl4pPr indent="-298450" lvl="3" marL="1828800">
+            <a:lvl4pPr marL="1828800" lvl="3" indent="-298450">
               <a:spcBef>
                 <a:spcPts val="0"/>
               </a:spcBef>
@@ -7531,7 +7453,7 @@
               <a:buChar char="●"/>
               <a:defRPr/>
             </a:lvl4pPr>
-            <a:lvl5pPr indent="-298450" lvl="4" marL="2286000">
+            <a:lvl5pPr marL="2286000" lvl="4" indent="-298450">
               <a:spcBef>
                 <a:spcPts val="0"/>
               </a:spcBef>
@@ -7542,7 +7464,7 @@
               <a:buChar char="○"/>
               <a:defRPr/>
             </a:lvl5pPr>
-            <a:lvl6pPr indent="-298450" lvl="5" marL="2743200">
+            <a:lvl6pPr marL="2743200" lvl="5" indent="-298450">
               <a:spcBef>
                 <a:spcPts val="0"/>
               </a:spcBef>
@@ -7553,7 +7475,7 @@
               <a:buChar char="■"/>
               <a:defRPr/>
             </a:lvl6pPr>
-            <a:lvl7pPr indent="-298450" lvl="6" marL="3200400">
+            <a:lvl7pPr marL="3200400" lvl="6" indent="-298450">
               <a:spcBef>
                 <a:spcPts val="0"/>
               </a:spcBef>
@@ -7564,7 +7486,7 @@
               <a:buChar char="●"/>
               <a:defRPr/>
             </a:lvl7pPr>
-            <a:lvl8pPr indent="-298450" lvl="7" marL="3657600">
+            <a:lvl8pPr marL="3657600" lvl="7" indent="-298450">
               <a:spcBef>
                 <a:spcPts val="0"/>
               </a:spcBef>
@@ -7575,7 +7497,7 @@
               <a:buChar char="○"/>
               <a:defRPr/>
             </a:lvl8pPr>
-            <a:lvl9pPr indent="-298450" lvl="8" marL="4114800">
+            <a:lvl9pPr marL="4114800" lvl="8" indent="-298450">
               <a:spcBef>
                 <a:spcPts val="0"/>
               </a:spcBef>
@@ -7587,15 +7509,19 @@
               <a:defRPr/>
             </a:lvl9pPr>
           </a:lstStyle>
-          <a:p/>
+          <a:p>
+            <a:endParaRPr/>
+          </a:p>
         </p:txBody>
       </p:sp>
       <p:sp>
         <p:nvSpPr>
           <p:cNvPr id="98" name="Google Shape;98;p9"/>
-          <p:cNvSpPr txBox="1"/>
+          <p:cNvSpPr txBox="1">
+            <a:spLocks noGrp="1"/>
+          </p:cNvSpPr>
           <p:nvPr>
-            <p:ph idx="12" type="sldNum"/>
+            <p:ph type="sldNum" idx="12"/>
           </p:nvPr>
         </p:nvSpPr>
         <p:spPr>
@@ -7608,7 +7534,7 @@
           </a:prstGeom>
         </p:spPr>
         <p:txBody>
-          <a:bodyPr anchorCtr="0" anchor="ctr" bIns="91425" lIns="91425" spcFirstLastPara="1" rIns="91425" wrap="square" tIns="91425">
+          <a:bodyPr spcFirstLastPara="1" wrap="square" lIns="91425" tIns="91425" rIns="91425" bIns="91425" anchor="ctr" anchorCtr="0">
             <a:normAutofit/>
           </a:bodyPr>
           <a:lstStyle>
@@ -7650,7 +7576,7 @@
             </a:lvl9pPr>
           </a:lstStyle>
           <a:p>
-            <a:pPr indent="0" lvl="0" marL="0" rtl="0" algn="r">
+            <a:pPr marL="0" lvl="0" indent="0" algn="r" rtl="0">
               <a:spcBef>
                 <a:spcPts val="0"/>
               </a:spcBef>
@@ -7676,11 +7602,11 @@
 </file>
 
 <file path=ppt/slideLayouts/slideLayout9.xml><?xml version="1.0" encoding="utf-8"?>
-<p:sldLayout xmlns:a="http://schemas.openxmlformats.org/drawingml/2006/main" xmlns:r="http://schemas.openxmlformats.org/officeDocument/2006/relationships" xmlns:mc="http://schemas.openxmlformats.org/markup-compatibility/2006" xmlns:mv="urn:schemas-microsoft-com:mac:vml" xmlns:p="http://schemas.openxmlformats.org/presentationml/2006/main" xmlns:c="http://schemas.openxmlformats.org/drawingml/2006/chart" xmlns:dgm="http://schemas.openxmlformats.org/drawingml/2006/diagram" xmlns:o="urn:schemas-microsoft-com:office:office" xmlns:v="urn:schemas-microsoft-com:vml" xmlns:pvml="urn:schemas-microsoft-com:office:powerpoint" xmlns:com="http://schemas.openxmlformats.org/drawingml/2006/compatibility" xmlns:p14="http://schemas.microsoft.com/office/powerpoint/2010/main" xmlns:p15="http://schemas.microsoft.com/office/powerpoint/2012/main" xmlns:ahyp="http://schemas.microsoft.com/office/drawing/2018/hyperlinkcolor" matchingName="Caption">
+<p:sldLayout xmlns:a="http://schemas.openxmlformats.org/drawingml/2006/main" xmlns:r="http://schemas.openxmlformats.org/officeDocument/2006/relationships" xmlns:p="http://schemas.openxmlformats.org/presentationml/2006/main" matchingName="Caption">
   <p:cSld name="CAPTION_ONLY">
     <p:spTree>
       <p:nvGrpSpPr>
-        <p:cNvPr id="99" name="Shape 99"/>
+        <p:cNvPr id="1" name="Shape 99"/>
         <p:cNvGrpSpPr/>
         <p:nvPr/>
       </p:nvGrpSpPr>
@@ -7719,7 +7645,7 @@
             </a:xfrm>
             <a:prstGeom prst="diagStripe">
               <a:avLst>
-                <a:gd fmla="val 50000" name="adj"/>
+                <a:gd name="adj" fmla="val 50000"/>
               </a:avLst>
             </a:prstGeom>
             <a:solidFill>
@@ -7732,12 +7658,12 @@
             </a:ln>
           </p:spPr>
           <p:txBody>
-            <a:bodyPr anchorCtr="0" anchor="ctr" bIns="91425" lIns="91425" spcFirstLastPara="1" rIns="91425" wrap="square" tIns="91425">
+            <a:bodyPr spcFirstLastPara="1" wrap="square" lIns="91425" tIns="91425" rIns="91425" bIns="91425" anchor="ctr" anchorCtr="0">
               <a:noAutofit/>
             </a:bodyPr>
             <a:lstStyle/>
             <a:p>
-              <a:pPr indent="0" lvl="0" marL="0" rtl="0" algn="l">
+              <a:pPr marL="0" lvl="0" indent="0" algn="l" rtl="0">
                 <a:spcBef>
                   <a:spcPts val="0"/>
                 </a:spcBef>
@@ -7746,9 +7672,6 @@
                 </a:spcAft>
                 <a:buNone/>
               </a:pPr>
-              <a:r>
-                <a:t/>
-              </a:r>
               <a:endParaRPr/>
             </a:p>
           </p:txBody>
@@ -7766,7 +7689,7 @@
             </a:xfrm>
             <a:prstGeom prst="diagStripe">
               <a:avLst>
-                <a:gd fmla="val 50000" name="adj"/>
+                <a:gd name="adj" fmla="val 50000"/>
               </a:avLst>
             </a:prstGeom>
             <a:solidFill>
@@ -7779,12 +7702,12 @@
             </a:ln>
           </p:spPr>
           <p:txBody>
-            <a:bodyPr anchorCtr="0" anchor="ctr" bIns="91425" lIns="91425" spcFirstLastPara="1" rIns="91425" wrap="square" tIns="91425">
+            <a:bodyPr spcFirstLastPara="1" wrap="square" lIns="91425" tIns="91425" rIns="91425" bIns="91425" anchor="ctr" anchorCtr="0">
               <a:noAutofit/>
             </a:bodyPr>
             <a:lstStyle/>
             <a:p>
-              <a:pPr indent="0" lvl="0" marL="0" rtl="0" algn="l">
+              <a:pPr marL="0" lvl="0" indent="0" algn="l" rtl="0">
                 <a:spcBef>
                   <a:spcPts val="0"/>
                 </a:spcBef>
@@ -7793,9 +7716,6 @@
                 </a:spcAft>
                 <a:buNone/>
               </a:pPr>
-              <a:r>
-                <a:t/>
-              </a:r>
               <a:endParaRPr/>
             </a:p>
           </p:txBody>
@@ -7804,9 +7724,11 @@
       <p:sp>
         <p:nvSpPr>
           <p:cNvPr id="103" name="Google Shape;103;p10"/>
-          <p:cNvSpPr txBox="1"/>
+          <p:cNvSpPr txBox="1">
+            <a:spLocks noGrp="1"/>
+          </p:cNvSpPr>
           <p:nvPr>
-            <p:ph idx="1" type="body"/>
+            <p:ph type="body" idx="1"/>
           </p:nvPr>
         </p:nvSpPr>
         <p:spPr>
@@ -7819,11 +7741,11 @@
           </a:prstGeom>
         </p:spPr>
         <p:txBody>
-          <a:bodyPr anchorCtr="0" anchor="ctr" bIns="91425" lIns="91425" spcFirstLastPara="1" rIns="91425" wrap="square" tIns="91425">
+          <a:bodyPr spcFirstLastPara="1" wrap="square" lIns="91425" tIns="91425" rIns="91425" bIns="91425" anchor="ctr" anchorCtr="0">
             <a:normAutofit/>
           </a:bodyPr>
           <a:lstStyle>
-            <a:lvl1pPr indent="-228600" lvl="0" marL="457200">
+            <a:lvl1pPr marL="457200" lvl="0" indent="-228600">
               <a:lnSpc>
                 <a:spcPct val="100000"/>
               </a:lnSpc>
@@ -7838,15 +7760,19 @@
               <a:defRPr/>
             </a:lvl1pPr>
           </a:lstStyle>
-          <a:p/>
+          <a:p>
+            <a:endParaRPr/>
+          </a:p>
         </p:txBody>
       </p:sp>
       <p:sp>
         <p:nvSpPr>
           <p:cNvPr id="104" name="Google Shape;104;p10"/>
-          <p:cNvSpPr txBox="1"/>
+          <p:cNvSpPr txBox="1">
+            <a:spLocks noGrp="1"/>
+          </p:cNvSpPr>
           <p:nvPr>
-            <p:ph idx="12" type="sldNum"/>
+            <p:ph type="sldNum" idx="12"/>
           </p:nvPr>
         </p:nvSpPr>
         <p:spPr>
@@ -7859,7 +7785,7 @@
           </a:prstGeom>
         </p:spPr>
         <p:txBody>
-          <a:bodyPr anchorCtr="0" anchor="ctr" bIns="91425" lIns="91425" spcFirstLastPara="1" rIns="91425" wrap="square" tIns="91425">
+          <a:bodyPr spcFirstLastPara="1" wrap="square" lIns="91425" tIns="91425" rIns="91425" bIns="91425" anchor="ctr" anchorCtr="0">
             <a:normAutofit/>
           </a:bodyPr>
           <a:lstStyle>
@@ -7901,7 +7827,7 @@
             </a:lvl9pPr>
           </a:lstStyle>
           <a:p>
-            <a:pPr indent="0" lvl="0" marL="0" rtl="0" algn="r">
+            <a:pPr marL="0" lvl="0" indent="0" algn="r" rtl="0">
               <a:spcBef>
                 <a:spcPts val="0"/>
               </a:spcBef>
@@ -7927,18 +7853,19 @@
 </file>
 
 <file path=ppt/slideMasters/slideMaster1.xml><?xml version="1.0" encoding="utf-8"?>
-<p:sldMaster xmlns:a="http://schemas.openxmlformats.org/drawingml/2006/main" xmlns:r="http://schemas.openxmlformats.org/officeDocument/2006/relationships" xmlns:mc="http://schemas.openxmlformats.org/markup-compatibility/2006" xmlns:mv="urn:schemas-microsoft-com:mac:vml" xmlns:p="http://schemas.openxmlformats.org/presentationml/2006/main" xmlns:c="http://schemas.openxmlformats.org/drawingml/2006/chart" xmlns:dgm="http://schemas.openxmlformats.org/drawingml/2006/diagram" xmlns:o="urn:schemas-microsoft-com:office:office" xmlns:v="urn:schemas-microsoft-com:vml" xmlns:pvml="urn:schemas-microsoft-com:office:powerpoint" xmlns:com="http://schemas.openxmlformats.org/drawingml/2006/compatibility" xmlns:p14="http://schemas.microsoft.com/office/powerpoint/2010/main" xmlns:p15="http://schemas.microsoft.com/office/powerpoint/2012/main" xmlns:ahyp="http://schemas.microsoft.com/office/drawing/2018/hyperlinkcolor">
+<p:sldMaster xmlns:a="http://schemas.openxmlformats.org/drawingml/2006/main" xmlns:r="http://schemas.openxmlformats.org/officeDocument/2006/relationships" xmlns:p="http://schemas.openxmlformats.org/presentationml/2006/main">
   <p:cSld name="focus">
     <p:bg>
       <p:bgPr>
         <a:solidFill>
           <a:schemeClr val="dk1"/>
         </a:solidFill>
+        <a:effectLst/>
       </p:bgPr>
     </p:bg>
     <p:spTree>
       <p:nvGrpSpPr>
-        <p:cNvPr id="5" name="Shape 5"/>
+        <p:cNvPr id="1" name="Shape 5"/>
         <p:cNvGrpSpPr/>
         <p:nvPr/>
       </p:nvGrpSpPr>
@@ -7953,7 +7880,9 @@
       <p:sp>
         <p:nvSpPr>
           <p:cNvPr id="6" name="Google Shape;6;p1"/>
-          <p:cNvSpPr txBox="1"/>
+          <p:cNvSpPr txBox="1">
+            <a:spLocks noGrp="1"/>
+          </p:cNvSpPr>
           <p:nvPr>
             <p:ph type="title"/>
           </p:nvPr>
@@ -7972,7 +7901,7 @@
           </a:ln>
         </p:spPr>
         <p:txBody>
-          <a:bodyPr anchorCtr="0" anchor="t" bIns="91425" lIns="91425" spcFirstLastPara="1" rIns="91425" wrap="square" tIns="91425">
+          <a:bodyPr spcFirstLastPara="1" wrap="square" lIns="91425" tIns="91425" rIns="91425" bIns="91425" anchor="t" anchorCtr="0">
             <a:normAutofit/>
           </a:bodyPr>
           <a:lstStyle>
@@ -8184,15 +8113,19 @@
               </a:defRPr>
             </a:lvl9pPr>
           </a:lstStyle>
-          <a:p/>
+          <a:p>
+            <a:endParaRPr/>
+          </a:p>
         </p:txBody>
       </p:sp>
       <p:sp>
         <p:nvSpPr>
           <p:cNvPr id="7" name="Google Shape;7;p1"/>
-          <p:cNvSpPr txBox="1"/>
+          <p:cNvSpPr txBox="1">
+            <a:spLocks noGrp="1"/>
+          </p:cNvSpPr>
           <p:nvPr>
-            <p:ph idx="1" type="body"/>
+            <p:ph type="body" idx="1"/>
           </p:nvPr>
         </p:nvSpPr>
         <p:spPr>
@@ -8209,11 +8142,11 @@
           </a:ln>
         </p:spPr>
         <p:txBody>
-          <a:bodyPr anchorCtr="0" anchor="t" bIns="91425" lIns="91425" spcFirstLastPara="1" rIns="91425" wrap="square" tIns="91425">
+          <a:bodyPr spcFirstLastPara="1" wrap="square" lIns="91425" tIns="91425" rIns="91425" bIns="91425" anchor="t" anchorCtr="0">
             <a:normAutofit/>
           </a:bodyPr>
           <a:lstStyle>
-            <a:lvl1pPr indent="-311150" lvl="0" marL="457200">
+            <a:lvl1pPr marL="457200" lvl="0" indent="-311150">
               <a:lnSpc>
                 <a:spcPct val="115000"/>
               </a:lnSpc>
@@ -8239,7 +8172,7 @@
                 <a:sym typeface="Lato"/>
               </a:defRPr>
             </a:lvl1pPr>
-            <a:lvl2pPr indent="-298450" lvl="1" marL="914400">
+            <a:lvl2pPr marL="914400" lvl="1" indent="-298450">
               <a:lnSpc>
                 <a:spcPct val="115000"/>
               </a:lnSpc>
@@ -8265,7 +8198,7 @@
                 <a:sym typeface="Lato"/>
               </a:defRPr>
             </a:lvl2pPr>
-            <a:lvl3pPr indent="-298450" lvl="2" marL="1371600">
+            <a:lvl3pPr marL="1371600" lvl="2" indent="-298450">
               <a:lnSpc>
                 <a:spcPct val="115000"/>
               </a:lnSpc>
@@ -8291,7 +8224,7 @@
                 <a:sym typeface="Lato"/>
               </a:defRPr>
             </a:lvl3pPr>
-            <a:lvl4pPr indent="-298450" lvl="3" marL="1828800">
+            <a:lvl4pPr marL="1828800" lvl="3" indent="-298450">
               <a:lnSpc>
                 <a:spcPct val="115000"/>
               </a:lnSpc>
@@ -8317,7 +8250,7 @@
                 <a:sym typeface="Lato"/>
               </a:defRPr>
             </a:lvl4pPr>
-            <a:lvl5pPr indent="-298450" lvl="4" marL="2286000">
+            <a:lvl5pPr marL="2286000" lvl="4" indent="-298450">
               <a:lnSpc>
                 <a:spcPct val="115000"/>
               </a:lnSpc>
@@ -8343,7 +8276,7 @@
                 <a:sym typeface="Lato"/>
               </a:defRPr>
             </a:lvl5pPr>
-            <a:lvl6pPr indent="-298450" lvl="5" marL="2743200">
+            <a:lvl6pPr marL="2743200" lvl="5" indent="-298450">
               <a:lnSpc>
                 <a:spcPct val="115000"/>
               </a:lnSpc>
@@ -8369,7 +8302,7 @@
                 <a:sym typeface="Lato"/>
               </a:defRPr>
             </a:lvl6pPr>
-            <a:lvl7pPr indent="-298450" lvl="6" marL="3200400">
+            <a:lvl7pPr marL="3200400" lvl="6" indent="-298450">
               <a:lnSpc>
                 <a:spcPct val="115000"/>
               </a:lnSpc>
@@ -8395,7 +8328,7 @@
                 <a:sym typeface="Lato"/>
               </a:defRPr>
             </a:lvl7pPr>
-            <a:lvl8pPr indent="-298450" lvl="7" marL="3657600">
+            <a:lvl8pPr marL="3657600" lvl="7" indent="-298450">
               <a:lnSpc>
                 <a:spcPct val="115000"/>
               </a:lnSpc>
@@ -8421,7 +8354,7 @@
                 <a:sym typeface="Lato"/>
               </a:defRPr>
             </a:lvl8pPr>
-            <a:lvl9pPr indent="-298450" lvl="8" marL="4114800">
+            <a:lvl9pPr marL="4114800" lvl="8" indent="-298450">
               <a:lnSpc>
                 <a:spcPct val="115000"/>
               </a:lnSpc>
@@ -8448,15 +8381,19 @@
               </a:defRPr>
             </a:lvl9pPr>
           </a:lstStyle>
-          <a:p/>
+          <a:p>
+            <a:endParaRPr/>
+          </a:p>
         </p:txBody>
       </p:sp>
       <p:sp>
         <p:nvSpPr>
           <p:cNvPr id="8" name="Google Shape;8;p1"/>
-          <p:cNvSpPr txBox="1"/>
+          <p:cNvSpPr txBox="1">
+            <a:spLocks noGrp="1"/>
+          </p:cNvSpPr>
           <p:nvPr>
-            <p:ph idx="12" type="sldNum"/>
+            <p:ph type="sldNum" idx="12"/>
           </p:nvPr>
         </p:nvSpPr>
         <p:spPr>
@@ -8473,7 +8410,7 @@
           </a:ln>
         </p:spPr>
         <p:txBody>
-          <a:bodyPr anchorCtr="0" anchor="ctr" bIns="91425" lIns="91425" spcFirstLastPara="1" rIns="91425" wrap="square" tIns="91425">
+          <a:bodyPr spcFirstLastPara="1" wrap="square" lIns="91425" tIns="91425" rIns="91425" bIns="91425" anchor="ctr" anchorCtr="0">
             <a:normAutofit/>
           </a:bodyPr>
           <a:lstStyle>
@@ -8587,7 +8524,7 @@
             </a:lvl9pPr>
           </a:lstStyle>
           <a:p>
-            <a:pPr indent="0" lvl="0" marL="0" rtl="0" algn="r">
+            <a:pPr marL="0" lvl="0" indent="0" algn="r" rtl="0">
               <a:spcBef>
                 <a:spcPts val="0"/>
               </a:spcBef>
@@ -8606,7 +8543,7 @@
       </p:sp>
     </p:spTree>
   </p:cSld>
-  <p:clrMap accent1="accent1" accent2="accent2" accent3="accent3" accent4="accent4" accent5="accent5" accent6="accent6" bg1="lt1" bg2="dk2" tx1="dk1" tx2="lt2" folHlink="folHlink" hlink="hlink"/>
+  <p:clrMap bg1="lt1" tx1="dk1" bg2="dk2" tx2="lt2" accent1="accent1" accent2="accent2" accent3="accent3" accent4="accent4" accent5="accent5" accent6="accent6" hlink="hlink" folHlink="folHlink"/>
   <p:sldLayoutIdLst>
     <p:sldLayoutId id="2147483648" r:id="rId1"/>
     <p:sldLayoutId id="2147483649" r:id="rId2"/>
@@ -8620,10 +8557,10 @@
     <p:sldLayoutId id="2147483657" r:id="rId10"/>
     <p:sldLayoutId id="2147483658" r:id="rId11"/>
   </p:sldLayoutIdLst>
-  <p:hf dt="0" ftr="0" hdr="0" sldNum="0"/>
+  <p:hf sldNum="0" hdr="0" ftr="0" dt="0"/>
   <p:txStyles>
     <p:titleStyle>
-      <a:defPPr lvl="0" marR="0" rtl="0" algn="l">
+      <a:defPPr marR="0" lvl="0" algn="l" rtl="0">
         <a:lnSpc>
           <a:spcPct val="100000"/>
         </a:lnSpc>
@@ -8634,7 +8571,7 @@
           <a:spcPts val="0"/>
         </a:spcAft>
       </a:defPPr>
-      <a:lvl1pPr lvl="0" marR="0" rtl="0" algn="l">
+      <a:lvl1pPr marR="0" lvl="0" algn="l" rtl="0">
         <a:lnSpc>
           <a:spcPct val="100000"/>
         </a:lnSpc>
@@ -8648,7 +8585,7 @@
           <a:srgbClr val="000000"/>
         </a:buClr>
         <a:buFont typeface="Arial"/>
-        <a:defRPr b="0" i="0" sz="1400" u="none" cap="none" strike="noStrike">
+        <a:defRPr sz="1400" b="0" i="0" u="none" strike="noStrike" cap="none">
           <a:solidFill>
             <a:srgbClr val="000000"/>
           </a:solidFill>
@@ -8658,7 +8595,7 @@
           <a:sym typeface="Arial"/>
         </a:defRPr>
       </a:lvl1pPr>
-      <a:lvl2pPr lvl="1" marR="0" rtl="0" algn="l">
+      <a:lvl2pPr marR="0" lvl="1" algn="l" rtl="0">
         <a:lnSpc>
           <a:spcPct val="100000"/>
         </a:lnSpc>
@@ -8672,7 +8609,7 @@
           <a:srgbClr val="000000"/>
         </a:buClr>
         <a:buFont typeface="Arial"/>
-        <a:defRPr b="0" i="0" sz="1400" u="none" cap="none" strike="noStrike">
+        <a:defRPr sz="1400" b="0" i="0" u="none" strike="noStrike" cap="none">
           <a:solidFill>
             <a:srgbClr val="000000"/>
           </a:solidFill>
@@ -8682,7 +8619,7 @@
           <a:sym typeface="Arial"/>
         </a:defRPr>
       </a:lvl2pPr>
-      <a:lvl3pPr lvl="2" marR="0" rtl="0" algn="l">
+      <a:lvl3pPr marR="0" lvl="2" algn="l" rtl="0">
         <a:lnSpc>
           <a:spcPct val="100000"/>
         </a:lnSpc>
@@ -8696,7 +8633,7 @@
           <a:srgbClr val="000000"/>
         </a:buClr>
         <a:buFont typeface="Arial"/>
-        <a:defRPr b="0" i="0" sz="1400" u="none" cap="none" strike="noStrike">
+        <a:defRPr sz="1400" b="0" i="0" u="none" strike="noStrike" cap="none">
           <a:solidFill>
             <a:srgbClr val="000000"/>
           </a:solidFill>
@@ -8706,7 +8643,7 @@
           <a:sym typeface="Arial"/>
         </a:defRPr>
       </a:lvl3pPr>
-      <a:lvl4pPr lvl="3" marR="0" rtl="0" algn="l">
+      <a:lvl4pPr marR="0" lvl="3" algn="l" rtl="0">
         <a:lnSpc>
           <a:spcPct val="100000"/>
         </a:lnSpc>
@@ -8720,7 +8657,7 @@
           <a:srgbClr val="000000"/>
         </a:buClr>
         <a:buFont typeface="Arial"/>
-        <a:defRPr b="0" i="0" sz="1400" u="none" cap="none" strike="noStrike">
+        <a:defRPr sz="1400" b="0" i="0" u="none" strike="noStrike" cap="none">
           <a:solidFill>
             <a:srgbClr val="000000"/>
           </a:solidFill>
@@ -8730,7 +8667,7 @@
           <a:sym typeface="Arial"/>
         </a:defRPr>
       </a:lvl4pPr>
-      <a:lvl5pPr lvl="4" marR="0" rtl="0" algn="l">
+      <a:lvl5pPr marR="0" lvl="4" algn="l" rtl="0">
         <a:lnSpc>
           <a:spcPct val="100000"/>
         </a:lnSpc>
@@ -8744,7 +8681,7 @@
           <a:srgbClr val="000000"/>
         </a:buClr>
         <a:buFont typeface="Arial"/>
-        <a:defRPr b="0" i="0" sz="1400" u="none" cap="none" strike="noStrike">
+        <a:defRPr sz="1400" b="0" i="0" u="none" strike="noStrike" cap="none">
           <a:solidFill>
             <a:srgbClr val="000000"/>
           </a:solidFill>
@@ -8754,7 +8691,7 @@
           <a:sym typeface="Arial"/>
         </a:defRPr>
       </a:lvl5pPr>
-      <a:lvl6pPr lvl="5" marR="0" rtl="0" algn="l">
+      <a:lvl6pPr marR="0" lvl="5" algn="l" rtl="0">
         <a:lnSpc>
           <a:spcPct val="100000"/>
         </a:lnSpc>
@@ -8768,7 +8705,7 @@
           <a:srgbClr val="000000"/>
         </a:buClr>
         <a:buFont typeface="Arial"/>
-        <a:defRPr b="0" i="0" sz="1400" u="none" cap="none" strike="noStrike">
+        <a:defRPr sz="1400" b="0" i="0" u="none" strike="noStrike" cap="none">
           <a:solidFill>
             <a:srgbClr val="000000"/>
           </a:solidFill>
@@ -8778,7 +8715,7 @@
           <a:sym typeface="Arial"/>
         </a:defRPr>
       </a:lvl6pPr>
-      <a:lvl7pPr lvl="6" marR="0" rtl="0" algn="l">
+      <a:lvl7pPr marR="0" lvl="6" algn="l" rtl="0">
         <a:lnSpc>
           <a:spcPct val="100000"/>
         </a:lnSpc>
@@ -8792,7 +8729,7 @@
           <a:srgbClr val="000000"/>
         </a:buClr>
         <a:buFont typeface="Arial"/>
-        <a:defRPr b="0" i="0" sz="1400" u="none" cap="none" strike="noStrike">
+        <a:defRPr sz="1400" b="0" i="0" u="none" strike="noStrike" cap="none">
           <a:solidFill>
             <a:srgbClr val="000000"/>
           </a:solidFill>
@@ -8802,7 +8739,7 @@
           <a:sym typeface="Arial"/>
         </a:defRPr>
       </a:lvl7pPr>
-      <a:lvl8pPr lvl="7" marR="0" rtl="0" algn="l">
+      <a:lvl8pPr marR="0" lvl="7" algn="l" rtl="0">
         <a:lnSpc>
           <a:spcPct val="100000"/>
         </a:lnSpc>
@@ -8816,7 +8753,7 @@
           <a:srgbClr val="000000"/>
         </a:buClr>
         <a:buFont typeface="Arial"/>
-        <a:defRPr b="0" i="0" sz="1400" u="none" cap="none" strike="noStrike">
+        <a:defRPr sz="1400" b="0" i="0" u="none" strike="noStrike" cap="none">
           <a:solidFill>
             <a:srgbClr val="000000"/>
           </a:solidFill>
@@ -8826,7 +8763,7 @@
           <a:sym typeface="Arial"/>
         </a:defRPr>
       </a:lvl8pPr>
-      <a:lvl9pPr lvl="8" marR="0" rtl="0" algn="l">
+      <a:lvl9pPr marR="0" lvl="8" algn="l" rtl="0">
         <a:lnSpc>
           <a:spcPct val="100000"/>
         </a:lnSpc>
@@ -8840,7 +8777,7 @@
           <a:srgbClr val="000000"/>
         </a:buClr>
         <a:buFont typeface="Arial"/>
-        <a:defRPr b="0" i="0" sz="1400" u="none" cap="none" strike="noStrike">
+        <a:defRPr sz="1400" b="0" i="0" u="none" strike="noStrike" cap="none">
           <a:solidFill>
             <a:srgbClr val="000000"/>
           </a:solidFill>
@@ -8852,7 +8789,7 @@
       </a:lvl9pPr>
     </p:titleStyle>
     <p:bodyStyle>
-      <a:defPPr lvl="0" marR="0" rtl="0" algn="l">
+      <a:defPPr marR="0" lvl="0" algn="l" rtl="0">
         <a:lnSpc>
           <a:spcPct val="100000"/>
         </a:lnSpc>
@@ -8863,7 +8800,7 @@
           <a:spcPts val="0"/>
         </a:spcAft>
       </a:defPPr>
-      <a:lvl1pPr lvl="0" marR="0" rtl="0" algn="l">
+      <a:lvl1pPr marR="0" lvl="0" algn="l" rtl="0">
         <a:lnSpc>
           <a:spcPct val="100000"/>
         </a:lnSpc>
@@ -8877,7 +8814,7 @@
           <a:srgbClr val="000000"/>
         </a:buClr>
         <a:buFont typeface="Arial"/>
-        <a:defRPr b="0" i="0" sz="1400" u="none" cap="none" strike="noStrike">
+        <a:defRPr sz="1400" b="0" i="0" u="none" strike="noStrike" cap="none">
           <a:solidFill>
             <a:srgbClr val="000000"/>
           </a:solidFill>
@@ -8887,7 +8824,7 @@
           <a:sym typeface="Arial"/>
         </a:defRPr>
       </a:lvl1pPr>
-      <a:lvl2pPr lvl="1" marR="0" rtl="0" algn="l">
+      <a:lvl2pPr marR="0" lvl="1" algn="l" rtl="0">
         <a:lnSpc>
           <a:spcPct val="100000"/>
         </a:lnSpc>
@@ -8901,7 +8838,7 @@
           <a:srgbClr val="000000"/>
         </a:buClr>
         <a:buFont typeface="Arial"/>
-        <a:defRPr b="0" i="0" sz="1400" u="none" cap="none" strike="noStrike">
+        <a:defRPr sz="1400" b="0" i="0" u="none" strike="noStrike" cap="none">
           <a:solidFill>
             <a:srgbClr val="000000"/>
           </a:solidFill>
@@ -8911,7 +8848,7 @@
           <a:sym typeface="Arial"/>
         </a:defRPr>
       </a:lvl2pPr>
-      <a:lvl3pPr lvl="2" marR="0" rtl="0" algn="l">
+      <a:lvl3pPr marR="0" lvl="2" algn="l" rtl="0">
         <a:lnSpc>
           <a:spcPct val="100000"/>
         </a:lnSpc>
@@ -8925,7 +8862,7 @@
           <a:srgbClr val="000000"/>
         </a:buClr>
         <a:buFont typeface="Arial"/>
-        <a:defRPr b="0" i="0" sz="1400" u="none" cap="none" strike="noStrike">
+        <a:defRPr sz="1400" b="0" i="0" u="none" strike="noStrike" cap="none">
           <a:solidFill>
             <a:srgbClr val="000000"/>
           </a:solidFill>
@@ -8935,7 +8872,7 @@
           <a:sym typeface="Arial"/>
         </a:defRPr>
       </a:lvl3pPr>
-      <a:lvl4pPr lvl="3" marR="0" rtl="0" algn="l">
+      <a:lvl4pPr marR="0" lvl="3" algn="l" rtl="0">
         <a:lnSpc>
           <a:spcPct val="100000"/>
         </a:lnSpc>
@@ -8949,7 +8886,7 @@
           <a:srgbClr val="000000"/>
         </a:buClr>
         <a:buFont typeface="Arial"/>
-        <a:defRPr b="0" i="0" sz="1400" u="none" cap="none" strike="noStrike">
+        <a:defRPr sz="1400" b="0" i="0" u="none" strike="noStrike" cap="none">
           <a:solidFill>
             <a:srgbClr val="000000"/>
           </a:solidFill>
@@ -8959,7 +8896,7 @@
           <a:sym typeface="Arial"/>
         </a:defRPr>
       </a:lvl4pPr>
-      <a:lvl5pPr lvl="4" marR="0" rtl="0" algn="l">
+      <a:lvl5pPr marR="0" lvl="4" algn="l" rtl="0">
         <a:lnSpc>
           <a:spcPct val="100000"/>
         </a:lnSpc>
@@ -8973,7 +8910,7 @@
           <a:srgbClr val="000000"/>
         </a:buClr>
         <a:buFont typeface="Arial"/>
-        <a:defRPr b="0" i="0" sz="1400" u="none" cap="none" strike="noStrike">
+        <a:defRPr sz="1400" b="0" i="0" u="none" strike="noStrike" cap="none">
           <a:solidFill>
             <a:srgbClr val="000000"/>
           </a:solidFill>
@@ -8983,7 +8920,7 @@
           <a:sym typeface="Arial"/>
         </a:defRPr>
       </a:lvl5pPr>
-      <a:lvl6pPr lvl="5" marR="0" rtl="0" algn="l">
+      <a:lvl6pPr marR="0" lvl="5" algn="l" rtl="0">
         <a:lnSpc>
           <a:spcPct val="100000"/>
         </a:lnSpc>
@@ -8997,7 +8934,7 @@
           <a:srgbClr val="000000"/>
         </a:buClr>
         <a:buFont typeface="Arial"/>
-        <a:defRPr b="0" i="0" sz="1400" u="none" cap="none" strike="noStrike">
+        <a:defRPr sz="1400" b="0" i="0" u="none" strike="noStrike" cap="none">
           <a:solidFill>
             <a:srgbClr val="000000"/>
           </a:solidFill>
@@ -9007,7 +8944,7 @@
           <a:sym typeface="Arial"/>
         </a:defRPr>
       </a:lvl6pPr>
-      <a:lvl7pPr lvl="6" marR="0" rtl="0" algn="l">
+      <a:lvl7pPr marR="0" lvl="6" algn="l" rtl="0">
         <a:lnSpc>
           <a:spcPct val="100000"/>
         </a:lnSpc>
@@ -9021,7 +8958,7 @@
           <a:srgbClr val="000000"/>
         </a:buClr>
         <a:buFont typeface="Arial"/>
-        <a:defRPr b="0" i="0" sz="1400" u="none" cap="none" strike="noStrike">
+        <a:defRPr sz="1400" b="0" i="0" u="none" strike="noStrike" cap="none">
           <a:solidFill>
             <a:srgbClr val="000000"/>
           </a:solidFill>
@@ -9031,7 +8968,7 @@
           <a:sym typeface="Arial"/>
         </a:defRPr>
       </a:lvl7pPr>
-      <a:lvl8pPr lvl="7" marR="0" rtl="0" algn="l">
+      <a:lvl8pPr marR="0" lvl="7" algn="l" rtl="0">
         <a:lnSpc>
           <a:spcPct val="100000"/>
         </a:lnSpc>
@@ -9045,7 +8982,7 @@
           <a:srgbClr val="000000"/>
         </a:buClr>
         <a:buFont typeface="Arial"/>
-        <a:defRPr b="0" i="0" sz="1400" u="none" cap="none" strike="noStrike">
+        <a:defRPr sz="1400" b="0" i="0" u="none" strike="noStrike" cap="none">
           <a:solidFill>
             <a:srgbClr val="000000"/>
           </a:solidFill>
@@ -9055,7 +8992,7 @@
           <a:sym typeface="Arial"/>
         </a:defRPr>
       </a:lvl8pPr>
-      <a:lvl9pPr lvl="8" marR="0" rtl="0" algn="l">
+      <a:lvl9pPr marR="0" lvl="8" algn="l" rtl="0">
         <a:lnSpc>
           <a:spcPct val="100000"/>
         </a:lnSpc>
@@ -9069,7 +9006,7 @@
           <a:srgbClr val="000000"/>
         </a:buClr>
         <a:buFont typeface="Arial"/>
-        <a:defRPr b="0" i="0" sz="1400" u="none" cap="none" strike="noStrike">
+        <a:defRPr sz="1400" b="0" i="0" u="none" strike="noStrike" cap="none">
           <a:solidFill>
             <a:srgbClr val="000000"/>
           </a:solidFill>
@@ -9081,7 +9018,7 @@
       </a:lvl9pPr>
     </p:bodyStyle>
     <p:otherStyle>
-      <a:defPPr lvl="0" marR="0" rtl="0" algn="l">
+      <a:defPPr marR="0" lvl="0" algn="l" rtl="0">
         <a:lnSpc>
           <a:spcPct val="100000"/>
         </a:lnSpc>
@@ -9092,7 +9029,7 @@
           <a:spcPts val="0"/>
         </a:spcAft>
       </a:defPPr>
-      <a:lvl1pPr lvl="0" marR="0" rtl="0" algn="l">
+      <a:lvl1pPr marR="0" lvl="0" algn="l" rtl="0">
         <a:lnSpc>
           <a:spcPct val="100000"/>
         </a:lnSpc>
@@ -9106,7 +9043,7 @@
           <a:srgbClr val="000000"/>
         </a:buClr>
         <a:buFont typeface="Arial"/>
-        <a:defRPr b="0" i="0" sz="1400" u="none" cap="none" strike="noStrike">
+        <a:defRPr sz="1400" b="0" i="0" u="none" strike="noStrike" cap="none">
           <a:solidFill>
             <a:srgbClr val="000000"/>
           </a:solidFill>
@@ -9116,7 +9053,7 @@
           <a:sym typeface="Arial"/>
         </a:defRPr>
       </a:lvl1pPr>
-      <a:lvl2pPr lvl="1" marR="0" rtl="0" algn="l">
+      <a:lvl2pPr marR="0" lvl="1" algn="l" rtl="0">
         <a:lnSpc>
           <a:spcPct val="100000"/>
         </a:lnSpc>
@@ -9130,7 +9067,7 @@
           <a:srgbClr val="000000"/>
         </a:buClr>
         <a:buFont typeface="Arial"/>
-        <a:defRPr b="0" i="0" sz="1400" u="none" cap="none" strike="noStrike">
+        <a:defRPr sz="1400" b="0" i="0" u="none" strike="noStrike" cap="none">
           <a:solidFill>
             <a:srgbClr val="000000"/>
           </a:solidFill>
@@ -9140,7 +9077,7 @@
           <a:sym typeface="Arial"/>
         </a:defRPr>
       </a:lvl2pPr>
-      <a:lvl3pPr lvl="2" marR="0" rtl="0" algn="l">
+      <a:lvl3pPr marR="0" lvl="2" algn="l" rtl="0">
         <a:lnSpc>
           <a:spcPct val="100000"/>
         </a:lnSpc>
@@ -9154,7 +9091,7 @@
           <a:srgbClr val="000000"/>
         </a:buClr>
         <a:buFont typeface="Arial"/>
-        <a:defRPr b="0" i="0" sz="1400" u="none" cap="none" strike="noStrike">
+        <a:defRPr sz="1400" b="0" i="0" u="none" strike="noStrike" cap="none">
           <a:solidFill>
             <a:srgbClr val="000000"/>
           </a:solidFill>
@@ -9164,7 +9101,7 @@
           <a:sym typeface="Arial"/>
         </a:defRPr>
       </a:lvl3pPr>
-      <a:lvl4pPr lvl="3" marR="0" rtl="0" algn="l">
+      <a:lvl4pPr marR="0" lvl="3" algn="l" rtl="0">
         <a:lnSpc>
           <a:spcPct val="100000"/>
         </a:lnSpc>
@@ -9178,7 +9115,7 @@
           <a:srgbClr val="000000"/>
         </a:buClr>
         <a:buFont typeface="Arial"/>
-        <a:defRPr b="0" i="0" sz="1400" u="none" cap="none" strike="noStrike">
+        <a:defRPr sz="1400" b="0" i="0" u="none" strike="noStrike" cap="none">
           <a:solidFill>
             <a:srgbClr val="000000"/>
           </a:solidFill>
@@ -9188,7 +9125,7 @@
           <a:sym typeface="Arial"/>
         </a:defRPr>
       </a:lvl4pPr>
-      <a:lvl5pPr lvl="4" marR="0" rtl="0" algn="l">
+      <a:lvl5pPr marR="0" lvl="4" algn="l" rtl="0">
         <a:lnSpc>
           <a:spcPct val="100000"/>
         </a:lnSpc>
@@ -9202,7 +9139,7 @@
           <a:srgbClr val="000000"/>
         </a:buClr>
         <a:buFont typeface="Arial"/>
-        <a:defRPr b="0" i="0" sz="1400" u="none" cap="none" strike="noStrike">
+        <a:defRPr sz="1400" b="0" i="0" u="none" strike="noStrike" cap="none">
           <a:solidFill>
             <a:srgbClr val="000000"/>
           </a:solidFill>
@@ -9212,7 +9149,7 @@
           <a:sym typeface="Arial"/>
         </a:defRPr>
       </a:lvl5pPr>
-      <a:lvl6pPr lvl="5" marR="0" rtl="0" algn="l">
+      <a:lvl6pPr marR="0" lvl="5" algn="l" rtl="0">
         <a:lnSpc>
           <a:spcPct val="100000"/>
         </a:lnSpc>
@@ -9226,7 +9163,7 @@
           <a:srgbClr val="000000"/>
         </a:buClr>
         <a:buFont typeface="Arial"/>
-        <a:defRPr b="0" i="0" sz="1400" u="none" cap="none" strike="noStrike">
+        <a:defRPr sz="1400" b="0" i="0" u="none" strike="noStrike" cap="none">
           <a:solidFill>
             <a:srgbClr val="000000"/>
           </a:solidFill>
@@ -9236,7 +9173,7 @@
           <a:sym typeface="Arial"/>
         </a:defRPr>
       </a:lvl6pPr>
-      <a:lvl7pPr lvl="6" marR="0" rtl="0" algn="l">
+      <a:lvl7pPr marR="0" lvl="6" algn="l" rtl="0">
         <a:lnSpc>
           <a:spcPct val="100000"/>
         </a:lnSpc>
@@ -9250,7 +9187,7 @@
           <a:srgbClr val="000000"/>
         </a:buClr>
         <a:buFont typeface="Arial"/>
-        <a:defRPr b="0" i="0" sz="1400" u="none" cap="none" strike="noStrike">
+        <a:defRPr sz="1400" b="0" i="0" u="none" strike="noStrike" cap="none">
           <a:solidFill>
             <a:srgbClr val="000000"/>
           </a:solidFill>
@@ -9260,7 +9197,7 @@
           <a:sym typeface="Arial"/>
         </a:defRPr>
       </a:lvl7pPr>
-      <a:lvl8pPr lvl="7" marR="0" rtl="0" algn="l">
+      <a:lvl8pPr marR="0" lvl="7" algn="l" rtl="0">
         <a:lnSpc>
           <a:spcPct val="100000"/>
         </a:lnSpc>
@@ -9274,7 +9211,7 @@
           <a:srgbClr val="000000"/>
         </a:buClr>
         <a:buFont typeface="Arial"/>
-        <a:defRPr b="0" i="0" sz="1400" u="none" cap="none" strike="noStrike">
+        <a:defRPr sz="1400" b="0" i="0" u="none" strike="noStrike" cap="none">
           <a:solidFill>
             <a:srgbClr val="000000"/>
           </a:solidFill>
@@ -9284,7 +9221,7 @@
           <a:sym typeface="Arial"/>
         </a:defRPr>
       </a:lvl8pPr>
-      <a:lvl9pPr lvl="8" marR="0" rtl="0" algn="l">
+      <a:lvl9pPr marR="0" lvl="8" algn="l" rtl="0">
         <a:lnSpc>
           <a:spcPct val="100000"/>
         </a:lnSpc>
@@ -9298,7 +9235,7 @@
           <a:srgbClr val="000000"/>
         </a:buClr>
         <a:buFont typeface="Arial"/>
-        <a:defRPr b="0" i="0" sz="1400" u="none" cap="none" strike="noStrike">
+        <a:defRPr sz="1400" b="0" i="0" u="none" strike="noStrike" cap="none">
           <a:solidFill>
             <a:srgbClr val="000000"/>
           </a:solidFill>
@@ -9314,18 +9251,19 @@
 </file>
 
 <file path=ppt/slides/slide1.xml><?xml version="1.0" encoding="utf-8"?>
-<p:sld xmlns:a="http://schemas.openxmlformats.org/drawingml/2006/main" xmlns:r="http://schemas.openxmlformats.org/officeDocument/2006/relationships" xmlns:mc="http://schemas.openxmlformats.org/markup-compatibility/2006" xmlns:mv="urn:schemas-microsoft-com:mac:vml" xmlns:p="http://schemas.openxmlformats.org/presentationml/2006/main" xmlns:c="http://schemas.openxmlformats.org/drawingml/2006/chart" xmlns:dgm="http://schemas.openxmlformats.org/drawingml/2006/diagram" xmlns:o="urn:schemas-microsoft-com:office:office" xmlns:v="urn:schemas-microsoft-com:vml" xmlns:pvml="urn:schemas-microsoft-com:office:powerpoint" xmlns:com="http://schemas.openxmlformats.org/drawingml/2006/compatibility" xmlns:p14="http://schemas.microsoft.com/office/powerpoint/2010/main" xmlns:p15="http://schemas.microsoft.com/office/powerpoint/2012/main" xmlns:ahyp="http://schemas.microsoft.com/office/drawing/2018/hyperlinkcolor">
+<p:sld xmlns:a="http://schemas.openxmlformats.org/drawingml/2006/main" xmlns:r="http://schemas.openxmlformats.org/officeDocument/2006/relationships" xmlns:p="http://schemas.openxmlformats.org/presentationml/2006/main">
   <p:cSld>
     <p:bg>
       <p:bgPr>
         <a:solidFill>
           <a:schemeClr val="lt1"/>
         </a:solidFill>
+        <a:effectLst/>
       </p:bgPr>
     </p:bg>
     <p:spTree>
       <p:nvGrpSpPr>
-        <p:cNvPr id="133" name="Shape 133"/>
+        <p:cNvPr id="1" name="Shape 133"/>
         <p:cNvGrpSpPr/>
         <p:nvPr/>
       </p:nvGrpSpPr>
@@ -9364,7 +9302,7 @@
             </a:xfrm>
             <a:prstGeom prst="roundRect">
               <a:avLst>
-                <a:gd fmla="val 16667" name="adj"/>
+                <a:gd name="adj" fmla="val 16667"/>
               </a:avLst>
             </a:prstGeom>
             <a:solidFill>
@@ -9375,12 +9313,12 @@
             </a:ln>
           </p:spPr>
           <p:txBody>
-            <a:bodyPr anchorCtr="0" anchor="ctr" bIns="91425" lIns="91425" spcFirstLastPara="1" rIns="91425" wrap="square" tIns="91425">
+            <a:bodyPr spcFirstLastPara="1" wrap="square" lIns="91425" tIns="91425" rIns="91425" bIns="91425" anchor="ctr" anchorCtr="0">
               <a:noAutofit/>
             </a:bodyPr>
             <a:lstStyle/>
             <a:p>
-              <a:pPr indent="0" lvl="0" marL="0" rtl="0" algn="l">
+              <a:pPr marL="0" lvl="0" indent="0" algn="l" rtl="0">
                 <a:spcBef>
                   <a:spcPts val="0"/>
                 </a:spcBef>
@@ -9389,9 +9327,6 @@
                 </a:spcAft>
                 <a:buNone/>
               </a:pPr>
-              <a:r>
-                <a:t/>
-              </a:r>
               <a:endParaRPr/>
             </a:p>
           </p:txBody>
@@ -9416,12 +9351,12 @@
             </a:ln>
           </p:spPr>
           <p:txBody>
-            <a:bodyPr anchorCtr="0" anchor="t" bIns="91425" lIns="91425" spcFirstLastPara="1" rIns="91425" wrap="square" tIns="91425">
+            <a:bodyPr spcFirstLastPara="1" wrap="square" lIns="91425" tIns="91425" rIns="91425" bIns="91425" anchor="t" anchorCtr="0">
               <a:spAutoFit/>
             </a:bodyPr>
             <a:lstStyle/>
             <a:p>
-              <a:pPr indent="0" lvl="0" marL="0" rtl="0" algn="l">
+              <a:pPr marL="0" lvl="0" indent="0" algn="l" rtl="0">
                 <a:spcBef>
                   <a:spcPts val="0"/>
                 </a:spcBef>
@@ -9431,7 +9366,7 @@
                 <a:buNone/>
               </a:pPr>
               <a:r>
-                <a:rPr b="1" lang="en" sz="2200">
+                <a:rPr lang="en" sz="2200" b="1">
                   <a:solidFill>
                     <a:srgbClr val="FFFFFF"/>
                   </a:solidFill>
@@ -9440,21 +9375,9 @@
                   <a:cs typeface="Lato"/>
                   <a:sym typeface="Lato"/>
                 </a:rPr>
-                <a:t>Orchard </a:t>
+                <a:t>Orchard Harvest</a:t>
               </a:r>
-              <a:r>
-                <a:rPr b="1" lang="en" sz="2200">
-                  <a:solidFill>
-                    <a:srgbClr val="FFFFFF"/>
-                  </a:solidFill>
-                  <a:latin typeface="Lato"/>
-                  <a:ea typeface="Lato"/>
-                  <a:cs typeface="Lato"/>
-                  <a:sym typeface="Lato"/>
-                </a:rPr>
-                <a:t>Harvest</a:t>
-              </a:r>
-              <a:endParaRPr b="1" sz="2200">
+              <a:endParaRPr sz="2200" b="1">
                 <a:solidFill>
                   <a:srgbClr val="FFFFFF"/>
                 </a:solidFill>
@@ -9502,12 +9425,12 @@
               </a:ln>
             </p:spPr>
             <p:txBody>
-              <a:bodyPr anchorCtr="0" anchor="ctr" bIns="91425" lIns="91425" spcFirstLastPara="1" rIns="91425" wrap="square" tIns="91425">
+              <a:bodyPr spcFirstLastPara="1" wrap="square" lIns="91425" tIns="91425" rIns="91425" bIns="91425" anchor="ctr" anchorCtr="0">
                 <a:noAutofit/>
               </a:bodyPr>
               <a:lstStyle/>
               <a:p>
-                <a:pPr indent="0" lvl="0" marL="0" rtl="0" algn="l">
+                <a:pPr marL="0" lvl="0" indent="0" algn="l" rtl="0">
                   <a:spcBef>
                     <a:spcPts val="0"/>
                   </a:spcBef>
@@ -9516,9 +9439,6 @@
                   </a:spcAft>
                   <a:buNone/>
                 </a:pPr>
-                <a:r>
-                  <a:t/>
-                </a:r>
                 <a:endParaRPr/>
               </a:p>
             </p:txBody>
@@ -9556,7 +9476,9 @@
       <p:sp>
         <p:nvSpPr>
           <p:cNvPr id="140" name="Google Shape;140;p13"/>
-          <p:cNvSpPr txBox="1"/>
+          <p:cNvSpPr txBox="1">
+            <a:spLocks noGrp="1"/>
+          </p:cNvSpPr>
           <p:nvPr>
             <p:ph type="ctrTitle"/>
           </p:nvPr>
@@ -9572,12 +9494,12 @@
           <a:noFill/>
         </p:spPr>
         <p:txBody>
-          <a:bodyPr anchorCtr="0" anchor="t" bIns="91425" lIns="91425" spcFirstLastPara="1" rIns="91425" wrap="square" tIns="91425">
+          <a:bodyPr spcFirstLastPara="1" wrap="square" lIns="91425" tIns="91425" rIns="91425" bIns="91425" anchor="t" anchorCtr="0">
             <a:normAutofit/>
           </a:bodyPr>
           <a:lstStyle/>
           <a:p>
-            <a:pPr indent="0" lvl="0" marL="0" rtl="0" algn="l">
+            <a:pPr marL="0" lvl="0" indent="0" algn="l" rtl="0">
               <a:spcBef>
                 <a:spcPts val="0"/>
               </a:spcBef>
@@ -9587,14 +9509,14 @@
               <a:buNone/>
             </a:pPr>
             <a:r>
-              <a:rPr lang="en">
+              <a:rPr lang="en" dirty="0">
                 <a:solidFill>
                   <a:srgbClr val="41B670"/>
                 </a:solidFill>
               </a:rPr>
               <a:t>Session Title</a:t>
             </a:r>
-            <a:endParaRPr>
+            <a:endParaRPr dirty="0">
               <a:solidFill>
                 <a:srgbClr val="41B670"/>
               </a:solidFill>
@@ -9605,14 +9527,16 @@
       <p:sp>
         <p:nvSpPr>
           <p:cNvPr id="141" name="Google Shape;141;p13"/>
-          <p:cNvSpPr txBox="1"/>
+          <p:cNvSpPr txBox="1">
+            <a:spLocks noGrp="1"/>
+          </p:cNvSpPr>
           <p:nvPr>
-            <p:ph idx="1" type="subTitle"/>
+            <p:ph type="subTitle" idx="1"/>
           </p:nvPr>
         </p:nvSpPr>
         <p:spPr>
           <a:xfrm>
-            <a:off x="4555684" y="3097025"/>
+            <a:off x="4553370" y="3477738"/>
             <a:ext cx="4185300" cy="506100"/>
           </a:xfrm>
           <a:prstGeom prst="rect">
@@ -9620,12 +9544,12 @@
           </a:prstGeom>
         </p:spPr>
         <p:txBody>
-          <a:bodyPr anchorCtr="0" anchor="t" bIns="91425" lIns="91425" spcFirstLastPara="1" rIns="91425" wrap="square" tIns="91425">
+          <a:bodyPr spcFirstLastPara="1" wrap="square" lIns="91425" tIns="91425" rIns="91425" bIns="91425" anchor="t" anchorCtr="0">
             <a:normAutofit/>
           </a:bodyPr>
           <a:lstStyle/>
           <a:p>
-            <a:pPr indent="0" lvl="0" marL="0" rtl="0" algn="l">
+            <a:pPr marL="0" lvl="0" indent="0" algn="l" rtl="0">
               <a:spcBef>
                 <a:spcPts val="0"/>
               </a:spcBef>
@@ -9635,14 +9559,14 @@
               <a:buNone/>
             </a:pPr>
             <a:r>
-              <a:rPr lang="en" sz="1800">
+              <a:rPr lang="en" sz="1800" dirty="0">
                 <a:solidFill>
                   <a:schemeClr val="dk1"/>
                 </a:solidFill>
               </a:rPr>
               <a:t>Jon Doe</a:t>
             </a:r>
-            <a:endParaRPr sz="1800">
+            <a:endParaRPr sz="1800" dirty="0">
               <a:solidFill>
                 <a:schemeClr val="dk1"/>
               </a:solidFill>
@@ -9666,7 +9590,7 @@
         </p:blipFill>
         <p:spPr>
           <a:xfrm>
-            <a:off x="3454234" y="2713538"/>
+            <a:off x="3451920" y="3094251"/>
             <a:ext cx="1174375" cy="1148876"/>
           </a:xfrm>
           <a:prstGeom prst="rect">
@@ -9680,55 +9604,307 @@
       </p:pic>
       <p:sp>
         <p:nvSpPr>
-          <p:cNvPr id="143" name="Google Shape;143;p13"/>
-          <p:cNvSpPr txBox="1"/>
-          <p:nvPr>
-            <p:ph type="ctrTitle"/>
-          </p:nvPr>
+          <p:cNvPr id="4" name="Google Shape;296;p24">
+            <a:extLst>
+              <a:ext uri="{FF2B5EF4-FFF2-40B4-BE49-F238E27FC236}">
+                <a16:creationId xmlns:a16="http://schemas.microsoft.com/office/drawing/2014/main" id="{B5F4F464-EBEE-557A-9846-D9086F852107}"/>
+              </a:ext>
+            </a:extLst>
+          </p:cNvPr>
+          <p:cNvSpPr txBox="1">
+            <a:spLocks/>
+          </p:cNvSpPr>
+          <p:nvPr/>
         </p:nvSpPr>
         <p:spPr>
           <a:xfrm>
-            <a:off x="3537150" y="124200"/>
-            <a:ext cx="5520300" cy="1578900"/>
+            <a:off x="5022649" y="309926"/>
+            <a:ext cx="3931676" cy="1081748"/>
           </a:xfrm>
           <a:prstGeom prst="rect">
             <a:avLst/>
           </a:prstGeom>
           <a:noFill/>
+          <a:ln>
+            <a:noFill/>
+          </a:ln>
         </p:spPr>
         <p:txBody>
-          <a:bodyPr anchorCtr="0" anchor="t" bIns="91425" lIns="91425" spcFirstLastPara="1" rIns="91425" wrap="square" tIns="91425">
+          <a:bodyPr spcFirstLastPara="1" wrap="square" lIns="91425" tIns="91425" rIns="91425" bIns="91425" anchor="t" anchorCtr="0">
             <a:normAutofit/>
           </a:bodyPr>
-          <a:lstStyle/>
+          <a:lstStyle>
+            <a:defPPr marR="0" lvl="0" algn="l" rtl="0">
+              <a:lnSpc>
+                <a:spcPct val="100000"/>
+              </a:lnSpc>
+              <a:spcBef>
+                <a:spcPts val="0"/>
+              </a:spcBef>
+              <a:spcAft>
+                <a:spcPts val="0"/>
+              </a:spcAft>
+            </a:defPPr>
+            <a:lvl1pPr marR="0" lvl="0" algn="l" rtl="0">
+              <a:lnSpc>
+                <a:spcPct val="100000"/>
+              </a:lnSpc>
+              <a:spcBef>
+                <a:spcPts val="0"/>
+              </a:spcBef>
+              <a:spcAft>
+                <a:spcPts val="0"/>
+              </a:spcAft>
+              <a:buClr>
+                <a:schemeClr val="lt1"/>
+              </a:buClr>
+              <a:buSzPts val="2800"/>
+              <a:buFont typeface="Montserrat"/>
+              <a:buNone/>
+              <a:defRPr sz="2800" b="0" i="0" u="none" strike="noStrike" cap="none">
+                <a:solidFill>
+                  <a:schemeClr val="lt1"/>
+                </a:solidFill>
+                <a:latin typeface="Montserrat"/>
+                <a:ea typeface="Montserrat"/>
+                <a:cs typeface="Montserrat"/>
+                <a:sym typeface="Montserrat"/>
+              </a:defRPr>
+            </a:lvl1pPr>
+            <a:lvl2pPr marR="0" lvl="1" algn="l" rtl="0">
+              <a:lnSpc>
+                <a:spcPct val="100000"/>
+              </a:lnSpc>
+              <a:spcBef>
+                <a:spcPts val="0"/>
+              </a:spcBef>
+              <a:spcAft>
+                <a:spcPts val="0"/>
+              </a:spcAft>
+              <a:buClr>
+                <a:schemeClr val="lt1"/>
+              </a:buClr>
+              <a:buSzPts val="2800"/>
+              <a:buFont typeface="Montserrat"/>
+              <a:buNone/>
+              <a:defRPr sz="2800" b="0" i="0" u="none" strike="noStrike" cap="none">
+                <a:solidFill>
+                  <a:schemeClr val="lt1"/>
+                </a:solidFill>
+                <a:latin typeface="Montserrat"/>
+                <a:ea typeface="Montserrat"/>
+                <a:cs typeface="Montserrat"/>
+                <a:sym typeface="Montserrat"/>
+              </a:defRPr>
+            </a:lvl2pPr>
+            <a:lvl3pPr marR="0" lvl="2" algn="l" rtl="0">
+              <a:lnSpc>
+                <a:spcPct val="100000"/>
+              </a:lnSpc>
+              <a:spcBef>
+                <a:spcPts val="0"/>
+              </a:spcBef>
+              <a:spcAft>
+                <a:spcPts val="0"/>
+              </a:spcAft>
+              <a:buClr>
+                <a:schemeClr val="lt1"/>
+              </a:buClr>
+              <a:buSzPts val="2800"/>
+              <a:buFont typeface="Montserrat"/>
+              <a:buNone/>
+              <a:defRPr sz="2800" b="0" i="0" u="none" strike="noStrike" cap="none">
+                <a:solidFill>
+                  <a:schemeClr val="lt1"/>
+                </a:solidFill>
+                <a:latin typeface="Montserrat"/>
+                <a:ea typeface="Montserrat"/>
+                <a:cs typeface="Montserrat"/>
+                <a:sym typeface="Montserrat"/>
+              </a:defRPr>
+            </a:lvl3pPr>
+            <a:lvl4pPr marR="0" lvl="3" algn="l" rtl="0">
+              <a:lnSpc>
+                <a:spcPct val="100000"/>
+              </a:lnSpc>
+              <a:spcBef>
+                <a:spcPts val="0"/>
+              </a:spcBef>
+              <a:spcAft>
+                <a:spcPts val="0"/>
+              </a:spcAft>
+              <a:buClr>
+                <a:schemeClr val="lt1"/>
+              </a:buClr>
+              <a:buSzPts val="2800"/>
+              <a:buFont typeface="Montserrat"/>
+              <a:buNone/>
+              <a:defRPr sz="2800" b="0" i="0" u="none" strike="noStrike" cap="none">
+                <a:solidFill>
+                  <a:schemeClr val="lt1"/>
+                </a:solidFill>
+                <a:latin typeface="Montserrat"/>
+                <a:ea typeface="Montserrat"/>
+                <a:cs typeface="Montserrat"/>
+                <a:sym typeface="Montserrat"/>
+              </a:defRPr>
+            </a:lvl4pPr>
+            <a:lvl5pPr marR="0" lvl="4" algn="l" rtl="0">
+              <a:lnSpc>
+                <a:spcPct val="100000"/>
+              </a:lnSpc>
+              <a:spcBef>
+                <a:spcPts val="0"/>
+              </a:spcBef>
+              <a:spcAft>
+                <a:spcPts val="0"/>
+              </a:spcAft>
+              <a:buClr>
+                <a:schemeClr val="lt1"/>
+              </a:buClr>
+              <a:buSzPts val="2800"/>
+              <a:buFont typeface="Montserrat"/>
+              <a:buNone/>
+              <a:defRPr sz="2800" b="0" i="0" u="none" strike="noStrike" cap="none">
+                <a:solidFill>
+                  <a:schemeClr val="lt1"/>
+                </a:solidFill>
+                <a:latin typeface="Montserrat"/>
+                <a:ea typeface="Montserrat"/>
+                <a:cs typeface="Montserrat"/>
+                <a:sym typeface="Montserrat"/>
+              </a:defRPr>
+            </a:lvl5pPr>
+            <a:lvl6pPr marR="0" lvl="5" algn="l" rtl="0">
+              <a:lnSpc>
+                <a:spcPct val="100000"/>
+              </a:lnSpc>
+              <a:spcBef>
+                <a:spcPts val="0"/>
+              </a:spcBef>
+              <a:spcAft>
+                <a:spcPts val="0"/>
+              </a:spcAft>
+              <a:buClr>
+                <a:schemeClr val="lt1"/>
+              </a:buClr>
+              <a:buSzPts val="2800"/>
+              <a:buFont typeface="Montserrat"/>
+              <a:buNone/>
+              <a:defRPr sz="2800" b="0" i="0" u="none" strike="noStrike" cap="none">
+                <a:solidFill>
+                  <a:schemeClr val="lt1"/>
+                </a:solidFill>
+                <a:latin typeface="Montserrat"/>
+                <a:ea typeface="Montserrat"/>
+                <a:cs typeface="Montserrat"/>
+                <a:sym typeface="Montserrat"/>
+              </a:defRPr>
+            </a:lvl6pPr>
+            <a:lvl7pPr marR="0" lvl="6" algn="l" rtl="0">
+              <a:lnSpc>
+                <a:spcPct val="100000"/>
+              </a:lnSpc>
+              <a:spcBef>
+                <a:spcPts val="0"/>
+              </a:spcBef>
+              <a:spcAft>
+                <a:spcPts val="0"/>
+              </a:spcAft>
+              <a:buClr>
+                <a:schemeClr val="lt1"/>
+              </a:buClr>
+              <a:buSzPts val="2800"/>
+              <a:buFont typeface="Montserrat"/>
+              <a:buNone/>
+              <a:defRPr sz="2800" b="0" i="0" u="none" strike="noStrike" cap="none">
+                <a:solidFill>
+                  <a:schemeClr val="lt1"/>
+                </a:solidFill>
+                <a:latin typeface="Montserrat"/>
+                <a:ea typeface="Montserrat"/>
+                <a:cs typeface="Montserrat"/>
+                <a:sym typeface="Montserrat"/>
+              </a:defRPr>
+            </a:lvl7pPr>
+            <a:lvl8pPr marR="0" lvl="7" algn="l" rtl="0">
+              <a:lnSpc>
+                <a:spcPct val="100000"/>
+              </a:lnSpc>
+              <a:spcBef>
+                <a:spcPts val="0"/>
+              </a:spcBef>
+              <a:spcAft>
+                <a:spcPts val="0"/>
+              </a:spcAft>
+              <a:buClr>
+                <a:schemeClr val="lt1"/>
+              </a:buClr>
+              <a:buSzPts val="2800"/>
+              <a:buFont typeface="Montserrat"/>
+              <a:buNone/>
+              <a:defRPr sz="2800" b="0" i="0" u="none" strike="noStrike" cap="none">
+                <a:solidFill>
+                  <a:schemeClr val="lt1"/>
+                </a:solidFill>
+                <a:latin typeface="Montserrat"/>
+                <a:ea typeface="Montserrat"/>
+                <a:cs typeface="Montserrat"/>
+                <a:sym typeface="Montserrat"/>
+              </a:defRPr>
+            </a:lvl8pPr>
+            <a:lvl9pPr marR="0" lvl="8" algn="l" rtl="0">
+              <a:lnSpc>
+                <a:spcPct val="100000"/>
+              </a:lnSpc>
+              <a:spcBef>
+                <a:spcPts val="0"/>
+              </a:spcBef>
+              <a:spcAft>
+                <a:spcPts val="0"/>
+              </a:spcAft>
+              <a:buClr>
+                <a:schemeClr val="lt1"/>
+              </a:buClr>
+              <a:buSzPts val="2800"/>
+              <a:buFont typeface="Montserrat"/>
+              <a:buNone/>
+              <a:defRPr sz="2800" b="0" i="0" u="none" strike="noStrike" cap="none">
+                <a:solidFill>
+                  <a:schemeClr val="lt1"/>
+                </a:solidFill>
+                <a:latin typeface="Montserrat"/>
+                <a:ea typeface="Montserrat"/>
+                <a:cs typeface="Montserrat"/>
+                <a:sym typeface="Montserrat"/>
+              </a:defRPr>
+            </a:lvl9pPr>
+          </a:lstStyle>
           <a:p>
-            <a:pPr indent="0" lvl="0" marL="0" rtl="0" algn="r">
-              <a:spcBef>
-                <a:spcPts val="0"/>
-              </a:spcBef>
-              <a:spcAft>
-                <a:spcPts val="0"/>
-              </a:spcAft>
+            <a:pPr algn="r">
               <a:buSzPts val="990"/>
-              <a:buNone/>
             </a:pPr>
             <a:r>
-              <a:rPr b="1" lang="en" sz="2600"/>
+              <a:rPr lang="hu-HU" sz="2600" b="1">
+                <a:solidFill>
+                  <a:srgbClr val="41B670"/>
+                </a:solidFill>
+              </a:rPr>
               <a:t>ORCHARD HARVEST</a:t>
             </a:r>
             <a:r>
-              <a:rPr lang="en" sz="2600"/>
+              <a:rPr lang="hu-HU" sz="2600"/>
               <a:t>     </a:t>
             </a:r>
             <a:r>
-              <a:rPr lang="en" sz="2600">
+              <a:rPr lang="hu-HU" sz="2600">
                 <a:solidFill>
                   <a:schemeClr val="dk1"/>
                 </a:solidFill>
               </a:rPr>
               <a:t>Conference 2003</a:t>
             </a:r>
-            <a:endParaRPr sz="2600">
+            <a:endParaRPr lang="hu-HU" sz="2600" dirty="0">
               <a:solidFill>
                 <a:schemeClr val="dk1"/>
               </a:solidFill>
@@ -9745,11 +9921,11 @@
 </file>
 
 <file path=ppt/slides/slide2.xml><?xml version="1.0" encoding="utf-8"?>
-<p:sld xmlns:a="http://schemas.openxmlformats.org/drawingml/2006/main" xmlns:r="http://schemas.openxmlformats.org/officeDocument/2006/relationships" xmlns:mc="http://schemas.openxmlformats.org/markup-compatibility/2006" xmlns:mv="urn:schemas-microsoft-com:mac:vml" xmlns:p="http://schemas.openxmlformats.org/presentationml/2006/main" xmlns:c="http://schemas.openxmlformats.org/drawingml/2006/chart" xmlns:dgm="http://schemas.openxmlformats.org/drawingml/2006/diagram" xmlns:o="urn:schemas-microsoft-com:office:office" xmlns:v="urn:schemas-microsoft-com:vml" xmlns:pvml="urn:schemas-microsoft-com:office:powerpoint" xmlns:com="http://schemas.openxmlformats.org/drawingml/2006/compatibility" xmlns:p14="http://schemas.microsoft.com/office/powerpoint/2010/main" xmlns:p15="http://schemas.microsoft.com/office/powerpoint/2012/main" xmlns:ahyp="http://schemas.microsoft.com/office/drawing/2018/hyperlinkcolor">
+<p:sld xmlns:a="http://schemas.openxmlformats.org/drawingml/2006/main" xmlns:r="http://schemas.openxmlformats.org/officeDocument/2006/relationships" xmlns:p="http://schemas.openxmlformats.org/presentationml/2006/main">
   <p:cSld>
     <p:spTree>
       <p:nvGrpSpPr>
-        <p:cNvPr id="147" name="Shape 147"/>
+        <p:cNvPr id="1" name="Shape 287"/>
         <p:cNvGrpSpPr/>
         <p:nvPr/>
       </p:nvGrpSpPr>
@@ -9763,8 +9939,10 @@
       </p:grpSpPr>
       <p:sp>
         <p:nvSpPr>
-          <p:cNvPr id="148" name="Google Shape;148;p14"/>
-          <p:cNvSpPr txBox="1"/>
+          <p:cNvPr id="288" name="Google Shape;288;p24"/>
+          <p:cNvSpPr txBox="1">
+            <a:spLocks noGrp="1"/>
+          </p:cNvSpPr>
           <p:nvPr>
             <p:ph type="title"/>
           </p:nvPr>
@@ -9772,19 +9950,19 @@
         <p:spPr>
           <a:xfrm>
             <a:off x="1297500" y="393750"/>
-            <a:ext cx="7038900" cy="914100"/>
+            <a:ext cx="4003370" cy="914100"/>
           </a:xfrm>
           <a:prstGeom prst="rect">
             <a:avLst/>
           </a:prstGeom>
         </p:spPr>
         <p:txBody>
-          <a:bodyPr anchorCtr="0" anchor="t" bIns="91425" lIns="91425" spcFirstLastPara="1" rIns="91425" wrap="square" tIns="91425">
-            <a:normAutofit/>
+          <a:bodyPr spcFirstLastPara="1" wrap="square" lIns="91425" tIns="91425" rIns="91425" bIns="91425" anchor="t" anchorCtr="0">
+            <a:noAutofit/>
           </a:bodyPr>
           <a:lstStyle/>
           <a:p>
-            <a:pPr indent="0" lvl="0" marL="0" rtl="0" algn="l">
+            <a:pPr marL="0" lvl="0" indent="0" algn="l" rtl="0">
               <a:spcBef>
                 <a:spcPts val="0"/>
               </a:spcBef>
@@ -9794,10 +9972,10 @@
               <a:buNone/>
             </a:pPr>
             <a:r>
-              <a:rPr lang="en"/>
-              <a:t>About Me</a:t>
+              <a:rPr lang="en-US" dirty="0"/>
+              <a:t>Slide Title</a:t>
             </a:r>
-            <a:endParaRPr>
+            <a:endParaRPr dirty="0">
               <a:solidFill>
                 <a:schemeClr val="dk1"/>
               </a:solidFill>
@@ -9807,76 +9985,90 @@
       </p:sp>
       <p:sp>
         <p:nvSpPr>
-          <p:cNvPr id="149" name="Google Shape;149;p14"/>
-          <p:cNvSpPr txBox="1"/>
+          <p:cNvPr id="289" name="Google Shape;289;p24"/>
+          <p:cNvSpPr txBox="1">
+            <a:spLocks noGrp="1"/>
+          </p:cNvSpPr>
           <p:nvPr>
-            <p:ph idx="1" type="body"/>
+            <p:ph type="body" idx="1"/>
           </p:nvPr>
         </p:nvSpPr>
         <p:spPr>
           <a:xfrm>
             <a:off x="1297500" y="1567550"/>
-            <a:ext cx="7038900" cy="2911200"/>
+            <a:ext cx="7563300" cy="2911200"/>
           </a:xfrm>
           <a:prstGeom prst="rect">
             <a:avLst/>
           </a:prstGeom>
         </p:spPr>
         <p:txBody>
-          <a:bodyPr anchorCtr="0" anchor="t" bIns="91425" lIns="91425" spcFirstLastPara="1" rIns="91425" wrap="square" tIns="91425">
+          <a:bodyPr spcFirstLastPara="1" wrap="square" lIns="91425" tIns="91425" rIns="91425" bIns="91425" anchor="t" anchorCtr="0">
             <a:normAutofit/>
           </a:bodyPr>
           <a:lstStyle/>
           <a:p>
-            <a:pPr indent="0" lvl="0" marL="0" rtl="0" algn="l">
-              <a:spcBef>
-                <a:spcPts val="0"/>
-              </a:spcBef>
-              <a:spcAft>
-                <a:spcPts val="0"/>
-              </a:spcAft>
-              <a:buNone/>
+            <a:pPr marL="457200" lvl="0" indent="-317500" algn="l" rtl="0">
+              <a:lnSpc>
+                <a:spcPct val="150000"/>
+              </a:lnSpc>
+              <a:spcBef>
+                <a:spcPts val="0"/>
+              </a:spcBef>
+              <a:spcAft>
+                <a:spcPts val="0"/>
+              </a:spcAft>
+              <a:buClr>
+                <a:srgbClr val="41B670"/>
+              </a:buClr>
+              <a:buSzPts val="1400"/>
+              <a:buChar char="●"/>
             </a:pPr>
             <a:r>
-              <a:rPr b="1" lang="en" sz="1600">
-                <a:solidFill>
-                  <a:srgbClr val="41B670"/>
-                </a:solidFill>
-              </a:rPr>
-              <a:t>JON DOE</a:t>
-            </a:r>
-            <a:endParaRPr b="1" sz="1600">
-              <a:solidFill>
-                <a:srgbClr val="41B670"/>
-              </a:solidFill>
-            </a:endParaRPr>
-          </a:p>
-          <a:p>
-            <a:pPr indent="0" lvl="0" marL="0" rtl="0" algn="l">
-              <a:spcBef>
-                <a:spcPts val="1200"/>
-              </a:spcBef>
-              <a:spcAft>
-                <a:spcPts val="0"/>
-              </a:spcAft>
-              <a:buNone/>
-            </a:pPr>
-            <a:r>
-              <a:rPr lang="en" sz="1600">
+              <a:rPr lang="en-US" sz="2000" dirty="0">
                 <a:solidFill>
                   <a:schemeClr val="dk1"/>
                 </a:solidFill>
               </a:rPr>
-              <a:t>Job Title</a:t>
+              <a:t>Talking point 1</a:t>
             </a:r>
-            <a:endParaRPr sz="1600">
+          </a:p>
+          <a:p>
+            <a:pPr marL="457200" lvl="0" indent="-317500" algn="l" rtl="0">
+              <a:lnSpc>
+                <a:spcPct val="150000"/>
+              </a:lnSpc>
+              <a:spcBef>
+                <a:spcPts val="0"/>
+              </a:spcBef>
+              <a:spcAft>
+                <a:spcPts val="0"/>
+              </a:spcAft>
+              <a:buClr>
+                <a:srgbClr val="41B670"/>
+              </a:buClr>
+              <a:buSzPts val="1400"/>
+              <a:buChar char="●"/>
+            </a:pPr>
+            <a:r>
+              <a:rPr lang="en-US" sz="2000" dirty="0">
+                <a:solidFill>
+                  <a:schemeClr val="dk1"/>
+                </a:solidFill>
+              </a:rPr>
+              <a:t>Talking point 2</a:t>
+            </a:r>
+            <a:endParaRPr sz="2000" dirty="0">
               <a:solidFill>
                 <a:schemeClr val="dk1"/>
               </a:solidFill>
             </a:endParaRPr>
           </a:p>
           <a:p>
-            <a:pPr indent="0" lvl="0" marL="0" rtl="0" algn="l">
+            <a:pPr marL="0" lvl="0" indent="0" algn="l" rtl="0">
+              <a:lnSpc>
+                <a:spcPct val="150000"/>
+              </a:lnSpc>
               <a:spcBef>
                 <a:spcPts val="1200"/>
               </a:spcBef>
@@ -9885,125 +10077,26 @@
               </a:spcAft>
               <a:buNone/>
             </a:pPr>
-            <a:r>
-              <a:t/>
-            </a:r>
-            <a:endParaRPr b="1" sz="1600">
+            <a:endParaRPr sz="2000" dirty="0">
               <a:solidFill>
                 <a:schemeClr val="dk1"/>
               </a:solidFill>
             </a:endParaRPr>
           </a:p>
           <a:p>
-            <a:pPr indent="0" lvl="0" marL="0" rtl="0" algn="l">
+            <a:pPr marL="0" lvl="0" indent="0" algn="l" rtl="0">
+              <a:lnSpc>
+                <a:spcPct val="150000"/>
+              </a:lnSpc>
               <a:spcBef>
                 <a:spcPts val="1200"/>
               </a:spcBef>
               <a:spcAft>
-                <a:spcPts val="0"/>
+                <a:spcPts val="1200"/>
               </a:spcAft>
               <a:buNone/>
             </a:pPr>
-            <a:r>
-              <a:t/>
-            </a:r>
-            <a:endParaRPr b="1" sz="1600">
-              <a:solidFill>
-                <a:schemeClr val="dk1"/>
-              </a:solidFill>
-            </a:endParaRPr>
-          </a:p>
-          <a:p>
-            <a:pPr indent="0" lvl="0" marL="0" rtl="0" algn="l">
-              <a:spcBef>
-                <a:spcPts val="1200"/>
-              </a:spcBef>
-              <a:spcAft>
-                <a:spcPts val="0"/>
-              </a:spcAft>
-              <a:buNone/>
-            </a:pPr>
-            <a:r>
-              <a:rPr b="1" lang="en">
-                <a:solidFill>
-                  <a:schemeClr val="dk1"/>
-                </a:solidFill>
-              </a:rPr>
-              <a:t>Website:</a:t>
-            </a:r>
-            <a:r>
-              <a:rPr lang="en">
-                <a:solidFill>
-                  <a:schemeClr val="dk1"/>
-                </a:solidFill>
-              </a:rPr>
-              <a:t> http://www.jdoe.com</a:t>
-            </a:r>
-            <a:endParaRPr>
-              <a:solidFill>
-                <a:schemeClr val="dk1"/>
-              </a:solidFill>
-            </a:endParaRPr>
-          </a:p>
-          <a:p>
-            <a:pPr indent="0" lvl="0" marL="0" rtl="0" algn="l">
-              <a:spcBef>
-                <a:spcPts val="1200"/>
-              </a:spcBef>
-              <a:spcAft>
-                <a:spcPts val="0"/>
-              </a:spcAft>
-              <a:buNone/>
-            </a:pPr>
-            <a:r>
-              <a:rPr b="1" lang="en">
-                <a:solidFill>
-                  <a:schemeClr val="dk1"/>
-                </a:solidFill>
-              </a:rPr>
-              <a:t>GitHub:</a:t>
-            </a:r>
-            <a:r>
-              <a:rPr lang="en">
-                <a:solidFill>
-                  <a:schemeClr val="dk1"/>
-                </a:solidFill>
-              </a:rPr>
-              <a:t> https://www.github.com/jdoe</a:t>
-            </a:r>
-            <a:endParaRPr>
-              <a:solidFill>
-                <a:schemeClr val="dk1"/>
-              </a:solidFill>
-            </a:endParaRPr>
-          </a:p>
-          <a:p>
-            <a:pPr indent="0" lvl="0" marL="0" rtl="0" algn="l">
-              <a:spcBef>
-                <a:spcPts val="1200"/>
-              </a:spcBef>
-              <a:spcAft>
-                <a:spcPts val="1200"/>
-              </a:spcAft>
-              <a:buNone/>
-            </a:pPr>
-            <a:r>
-              <a:rPr b="1" lang="en">
-                <a:solidFill>
-                  <a:schemeClr val="dk1"/>
-                </a:solidFill>
-              </a:rPr>
-              <a:t>Twitter:</a:t>
-            </a:r>
-            <a:r>
-              <a:rPr lang="en">
-                <a:solidFill>
-                  <a:schemeClr val="dk1"/>
-                </a:solidFill>
-              </a:rPr>
-              <a:t> https://www.twitter.com/jdoe</a:t>
-            </a:r>
-            <a:endParaRPr>
+            <a:endParaRPr sz="2000" dirty="0">
               <a:solidFill>
                 <a:schemeClr val="dk1"/>
               </a:solidFill>
@@ -10013,7 +10106,7 @@
       </p:sp>
       <p:grpSp>
         <p:nvGrpSpPr>
-          <p:cNvPr id="150" name="Google Shape;150;p14"/>
+          <p:cNvPr id="290" name="Google Shape;290;p24"/>
           <p:cNvGrpSpPr/>
           <p:nvPr/>
         </p:nvGrpSpPr>
@@ -10027,7 +10120,7 @@
         </p:grpSpPr>
         <p:sp>
           <p:nvSpPr>
-            <p:cNvPr id="151" name="Google Shape;151;p14"/>
+            <p:cNvPr id="291" name="Google Shape;291;p24"/>
             <p:cNvSpPr/>
             <p:nvPr/>
           </p:nvSpPr>
@@ -10038,7 +10131,7 @@
             </a:xfrm>
             <a:prstGeom prst="roundRect">
               <a:avLst>
-                <a:gd fmla="val 16667" name="adj"/>
+                <a:gd name="adj" fmla="val 16667"/>
               </a:avLst>
             </a:prstGeom>
             <a:solidFill>
@@ -10049,12 +10142,12 @@
             </a:ln>
           </p:spPr>
           <p:txBody>
-            <a:bodyPr anchorCtr="0" anchor="ctr" bIns="91425" lIns="91425" spcFirstLastPara="1" rIns="91425" wrap="square" tIns="91425">
+            <a:bodyPr spcFirstLastPara="1" wrap="square" lIns="91425" tIns="91425" rIns="91425" bIns="91425" anchor="ctr" anchorCtr="0">
               <a:noAutofit/>
             </a:bodyPr>
             <a:lstStyle/>
             <a:p>
-              <a:pPr indent="0" lvl="0" marL="0" rtl="0" algn="l">
+              <a:pPr marL="0" lvl="0" indent="0" algn="l" rtl="0">
                 <a:spcBef>
                   <a:spcPts val="0"/>
                 </a:spcBef>
@@ -10063,16 +10156,13 @@
                 </a:spcAft>
                 <a:buNone/>
               </a:pPr>
-              <a:r>
-                <a:t/>
-              </a:r>
               <a:endParaRPr/>
             </a:p>
           </p:txBody>
         </p:sp>
         <p:sp>
           <p:nvSpPr>
-            <p:cNvPr id="152" name="Google Shape;152;p14"/>
+            <p:cNvPr id="292" name="Google Shape;292;p24"/>
             <p:cNvSpPr txBox="1"/>
             <p:nvPr/>
           </p:nvSpPr>
@@ -10090,12 +10180,12 @@
             </a:ln>
           </p:spPr>
           <p:txBody>
-            <a:bodyPr anchorCtr="0" anchor="t" bIns="91425" lIns="91425" spcFirstLastPara="1" rIns="91425" wrap="square" tIns="91425">
+            <a:bodyPr spcFirstLastPara="1" wrap="square" lIns="91425" tIns="91425" rIns="91425" bIns="91425" anchor="t" anchorCtr="0">
               <a:spAutoFit/>
             </a:bodyPr>
             <a:lstStyle/>
             <a:p>
-              <a:pPr indent="0" lvl="0" marL="0" rtl="0" algn="l">
+              <a:pPr marL="0" lvl="0" indent="0" algn="l" rtl="0">
                 <a:spcBef>
                   <a:spcPts val="0"/>
                 </a:spcBef>
@@ -10105,7 +10195,7 @@
                 <a:buNone/>
               </a:pPr>
               <a:r>
-                <a:rPr b="1" lang="en" sz="2200">
+                <a:rPr lang="en" sz="2200" b="1">
                   <a:solidFill>
                     <a:srgbClr val="FFFFFF"/>
                   </a:solidFill>
@@ -10116,7 +10206,7 @@
                 </a:rPr>
                 <a:t>Orchard Harvest</a:t>
               </a:r>
-              <a:endParaRPr b="1" sz="2200">
+              <a:endParaRPr sz="2200" b="1">
                 <a:solidFill>
                   <a:srgbClr val="FFFFFF"/>
                 </a:solidFill>
@@ -10130,7 +10220,7 @@
         </p:sp>
         <p:grpSp>
           <p:nvGrpSpPr>
-            <p:cNvPr id="153" name="Google Shape;153;p14"/>
+            <p:cNvPr id="293" name="Google Shape;293;p24"/>
             <p:cNvGrpSpPr/>
             <p:nvPr/>
           </p:nvGrpSpPr>
@@ -10144,7 +10234,7 @@
           </p:grpSpPr>
           <p:sp>
             <p:nvSpPr>
-              <p:cNvPr id="154" name="Google Shape;154;p14"/>
+              <p:cNvPr id="294" name="Google Shape;294;p24"/>
               <p:cNvSpPr/>
               <p:nvPr/>
             </p:nvSpPr>
@@ -10164,12 +10254,12 @@
               </a:ln>
             </p:spPr>
             <p:txBody>
-              <a:bodyPr anchorCtr="0" anchor="ctr" bIns="91425" lIns="91425" spcFirstLastPara="1" rIns="91425" wrap="square" tIns="91425">
+              <a:bodyPr spcFirstLastPara="1" wrap="square" lIns="91425" tIns="91425" rIns="91425" bIns="91425" anchor="ctr" anchorCtr="0">
                 <a:noAutofit/>
               </a:bodyPr>
               <a:lstStyle/>
               <a:p>
-                <a:pPr indent="0" lvl="0" marL="0" rtl="0" algn="l">
+                <a:pPr marL="0" lvl="0" indent="0" algn="l" rtl="0">
                   <a:spcBef>
                     <a:spcPts val="0"/>
                   </a:spcBef>
@@ -10178,16 +10268,13 @@
                   </a:spcAft>
                   <a:buNone/>
                 </a:pPr>
-                <a:r>
-                  <a:t/>
-                </a:r>
                 <a:endParaRPr/>
               </a:p>
             </p:txBody>
           </p:sp>
           <p:pic>
             <p:nvPicPr>
-              <p:cNvPr id="155" name="Google Shape;155;p14"/>
+              <p:cNvPr id="295" name="Google Shape;295;p24"/>
               <p:cNvPicPr preferRelativeResize="0"/>
               <p:nvPr/>
             </p:nvPicPr>
@@ -10217,16 +10304,18 @@
       </p:grpSp>
       <p:sp>
         <p:nvSpPr>
-          <p:cNvPr id="156" name="Google Shape;156;p14"/>
-          <p:cNvSpPr txBox="1"/>
+          <p:cNvPr id="296" name="Google Shape;296;p24"/>
+          <p:cNvSpPr txBox="1">
+            <a:spLocks noGrp="1"/>
+          </p:cNvSpPr>
           <p:nvPr>
-            <p:ph idx="4294967295" type="ctrTitle"/>
+            <p:ph type="ctrTitle" idx="4294967295"/>
           </p:nvPr>
         </p:nvSpPr>
         <p:spPr>
           <a:xfrm>
-            <a:off x="3537150" y="124200"/>
-            <a:ext cx="5520300" cy="1578900"/>
+            <a:off x="5022649" y="309926"/>
+            <a:ext cx="3931676" cy="1081748"/>
           </a:xfrm>
           <a:prstGeom prst="rect">
             <a:avLst/>
@@ -10234,12 +10323,12 @@
           <a:noFill/>
         </p:spPr>
         <p:txBody>
-          <a:bodyPr anchorCtr="0" anchor="t" bIns="91425" lIns="91425" spcFirstLastPara="1" rIns="91425" wrap="square" tIns="91425">
+          <a:bodyPr spcFirstLastPara="1" wrap="square" lIns="91425" tIns="91425" rIns="91425" bIns="91425" anchor="t" anchorCtr="0">
             <a:normAutofit/>
           </a:bodyPr>
           <a:lstStyle/>
           <a:p>
-            <a:pPr indent="0" lvl="0" marL="0" rtl="0" algn="r">
+            <a:pPr marL="0" lvl="0" indent="0" algn="r" rtl="0">
               <a:spcBef>
                 <a:spcPts val="0"/>
               </a:spcBef>
@@ -10250,22 +10339,26 @@
               <a:buNone/>
             </a:pPr>
             <a:r>
-              <a:rPr b="1" lang="en" sz="2600"/>
+              <a:rPr lang="en" sz="2600" b="1" dirty="0">
+                <a:solidFill>
+                  <a:srgbClr val="41B670"/>
+                </a:solidFill>
+              </a:rPr>
               <a:t>ORCHARD HARVEST</a:t>
             </a:r>
             <a:r>
-              <a:rPr lang="en" sz="2600"/>
+              <a:rPr lang="en" sz="2600" dirty="0"/>
               <a:t>     </a:t>
             </a:r>
             <a:r>
-              <a:rPr lang="en" sz="2600">
+              <a:rPr lang="en" sz="2600" dirty="0">
                 <a:solidFill>
                   <a:schemeClr val="dk1"/>
                 </a:solidFill>
               </a:rPr>
               <a:t>Conference 2003</a:t>
             </a:r>
-            <a:endParaRPr sz="2600">
+            <a:endParaRPr sz="2600" dirty="0">
               <a:solidFill>
                 <a:schemeClr val="dk1"/>
               </a:solidFill>
@@ -10282,11 +10375,11 @@
 </file>
 
 <file path=ppt/slides/slide3.xml><?xml version="1.0" encoding="utf-8"?>
-<p:sld xmlns:a="http://schemas.openxmlformats.org/drawingml/2006/main" xmlns:r="http://schemas.openxmlformats.org/officeDocument/2006/relationships" xmlns:mc="http://schemas.openxmlformats.org/markup-compatibility/2006" xmlns:mv="urn:schemas-microsoft-com:mac:vml" xmlns:p="http://schemas.openxmlformats.org/presentationml/2006/main" xmlns:c="http://schemas.openxmlformats.org/drawingml/2006/chart" xmlns:dgm="http://schemas.openxmlformats.org/drawingml/2006/diagram" xmlns:o="urn:schemas-microsoft-com:office:office" xmlns:v="urn:schemas-microsoft-com:vml" xmlns:pvml="urn:schemas-microsoft-com:office:powerpoint" xmlns:com="http://schemas.openxmlformats.org/drawingml/2006/compatibility" xmlns:p14="http://schemas.microsoft.com/office/powerpoint/2010/main" xmlns:p15="http://schemas.microsoft.com/office/powerpoint/2012/main" xmlns:ahyp="http://schemas.microsoft.com/office/drawing/2018/hyperlinkcolor">
+<p:sld xmlns:a="http://schemas.openxmlformats.org/drawingml/2006/main" xmlns:r="http://schemas.openxmlformats.org/officeDocument/2006/relationships" xmlns:p="http://schemas.openxmlformats.org/presentationml/2006/main">
   <p:cSld>
     <p:spTree>
       <p:nvGrpSpPr>
-        <p:cNvPr id="160" name="Shape 160"/>
+        <p:cNvPr id="1" name="Shape 287"/>
         <p:cNvGrpSpPr/>
         <p:nvPr/>
       </p:nvGrpSpPr>
@@ -10300,74 +10393,32 @@
       </p:grpSpPr>
       <p:sp>
         <p:nvSpPr>
-          <p:cNvPr id="161" name="Google Shape;161;p15"/>
-          <p:cNvSpPr txBox="1"/>
+          <p:cNvPr id="289" name="Google Shape;289;p24"/>
+          <p:cNvSpPr txBox="1">
+            <a:spLocks noGrp="1"/>
+          </p:cNvSpPr>
           <p:nvPr>
-            <p:ph type="title"/>
+            <p:ph type="body" idx="1"/>
           </p:nvPr>
         </p:nvSpPr>
         <p:spPr>
           <a:xfrm>
-            <a:off x="1297500" y="393750"/>
-            <a:ext cx="7038900" cy="914100"/>
+            <a:off x="1297500" y="1974574"/>
+            <a:ext cx="7563300" cy="1305339"/>
           </a:xfrm>
           <a:prstGeom prst="rect">
             <a:avLst/>
           </a:prstGeom>
         </p:spPr>
         <p:txBody>
-          <a:bodyPr anchorCtr="0" anchor="t" bIns="91425" lIns="91425" spcFirstLastPara="1" rIns="91425" wrap="square" tIns="91425">
+          <a:bodyPr spcFirstLastPara="1" wrap="square" lIns="91425" tIns="91425" rIns="91425" bIns="91425" anchor="t" anchorCtr="0">
             <a:normAutofit/>
           </a:bodyPr>
           <a:lstStyle/>
           <a:p>
-            <a:pPr indent="0" lvl="0" marL="0" rtl="0" algn="l">
-              <a:spcBef>
-                <a:spcPts val="0"/>
-              </a:spcBef>
-              <a:spcAft>
-                <a:spcPts val="0"/>
-              </a:spcAft>
-              <a:buNone/>
-            </a:pPr>
-            <a:r>
-              <a:rPr lang="en"/>
-              <a:t>Agenda</a:t>
-            </a:r>
-            <a:endParaRPr>
-              <a:solidFill>
-                <a:schemeClr val="dk1"/>
-              </a:solidFill>
-            </a:endParaRPr>
-          </a:p>
-        </p:txBody>
-      </p:sp>
-      <p:sp>
-        <p:nvSpPr>
-          <p:cNvPr id="162" name="Google Shape;162;p15"/>
-          <p:cNvSpPr txBox="1"/>
-          <p:nvPr>
-            <p:ph idx="1" type="body"/>
-          </p:nvPr>
-        </p:nvSpPr>
-        <p:spPr>
-          <a:xfrm>
-            <a:off x="1297500" y="1567550"/>
-            <a:ext cx="7038900" cy="2911200"/>
-          </a:xfrm>
-          <a:prstGeom prst="rect">
-            <a:avLst/>
-          </a:prstGeom>
-        </p:spPr>
-        <p:txBody>
-          <a:bodyPr anchorCtr="0" anchor="t" bIns="91425" lIns="91425" spcFirstLastPara="1" rIns="91425" wrap="square" tIns="91425">
-            <a:normAutofit/>
-          </a:bodyPr>
-          <a:lstStyle/>
-          <a:p>
-            <a:pPr indent="-317500" lvl="0" marL="457200" rtl="0" algn="l">
+            <a:pPr marL="139700" lvl="0" indent="0" algn="ctr" rtl="0">
               <a:lnSpc>
-                <a:spcPct val="200000"/>
+                <a:spcPct val="150000"/>
               </a:lnSpc>
               <a:spcBef>
                 <a:spcPts val="0"/>
@@ -10379,95 +10430,36 @@
                 <a:srgbClr val="41B670"/>
               </a:buClr>
               <a:buSzPts val="1400"/>
-              <a:buChar char="●"/>
+              <a:buNone/>
             </a:pPr>
             <a:r>
-              <a:rPr lang="en" sz="1400">
+              <a:rPr lang="en-US" sz="2400" dirty="0">
                 <a:solidFill>
                   <a:schemeClr val="dk1"/>
                 </a:solidFill>
               </a:rPr>
-              <a:t>Title 1</a:t>
+              <a:t>Important message</a:t>
             </a:r>
-            <a:r>
-              <a:rPr lang="en" sz="1400">
-                <a:solidFill>
-                  <a:schemeClr val="dk1"/>
-                </a:solidFill>
-              </a:rPr>
-              <a:t> goes here</a:t>
-            </a:r>
-            <a:endParaRPr sz="1400">
+            <a:endParaRPr sz="2400" dirty="0">
               <a:solidFill>
                 <a:schemeClr val="dk1"/>
               </a:solidFill>
             </a:endParaRPr>
           </a:p>
           <a:p>
-            <a:pPr indent="-317500" lvl="0" marL="457200" rtl="0" algn="l">
+            <a:pPr marL="0" lvl="0" indent="0" algn="l" rtl="0">
               <a:lnSpc>
-                <a:spcPct val="200000"/>
+                <a:spcPct val="150000"/>
               </a:lnSpc>
               <a:spcBef>
-                <a:spcPts val="0"/>
-              </a:spcBef>
-              <a:spcAft>
-                <a:spcPts val="0"/>
-              </a:spcAft>
-              <a:buClr>
-                <a:srgbClr val="41B670"/>
-              </a:buClr>
-              <a:buSzPts val="1400"/>
-              <a:buChar char="●"/>
+                <a:spcPts val="1200"/>
+              </a:spcBef>
+              <a:spcAft>
+                <a:spcPts val="1200"/>
+              </a:spcAft>
+              <a:buNone/>
             </a:pPr>
-            <a:r>
-              <a:rPr lang="en" sz="1400">
-                <a:solidFill>
-                  <a:schemeClr val="dk1"/>
-                </a:solidFill>
-              </a:rPr>
-              <a:t>Title 2</a:t>
-            </a:r>
-            <a:r>
-              <a:rPr lang="en" sz="1400">
-                <a:solidFill>
-                  <a:schemeClr val="dk1"/>
-                </a:solidFill>
-              </a:rPr>
-              <a:t> goes here</a:t>
-            </a:r>
-            <a:endParaRPr sz="1400">
-              <a:solidFill>
-                <a:schemeClr val="dk1"/>
-              </a:solidFill>
-            </a:endParaRPr>
-          </a:p>
-          <a:p>
-            <a:pPr indent="-317500" lvl="0" marL="457200" rtl="0" algn="l">
-              <a:lnSpc>
-                <a:spcPct val="200000"/>
-              </a:lnSpc>
-              <a:spcBef>
-                <a:spcPts val="0"/>
-              </a:spcBef>
-              <a:spcAft>
-                <a:spcPts val="0"/>
-              </a:spcAft>
-              <a:buClr>
-                <a:srgbClr val="41B670"/>
-              </a:buClr>
-              <a:buSzPts val="1400"/>
-              <a:buChar char="●"/>
-            </a:pPr>
-            <a:r>
-              <a:rPr lang="en" sz="1400">
-                <a:solidFill>
-                  <a:schemeClr val="dk1"/>
-                </a:solidFill>
-              </a:rPr>
-              <a:t>Title 3 goes here</a:t>
-            </a:r>
-            <a:endParaRPr sz="1400">
+            <a:endParaRPr sz="2400" dirty="0">
               <a:solidFill>
                 <a:schemeClr val="dk1"/>
               </a:solidFill>
@@ -10477,7 +10469,7 @@
       </p:sp>
       <p:grpSp>
         <p:nvGrpSpPr>
-          <p:cNvPr id="163" name="Google Shape;163;p15"/>
+          <p:cNvPr id="290" name="Google Shape;290;p24"/>
           <p:cNvGrpSpPr/>
           <p:nvPr/>
         </p:nvGrpSpPr>
@@ -10491,7 +10483,7 @@
         </p:grpSpPr>
         <p:sp>
           <p:nvSpPr>
-            <p:cNvPr id="164" name="Google Shape;164;p15"/>
+            <p:cNvPr id="291" name="Google Shape;291;p24"/>
             <p:cNvSpPr/>
             <p:nvPr/>
           </p:nvSpPr>
@@ -10502,7 +10494,7 @@
             </a:xfrm>
             <a:prstGeom prst="roundRect">
               <a:avLst>
-                <a:gd fmla="val 16667" name="adj"/>
+                <a:gd name="adj" fmla="val 16667"/>
               </a:avLst>
             </a:prstGeom>
             <a:solidFill>
@@ -10513,12 +10505,12 @@
             </a:ln>
           </p:spPr>
           <p:txBody>
-            <a:bodyPr anchorCtr="0" anchor="ctr" bIns="91425" lIns="91425" spcFirstLastPara="1" rIns="91425" wrap="square" tIns="91425">
+            <a:bodyPr spcFirstLastPara="1" wrap="square" lIns="91425" tIns="91425" rIns="91425" bIns="91425" anchor="ctr" anchorCtr="0">
               <a:noAutofit/>
             </a:bodyPr>
             <a:lstStyle/>
             <a:p>
-              <a:pPr indent="0" lvl="0" marL="0" rtl="0" algn="l">
+              <a:pPr marL="0" lvl="0" indent="0" algn="l" rtl="0">
                 <a:spcBef>
                   <a:spcPts val="0"/>
                 </a:spcBef>
@@ -10527,16 +10519,13 @@
                 </a:spcAft>
                 <a:buNone/>
               </a:pPr>
-              <a:r>
-                <a:t/>
-              </a:r>
               <a:endParaRPr/>
             </a:p>
           </p:txBody>
         </p:sp>
         <p:sp>
           <p:nvSpPr>
-            <p:cNvPr id="165" name="Google Shape;165;p15"/>
+            <p:cNvPr id="292" name="Google Shape;292;p24"/>
             <p:cNvSpPr txBox="1"/>
             <p:nvPr/>
           </p:nvSpPr>
@@ -10554,12 +10543,12 @@
             </a:ln>
           </p:spPr>
           <p:txBody>
-            <a:bodyPr anchorCtr="0" anchor="t" bIns="91425" lIns="91425" spcFirstLastPara="1" rIns="91425" wrap="square" tIns="91425">
+            <a:bodyPr spcFirstLastPara="1" wrap="square" lIns="91425" tIns="91425" rIns="91425" bIns="91425" anchor="t" anchorCtr="0">
               <a:spAutoFit/>
             </a:bodyPr>
             <a:lstStyle/>
             <a:p>
-              <a:pPr indent="0" lvl="0" marL="0" rtl="0" algn="l">
+              <a:pPr marL="0" lvl="0" indent="0" algn="l" rtl="0">
                 <a:spcBef>
                   <a:spcPts val="0"/>
                 </a:spcBef>
@@ -10569,7 +10558,7 @@
                 <a:buNone/>
               </a:pPr>
               <a:r>
-                <a:rPr b="1" lang="en" sz="2200">
+                <a:rPr lang="en" sz="2200" b="1">
                   <a:solidFill>
                     <a:srgbClr val="FFFFFF"/>
                   </a:solidFill>
@@ -10580,7 +10569,7 @@
                 </a:rPr>
                 <a:t>Orchard Harvest</a:t>
               </a:r>
-              <a:endParaRPr b="1" sz="2200">
+              <a:endParaRPr sz="2200" b="1">
                 <a:solidFill>
                   <a:srgbClr val="FFFFFF"/>
                 </a:solidFill>
@@ -10594,7 +10583,7 @@
         </p:sp>
         <p:grpSp>
           <p:nvGrpSpPr>
-            <p:cNvPr id="166" name="Google Shape;166;p15"/>
+            <p:cNvPr id="293" name="Google Shape;293;p24"/>
             <p:cNvGrpSpPr/>
             <p:nvPr/>
           </p:nvGrpSpPr>
@@ -10608,7 +10597,7 @@
           </p:grpSpPr>
           <p:sp>
             <p:nvSpPr>
-              <p:cNvPr id="167" name="Google Shape;167;p15"/>
+              <p:cNvPr id="294" name="Google Shape;294;p24"/>
               <p:cNvSpPr/>
               <p:nvPr/>
             </p:nvSpPr>
@@ -10628,12 +10617,12 @@
               </a:ln>
             </p:spPr>
             <p:txBody>
-              <a:bodyPr anchorCtr="0" anchor="ctr" bIns="91425" lIns="91425" spcFirstLastPara="1" rIns="91425" wrap="square" tIns="91425">
+              <a:bodyPr spcFirstLastPara="1" wrap="square" lIns="91425" tIns="91425" rIns="91425" bIns="91425" anchor="ctr" anchorCtr="0">
                 <a:noAutofit/>
               </a:bodyPr>
               <a:lstStyle/>
               <a:p>
-                <a:pPr indent="0" lvl="0" marL="0" rtl="0" algn="l">
+                <a:pPr marL="0" lvl="0" indent="0" algn="l" rtl="0">
                   <a:spcBef>
                     <a:spcPts val="0"/>
                   </a:spcBef>
@@ -10642,16 +10631,13 @@
                   </a:spcAft>
                   <a:buNone/>
                 </a:pPr>
-                <a:r>
-                  <a:t/>
-                </a:r>
                 <a:endParaRPr/>
               </a:p>
             </p:txBody>
           </p:sp>
           <p:pic>
             <p:nvPicPr>
-              <p:cNvPr id="168" name="Google Shape;168;p15"/>
+              <p:cNvPr id="295" name="Google Shape;295;p24"/>
               <p:cNvPicPr preferRelativeResize="0"/>
               <p:nvPr/>
             </p:nvPicPr>
@@ -10681,16 +10667,18 @@
       </p:grpSp>
       <p:sp>
         <p:nvSpPr>
-          <p:cNvPr id="169" name="Google Shape;169;p15"/>
-          <p:cNvSpPr txBox="1"/>
+          <p:cNvPr id="296" name="Google Shape;296;p24"/>
+          <p:cNvSpPr txBox="1">
+            <a:spLocks noGrp="1"/>
+          </p:cNvSpPr>
           <p:nvPr>
-            <p:ph idx="4294967295" type="ctrTitle"/>
+            <p:ph type="ctrTitle" idx="4294967295"/>
           </p:nvPr>
         </p:nvSpPr>
         <p:spPr>
           <a:xfrm>
-            <a:off x="3537150" y="124200"/>
-            <a:ext cx="5520300" cy="1578900"/>
+            <a:off x="5022649" y="309926"/>
+            <a:ext cx="3931676" cy="1081748"/>
           </a:xfrm>
           <a:prstGeom prst="rect">
             <a:avLst/>
@@ -10698,12 +10686,12 @@
           <a:noFill/>
         </p:spPr>
         <p:txBody>
-          <a:bodyPr anchorCtr="0" anchor="t" bIns="91425" lIns="91425" spcFirstLastPara="1" rIns="91425" wrap="square" tIns="91425">
+          <a:bodyPr spcFirstLastPara="1" wrap="square" lIns="91425" tIns="91425" rIns="91425" bIns="91425" anchor="t" anchorCtr="0">
             <a:normAutofit/>
           </a:bodyPr>
           <a:lstStyle/>
           <a:p>
-            <a:pPr indent="0" lvl="0" marL="0" rtl="0" algn="r">
+            <a:pPr marL="0" lvl="0" indent="0" algn="r" rtl="0">
               <a:spcBef>
                 <a:spcPts val="0"/>
               </a:spcBef>
@@ -10714,22 +10702,26 @@
               <a:buNone/>
             </a:pPr>
             <a:r>
-              <a:rPr b="1" lang="en" sz="2600"/>
+              <a:rPr lang="en" sz="2600" b="1" dirty="0">
+                <a:solidFill>
+                  <a:srgbClr val="41B670"/>
+                </a:solidFill>
+              </a:rPr>
               <a:t>ORCHARD HARVEST</a:t>
             </a:r>
             <a:r>
-              <a:rPr lang="en" sz="2600"/>
+              <a:rPr lang="en" sz="2600" dirty="0"/>
               <a:t>     </a:t>
             </a:r>
             <a:r>
-              <a:rPr lang="en" sz="2600">
+              <a:rPr lang="en" sz="2600" dirty="0">
                 <a:solidFill>
                   <a:schemeClr val="dk1"/>
                 </a:solidFill>
               </a:rPr>
               <a:t>Conference 2003</a:t>
             </a:r>
-            <a:endParaRPr sz="2600">
+            <a:endParaRPr sz="2600" dirty="0">
               <a:solidFill>
                 <a:schemeClr val="dk1"/>
               </a:solidFill>
@@ -10738,6 +10730,11 @@
         </p:txBody>
       </p:sp>
     </p:spTree>
+    <p:extLst>
+      <p:ext uri="{BB962C8B-B14F-4D97-AF65-F5344CB8AC3E}">
+        <p14:creationId xmlns:p14="http://schemas.microsoft.com/office/powerpoint/2010/main" val="3216964656"/>
+      </p:ext>
+    </p:extLst>
   </p:cSld>
   <p:clrMapOvr>
     <a:masterClrMapping/>
@@ -10746,11 +10743,11 @@
 </file>
 
 <file path=ppt/slides/slide4.xml><?xml version="1.0" encoding="utf-8"?>
-<p:sld xmlns:a="http://schemas.openxmlformats.org/drawingml/2006/main" xmlns:r="http://schemas.openxmlformats.org/officeDocument/2006/relationships" xmlns:mc="http://schemas.openxmlformats.org/markup-compatibility/2006" xmlns:mv="urn:schemas-microsoft-com:mac:vml" xmlns:p="http://schemas.openxmlformats.org/presentationml/2006/main" xmlns:c="http://schemas.openxmlformats.org/drawingml/2006/chart" xmlns:dgm="http://schemas.openxmlformats.org/drawingml/2006/diagram" xmlns:o="urn:schemas-microsoft-com:office:office" xmlns:v="urn:schemas-microsoft-com:vml" xmlns:pvml="urn:schemas-microsoft-com:office:powerpoint" xmlns:com="http://schemas.openxmlformats.org/drawingml/2006/compatibility" xmlns:p14="http://schemas.microsoft.com/office/powerpoint/2010/main" xmlns:p15="http://schemas.microsoft.com/office/powerpoint/2012/main" xmlns:ahyp="http://schemas.microsoft.com/office/drawing/2018/hyperlinkcolor">
+<p:sld xmlns:a="http://schemas.openxmlformats.org/drawingml/2006/main" xmlns:r="http://schemas.openxmlformats.org/officeDocument/2006/relationships" xmlns:p="http://schemas.openxmlformats.org/presentationml/2006/main">
   <p:cSld>
     <p:spTree>
       <p:nvGrpSpPr>
-        <p:cNvPr id="173" name="Shape 173"/>
+        <p:cNvPr id="1" name="Shape 287"/>
         <p:cNvGrpSpPr/>
         <p:nvPr/>
       </p:nvGrpSpPr>
@@ -10764,8 +10761,10 @@
       </p:grpSpPr>
       <p:sp>
         <p:nvSpPr>
-          <p:cNvPr id="174" name="Google Shape;174;p16"/>
-          <p:cNvSpPr txBox="1"/>
+          <p:cNvPr id="288" name="Google Shape;288;p24"/>
+          <p:cNvSpPr txBox="1">
+            <a:spLocks noGrp="1"/>
+          </p:cNvSpPr>
           <p:nvPr>
             <p:ph type="title"/>
           </p:nvPr>
@@ -10773,19 +10772,19 @@
         <p:spPr>
           <a:xfrm>
             <a:off x="1297500" y="393750"/>
-            <a:ext cx="7038900" cy="914100"/>
+            <a:ext cx="4003370" cy="914100"/>
           </a:xfrm>
           <a:prstGeom prst="rect">
             <a:avLst/>
           </a:prstGeom>
         </p:spPr>
         <p:txBody>
-          <a:bodyPr anchorCtr="0" anchor="t" bIns="91425" lIns="91425" spcFirstLastPara="1" rIns="91425" wrap="square" tIns="91425">
-            <a:normAutofit/>
+          <a:bodyPr spcFirstLastPara="1" wrap="square" lIns="91425" tIns="91425" rIns="91425" bIns="91425" anchor="t" anchorCtr="0">
+            <a:noAutofit/>
           </a:bodyPr>
           <a:lstStyle/>
           <a:p>
-            <a:pPr indent="0" lvl="0" marL="0" rtl="0" algn="l">
+            <a:pPr marL="0" lvl="0" indent="0" algn="l" rtl="0">
               <a:spcBef>
                 <a:spcPts val="0"/>
               </a:spcBef>
@@ -10795,10 +10794,10 @@
               <a:buNone/>
             </a:pPr>
             <a:r>
-              <a:rPr lang="en"/>
-              <a:t>Slide title</a:t>
+              <a:rPr lang="en-US" dirty="0"/>
+              <a:t>Thank you!</a:t>
             </a:r>
-            <a:endParaRPr>
+            <a:endParaRPr dirty="0">
               <a:solidFill>
                 <a:schemeClr val="dk1"/>
               </a:solidFill>
@@ -10808,45 +10807,125 @@
       </p:sp>
       <p:sp>
         <p:nvSpPr>
-          <p:cNvPr id="175" name="Google Shape;175;p16"/>
-          <p:cNvSpPr txBox="1"/>
+          <p:cNvPr id="289" name="Google Shape;289;p24"/>
+          <p:cNvSpPr txBox="1">
+            <a:spLocks noGrp="1"/>
+          </p:cNvSpPr>
           <p:nvPr>
-            <p:ph idx="1" type="body"/>
+            <p:ph type="body" idx="1"/>
           </p:nvPr>
         </p:nvSpPr>
         <p:spPr>
           <a:xfrm>
             <a:off x="1297500" y="1567550"/>
-            <a:ext cx="7038900" cy="2911200"/>
+            <a:ext cx="7563300" cy="2911200"/>
           </a:xfrm>
           <a:prstGeom prst="rect">
             <a:avLst/>
           </a:prstGeom>
         </p:spPr>
         <p:txBody>
-          <a:bodyPr anchorCtr="0" anchor="t" bIns="91425" lIns="91425" spcFirstLastPara="1" rIns="91425" wrap="square" tIns="91425">
+          <a:bodyPr spcFirstLastPara="1" wrap="square" lIns="91425" tIns="91425" rIns="91425" bIns="91425" anchor="t" anchorCtr="0">
             <a:normAutofit/>
           </a:bodyPr>
           <a:lstStyle/>
           <a:p>
-            <a:pPr indent="0" lvl="0" marL="0" rtl="0" algn="l">
-              <a:spcBef>
-                <a:spcPts val="0"/>
-              </a:spcBef>
-              <a:spcAft>
-                <a:spcPts val="1200"/>
-              </a:spcAft>
-              <a:buNone/>
+            <a:pPr marL="457200" lvl="0" indent="-317500" algn="l" rtl="0">
+              <a:lnSpc>
+                <a:spcPct val="150000"/>
+              </a:lnSpc>
+              <a:spcBef>
+                <a:spcPts val="0"/>
+              </a:spcBef>
+              <a:spcAft>
+                <a:spcPts val="0"/>
+              </a:spcAft>
+              <a:buClr>
+                <a:srgbClr val="41B670"/>
+              </a:buClr>
+              <a:buSzPts val="1400"/>
+              <a:buChar char="●"/>
             </a:pPr>
             <a:r>
-              <a:rPr lang="en" sz="1400">
+              <a:rPr lang="en-US" sz="2000" dirty="0">
                 <a:solidFill>
                   <a:schemeClr val="dk1"/>
                 </a:solidFill>
               </a:rPr>
-              <a:t>Content goes here …</a:t>
+              <a:t>https://www.jdoe.com</a:t>
             </a:r>
-            <a:endParaRPr sz="1400">
+          </a:p>
+          <a:p>
+            <a:pPr marL="457200" lvl="0" indent="-317500" algn="l" rtl="0">
+              <a:lnSpc>
+                <a:spcPct val="150000"/>
+              </a:lnSpc>
+              <a:spcBef>
+                <a:spcPts val="0"/>
+              </a:spcBef>
+              <a:spcAft>
+                <a:spcPts val="0"/>
+              </a:spcAft>
+              <a:buClr>
+                <a:srgbClr val="41B670"/>
+              </a:buClr>
+              <a:buSzPts val="1400"/>
+              <a:buChar char="●"/>
+            </a:pPr>
+            <a:r>
+              <a:rPr lang="en" sz="2000" dirty="0">
+                <a:solidFill>
+                  <a:schemeClr val="dk1"/>
+                </a:solidFill>
+              </a:rPr>
+              <a:t>https://www.github.com/jdoe</a:t>
+            </a:r>
+          </a:p>
+          <a:p>
+            <a:pPr marL="457200" lvl="0" indent="-317500" algn="l" rtl="0">
+              <a:lnSpc>
+                <a:spcPct val="150000"/>
+              </a:lnSpc>
+              <a:spcBef>
+                <a:spcPts val="0"/>
+              </a:spcBef>
+              <a:spcAft>
+                <a:spcPts val="0"/>
+              </a:spcAft>
+              <a:buClr>
+                <a:srgbClr val="41B670"/>
+              </a:buClr>
+              <a:buSzPts val="1400"/>
+              <a:buChar char="●"/>
+            </a:pPr>
+            <a:r>
+              <a:rPr lang="en" sz="2000" dirty="0">
+                <a:solidFill>
+                  <a:schemeClr val="dk1"/>
+                </a:solidFill>
+              </a:rPr>
+              <a:t>https://www.twitter.com/jdoe</a:t>
+            </a:r>
+            <a:endParaRPr sz="2000" dirty="0">
+              <a:solidFill>
+                <a:schemeClr val="dk1"/>
+              </a:solidFill>
+            </a:endParaRPr>
+          </a:p>
+          <a:p>
+            <a:pPr marL="0" lvl="0" indent="0" algn="l" rtl="0">
+              <a:lnSpc>
+                <a:spcPct val="150000"/>
+              </a:lnSpc>
+              <a:spcBef>
+                <a:spcPts val="1200"/>
+              </a:spcBef>
+              <a:spcAft>
+                <a:spcPts val="1200"/>
+              </a:spcAft>
+              <a:buNone/>
+            </a:pPr>
+            <a:endParaRPr sz="2000" dirty="0">
               <a:solidFill>
                 <a:schemeClr val="dk1"/>
               </a:solidFill>
@@ -10856,7 +10935,7 @@
       </p:sp>
       <p:grpSp>
         <p:nvGrpSpPr>
-          <p:cNvPr id="176" name="Google Shape;176;p16"/>
+          <p:cNvPr id="290" name="Google Shape;290;p24"/>
           <p:cNvGrpSpPr/>
           <p:nvPr/>
         </p:nvGrpSpPr>
@@ -10870,7 +10949,7 @@
         </p:grpSpPr>
         <p:sp>
           <p:nvSpPr>
-            <p:cNvPr id="177" name="Google Shape;177;p16"/>
+            <p:cNvPr id="291" name="Google Shape;291;p24"/>
             <p:cNvSpPr/>
             <p:nvPr/>
           </p:nvSpPr>
@@ -10881,7 +10960,7 @@
             </a:xfrm>
             <a:prstGeom prst="roundRect">
               <a:avLst>
-                <a:gd fmla="val 16667" name="adj"/>
+                <a:gd name="adj" fmla="val 16667"/>
               </a:avLst>
             </a:prstGeom>
             <a:solidFill>
@@ -10892,12 +10971,12 @@
             </a:ln>
           </p:spPr>
           <p:txBody>
-            <a:bodyPr anchorCtr="0" anchor="ctr" bIns="91425" lIns="91425" spcFirstLastPara="1" rIns="91425" wrap="square" tIns="91425">
+            <a:bodyPr spcFirstLastPara="1" wrap="square" lIns="91425" tIns="91425" rIns="91425" bIns="91425" anchor="ctr" anchorCtr="0">
               <a:noAutofit/>
             </a:bodyPr>
             <a:lstStyle/>
             <a:p>
-              <a:pPr indent="0" lvl="0" marL="0" rtl="0" algn="l">
+              <a:pPr marL="0" lvl="0" indent="0" algn="l" rtl="0">
                 <a:spcBef>
                   <a:spcPts val="0"/>
                 </a:spcBef>
@@ -10906,16 +10985,13 @@
                 </a:spcAft>
                 <a:buNone/>
               </a:pPr>
-              <a:r>
-                <a:t/>
-              </a:r>
               <a:endParaRPr/>
             </a:p>
           </p:txBody>
         </p:sp>
         <p:sp>
           <p:nvSpPr>
-            <p:cNvPr id="178" name="Google Shape;178;p16"/>
+            <p:cNvPr id="292" name="Google Shape;292;p24"/>
             <p:cNvSpPr txBox="1"/>
             <p:nvPr/>
           </p:nvSpPr>
@@ -10933,12 +11009,12 @@
             </a:ln>
           </p:spPr>
           <p:txBody>
-            <a:bodyPr anchorCtr="0" anchor="t" bIns="91425" lIns="91425" spcFirstLastPara="1" rIns="91425" wrap="square" tIns="91425">
+            <a:bodyPr spcFirstLastPara="1" wrap="square" lIns="91425" tIns="91425" rIns="91425" bIns="91425" anchor="t" anchorCtr="0">
               <a:spAutoFit/>
             </a:bodyPr>
             <a:lstStyle/>
             <a:p>
-              <a:pPr indent="0" lvl="0" marL="0" rtl="0" algn="l">
+              <a:pPr marL="0" lvl="0" indent="0" algn="l" rtl="0">
                 <a:spcBef>
                   <a:spcPts val="0"/>
                 </a:spcBef>
@@ -10948,7 +11024,7 @@
                 <a:buNone/>
               </a:pPr>
               <a:r>
-                <a:rPr b="1" lang="en" sz="2200">
+                <a:rPr lang="en" sz="2200" b="1">
                   <a:solidFill>
                     <a:srgbClr val="FFFFFF"/>
                   </a:solidFill>
@@ -10959,7 +11035,7 @@
                 </a:rPr>
                 <a:t>Orchard Harvest</a:t>
               </a:r>
-              <a:endParaRPr b="1" sz="2200">
+              <a:endParaRPr sz="2200" b="1">
                 <a:solidFill>
                   <a:srgbClr val="FFFFFF"/>
                 </a:solidFill>
@@ -10973,7 +11049,7 @@
         </p:sp>
         <p:grpSp>
           <p:nvGrpSpPr>
-            <p:cNvPr id="179" name="Google Shape;179;p16"/>
+            <p:cNvPr id="293" name="Google Shape;293;p24"/>
             <p:cNvGrpSpPr/>
             <p:nvPr/>
           </p:nvGrpSpPr>
@@ -10987,7 +11063,7 @@
           </p:grpSpPr>
           <p:sp>
             <p:nvSpPr>
-              <p:cNvPr id="180" name="Google Shape;180;p16"/>
+              <p:cNvPr id="294" name="Google Shape;294;p24"/>
               <p:cNvSpPr/>
               <p:nvPr/>
             </p:nvSpPr>
@@ -11007,12 +11083,12 @@
               </a:ln>
             </p:spPr>
             <p:txBody>
-              <a:bodyPr anchorCtr="0" anchor="ctr" bIns="91425" lIns="91425" spcFirstLastPara="1" rIns="91425" wrap="square" tIns="91425">
+              <a:bodyPr spcFirstLastPara="1" wrap="square" lIns="91425" tIns="91425" rIns="91425" bIns="91425" anchor="ctr" anchorCtr="0">
                 <a:noAutofit/>
               </a:bodyPr>
               <a:lstStyle/>
               <a:p>
-                <a:pPr indent="0" lvl="0" marL="0" rtl="0" algn="l">
+                <a:pPr marL="0" lvl="0" indent="0" algn="l" rtl="0">
                   <a:spcBef>
                     <a:spcPts val="0"/>
                   </a:spcBef>
@@ -11021,16 +11097,13 @@
                   </a:spcAft>
                   <a:buNone/>
                 </a:pPr>
-                <a:r>
-                  <a:t/>
-                </a:r>
                 <a:endParaRPr/>
               </a:p>
             </p:txBody>
           </p:sp>
           <p:pic>
             <p:nvPicPr>
-              <p:cNvPr id="181" name="Google Shape;181;p16"/>
+              <p:cNvPr id="295" name="Google Shape;295;p24"/>
               <p:cNvPicPr preferRelativeResize="0"/>
               <p:nvPr/>
             </p:nvPicPr>
@@ -11060,16 +11133,18 @@
       </p:grpSp>
       <p:sp>
         <p:nvSpPr>
-          <p:cNvPr id="182" name="Google Shape;182;p16"/>
-          <p:cNvSpPr txBox="1"/>
+          <p:cNvPr id="296" name="Google Shape;296;p24"/>
+          <p:cNvSpPr txBox="1">
+            <a:spLocks noGrp="1"/>
+          </p:cNvSpPr>
           <p:nvPr>
-            <p:ph idx="4294967295" type="ctrTitle"/>
+            <p:ph type="ctrTitle" idx="4294967295"/>
           </p:nvPr>
         </p:nvSpPr>
         <p:spPr>
           <a:xfrm>
-            <a:off x="3537150" y="124200"/>
-            <a:ext cx="5520300" cy="1578900"/>
+            <a:off x="5022649" y="309926"/>
+            <a:ext cx="3931676" cy="1081748"/>
           </a:xfrm>
           <a:prstGeom prst="rect">
             <a:avLst/>
@@ -11077,12 +11152,12 @@
           <a:noFill/>
         </p:spPr>
         <p:txBody>
-          <a:bodyPr anchorCtr="0" anchor="t" bIns="91425" lIns="91425" spcFirstLastPara="1" rIns="91425" wrap="square" tIns="91425">
+          <a:bodyPr spcFirstLastPara="1" wrap="square" lIns="91425" tIns="91425" rIns="91425" bIns="91425" anchor="t" anchorCtr="0">
             <a:normAutofit/>
           </a:bodyPr>
           <a:lstStyle/>
           <a:p>
-            <a:pPr indent="0" lvl="0" marL="0" rtl="0" algn="r">
+            <a:pPr marL="0" lvl="0" indent="0" algn="r" rtl="0">
               <a:spcBef>
                 <a:spcPts val="0"/>
               </a:spcBef>
@@ -11093,22 +11168,26 @@
               <a:buNone/>
             </a:pPr>
             <a:r>
-              <a:rPr b="1" lang="en" sz="2600"/>
+              <a:rPr lang="en" sz="2600" b="1" dirty="0">
+                <a:solidFill>
+                  <a:srgbClr val="41B670"/>
+                </a:solidFill>
+              </a:rPr>
               <a:t>ORCHARD HARVEST</a:t>
             </a:r>
             <a:r>
-              <a:rPr lang="en" sz="2600"/>
+              <a:rPr lang="en" sz="2600" dirty="0"/>
               <a:t>     </a:t>
             </a:r>
             <a:r>
-              <a:rPr lang="en" sz="2600">
+              <a:rPr lang="en" sz="2600" dirty="0">
                 <a:solidFill>
                   <a:schemeClr val="dk1"/>
                 </a:solidFill>
               </a:rPr>
               <a:t>Conference 2003</a:t>
             </a:r>
-            <a:endParaRPr sz="2600">
+            <a:endParaRPr sz="2600" dirty="0">
               <a:solidFill>
                 <a:schemeClr val="dk1"/>
               </a:solidFill>
@@ -11117,6 +11196,11 @@
         </p:txBody>
       </p:sp>
     </p:spTree>
+    <p:extLst>
+      <p:ext uri="{BB962C8B-B14F-4D97-AF65-F5344CB8AC3E}">
+        <p14:creationId xmlns:p14="http://schemas.microsoft.com/office/powerpoint/2010/main" val="1609101201"/>
+      </p:ext>
+    </p:extLst>
   </p:cSld>
   <p:clrMapOvr>
     <a:masterClrMapping/>
@@ -11125,7 +11209,7 @@
 </file>
 
 <file path=ppt/theme/theme1.xml><?xml version="1.0" encoding="utf-8"?>
-<a:theme xmlns:a="http://schemas.openxmlformats.org/drawingml/2006/main" xmlns:r="http://schemas.openxmlformats.org/officeDocument/2006/relationships" name="Focus">
+<a:theme xmlns:a="http://schemas.openxmlformats.org/drawingml/2006/main" name="Focus">
   <a:themeElements>
     <a:clrScheme name="Focus">
       <a:dk1>
@@ -11400,11 +11484,13 @@
       </a:bgFillStyleLst>
     </a:fmtScheme>
   </a:themeElements>
+  <a:objectDefaults/>
+  <a:extraClrSchemeLst/>
 </a:theme>
 </file>
 
 <file path=ppt/theme/theme2.xml><?xml version="1.0" encoding="utf-8"?>
-<a:theme xmlns:a="http://schemas.openxmlformats.org/drawingml/2006/main" xmlns:r="http://schemas.openxmlformats.org/officeDocument/2006/relationships">
+<a:theme xmlns:a="http://schemas.openxmlformats.org/drawingml/2006/main">
   <a:themeElements>
     <a:clrScheme name="Default">
       <a:dk1>
@@ -11679,5 +11765,7 @@
       </a:bgFillStyleLst>
     </a:fmtScheme>
   </a:themeElements>
+  <a:objectDefaults/>
+  <a:extraClrSchemeLst/>
 </a:theme>
 </file>
--- a/Orchard Harvest 2023.pptx
+++ b/Orchard Harvest 2023.pptx
@@ -1,38 +1,45 @@
 
 <file path=ppt/presentation.xml><?xml version="1.0" encoding="utf-8"?>
-<p:presentation xmlns:a="http://schemas.openxmlformats.org/drawingml/2006/main" xmlns:r="http://schemas.openxmlformats.org/officeDocument/2006/relationships" xmlns:p="http://schemas.openxmlformats.org/presentationml/2006/main" strictFirstAndLastChars="0" embedTrueTypeFonts="1" saveSubsetFonts="1" autoCompressPictures="0">
+<p:presentation xmlns:a="http://schemas.openxmlformats.org/drawingml/2006/main" xmlns:r="http://schemas.openxmlformats.org/officeDocument/2006/relationships" xmlns:mc="http://schemas.openxmlformats.org/markup-compatibility/2006" xmlns:mv="urn:schemas-microsoft-com:mac:vml" xmlns:p="http://schemas.openxmlformats.org/presentationml/2006/main" xmlns:c="http://schemas.openxmlformats.org/drawingml/2006/chart" xmlns:dgm="http://schemas.openxmlformats.org/drawingml/2006/diagram" xmlns:o="urn:schemas-microsoft-com:office:office" xmlns:v="urn:schemas-microsoft-com:vml" xmlns:pvml="urn:schemas-microsoft-com:office:powerpoint" xmlns:com="http://schemas.openxmlformats.org/drawingml/2006/compatibility" xmlns:p14="http://schemas.microsoft.com/office/powerpoint/2010/main" xmlns:p15="http://schemas.microsoft.com/office/powerpoint/2012/main" xmlns:ahyp="http://schemas.microsoft.com/office/drawing/2018/hyperlinkcolor" autoCompressPictures="0" embedTrueTypeFonts="1" strictFirstAndLastChars="0" saveSubsetFonts="1">
   <p:sldMasterIdLst>
-    <p:sldMasterId id="2147483659" r:id="rId1"/>
+    <p:sldMasterId id="2147483659" r:id="rId4"/>
   </p:sldMasterIdLst>
   <p:notesMasterIdLst>
-    <p:notesMasterId r:id="rId6"/>
+    <p:notesMasterId r:id="rId5"/>
   </p:notesMasterIdLst>
   <p:sldIdLst>
-    <p:sldId id="256" r:id="rId2"/>
-    <p:sldId id="267" r:id="rId3"/>
-    <p:sldId id="268" r:id="rId4"/>
-    <p:sldId id="269" r:id="rId5"/>
+    <p:sldId id="256" r:id="rId6"/>
+    <p:sldId id="257" r:id="rId7"/>
+    <p:sldId id="258" r:id="rId8"/>
+    <p:sldId id="259" r:id="rId9"/>
   </p:sldIdLst>
-  <p:sldSz cx="9144000" cy="5143500" type="screen16x9"/>
+  <p:sldSz cy="5143500" cx="9144000"/>
   <p:notesSz cx="6858000" cy="9144000"/>
   <p:embeddedFontLst>
     <p:embeddedFont>
-      <p:font typeface="Lato" panose="020F0502020204030203" pitchFamily="34" charset="0"/>
-      <p:regular r:id="rId7"/>
-      <p:bold r:id="rId8"/>
-      <p:italic r:id="rId9"/>
-      <p:boldItalic r:id="rId10"/>
+      <p:font typeface="Montserrat SemiBold"/>
+      <p:regular r:id="rId10"/>
+      <p:bold r:id="rId11"/>
+      <p:italic r:id="rId12"/>
+      <p:boldItalic r:id="rId13"/>
     </p:embeddedFont>
     <p:embeddedFont>
-      <p:font typeface="Montserrat" panose="00000500000000000000" pitchFamily="2" charset="0"/>
-      <p:regular r:id="rId11"/>
-      <p:bold r:id="rId12"/>
-      <p:italic r:id="rId13"/>
-      <p:boldItalic r:id="rId14"/>
+      <p:font typeface="Montserrat"/>
+      <p:regular r:id="rId14"/>
+      <p:bold r:id="rId15"/>
+      <p:italic r:id="rId16"/>
+      <p:boldItalic r:id="rId17"/>
+    </p:embeddedFont>
+    <p:embeddedFont>
+      <p:font typeface="Lato"/>
+      <p:regular r:id="rId18"/>
+      <p:bold r:id="rId19"/>
+      <p:italic r:id="rId20"/>
+      <p:boldItalic r:id="rId21"/>
     </p:embeddedFont>
   </p:embeddedFontLst>
   <p:defaultTextStyle>
-    <a:defPPr marR="0" lvl="0" algn="l" rtl="0">
+    <a:defPPr lvl="0" marR="0" rtl="0" algn="l">
       <a:lnSpc>
         <a:spcPct val="100000"/>
       </a:lnSpc>
@@ -43,7 +50,7 @@
         <a:spcPts val="0"/>
       </a:spcAft>
     </a:defPPr>
-    <a:lvl1pPr marR="0" lvl="0" algn="l" rtl="0">
+    <a:lvl1pPr lvl="0" marR="0" rtl="0" algn="l">
       <a:lnSpc>
         <a:spcPct val="100000"/>
       </a:lnSpc>
@@ -57,7 +64,7 @@
         <a:srgbClr val="000000"/>
       </a:buClr>
       <a:buFont typeface="Arial"/>
-      <a:defRPr sz="1400" b="0" i="0" u="none" strike="noStrike" cap="none">
+      <a:defRPr b="0" i="0" sz="1400" u="none" cap="none" strike="noStrike">
         <a:solidFill>
           <a:srgbClr val="000000"/>
         </a:solidFill>
@@ -67,7 +74,7 @@
         <a:sym typeface="Arial"/>
       </a:defRPr>
     </a:lvl1pPr>
-    <a:lvl2pPr marR="0" lvl="1" algn="l" rtl="0">
+    <a:lvl2pPr lvl="1" marR="0" rtl="0" algn="l">
       <a:lnSpc>
         <a:spcPct val="100000"/>
       </a:lnSpc>
@@ -81,7 +88,7 @@
         <a:srgbClr val="000000"/>
       </a:buClr>
       <a:buFont typeface="Arial"/>
-      <a:defRPr sz="1400" b="0" i="0" u="none" strike="noStrike" cap="none">
+      <a:defRPr b="0" i="0" sz="1400" u="none" cap="none" strike="noStrike">
         <a:solidFill>
           <a:srgbClr val="000000"/>
         </a:solidFill>
@@ -91,7 +98,7 @@
         <a:sym typeface="Arial"/>
       </a:defRPr>
     </a:lvl2pPr>
-    <a:lvl3pPr marR="0" lvl="2" algn="l" rtl="0">
+    <a:lvl3pPr lvl="2" marR="0" rtl="0" algn="l">
       <a:lnSpc>
         <a:spcPct val="100000"/>
       </a:lnSpc>
@@ -105,7 +112,7 @@
         <a:srgbClr val="000000"/>
       </a:buClr>
       <a:buFont typeface="Arial"/>
-      <a:defRPr sz="1400" b="0" i="0" u="none" strike="noStrike" cap="none">
+      <a:defRPr b="0" i="0" sz="1400" u="none" cap="none" strike="noStrike">
         <a:solidFill>
           <a:srgbClr val="000000"/>
         </a:solidFill>
@@ -115,7 +122,7 @@
         <a:sym typeface="Arial"/>
       </a:defRPr>
     </a:lvl3pPr>
-    <a:lvl4pPr marR="0" lvl="3" algn="l" rtl="0">
+    <a:lvl4pPr lvl="3" marR="0" rtl="0" algn="l">
       <a:lnSpc>
         <a:spcPct val="100000"/>
       </a:lnSpc>
@@ -129,7 +136,7 @@
         <a:srgbClr val="000000"/>
       </a:buClr>
       <a:buFont typeface="Arial"/>
-      <a:defRPr sz="1400" b="0" i="0" u="none" strike="noStrike" cap="none">
+      <a:defRPr b="0" i="0" sz="1400" u="none" cap="none" strike="noStrike">
         <a:solidFill>
           <a:srgbClr val="000000"/>
         </a:solidFill>
@@ -139,7 +146,7 @@
         <a:sym typeface="Arial"/>
       </a:defRPr>
     </a:lvl4pPr>
-    <a:lvl5pPr marR="0" lvl="4" algn="l" rtl="0">
+    <a:lvl5pPr lvl="4" marR="0" rtl="0" algn="l">
       <a:lnSpc>
         <a:spcPct val="100000"/>
       </a:lnSpc>
@@ -153,7 +160,7 @@
         <a:srgbClr val="000000"/>
       </a:buClr>
       <a:buFont typeface="Arial"/>
-      <a:defRPr sz="1400" b="0" i="0" u="none" strike="noStrike" cap="none">
+      <a:defRPr b="0" i="0" sz="1400" u="none" cap="none" strike="noStrike">
         <a:solidFill>
           <a:srgbClr val="000000"/>
         </a:solidFill>
@@ -163,7 +170,7 @@
         <a:sym typeface="Arial"/>
       </a:defRPr>
     </a:lvl5pPr>
-    <a:lvl6pPr marR="0" lvl="5" algn="l" rtl="0">
+    <a:lvl6pPr lvl="5" marR="0" rtl="0" algn="l">
       <a:lnSpc>
         <a:spcPct val="100000"/>
       </a:lnSpc>
@@ -177,7 +184,7 @@
         <a:srgbClr val="000000"/>
       </a:buClr>
       <a:buFont typeface="Arial"/>
-      <a:defRPr sz="1400" b="0" i="0" u="none" strike="noStrike" cap="none">
+      <a:defRPr b="0" i="0" sz="1400" u="none" cap="none" strike="noStrike">
         <a:solidFill>
           <a:srgbClr val="000000"/>
         </a:solidFill>
@@ -187,7 +194,7 @@
         <a:sym typeface="Arial"/>
       </a:defRPr>
     </a:lvl6pPr>
-    <a:lvl7pPr marR="0" lvl="6" algn="l" rtl="0">
+    <a:lvl7pPr lvl="6" marR="0" rtl="0" algn="l">
       <a:lnSpc>
         <a:spcPct val="100000"/>
       </a:lnSpc>
@@ -201,7 +208,7 @@
         <a:srgbClr val="000000"/>
       </a:buClr>
       <a:buFont typeface="Arial"/>
-      <a:defRPr sz="1400" b="0" i="0" u="none" strike="noStrike" cap="none">
+      <a:defRPr b="0" i="0" sz="1400" u="none" cap="none" strike="noStrike">
         <a:solidFill>
           <a:srgbClr val="000000"/>
         </a:solidFill>
@@ -211,7 +218,7 @@
         <a:sym typeface="Arial"/>
       </a:defRPr>
     </a:lvl7pPr>
-    <a:lvl8pPr marR="0" lvl="7" algn="l" rtl="0">
+    <a:lvl8pPr lvl="7" marR="0" rtl="0" algn="l">
       <a:lnSpc>
         <a:spcPct val="100000"/>
       </a:lnSpc>
@@ -225,7 +232,7 @@
         <a:srgbClr val="000000"/>
       </a:buClr>
       <a:buFont typeface="Arial"/>
-      <a:defRPr sz="1400" b="0" i="0" u="none" strike="noStrike" cap="none">
+      <a:defRPr b="0" i="0" sz="1400" u="none" cap="none" strike="noStrike">
         <a:solidFill>
           <a:srgbClr val="000000"/>
         </a:solidFill>
@@ -235,7 +242,7 @@
         <a:sym typeface="Arial"/>
       </a:defRPr>
     </a:lvl8pPr>
-    <a:lvl9pPr marR="0" lvl="8" algn="l" rtl="0">
+    <a:lvl9pPr lvl="8" marR="0" rtl="0" algn="l">
       <a:lnSpc>
         <a:spcPct val="100000"/>
       </a:lnSpc>
@@ -249,7 +256,7 @@
         <a:srgbClr val="000000"/>
       </a:buClr>
       <a:buFont typeface="Arial"/>
-      <a:defRPr sz="1400" b="0" i="0" u="none" strike="noStrike" cap="none">
+      <a:defRPr b="0" i="0" sz="1400" u="none" cap="none" strike="noStrike">
         <a:solidFill>
           <a:srgbClr val="000000"/>
         </a:solidFill>
@@ -262,7 +269,7 @@
   </p:defaultTextStyle>
   <p:extLst>
     <p:ext uri="{EFAFB233-063F-42B5-8137-9DF3F51BA10A}">
-      <p15:sldGuideLst xmlns:p15="http://schemas.microsoft.com/office/powerpoint/2012/main">
+      <p15:sldGuideLst>
         <p15:guide id="1" orient="horz" pos="1620">
           <p15:clr>
             <a:srgbClr val="747775"/>
@@ -280,16 +287,11 @@
 </file>
 
 <file path=ppt/notesMasters/notesMaster1.xml><?xml version="1.0" encoding="utf-8"?>
-<p:notesMaster xmlns:a="http://schemas.openxmlformats.org/drawingml/2006/main" xmlns:r="http://schemas.openxmlformats.org/officeDocument/2006/relationships" xmlns:p="http://schemas.openxmlformats.org/presentationml/2006/main">
+<p:notesMaster xmlns:a="http://schemas.openxmlformats.org/drawingml/2006/main" xmlns:r="http://schemas.openxmlformats.org/officeDocument/2006/relationships" xmlns:mc="http://schemas.openxmlformats.org/markup-compatibility/2006" xmlns:mv="urn:schemas-microsoft-com:mac:vml" xmlns:p="http://schemas.openxmlformats.org/presentationml/2006/main" xmlns:c="http://schemas.openxmlformats.org/drawingml/2006/chart" xmlns:dgm="http://schemas.openxmlformats.org/drawingml/2006/diagram" xmlns:o="urn:schemas-microsoft-com:office:office" xmlns:v="urn:schemas-microsoft-com:vml" xmlns:pvml="urn:schemas-microsoft-com:office:powerpoint" xmlns:com="http://schemas.openxmlformats.org/drawingml/2006/compatibility" xmlns:p14="http://schemas.microsoft.com/office/powerpoint/2010/main" xmlns:p15="http://schemas.microsoft.com/office/powerpoint/2012/main" xmlns:ahyp="http://schemas.microsoft.com/office/drawing/2018/hyperlinkcolor">
   <p:cSld>
-    <p:bg>
-      <p:bgRef idx="1001">
-        <a:schemeClr val="bg1"/>
-      </p:bgRef>
-    </p:bg>
     <p:spTree>
       <p:nvGrpSpPr>
-        <p:cNvPr id="1" name="Shape 2"/>
+        <p:cNvPr id="2" name="Shape 2"/>
         <p:cNvGrpSpPr/>
         <p:nvPr/>
       </p:nvGrpSpPr>
@@ -304,11 +306,9 @@
       <p:sp>
         <p:nvSpPr>
           <p:cNvPr id="3" name="Google Shape;3;n"/>
-          <p:cNvSpPr>
-            <a:spLocks noGrp="1" noRot="1" noChangeAspect="1"/>
-          </p:cNvSpPr>
+          <p:cNvSpPr/>
           <p:nvPr>
-            <p:ph type="sldImg" idx="2"/>
+            <p:ph idx="2" type="sldImg"/>
           </p:nvPr>
         </p:nvSpPr>
         <p:spPr>
@@ -317,13 +317,9 @@
             <a:ext cx="6096075" cy="3429000"/>
           </a:xfrm>
           <a:custGeom>
-            <a:avLst/>
-            <a:gdLst/>
-            <a:ahLst/>
-            <a:cxnLst/>
-            <a:rect l="l" t="t" r="r" b="b"/>
+            <a:rect b="b" l="l" r="r" t="t"/>
             <a:pathLst>
-              <a:path w="120000" h="120000" extrusionOk="0">
+              <a:path extrusionOk="0" h="120000" w="120000">
                 <a:moveTo>
                   <a:pt x="0" y="0"/>
                 </a:moveTo>
@@ -341,25 +337,23 @@
             </a:pathLst>
           </a:custGeom>
           <a:noFill/>
-          <a:ln w="9525" cap="flat" cmpd="sng">
+          <a:ln cap="flat" cmpd="sng" w="9525">
             <a:solidFill>
               <a:srgbClr val="000000"/>
             </a:solidFill>
             <a:prstDash val="solid"/>
             <a:round/>
-            <a:headEnd type="none" w="sm" len="sm"/>
-            <a:tailEnd type="none" w="sm" len="sm"/>
+            <a:headEnd len="sm" w="sm" type="none"/>
+            <a:tailEnd len="sm" w="sm" type="none"/>
           </a:ln>
         </p:spPr>
       </p:sp>
       <p:sp>
         <p:nvSpPr>
           <p:cNvPr id="4" name="Google Shape;4;n"/>
-          <p:cNvSpPr txBox="1">
-            <a:spLocks noGrp="1"/>
-          </p:cNvSpPr>
+          <p:cNvSpPr txBox="1"/>
           <p:nvPr>
-            <p:ph type="body" idx="1"/>
+            <p:ph idx="1" type="body"/>
           </p:nvPr>
         </p:nvSpPr>
         <p:spPr>
@@ -376,11 +370,11 @@
           </a:ln>
         </p:spPr>
         <p:txBody>
-          <a:bodyPr spcFirstLastPara="1" wrap="square" lIns="91425" tIns="91425" rIns="91425" bIns="91425" anchor="t" anchorCtr="0">
+          <a:bodyPr anchorCtr="0" anchor="t" bIns="91425" lIns="91425" spcFirstLastPara="1" rIns="91425" wrap="square" tIns="91425">
             <a:noAutofit/>
           </a:bodyPr>
           <a:lstStyle>
-            <a:lvl1pPr marL="457200" lvl="0" indent="-298450">
+            <a:lvl1pPr indent="-298450" lvl="0" marL="457200">
               <a:spcBef>
                 <a:spcPts val="0"/>
               </a:spcBef>
@@ -391,7 +385,7 @@
               <a:buChar char="●"/>
               <a:defRPr sz="1100"/>
             </a:lvl1pPr>
-            <a:lvl2pPr marL="914400" lvl="1" indent="-298450">
+            <a:lvl2pPr indent="-298450" lvl="1" marL="914400">
               <a:spcBef>
                 <a:spcPts val="0"/>
               </a:spcBef>
@@ -402,7 +396,7 @@
               <a:buChar char="○"/>
               <a:defRPr sz="1100"/>
             </a:lvl2pPr>
-            <a:lvl3pPr marL="1371600" lvl="2" indent="-298450">
+            <a:lvl3pPr indent="-298450" lvl="2" marL="1371600">
               <a:spcBef>
                 <a:spcPts val="0"/>
               </a:spcBef>
@@ -413,7 +407,7 @@
               <a:buChar char="■"/>
               <a:defRPr sz="1100"/>
             </a:lvl3pPr>
-            <a:lvl4pPr marL="1828800" lvl="3" indent="-298450">
+            <a:lvl4pPr indent="-298450" lvl="3" marL="1828800">
               <a:spcBef>
                 <a:spcPts val="0"/>
               </a:spcBef>
@@ -424,7 +418,7 @@
               <a:buChar char="●"/>
               <a:defRPr sz="1100"/>
             </a:lvl4pPr>
-            <a:lvl5pPr marL="2286000" lvl="4" indent="-298450">
+            <a:lvl5pPr indent="-298450" lvl="4" marL="2286000">
               <a:spcBef>
                 <a:spcPts val="0"/>
               </a:spcBef>
@@ -435,7 +429,7 @@
               <a:buChar char="○"/>
               <a:defRPr sz="1100"/>
             </a:lvl5pPr>
-            <a:lvl6pPr marL="2743200" lvl="5" indent="-298450">
+            <a:lvl6pPr indent="-298450" lvl="5" marL="2743200">
               <a:spcBef>
                 <a:spcPts val="0"/>
               </a:spcBef>
@@ -446,7 +440,7 @@
               <a:buChar char="■"/>
               <a:defRPr sz="1100"/>
             </a:lvl6pPr>
-            <a:lvl7pPr marL="3200400" lvl="6" indent="-298450">
+            <a:lvl7pPr indent="-298450" lvl="6" marL="3200400">
               <a:spcBef>
                 <a:spcPts val="0"/>
               </a:spcBef>
@@ -457,7 +451,7 @@
               <a:buChar char="●"/>
               <a:defRPr sz="1100"/>
             </a:lvl7pPr>
-            <a:lvl8pPr marL="3657600" lvl="7" indent="-298450">
+            <a:lvl8pPr indent="-298450" lvl="7" marL="3657600">
               <a:spcBef>
                 <a:spcPts val="0"/>
               </a:spcBef>
@@ -468,7 +462,7 @@
               <a:buChar char="○"/>
               <a:defRPr sz="1100"/>
             </a:lvl8pPr>
-            <a:lvl9pPr marL="4114800" lvl="8" indent="-298450">
+            <a:lvl9pPr indent="-298450" lvl="8" marL="4114800">
               <a:spcBef>
                 <a:spcPts val="0"/>
               </a:spcBef>
@@ -480,16 +474,14 @@
               <a:defRPr sz="1100"/>
             </a:lvl9pPr>
           </a:lstStyle>
-          <a:p>
-            <a:endParaRPr/>
-          </a:p>
+          <a:p/>
         </p:txBody>
       </p:sp>
     </p:spTree>
   </p:cSld>
-  <p:clrMap bg1="lt1" tx1="dk1" bg2="dk2" tx2="lt2" accent1="accent1" accent2="accent2" accent3="accent3" accent4="accent4" accent5="accent5" accent6="accent6" hlink="hlink" folHlink="folHlink"/>
+  <p:clrMap accent1="accent1" accent2="accent2" accent3="accent3" accent4="accent4" accent5="accent5" accent6="accent6" bg1="lt1" bg2="dk2" tx1="dk1" tx2="lt2" folHlink="folHlink" hlink="hlink"/>
   <p:notesStyle>
-    <a:defPPr marR="0" lvl="0" algn="l" rtl="0">
+    <a:defPPr lvl="0" marR="0" rtl="0" algn="l">
       <a:lnSpc>
         <a:spcPct val="100000"/>
       </a:lnSpc>
@@ -500,7 +492,7 @@
         <a:spcPts val="0"/>
       </a:spcAft>
     </a:defPPr>
-    <a:lvl1pPr marR="0" lvl="0" algn="l" rtl="0">
+    <a:lvl1pPr lvl="0" marR="0" rtl="0" algn="l">
       <a:lnSpc>
         <a:spcPct val="100000"/>
       </a:lnSpc>
@@ -514,7 +506,7 @@
         <a:srgbClr val="000000"/>
       </a:buClr>
       <a:buFont typeface="Arial"/>
-      <a:defRPr sz="1400" b="0" i="0" u="none" strike="noStrike" cap="none">
+      <a:defRPr b="0" i="0" sz="1400" u="none" cap="none" strike="noStrike">
         <a:solidFill>
           <a:srgbClr val="000000"/>
         </a:solidFill>
@@ -524,7 +516,7 @@
         <a:sym typeface="Arial"/>
       </a:defRPr>
     </a:lvl1pPr>
-    <a:lvl2pPr marR="0" lvl="1" algn="l" rtl="0">
+    <a:lvl2pPr lvl="1" marR="0" rtl="0" algn="l">
       <a:lnSpc>
         <a:spcPct val="100000"/>
       </a:lnSpc>
@@ -538,7 +530,7 @@
         <a:srgbClr val="000000"/>
       </a:buClr>
       <a:buFont typeface="Arial"/>
-      <a:defRPr sz="1400" b="0" i="0" u="none" strike="noStrike" cap="none">
+      <a:defRPr b="0" i="0" sz="1400" u="none" cap="none" strike="noStrike">
         <a:solidFill>
           <a:srgbClr val="000000"/>
         </a:solidFill>
@@ -548,7 +540,7 @@
         <a:sym typeface="Arial"/>
       </a:defRPr>
     </a:lvl2pPr>
-    <a:lvl3pPr marR="0" lvl="2" algn="l" rtl="0">
+    <a:lvl3pPr lvl="2" marR="0" rtl="0" algn="l">
       <a:lnSpc>
         <a:spcPct val="100000"/>
       </a:lnSpc>
@@ -562,7 +554,7 @@
         <a:srgbClr val="000000"/>
       </a:buClr>
       <a:buFont typeface="Arial"/>
-      <a:defRPr sz="1400" b="0" i="0" u="none" strike="noStrike" cap="none">
+      <a:defRPr b="0" i="0" sz="1400" u="none" cap="none" strike="noStrike">
         <a:solidFill>
           <a:srgbClr val="000000"/>
         </a:solidFill>
@@ -572,7 +564,7 @@
         <a:sym typeface="Arial"/>
       </a:defRPr>
     </a:lvl3pPr>
-    <a:lvl4pPr marR="0" lvl="3" algn="l" rtl="0">
+    <a:lvl4pPr lvl="3" marR="0" rtl="0" algn="l">
       <a:lnSpc>
         <a:spcPct val="100000"/>
       </a:lnSpc>
@@ -586,7 +578,7 @@
         <a:srgbClr val="000000"/>
       </a:buClr>
       <a:buFont typeface="Arial"/>
-      <a:defRPr sz="1400" b="0" i="0" u="none" strike="noStrike" cap="none">
+      <a:defRPr b="0" i="0" sz="1400" u="none" cap="none" strike="noStrike">
         <a:solidFill>
           <a:srgbClr val="000000"/>
         </a:solidFill>
@@ -596,7 +588,7 @@
         <a:sym typeface="Arial"/>
       </a:defRPr>
     </a:lvl4pPr>
-    <a:lvl5pPr marR="0" lvl="4" algn="l" rtl="0">
+    <a:lvl5pPr lvl="4" marR="0" rtl="0" algn="l">
       <a:lnSpc>
         <a:spcPct val="100000"/>
       </a:lnSpc>
@@ -610,7 +602,7 @@
         <a:srgbClr val="000000"/>
       </a:buClr>
       <a:buFont typeface="Arial"/>
-      <a:defRPr sz="1400" b="0" i="0" u="none" strike="noStrike" cap="none">
+      <a:defRPr b="0" i="0" sz="1400" u="none" cap="none" strike="noStrike">
         <a:solidFill>
           <a:srgbClr val="000000"/>
         </a:solidFill>
@@ -620,7 +612,7 @@
         <a:sym typeface="Arial"/>
       </a:defRPr>
     </a:lvl5pPr>
-    <a:lvl6pPr marR="0" lvl="5" algn="l" rtl="0">
+    <a:lvl6pPr lvl="5" marR="0" rtl="0" algn="l">
       <a:lnSpc>
         <a:spcPct val="100000"/>
       </a:lnSpc>
@@ -634,7 +626,7 @@
         <a:srgbClr val="000000"/>
       </a:buClr>
       <a:buFont typeface="Arial"/>
-      <a:defRPr sz="1400" b="0" i="0" u="none" strike="noStrike" cap="none">
+      <a:defRPr b="0" i="0" sz="1400" u="none" cap="none" strike="noStrike">
         <a:solidFill>
           <a:srgbClr val="000000"/>
         </a:solidFill>
@@ -644,7 +636,7 @@
         <a:sym typeface="Arial"/>
       </a:defRPr>
     </a:lvl6pPr>
-    <a:lvl7pPr marR="0" lvl="6" algn="l" rtl="0">
+    <a:lvl7pPr lvl="6" marR="0" rtl="0" algn="l">
       <a:lnSpc>
         <a:spcPct val="100000"/>
       </a:lnSpc>
@@ -658,7 +650,7 @@
         <a:srgbClr val="000000"/>
       </a:buClr>
       <a:buFont typeface="Arial"/>
-      <a:defRPr sz="1400" b="0" i="0" u="none" strike="noStrike" cap="none">
+      <a:defRPr b="0" i="0" sz="1400" u="none" cap="none" strike="noStrike">
         <a:solidFill>
           <a:srgbClr val="000000"/>
         </a:solidFill>
@@ -668,7 +660,7 @@
         <a:sym typeface="Arial"/>
       </a:defRPr>
     </a:lvl7pPr>
-    <a:lvl8pPr marR="0" lvl="7" algn="l" rtl="0">
+    <a:lvl8pPr lvl="7" marR="0" rtl="0" algn="l">
       <a:lnSpc>
         <a:spcPct val="100000"/>
       </a:lnSpc>
@@ -682,7 +674,7 @@
         <a:srgbClr val="000000"/>
       </a:buClr>
       <a:buFont typeface="Arial"/>
-      <a:defRPr sz="1400" b="0" i="0" u="none" strike="noStrike" cap="none">
+      <a:defRPr b="0" i="0" sz="1400" u="none" cap="none" strike="noStrike">
         <a:solidFill>
           <a:srgbClr val="000000"/>
         </a:solidFill>
@@ -692,7 +684,7 @@
         <a:sym typeface="Arial"/>
       </a:defRPr>
     </a:lvl8pPr>
-    <a:lvl9pPr marR="0" lvl="8" algn="l" rtl="0">
+    <a:lvl9pPr lvl="8" marR="0" rtl="0" algn="l">
       <a:lnSpc>
         <a:spcPct val="100000"/>
       </a:lnSpc>
@@ -706,7 +698,7 @@
         <a:srgbClr val="000000"/>
       </a:buClr>
       <a:buFont typeface="Arial"/>
-      <a:defRPr sz="1400" b="0" i="0" u="none" strike="noStrike" cap="none">
+      <a:defRPr b="0" i="0" sz="1400" u="none" cap="none" strike="noStrike">
         <a:solidFill>
           <a:srgbClr val="000000"/>
         </a:solidFill>
@@ -721,11 +713,11 @@
 </file>
 
 <file path=ppt/notesSlides/notesSlide1.xml><?xml version="1.0" encoding="utf-8"?>
-<p:notes xmlns:a="http://schemas.openxmlformats.org/drawingml/2006/main" xmlns:r="http://schemas.openxmlformats.org/officeDocument/2006/relationships" xmlns:p="http://schemas.openxmlformats.org/presentationml/2006/main" showMasterSp="0" showMasterPhAnim="0">
+<p:notes xmlns:a="http://schemas.openxmlformats.org/drawingml/2006/main" xmlns:r="http://schemas.openxmlformats.org/officeDocument/2006/relationships" xmlns:mc="http://schemas.openxmlformats.org/markup-compatibility/2006" xmlns:mv="urn:schemas-microsoft-com:mac:vml" xmlns:p="http://schemas.openxmlformats.org/presentationml/2006/main" xmlns:c="http://schemas.openxmlformats.org/drawingml/2006/chart" xmlns:dgm="http://schemas.openxmlformats.org/drawingml/2006/diagram" xmlns:o="urn:schemas-microsoft-com:office:office" xmlns:v="urn:schemas-microsoft-com:vml" xmlns:pvml="urn:schemas-microsoft-com:office:powerpoint" xmlns:com="http://schemas.openxmlformats.org/drawingml/2006/compatibility" xmlns:p14="http://schemas.microsoft.com/office/powerpoint/2010/main" xmlns:p15="http://schemas.microsoft.com/office/powerpoint/2012/main" xmlns:ahyp="http://schemas.microsoft.com/office/drawing/2018/hyperlinkcolor" showMasterPhAnim="0" showMasterSp="0">
   <p:cSld>
     <p:spTree>
       <p:nvGrpSpPr>
-        <p:cNvPr id="1" name="Shape 130"/>
+        <p:cNvPr id="130" name="Shape 130"/>
         <p:cNvGrpSpPr/>
         <p:nvPr/>
       </p:nvGrpSpPr>
@@ -740,26 +732,20 @@
       <p:sp>
         <p:nvSpPr>
           <p:cNvPr id="131" name="Google Shape;131;p:notes"/>
-          <p:cNvSpPr>
-            <a:spLocks noGrp="1" noRot="1" noChangeAspect="1"/>
-          </p:cNvSpPr>
+          <p:cNvSpPr/>
           <p:nvPr>
-            <p:ph type="sldImg" idx="2"/>
+            <p:ph idx="2" type="sldImg"/>
           </p:nvPr>
         </p:nvSpPr>
         <p:spPr>
           <a:xfrm>
-            <a:off x="381000" y="685800"/>
-            <a:ext cx="6096000" cy="3429000"/>
+            <a:off x="381300" y="685800"/>
+            <a:ext cx="6096075" cy="3429000"/>
           </a:xfrm>
           <a:custGeom>
-            <a:avLst/>
-            <a:gdLst/>
-            <a:ahLst/>
-            <a:cxnLst/>
-            <a:rect l="l" t="t" r="r" b="b"/>
+            <a:rect b="b" l="l" r="r" t="t"/>
             <a:pathLst>
-              <a:path w="120000" h="120000" extrusionOk="0">
+              <a:path extrusionOk="0" h="120000" w="120000">
                 <a:moveTo>
                   <a:pt x="0" y="0"/>
                 </a:moveTo>
@@ -781,11 +767,9 @@
       <p:sp>
         <p:nvSpPr>
           <p:cNvPr id="132" name="Google Shape;132;p:notes"/>
-          <p:cNvSpPr txBox="1">
-            <a:spLocks noGrp="1"/>
-          </p:cNvSpPr>
+          <p:cNvSpPr txBox="1"/>
           <p:nvPr>
-            <p:ph type="body" idx="1"/>
+            <p:ph idx="1" type="body"/>
           </p:nvPr>
         </p:nvSpPr>
         <p:spPr>
@@ -798,12 +782,12 @@
           </a:prstGeom>
         </p:spPr>
         <p:txBody>
-          <a:bodyPr spcFirstLastPara="1" wrap="square" lIns="91425" tIns="91425" rIns="91425" bIns="91425" anchor="t" anchorCtr="0">
+          <a:bodyPr anchorCtr="0" anchor="t" bIns="91425" lIns="91425" spcFirstLastPara="1" rIns="91425" wrap="square" tIns="91425">
             <a:noAutofit/>
           </a:bodyPr>
           <a:lstStyle/>
           <a:p>
-            <a:pPr marL="0" lvl="0" indent="0" algn="l" rtl="0">
+            <a:pPr indent="0" lvl="0" marL="0" rtl="0" algn="l">
               <a:spcBef>
                 <a:spcPts val="0"/>
               </a:spcBef>
@@ -812,6 +796,9 @@
               </a:spcAft>
               <a:buNone/>
             </a:pPr>
+            <a:r>
+              <a:t/>
+            </a:r>
             <a:endParaRPr/>
           </a:p>
         </p:txBody>
@@ -825,11 +812,11 @@
 </file>
 
 <file path=ppt/notesSlides/notesSlide2.xml><?xml version="1.0" encoding="utf-8"?>
-<p:notes xmlns:a="http://schemas.openxmlformats.org/drawingml/2006/main" xmlns:r="http://schemas.openxmlformats.org/officeDocument/2006/relationships" xmlns:p="http://schemas.openxmlformats.org/presentationml/2006/main" showMasterSp="0" showMasterPhAnim="0">
+<p:notes xmlns:a="http://schemas.openxmlformats.org/drawingml/2006/main" xmlns:r="http://schemas.openxmlformats.org/officeDocument/2006/relationships" xmlns:mc="http://schemas.openxmlformats.org/markup-compatibility/2006" xmlns:mv="urn:schemas-microsoft-com:mac:vml" xmlns:p="http://schemas.openxmlformats.org/presentationml/2006/main" xmlns:c="http://schemas.openxmlformats.org/drawingml/2006/chart" xmlns:dgm="http://schemas.openxmlformats.org/drawingml/2006/diagram" xmlns:o="urn:schemas-microsoft-com:office:office" xmlns:v="urn:schemas-microsoft-com:vml" xmlns:pvml="urn:schemas-microsoft-com:office:powerpoint" xmlns:com="http://schemas.openxmlformats.org/drawingml/2006/compatibility" xmlns:p14="http://schemas.microsoft.com/office/powerpoint/2010/main" xmlns:p15="http://schemas.microsoft.com/office/powerpoint/2012/main" xmlns:ahyp="http://schemas.microsoft.com/office/drawing/2018/hyperlinkcolor" showMasterPhAnim="0" showMasterSp="0">
   <p:cSld>
     <p:spTree>
       <p:nvGrpSpPr>
-        <p:cNvPr id="1" name="Shape 284"/>
+        <p:cNvPr id="145" name="Shape 145"/>
         <p:cNvGrpSpPr/>
         <p:nvPr/>
       </p:nvGrpSpPr>
@@ -843,27 +830,21 @@
       </p:grpSpPr>
       <p:sp>
         <p:nvSpPr>
-          <p:cNvPr id="285" name="Google Shape;285;g2436440780a_0_27:notes"/>
-          <p:cNvSpPr>
-            <a:spLocks noGrp="1" noRot="1" noChangeAspect="1"/>
-          </p:cNvSpPr>
+          <p:cNvPr id="146" name="Google Shape;146;g242cf0fc797_0_49:notes"/>
+          <p:cNvSpPr/>
           <p:nvPr>
-            <p:ph type="sldImg" idx="2"/>
+            <p:ph idx="2" type="sldImg"/>
           </p:nvPr>
         </p:nvSpPr>
         <p:spPr>
           <a:xfrm>
-            <a:off x="381000" y="685800"/>
+            <a:off x="381300" y="685800"/>
             <a:ext cx="6096000" cy="3429000"/>
           </a:xfrm>
           <a:custGeom>
-            <a:avLst/>
-            <a:gdLst/>
-            <a:ahLst/>
-            <a:cxnLst/>
-            <a:rect l="l" t="t" r="r" b="b"/>
+            <a:rect b="b" l="l" r="r" t="t"/>
             <a:pathLst>
-              <a:path w="120000" h="120000" extrusionOk="0">
+              <a:path extrusionOk="0" h="120000" w="120000">
                 <a:moveTo>
                   <a:pt x="0" y="0"/>
                 </a:moveTo>
@@ -884,12 +865,10 @@
       </p:sp>
       <p:sp>
         <p:nvSpPr>
-          <p:cNvPr id="286" name="Google Shape;286;g2436440780a_0_27:notes"/>
-          <p:cNvSpPr txBox="1">
-            <a:spLocks noGrp="1"/>
-          </p:cNvSpPr>
+          <p:cNvPr id="147" name="Google Shape;147;g242cf0fc797_0_49:notes"/>
+          <p:cNvSpPr txBox="1"/>
           <p:nvPr>
-            <p:ph type="body" idx="1"/>
+            <p:ph idx="1" type="body"/>
           </p:nvPr>
         </p:nvSpPr>
         <p:spPr>
@@ -902,12 +881,12 @@
           </a:prstGeom>
         </p:spPr>
         <p:txBody>
-          <a:bodyPr spcFirstLastPara="1" wrap="square" lIns="91425" tIns="91425" rIns="91425" bIns="91425" anchor="t" anchorCtr="0">
+          <a:bodyPr anchorCtr="0" anchor="t" bIns="91425" lIns="91425" spcFirstLastPara="1" rIns="91425" wrap="square" tIns="91425">
             <a:noAutofit/>
           </a:bodyPr>
           <a:lstStyle/>
           <a:p>
-            <a:pPr marL="0" lvl="0" indent="0" algn="l" rtl="0">
+            <a:pPr indent="0" lvl="0" marL="0" rtl="0" algn="l">
               <a:spcBef>
                 <a:spcPts val="0"/>
               </a:spcBef>
@@ -916,6 +895,9 @@
               </a:spcAft>
               <a:buNone/>
             </a:pPr>
+            <a:r>
+              <a:t/>
+            </a:r>
             <a:endParaRPr/>
           </a:p>
         </p:txBody>
@@ -929,11 +911,11 @@
 </file>
 
 <file path=ppt/notesSlides/notesSlide3.xml><?xml version="1.0" encoding="utf-8"?>
-<p:notes xmlns:a="http://schemas.openxmlformats.org/drawingml/2006/main" xmlns:r="http://schemas.openxmlformats.org/officeDocument/2006/relationships" xmlns:p="http://schemas.openxmlformats.org/presentationml/2006/main" showMasterSp="0" showMasterPhAnim="0">
+<p:notes xmlns:a="http://schemas.openxmlformats.org/drawingml/2006/main" xmlns:r="http://schemas.openxmlformats.org/officeDocument/2006/relationships" xmlns:mc="http://schemas.openxmlformats.org/markup-compatibility/2006" xmlns:mv="urn:schemas-microsoft-com:mac:vml" xmlns:p="http://schemas.openxmlformats.org/presentationml/2006/main" xmlns:c="http://schemas.openxmlformats.org/drawingml/2006/chart" xmlns:dgm="http://schemas.openxmlformats.org/drawingml/2006/diagram" xmlns:o="urn:schemas-microsoft-com:office:office" xmlns:v="urn:schemas-microsoft-com:vml" xmlns:pvml="urn:schemas-microsoft-com:office:powerpoint" xmlns:com="http://schemas.openxmlformats.org/drawingml/2006/compatibility" xmlns:p14="http://schemas.microsoft.com/office/powerpoint/2010/main" xmlns:p15="http://schemas.microsoft.com/office/powerpoint/2012/main" xmlns:ahyp="http://schemas.microsoft.com/office/drawing/2018/hyperlinkcolor" showMasterPhAnim="0" showMasterSp="0">
   <p:cSld>
     <p:spTree>
       <p:nvGrpSpPr>
-        <p:cNvPr id="1" name="Shape 284"/>
+        <p:cNvPr id="159" name="Shape 159"/>
         <p:cNvGrpSpPr/>
         <p:nvPr/>
       </p:nvGrpSpPr>
@@ -947,27 +929,21 @@
       </p:grpSpPr>
       <p:sp>
         <p:nvSpPr>
-          <p:cNvPr id="285" name="Google Shape;285;g2436440780a_0_27:notes"/>
-          <p:cNvSpPr>
-            <a:spLocks noGrp="1" noRot="1" noChangeAspect="1"/>
-          </p:cNvSpPr>
+          <p:cNvPr id="160" name="Google Shape;160;g242cf0fc797_1_18:notes"/>
+          <p:cNvSpPr/>
           <p:nvPr>
-            <p:ph type="sldImg" idx="2"/>
+            <p:ph idx="2" type="sldImg"/>
           </p:nvPr>
         </p:nvSpPr>
         <p:spPr>
           <a:xfrm>
-            <a:off x="381000" y="685800"/>
+            <a:off x="381300" y="685800"/>
             <a:ext cx="6096000" cy="3429000"/>
           </a:xfrm>
           <a:custGeom>
-            <a:avLst/>
-            <a:gdLst/>
-            <a:ahLst/>
-            <a:cxnLst/>
-            <a:rect l="l" t="t" r="r" b="b"/>
+            <a:rect b="b" l="l" r="r" t="t"/>
             <a:pathLst>
-              <a:path w="120000" h="120000" extrusionOk="0">
+              <a:path extrusionOk="0" h="120000" w="120000">
                 <a:moveTo>
                   <a:pt x="0" y="0"/>
                 </a:moveTo>
@@ -988,12 +964,10 @@
       </p:sp>
       <p:sp>
         <p:nvSpPr>
-          <p:cNvPr id="286" name="Google Shape;286;g2436440780a_0_27:notes"/>
-          <p:cNvSpPr txBox="1">
-            <a:spLocks noGrp="1"/>
-          </p:cNvSpPr>
+          <p:cNvPr id="161" name="Google Shape;161;g242cf0fc797_1_18:notes"/>
+          <p:cNvSpPr txBox="1"/>
           <p:nvPr>
-            <p:ph type="body" idx="1"/>
+            <p:ph idx="1" type="body"/>
           </p:nvPr>
         </p:nvSpPr>
         <p:spPr>
@@ -1006,12 +980,12 @@
           </a:prstGeom>
         </p:spPr>
         <p:txBody>
-          <a:bodyPr spcFirstLastPara="1" wrap="square" lIns="91425" tIns="91425" rIns="91425" bIns="91425" anchor="t" anchorCtr="0">
+          <a:bodyPr anchorCtr="0" anchor="t" bIns="91425" lIns="91425" spcFirstLastPara="1" rIns="91425" wrap="square" tIns="91425">
             <a:noAutofit/>
           </a:bodyPr>
           <a:lstStyle/>
           <a:p>
-            <a:pPr marL="0" lvl="0" indent="0" algn="l" rtl="0">
+            <a:pPr indent="0" lvl="0" marL="0" rtl="0" algn="l">
               <a:spcBef>
                 <a:spcPts val="0"/>
               </a:spcBef>
@@ -1020,16 +994,14 @@
               </a:spcAft>
               <a:buNone/>
             </a:pPr>
+            <a:r>
+              <a:t/>
+            </a:r>
             <a:endParaRPr/>
           </a:p>
         </p:txBody>
       </p:sp>
     </p:spTree>
-    <p:extLst>
-      <p:ext uri="{BB962C8B-B14F-4D97-AF65-F5344CB8AC3E}">
-        <p14:creationId xmlns:p14="http://schemas.microsoft.com/office/powerpoint/2010/main" val="1358307729"/>
-      </p:ext>
-    </p:extLst>
   </p:cSld>
   <p:clrMapOvr>
     <a:masterClrMapping/>
@@ -1038,11 +1010,11 @@
 </file>
 
 <file path=ppt/notesSlides/notesSlide4.xml><?xml version="1.0" encoding="utf-8"?>
-<p:notes xmlns:a="http://schemas.openxmlformats.org/drawingml/2006/main" xmlns:r="http://schemas.openxmlformats.org/officeDocument/2006/relationships" xmlns:p="http://schemas.openxmlformats.org/presentationml/2006/main" showMasterSp="0" showMasterPhAnim="0">
+<p:notes xmlns:a="http://schemas.openxmlformats.org/drawingml/2006/main" xmlns:r="http://schemas.openxmlformats.org/officeDocument/2006/relationships" xmlns:mc="http://schemas.openxmlformats.org/markup-compatibility/2006" xmlns:mv="urn:schemas-microsoft-com:mac:vml" xmlns:p="http://schemas.openxmlformats.org/presentationml/2006/main" xmlns:c="http://schemas.openxmlformats.org/drawingml/2006/chart" xmlns:dgm="http://schemas.openxmlformats.org/drawingml/2006/diagram" xmlns:o="urn:schemas-microsoft-com:office:office" xmlns:v="urn:schemas-microsoft-com:vml" xmlns:pvml="urn:schemas-microsoft-com:office:powerpoint" xmlns:com="http://schemas.openxmlformats.org/drawingml/2006/compatibility" xmlns:p14="http://schemas.microsoft.com/office/powerpoint/2010/main" xmlns:p15="http://schemas.microsoft.com/office/powerpoint/2012/main" xmlns:ahyp="http://schemas.microsoft.com/office/drawing/2018/hyperlinkcolor" showMasterPhAnim="0" showMasterSp="0">
   <p:cSld>
     <p:spTree>
       <p:nvGrpSpPr>
-        <p:cNvPr id="1" name="Shape 284"/>
+        <p:cNvPr id="173" name="Shape 173"/>
         <p:cNvGrpSpPr/>
         <p:nvPr/>
       </p:nvGrpSpPr>
@@ -1056,27 +1028,21 @@
       </p:grpSpPr>
       <p:sp>
         <p:nvSpPr>
-          <p:cNvPr id="285" name="Google Shape;285;g2436440780a_0_27:notes"/>
-          <p:cNvSpPr>
-            <a:spLocks noGrp="1" noRot="1" noChangeAspect="1"/>
-          </p:cNvSpPr>
+          <p:cNvPr id="174" name="Google Shape;174;g242cf0fc797_2_1:notes"/>
+          <p:cNvSpPr/>
           <p:nvPr>
-            <p:ph type="sldImg" idx="2"/>
+            <p:ph idx="2" type="sldImg"/>
           </p:nvPr>
         </p:nvSpPr>
         <p:spPr>
           <a:xfrm>
-            <a:off x="381000" y="685800"/>
+            <a:off x="381300" y="685800"/>
             <a:ext cx="6096000" cy="3429000"/>
           </a:xfrm>
           <a:custGeom>
-            <a:avLst/>
-            <a:gdLst/>
-            <a:ahLst/>
-            <a:cxnLst/>
-            <a:rect l="l" t="t" r="r" b="b"/>
+            <a:rect b="b" l="l" r="r" t="t"/>
             <a:pathLst>
-              <a:path w="120000" h="120000" extrusionOk="0">
+              <a:path extrusionOk="0" h="120000" w="120000">
                 <a:moveTo>
                   <a:pt x="0" y="0"/>
                 </a:moveTo>
@@ -1097,12 +1063,10 @@
       </p:sp>
       <p:sp>
         <p:nvSpPr>
-          <p:cNvPr id="286" name="Google Shape;286;g2436440780a_0_27:notes"/>
-          <p:cNvSpPr txBox="1">
-            <a:spLocks noGrp="1"/>
-          </p:cNvSpPr>
+          <p:cNvPr id="175" name="Google Shape;175;g242cf0fc797_2_1:notes"/>
+          <p:cNvSpPr txBox="1"/>
           <p:nvPr>
-            <p:ph type="body" idx="1"/>
+            <p:ph idx="1" type="body"/>
           </p:nvPr>
         </p:nvSpPr>
         <p:spPr>
@@ -1115,12 +1079,12 @@
           </a:prstGeom>
         </p:spPr>
         <p:txBody>
-          <a:bodyPr spcFirstLastPara="1" wrap="square" lIns="91425" tIns="91425" rIns="91425" bIns="91425" anchor="t" anchorCtr="0">
+          <a:bodyPr anchorCtr="0" anchor="t" bIns="91425" lIns="91425" spcFirstLastPara="1" rIns="91425" wrap="square" tIns="91425">
             <a:noAutofit/>
           </a:bodyPr>
           <a:lstStyle/>
           <a:p>
-            <a:pPr marL="0" lvl="0" indent="0" algn="l" rtl="0">
+            <a:pPr indent="0" lvl="0" marL="0" rtl="0" algn="l">
               <a:spcBef>
                 <a:spcPts val="0"/>
               </a:spcBef>
@@ -1129,16 +1093,14 @@
               </a:spcAft>
               <a:buNone/>
             </a:pPr>
+            <a:r>
+              <a:t/>
+            </a:r>
             <a:endParaRPr/>
           </a:p>
         </p:txBody>
       </p:sp>
     </p:spTree>
-    <p:extLst>
-      <p:ext uri="{BB962C8B-B14F-4D97-AF65-F5344CB8AC3E}">
-        <p14:creationId xmlns:p14="http://schemas.microsoft.com/office/powerpoint/2010/main" val="3227162233"/>
-      </p:ext>
-    </p:extLst>
   </p:cSld>
   <p:clrMapOvr>
     <a:masterClrMapping/>
@@ -1147,19 +1109,18 @@
 </file>
 
 <file path=ppt/slideLayouts/slideLayout1.xml><?xml version="1.0" encoding="utf-8"?>
-<p:sldLayout xmlns:a="http://schemas.openxmlformats.org/drawingml/2006/main" xmlns:r="http://schemas.openxmlformats.org/officeDocument/2006/relationships" xmlns:p="http://schemas.openxmlformats.org/presentationml/2006/main" matchingName="Title slide" type="title">
+<p:sldLayout xmlns:a="http://schemas.openxmlformats.org/drawingml/2006/main" xmlns:r="http://schemas.openxmlformats.org/officeDocument/2006/relationships" xmlns:mc="http://schemas.openxmlformats.org/markup-compatibility/2006" xmlns:mv="urn:schemas-microsoft-com:mac:vml" xmlns:p="http://schemas.openxmlformats.org/presentationml/2006/main" xmlns:c="http://schemas.openxmlformats.org/drawingml/2006/chart" xmlns:dgm="http://schemas.openxmlformats.org/drawingml/2006/diagram" xmlns:o="urn:schemas-microsoft-com:office:office" xmlns:v="urn:schemas-microsoft-com:vml" xmlns:pvml="urn:schemas-microsoft-com:office:powerpoint" xmlns:com="http://schemas.openxmlformats.org/drawingml/2006/compatibility" xmlns:p14="http://schemas.microsoft.com/office/powerpoint/2010/main" xmlns:p15="http://schemas.microsoft.com/office/powerpoint/2012/main" xmlns:ahyp="http://schemas.microsoft.com/office/drawing/2018/hyperlinkcolor" matchingName="Title slide" type="title">
   <p:cSld name="TITLE">
     <p:bg>
       <p:bgPr>
         <a:solidFill>
           <a:schemeClr val="lt1"/>
         </a:solidFill>
-        <a:effectLst/>
       </p:bgPr>
     </p:bg>
     <p:spTree>
       <p:nvGrpSpPr>
-        <p:cNvPr id="1" name="Shape 9"/>
+        <p:cNvPr id="9" name="Shape 9"/>
         <p:cNvGrpSpPr/>
         <p:nvPr/>
       </p:nvGrpSpPr>
@@ -1184,7 +1145,7 @@
           </a:xfrm>
           <a:prstGeom prst="diagStripe">
             <a:avLst>
-              <a:gd name="adj" fmla="val 0"/>
+              <a:gd fmla="val 0" name="adj"/>
             </a:avLst>
           </a:prstGeom>
           <a:solidFill>
@@ -1197,12 +1158,12 @@
           </a:ln>
         </p:spPr>
         <p:txBody>
-          <a:bodyPr spcFirstLastPara="1" wrap="square" lIns="91425" tIns="91425" rIns="91425" bIns="91425" anchor="ctr" anchorCtr="0">
+          <a:bodyPr anchorCtr="0" anchor="ctr" bIns="91425" lIns="91425" spcFirstLastPara="1" rIns="91425" wrap="square" tIns="91425">
             <a:noAutofit/>
           </a:bodyPr>
           <a:lstStyle/>
           <a:p>
-            <a:pPr marL="0" lvl="0" indent="0" algn="l" rtl="0">
+            <a:pPr indent="0" lvl="0" marL="0" rtl="0" algn="l">
               <a:spcBef>
                 <a:spcPts val="0"/>
               </a:spcBef>
@@ -1211,6 +1172,9 @@
               </a:spcAft>
               <a:buNone/>
             </a:pPr>
+            <a:r>
+              <a:t/>
+            </a:r>
             <a:endParaRPr/>
           </a:p>
         </p:txBody>
@@ -1242,7 +1206,7 @@
             </a:xfrm>
             <a:prstGeom prst="diagStripe">
               <a:avLst>
-                <a:gd name="adj" fmla="val 50000"/>
+                <a:gd fmla="val 50000" name="adj"/>
               </a:avLst>
             </a:prstGeom>
             <a:solidFill>
@@ -1255,12 +1219,12 @@
             </a:ln>
           </p:spPr>
           <p:txBody>
-            <a:bodyPr spcFirstLastPara="1" wrap="square" lIns="91425" tIns="91425" rIns="91425" bIns="91425" anchor="ctr" anchorCtr="0">
+            <a:bodyPr anchorCtr="0" anchor="ctr" bIns="91425" lIns="91425" spcFirstLastPara="1" rIns="91425" wrap="square" tIns="91425">
               <a:noAutofit/>
             </a:bodyPr>
             <a:lstStyle/>
             <a:p>
-              <a:pPr marL="0" lvl="0" indent="0" algn="l" rtl="0">
+              <a:pPr indent="0" lvl="0" marL="0" rtl="0" algn="l">
                 <a:spcBef>
                   <a:spcPts val="0"/>
                 </a:spcBef>
@@ -1269,6 +1233,9 @@
                 </a:spcAft>
                 <a:buNone/>
               </a:pPr>
+              <a:r>
+                <a:t/>
+              </a:r>
               <a:endParaRPr/>
             </a:p>
           </p:txBody>
@@ -1286,7 +1253,7 @@
             </a:xfrm>
             <a:prstGeom prst="diagStripe">
               <a:avLst>
-                <a:gd name="adj" fmla="val 58774"/>
+                <a:gd fmla="val 58774" name="adj"/>
               </a:avLst>
             </a:prstGeom>
             <a:solidFill>
@@ -1299,12 +1266,12 @@
             </a:ln>
           </p:spPr>
           <p:txBody>
-            <a:bodyPr spcFirstLastPara="1" wrap="square" lIns="91425" tIns="91425" rIns="91425" bIns="91425" anchor="ctr" anchorCtr="0">
+            <a:bodyPr anchorCtr="0" anchor="ctr" bIns="91425" lIns="91425" spcFirstLastPara="1" rIns="91425" wrap="square" tIns="91425">
               <a:noAutofit/>
             </a:bodyPr>
             <a:lstStyle/>
             <a:p>
-              <a:pPr marL="0" lvl="0" indent="0" algn="l" rtl="0">
+              <a:pPr indent="0" lvl="0" marL="0" rtl="0" algn="l">
                 <a:spcBef>
                   <a:spcPts val="0"/>
                 </a:spcBef>
@@ -1313,6 +1280,9 @@
                 </a:spcAft>
                 <a:buNone/>
               </a:pPr>
+              <a:r>
+                <a:t/>
+              </a:r>
               <a:endParaRPr/>
             </a:p>
           </p:txBody>
@@ -1330,7 +1300,7 @@
             </a:xfrm>
             <a:prstGeom prst="diagStripe">
               <a:avLst>
-                <a:gd name="adj" fmla="val 50000"/>
+                <a:gd fmla="val 50000" name="adj"/>
               </a:avLst>
             </a:prstGeom>
             <a:solidFill>
@@ -1341,12 +1311,12 @@
             </a:ln>
           </p:spPr>
           <p:txBody>
-            <a:bodyPr spcFirstLastPara="1" wrap="square" lIns="91425" tIns="91425" rIns="91425" bIns="91425" anchor="ctr" anchorCtr="0">
+            <a:bodyPr anchorCtr="0" anchor="ctr" bIns="91425" lIns="91425" spcFirstLastPara="1" rIns="91425" wrap="square" tIns="91425">
               <a:noAutofit/>
             </a:bodyPr>
             <a:lstStyle/>
             <a:p>
-              <a:pPr marL="0" lvl="0" indent="0" algn="l" rtl="0">
+              <a:pPr indent="0" lvl="0" marL="0" rtl="0" algn="l">
                 <a:spcBef>
                   <a:spcPts val="0"/>
                 </a:spcBef>
@@ -1355,6 +1325,9 @@
                 </a:spcAft>
                 <a:buNone/>
               </a:pPr>
+              <a:r>
+                <a:t/>
+              </a:r>
               <a:endParaRPr/>
             </a:p>
           </p:txBody>
@@ -1372,7 +1345,7 @@
             </a:xfrm>
             <a:prstGeom prst="diagStripe">
               <a:avLst>
-                <a:gd name="adj" fmla="val 50000"/>
+                <a:gd fmla="val 50000" name="adj"/>
               </a:avLst>
             </a:prstGeom>
             <a:solidFill>
@@ -1383,12 +1356,12 @@
             </a:ln>
           </p:spPr>
           <p:txBody>
-            <a:bodyPr spcFirstLastPara="1" wrap="square" lIns="91425" tIns="91425" rIns="91425" bIns="91425" anchor="ctr" anchorCtr="0">
+            <a:bodyPr anchorCtr="0" anchor="ctr" bIns="91425" lIns="91425" spcFirstLastPara="1" rIns="91425" wrap="square" tIns="91425">
               <a:noAutofit/>
             </a:bodyPr>
             <a:lstStyle/>
             <a:p>
-              <a:pPr marL="0" lvl="0" indent="0" algn="l" rtl="0">
+              <a:pPr indent="0" lvl="0" marL="0" rtl="0" algn="l">
                 <a:spcBef>
                   <a:spcPts val="0"/>
                 </a:spcBef>
@@ -1397,6 +1370,9 @@
                 </a:spcAft>
                 <a:buNone/>
               </a:pPr>
+              <a:r>
+                <a:t/>
+              </a:r>
               <a:endParaRPr/>
             </a:p>
           </p:txBody>
@@ -1405,9 +1381,7 @@
       <p:sp>
         <p:nvSpPr>
           <p:cNvPr id="16" name="Google Shape;16;p2"/>
-          <p:cNvSpPr txBox="1">
-            <a:spLocks noGrp="1"/>
-          </p:cNvSpPr>
+          <p:cNvSpPr txBox="1"/>
           <p:nvPr>
             <p:ph type="ctrTitle"/>
           </p:nvPr>
@@ -1423,7 +1397,7 @@
           <a:noFill/>
         </p:spPr>
         <p:txBody>
-          <a:bodyPr spcFirstLastPara="1" wrap="square" lIns="91425" tIns="91425" rIns="91425" bIns="91425" anchor="t" anchorCtr="0">
+          <a:bodyPr anchorCtr="0" anchor="t" bIns="91425" lIns="91425" spcFirstLastPara="1" rIns="91425" wrap="square" tIns="91425">
             <a:normAutofit/>
           </a:bodyPr>
           <a:lstStyle>
@@ -1534,19 +1508,15 @@
               <a:defRPr sz="4000"/>
             </a:lvl9pPr>
           </a:lstStyle>
-          <a:p>
-            <a:endParaRPr/>
-          </a:p>
+          <a:p/>
         </p:txBody>
       </p:sp>
       <p:sp>
         <p:nvSpPr>
           <p:cNvPr id="17" name="Google Shape;17;p2"/>
-          <p:cNvSpPr txBox="1">
-            <a:spLocks noGrp="1"/>
-          </p:cNvSpPr>
+          <p:cNvSpPr txBox="1"/>
           <p:nvPr>
-            <p:ph type="subTitle" idx="1"/>
+            <p:ph idx="1" type="subTitle"/>
           </p:nvPr>
         </p:nvSpPr>
         <p:spPr>
@@ -1559,7 +1529,7 @@
           </a:prstGeom>
         </p:spPr>
         <p:txBody>
-          <a:bodyPr spcFirstLastPara="1" wrap="square" lIns="91425" tIns="91425" rIns="91425" bIns="91425" anchor="t" anchorCtr="0">
+          <a:bodyPr anchorCtr="0" anchor="t" bIns="91425" lIns="91425" spcFirstLastPara="1" rIns="91425" wrap="square" tIns="91425">
             <a:normAutofit/>
           </a:bodyPr>
           <a:lstStyle>
@@ -1690,19 +1660,15 @@
               <a:defRPr sz="1300"/>
             </a:lvl9pPr>
           </a:lstStyle>
-          <a:p>
-            <a:endParaRPr/>
-          </a:p>
+          <a:p/>
         </p:txBody>
       </p:sp>
       <p:sp>
         <p:nvSpPr>
           <p:cNvPr id="18" name="Google Shape;18;p2"/>
-          <p:cNvSpPr txBox="1">
-            <a:spLocks noGrp="1"/>
-          </p:cNvSpPr>
+          <p:cNvSpPr txBox="1"/>
           <p:nvPr>
-            <p:ph type="sldNum" idx="12"/>
+            <p:ph idx="12" type="sldNum"/>
           </p:nvPr>
         </p:nvSpPr>
         <p:spPr>
@@ -1715,7 +1681,7 @@
           </a:prstGeom>
         </p:spPr>
         <p:txBody>
-          <a:bodyPr spcFirstLastPara="1" wrap="square" lIns="91425" tIns="91425" rIns="91425" bIns="91425" anchor="ctr" anchorCtr="0">
+          <a:bodyPr anchorCtr="0" anchor="ctr" bIns="91425" lIns="91425" spcFirstLastPara="1" rIns="91425" wrap="square" tIns="91425">
             <a:normAutofit/>
           </a:bodyPr>
           <a:lstStyle>
@@ -1757,7 +1723,7 @@
             </a:lvl9pPr>
           </a:lstStyle>
           <a:p>
-            <a:pPr marL="0" lvl="0" indent="0" algn="r" rtl="0">
+            <a:pPr indent="0" lvl="0" marL="0" rtl="0" algn="r">
               <a:spcBef>
                 <a:spcPts val="0"/>
               </a:spcBef>
@@ -1783,11 +1749,11 @@
 </file>
 
 <file path=ppt/slideLayouts/slideLayout10.xml><?xml version="1.0" encoding="utf-8"?>
-<p:sldLayout xmlns:a="http://schemas.openxmlformats.org/drawingml/2006/main" xmlns:r="http://schemas.openxmlformats.org/officeDocument/2006/relationships" xmlns:p="http://schemas.openxmlformats.org/presentationml/2006/main" matchingName="Big number">
+<p:sldLayout xmlns:a="http://schemas.openxmlformats.org/drawingml/2006/main" xmlns:r="http://schemas.openxmlformats.org/officeDocument/2006/relationships" xmlns:mc="http://schemas.openxmlformats.org/markup-compatibility/2006" xmlns:mv="urn:schemas-microsoft-com:mac:vml" xmlns:p="http://schemas.openxmlformats.org/presentationml/2006/main" xmlns:c="http://schemas.openxmlformats.org/drawingml/2006/chart" xmlns:dgm="http://schemas.openxmlformats.org/drawingml/2006/diagram" xmlns:o="urn:schemas-microsoft-com:office:office" xmlns:v="urn:schemas-microsoft-com:vml" xmlns:pvml="urn:schemas-microsoft-com:office:powerpoint" xmlns:com="http://schemas.openxmlformats.org/drawingml/2006/compatibility" xmlns:p14="http://schemas.microsoft.com/office/powerpoint/2010/main" xmlns:p15="http://schemas.microsoft.com/office/powerpoint/2012/main" xmlns:ahyp="http://schemas.microsoft.com/office/drawing/2018/hyperlinkcolor" matchingName="Big number">
   <p:cSld name="BIG_NUMBER">
     <p:spTree>
       <p:nvGrpSpPr>
-        <p:cNvPr id="1" name="Shape 105"/>
+        <p:cNvPr id="105" name="Shape 105"/>
         <p:cNvGrpSpPr/>
         <p:nvPr/>
       </p:nvGrpSpPr>
@@ -1826,7 +1792,7 @@
             </a:xfrm>
             <a:prstGeom prst="diagStripe">
               <a:avLst>
-                <a:gd name="adj" fmla="val 49469"/>
+                <a:gd fmla="val 49469" name="adj"/>
               </a:avLst>
             </a:prstGeom>
             <a:solidFill>
@@ -1839,12 +1805,12 @@
             </a:ln>
           </p:spPr>
           <p:txBody>
-            <a:bodyPr spcFirstLastPara="1" wrap="square" lIns="91425" tIns="91425" rIns="91425" bIns="91425" anchor="ctr" anchorCtr="0">
+            <a:bodyPr anchorCtr="0" anchor="ctr" bIns="91425" lIns="91425" spcFirstLastPara="1" rIns="91425" wrap="square" tIns="91425">
               <a:noAutofit/>
             </a:bodyPr>
             <a:lstStyle/>
             <a:p>
-              <a:pPr marL="0" lvl="0" indent="0" algn="l" rtl="0">
+              <a:pPr indent="0" lvl="0" marL="0" rtl="0" algn="l">
                 <a:spcBef>
                   <a:spcPts val="0"/>
                 </a:spcBef>
@@ -1853,6 +1819,9 @@
                 </a:spcAft>
                 <a:buNone/>
               </a:pPr>
+              <a:r>
+                <a:t/>
+              </a:r>
               <a:endParaRPr/>
             </a:p>
           </p:txBody>
@@ -1870,7 +1839,7 @@
             </a:xfrm>
             <a:prstGeom prst="diagStripe">
               <a:avLst>
-                <a:gd name="adj" fmla="val 0"/>
+                <a:gd fmla="val 0" name="adj"/>
               </a:avLst>
             </a:prstGeom>
             <a:solidFill>
@@ -1883,12 +1852,12 @@
             </a:ln>
           </p:spPr>
           <p:txBody>
-            <a:bodyPr spcFirstLastPara="1" wrap="square" lIns="91425" tIns="91425" rIns="91425" bIns="91425" anchor="ctr" anchorCtr="0">
+            <a:bodyPr anchorCtr="0" anchor="ctr" bIns="91425" lIns="91425" spcFirstLastPara="1" rIns="91425" wrap="square" tIns="91425">
               <a:noAutofit/>
             </a:bodyPr>
             <a:lstStyle/>
             <a:p>
-              <a:pPr marL="0" lvl="0" indent="0" algn="l" rtl="0">
+              <a:pPr indent="0" lvl="0" marL="0" rtl="0" algn="l">
                 <a:spcBef>
                   <a:spcPts val="0"/>
                 </a:spcBef>
@@ -1897,6 +1866,9 @@
                 </a:spcAft>
                 <a:buNone/>
               </a:pPr>
+              <a:r>
+                <a:t/>
+              </a:r>
               <a:endParaRPr/>
             </a:p>
           </p:txBody>
@@ -1914,7 +1886,7 @@
             </a:xfrm>
             <a:prstGeom prst="diagStripe">
               <a:avLst>
-                <a:gd name="adj" fmla="val 50000"/>
+                <a:gd fmla="val 50000" name="adj"/>
               </a:avLst>
             </a:prstGeom>
             <a:solidFill>
@@ -1927,12 +1899,12 @@
             </a:ln>
           </p:spPr>
           <p:txBody>
-            <a:bodyPr spcFirstLastPara="1" wrap="square" lIns="91425" tIns="91425" rIns="91425" bIns="91425" anchor="ctr" anchorCtr="0">
+            <a:bodyPr anchorCtr="0" anchor="ctr" bIns="91425" lIns="91425" spcFirstLastPara="1" rIns="91425" wrap="square" tIns="91425">
               <a:noAutofit/>
             </a:bodyPr>
             <a:lstStyle/>
             <a:p>
-              <a:pPr marL="0" lvl="0" indent="0" algn="l" rtl="0">
+              <a:pPr indent="0" lvl="0" marL="0" rtl="0" algn="l">
                 <a:spcBef>
                   <a:spcPts val="0"/>
                 </a:spcBef>
@@ -1941,6 +1913,9 @@
                 </a:spcAft>
                 <a:buNone/>
               </a:pPr>
+              <a:r>
+                <a:t/>
+              </a:r>
               <a:endParaRPr/>
             </a:p>
           </p:txBody>
@@ -1958,7 +1933,7 @@
             </a:xfrm>
             <a:prstGeom prst="diagStripe">
               <a:avLst>
-                <a:gd name="adj" fmla="val 50000"/>
+                <a:gd fmla="val 50000" name="adj"/>
               </a:avLst>
             </a:prstGeom>
             <a:solidFill>
@@ -1971,12 +1946,12 @@
             </a:ln>
           </p:spPr>
           <p:txBody>
-            <a:bodyPr spcFirstLastPara="1" wrap="square" lIns="91425" tIns="91425" rIns="91425" bIns="91425" anchor="ctr" anchorCtr="0">
+            <a:bodyPr anchorCtr="0" anchor="ctr" bIns="91425" lIns="91425" spcFirstLastPara="1" rIns="91425" wrap="square" tIns="91425">
               <a:noAutofit/>
             </a:bodyPr>
             <a:lstStyle/>
             <a:p>
-              <a:pPr marL="0" lvl="0" indent="0" algn="l" rtl="0">
+              <a:pPr indent="0" lvl="0" marL="0" rtl="0" algn="l">
                 <a:spcBef>
                   <a:spcPts val="0"/>
                 </a:spcBef>
@@ -1985,6 +1960,9 @@
                 </a:spcAft>
                 <a:buNone/>
               </a:pPr>
+              <a:r>
+                <a:t/>
+              </a:r>
               <a:endParaRPr/>
             </a:p>
           </p:txBody>
@@ -2002,7 +1980,7 @@
             </a:xfrm>
             <a:prstGeom prst="diagStripe">
               <a:avLst>
-                <a:gd name="adj" fmla="val 50000"/>
+                <a:gd fmla="val 50000" name="adj"/>
               </a:avLst>
             </a:prstGeom>
             <a:solidFill>
@@ -2015,12 +1993,12 @@
             </a:ln>
           </p:spPr>
           <p:txBody>
-            <a:bodyPr spcFirstLastPara="1" wrap="square" lIns="91425" tIns="91425" rIns="91425" bIns="91425" anchor="ctr" anchorCtr="0">
+            <a:bodyPr anchorCtr="0" anchor="ctr" bIns="91425" lIns="91425" spcFirstLastPara="1" rIns="91425" wrap="square" tIns="91425">
               <a:noAutofit/>
             </a:bodyPr>
             <a:lstStyle/>
             <a:p>
-              <a:pPr marL="0" lvl="0" indent="0" algn="l" rtl="0">
+              <a:pPr indent="0" lvl="0" marL="0" rtl="0" algn="l">
                 <a:spcBef>
                   <a:spcPts val="0"/>
                 </a:spcBef>
@@ -2029,6 +2007,9 @@
                 </a:spcAft>
                 <a:buNone/>
               </a:pPr>
+              <a:r>
+                <a:t/>
+              </a:r>
               <a:endParaRPr/>
             </a:p>
           </p:txBody>
@@ -2046,7 +2027,7 @@
             </a:xfrm>
             <a:prstGeom prst="diagStripe">
               <a:avLst>
-                <a:gd name="adj" fmla="val 50000"/>
+                <a:gd fmla="val 50000" name="adj"/>
               </a:avLst>
             </a:prstGeom>
             <a:solidFill>
@@ -2059,12 +2040,12 @@
             </a:ln>
           </p:spPr>
           <p:txBody>
-            <a:bodyPr spcFirstLastPara="1" wrap="square" lIns="91425" tIns="91425" rIns="91425" bIns="91425" anchor="ctr" anchorCtr="0">
+            <a:bodyPr anchorCtr="0" anchor="ctr" bIns="91425" lIns="91425" spcFirstLastPara="1" rIns="91425" wrap="square" tIns="91425">
               <a:noAutofit/>
             </a:bodyPr>
             <a:lstStyle/>
             <a:p>
-              <a:pPr marL="0" lvl="0" indent="0" algn="l" rtl="0">
+              <a:pPr indent="0" lvl="0" marL="0" rtl="0" algn="l">
                 <a:spcBef>
                   <a:spcPts val="0"/>
                 </a:spcBef>
@@ -2073,6 +2054,9 @@
                 </a:spcAft>
                 <a:buNone/>
               </a:pPr>
+              <a:r>
+                <a:t/>
+              </a:r>
               <a:endParaRPr/>
             </a:p>
           </p:txBody>
@@ -2090,7 +2074,7 @@
             </a:xfrm>
             <a:prstGeom prst="diagStripe">
               <a:avLst>
-                <a:gd name="adj" fmla="val 50000"/>
+                <a:gd fmla="val 50000" name="adj"/>
               </a:avLst>
             </a:prstGeom>
             <a:solidFill>
@@ -2103,12 +2087,12 @@
             </a:ln>
           </p:spPr>
           <p:txBody>
-            <a:bodyPr spcFirstLastPara="1" wrap="square" lIns="91425" tIns="91425" rIns="91425" bIns="91425" anchor="ctr" anchorCtr="0">
+            <a:bodyPr anchorCtr="0" anchor="ctr" bIns="91425" lIns="91425" spcFirstLastPara="1" rIns="91425" wrap="square" tIns="91425">
               <a:noAutofit/>
             </a:bodyPr>
             <a:lstStyle/>
             <a:p>
-              <a:pPr marL="0" lvl="0" indent="0" algn="l" rtl="0">
+              <a:pPr indent="0" lvl="0" marL="0" rtl="0" algn="l">
                 <a:spcBef>
                   <a:spcPts val="0"/>
                 </a:spcBef>
@@ -2117,6 +2101,9 @@
                 </a:spcAft>
                 <a:buNone/>
               </a:pPr>
+              <a:r>
+                <a:t/>
+              </a:r>
               <a:endParaRPr/>
             </a:p>
           </p:txBody>
@@ -2134,7 +2121,7 @@
             </a:xfrm>
             <a:prstGeom prst="diagStripe">
               <a:avLst>
-                <a:gd name="adj" fmla="val 50000"/>
+                <a:gd fmla="val 50000" name="adj"/>
               </a:avLst>
             </a:prstGeom>
             <a:solidFill>
@@ -2145,12 +2132,12 @@
             </a:ln>
           </p:spPr>
           <p:txBody>
-            <a:bodyPr spcFirstLastPara="1" wrap="square" lIns="91425" tIns="91425" rIns="91425" bIns="91425" anchor="ctr" anchorCtr="0">
+            <a:bodyPr anchorCtr="0" anchor="ctr" bIns="91425" lIns="91425" spcFirstLastPara="1" rIns="91425" wrap="square" tIns="91425">
               <a:noAutofit/>
             </a:bodyPr>
             <a:lstStyle/>
             <a:p>
-              <a:pPr marL="0" lvl="0" indent="0" algn="l" rtl="0">
+              <a:pPr indent="0" lvl="0" marL="0" rtl="0" algn="l">
                 <a:spcBef>
                   <a:spcPts val="0"/>
                 </a:spcBef>
@@ -2159,6 +2146,9 @@
                 </a:spcAft>
                 <a:buNone/>
               </a:pPr>
+              <a:r>
+                <a:t/>
+              </a:r>
               <a:endParaRPr/>
             </a:p>
           </p:txBody>
@@ -2176,7 +2166,7 @@
             </a:xfrm>
             <a:prstGeom prst="diagStripe">
               <a:avLst>
-                <a:gd name="adj" fmla="val 50000"/>
+                <a:gd fmla="val 50000" name="adj"/>
               </a:avLst>
             </a:prstGeom>
             <a:solidFill>
@@ -2189,12 +2179,12 @@
             </a:ln>
           </p:spPr>
           <p:txBody>
-            <a:bodyPr spcFirstLastPara="1" wrap="square" lIns="91425" tIns="91425" rIns="91425" bIns="91425" anchor="ctr" anchorCtr="0">
+            <a:bodyPr anchorCtr="0" anchor="ctr" bIns="91425" lIns="91425" spcFirstLastPara="1" rIns="91425" wrap="square" tIns="91425">
               <a:noAutofit/>
             </a:bodyPr>
             <a:lstStyle/>
             <a:p>
-              <a:pPr marL="0" lvl="0" indent="0" algn="l" rtl="0">
+              <a:pPr indent="0" lvl="0" marL="0" rtl="0" algn="l">
                 <a:spcBef>
                   <a:spcPts val="0"/>
                 </a:spcBef>
@@ -2203,6 +2193,9 @@
                 </a:spcAft>
                 <a:buNone/>
               </a:pPr>
+              <a:r>
+                <a:t/>
+              </a:r>
               <a:endParaRPr/>
             </a:p>
           </p:txBody>
@@ -2220,7 +2213,7 @@
             </a:xfrm>
             <a:prstGeom prst="diagStripe">
               <a:avLst>
-                <a:gd name="adj" fmla="val 50000"/>
+                <a:gd fmla="val 50000" name="adj"/>
               </a:avLst>
             </a:prstGeom>
             <a:solidFill>
@@ -2233,12 +2226,12 @@
             </a:ln>
           </p:spPr>
           <p:txBody>
-            <a:bodyPr spcFirstLastPara="1" wrap="square" lIns="91425" tIns="91425" rIns="91425" bIns="91425" anchor="ctr" anchorCtr="0">
+            <a:bodyPr anchorCtr="0" anchor="ctr" bIns="91425" lIns="91425" spcFirstLastPara="1" rIns="91425" wrap="square" tIns="91425">
               <a:noAutofit/>
             </a:bodyPr>
             <a:lstStyle/>
             <a:p>
-              <a:pPr marL="0" lvl="0" indent="0" algn="l" rtl="0">
+              <a:pPr indent="0" lvl="0" marL="0" rtl="0" algn="l">
                 <a:spcBef>
                   <a:spcPts val="0"/>
                 </a:spcBef>
@@ -2247,6 +2240,9 @@
                 </a:spcAft>
                 <a:buNone/>
               </a:pPr>
+              <a:r>
+                <a:t/>
+              </a:r>
               <a:endParaRPr/>
             </a:p>
           </p:txBody>
@@ -2264,7 +2260,7 @@
             </a:xfrm>
             <a:prstGeom prst="diagStripe">
               <a:avLst>
-                <a:gd name="adj" fmla="val 50000"/>
+                <a:gd fmla="val 50000" name="adj"/>
               </a:avLst>
             </a:prstGeom>
             <a:solidFill>
@@ -2277,12 +2273,12 @@
             </a:ln>
           </p:spPr>
           <p:txBody>
-            <a:bodyPr spcFirstLastPara="1" wrap="square" lIns="91425" tIns="91425" rIns="91425" bIns="91425" anchor="ctr" anchorCtr="0">
+            <a:bodyPr anchorCtr="0" anchor="ctr" bIns="91425" lIns="91425" spcFirstLastPara="1" rIns="91425" wrap="square" tIns="91425">
               <a:noAutofit/>
             </a:bodyPr>
             <a:lstStyle/>
             <a:p>
-              <a:pPr marL="0" lvl="0" indent="0" algn="l" rtl="0">
+              <a:pPr indent="0" lvl="0" marL="0" rtl="0" algn="l">
                 <a:spcBef>
                   <a:spcPts val="0"/>
                 </a:spcBef>
@@ -2291,6 +2287,9 @@
                 </a:spcAft>
                 <a:buNone/>
               </a:pPr>
+              <a:r>
+                <a:t/>
+              </a:r>
               <a:endParaRPr/>
             </a:p>
           </p:txBody>
@@ -2308,7 +2307,7 @@
             </a:xfrm>
             <a:prstGeom prst="diagStripe">
               <a:avLst>
-                <a:gd name="adj" fmla="val 50000"/>
+                <a:gd fmla="val 50000" name="adj"/>
               </a:avLst>
             </a:prstGeom>
             <a:solidFill>
@@ -2321,12 +2320,12 @@
             </a:ln>
           </p:spPr>
           <p:txBody>
-            <a:bodyPr spcFirstLastPara="1" wrap="square" lIns="91425" tIns="91425" rIns="91425" bIns="91425" anchor="ctr" anchorCtr="0">
+            <a:bodyPr anchorCtr="0" anchor="ctr" bIns="91425" lIns="91425" spcFirstLastPara="1" rIns="91425" wrap="square" tIns="91425">
               <a:noAutofit/>
             </a:bodyPr>
             <a:lstStyle/>
             <a:p>
-              <a:pPr marL="0" lvl="0" indent="0" algn="l" rtl="0">
+              <a:pPr indent="0" lvl="0" marL="0" rtl="0" algn="l">
                 <a:spcBef>
                   <a:spcPts val="0"/>
                 </a:spcBef>
@@ -2335,6 +2334,9 @@
                 </a:spcAft>
                 <a:buNone/>
               </a:pPr>
+              <a:r>
+                <a:t/>
+              </a:r>
               <a:endParaRPr/>
             </a:p>
           </p:txBody>
@@ -2352,7 +2354,7 @@
             </a:xfrm>
             <a:prstGeom prst="diagStripe">
               <a:avLst>
-                <a:gd name="adj" fmla="val 50000"/>
+                <a:gd fmla="val 50000" name="adj"/>
               </a:avLst>
             </a:prstGeom>
             <a:solidFill>
@@ -2365,12 +2367,12 @@
             </a:ln>
           </p:spPr>
           <p:txBody>
-            <a:bodyPr spcFirstLastPara="1" wrap="square" lIns="91425" tIns="91425" rIns="91425" bIns="91425" anchor="ctr" anchorCtr="0">
+            <a:bodyPr anchorCtr="0" anchor="ctr" bIns="91425" lIns="91425" spcFirstLastPara="1" rIns="91425" wrap="square" tIns="91425">
               <a:noAutofit/>
             </a:bodyPr>
             <a:lstStyle/>
             <a:p>
-              <a:pPr marL="0" lvl="0" indent="0" algn="l" rtl="0">
+              <a:pPr indent="0" lvl="0" marL="0" rtl="0" algn="l">
                 <a:spcBef>
                   <a:spcPts val="0"/>
                 </a:spcBef>
@@ -2379,6 +2381,9 @@
                 </a:spcAft>
                 <a:buNone/>
               </a:pPr>
+              <a:r>
+                <a:t/>
+              </a:r>
               <a:endParaRPr/>
             </a:p>
           </p:txBody>
@@ -2396,7 +2401,7 @@
             </a:xfrm>
             <a:prstGeom prst="diagStripe">
               <a:avLst>
-                <a:gd name="adj" fmla="val 50000"/>
+                <a:gd fmla="val 50000" name="adj"/>
               </a:avLst>
             </a:prstGeom>
             <a:solidFill>
@@ -2407,12 +2412,12 @@
             </a:ln>
           </p:spPr>
           <p:txBody>
-            <a:bodyPr spcFirstLastPara="1" wrap="square" lIns="91425" tIns="91425" rIns="91425" bIns="91425" anchor="ctr" anchorCtr="0">
+            <a:bodyPr anchorCtr="0" anchor="ctr" bIns="91425" lIns="91425" spcFirstLastPara="1" rIns="91425" wrap="square" tIns="91425">
               <a:noAutofit/>
             </a:bodyPr>
             <a:lstStyle/>
             <a:p>
-              <a:pPr marL="0" lvl="0" indent="0" algn="l" rtl="0">
+              <a:pPr indent="0" lvl="0" marL="0" rtl="0" algn="l">
                 <a:spcBef>
                   <a:spcPts val="0"/>
                 </a:spcBef>
@@ -2421,6 +2426,9 @@
                 </a:spcAft>
                 <a:buNone/>
               </a:pPr>
+              <a:r>
+                <a:t/>
+              </a:r>
               <a:endParaRPr/>
             </a:p>
           </p:txBody>
@@ -2438,7 +2446,7 @@
             </a:xfrm>
             <a:prstGeom prst="diagStripe">
               <a:avLst>
-                <a:gd name="adj" fmla="val 50000"/>
+                <a:gd fmla="val 50000" name="adj"/>
               </a:avLst>
             </a:prstGeom>
             <a:solidFill>
@@ -2451,12 +2459,12 @@
             </a:ln>
           </p:spPr>
           <p:txBody>
-            <a:bodyPr spcFirstLastPara="1" wrap="square" lIns="91425" tIns="91425" rIns="91425" bIns="91425" anchor="ctr" anchorCtr="0">
+            <a:bodyPr anchorCtr="0" anchor="ctr" bIns="91425" lIns="91425" spcFirstLastPara="1" rIns="91425" wrap="square" tIns="91425">
               <a:noAutofit/>
             </a:bodyPr>
             <a:lstStyle/>
             <a:p>
-              <a:pPr marL="0" lvl="0" indent="0" algn="l" rtl="0">
+              <a:pPr indent="0" lvl="0" marL="0" rtl="0" algn="l">
                 <a:spcBef>
                   <a:spcPts val="0"/>
                 </a:spcBef>
@@ -2465,6 +2473,9 @@
                 </a:spcAft>
                 <a:buNone/>
               </a:pPr>
+              <a:r>
+                <a:t/>
+              </a:r>
               <a:endParaRPr/>
             </a:p>
           </p:txBody>
@@ -2482,7 +2493,7 @@
             </a:xfrm>
             <a:prstGeom prst="diagStripe">
               <a:avLst>
-                <a:gd name="adj" fmla="val 50000"/>
+                <a:gd fmla="val 50000" name="adj"/>
               </a:avLst>
             </a:prstGeom>
             <a:solidFill>
@@ -2495,12 +2506,12 @@
             </a:ln>
           </p:spPr>
           <p:txBody>
-            <a:bodyPr spcFirstLastPara="1" wrap="square" lIns="91425" tIns="91425" rIns="91425" bIns="91425" anchor="ctr" anchorCtr="0">
+            <a:bodyPr anchorCtr="0" anchor="ctr" bIns="91425" lIns="91425" spcFirstLastPara="1" rIns="91425" wrap="square" tIns="91425">
               <a:noAutofit/>
             </a:bodyPr>
             <a:lstStyle/>
             <a:p>
-              <a:pPr marL="0" lvl="0" indent="0" algn="l" rtl="0">
+              <a:pPr indent="0" lvl="0" marL="0" rtl="0" algn="l">
                 <a:spcBef>
                   <a:spcPts val="0"/>
                 </a:spcBef>
@@ -2509,6 +2520,9 @@
                 </a:spcAft>
                 <a:buNone/>
               </a:pPr>
+              <a:r>
+                <a:t/>
+              </a:r>
               <a:endParaRPr/>
             </a:p>
           </p:txBody>
@@ -2526,7 +2540,7 @@
             </a:xfrm>
             <a:prstGeom prst="diagStripe">
               <a:avLst>
-                <a:gd name="adj" fmla="val 50000"/>
+                <a:gd fmla="val 50000" name="adj"/>
               </a:avLst>
             </a:prstGeom>
             <a:solidFill>
@@ -2539,12 +2553,12 @@
             </a:ln>
           </p:spPr>
           <p:txBody>
-            <a:bodyPr spcFirstLastPara="1" wrap="square" lIns="91425" tIns="91425" rIns="91425" bIns="91425" anchor="ctr" anchorCtr="0">
+            <a:bodyPr anchorCtr="0" anchor="ctr" bIns="91425" lIns="91425" spcFirstLastPara="1" rIns="91425" wrap="square" tIns="91425">
               <a:noAutofit/>
             </a:bodyPr>
             <a:lstStyle/>
             <a:p>
-              <a:pPr marL="0" lvl="0" indent="0" algn="l" rtl="0">
+              <a:pPr indent="0" lvl="0" marL="0" rtl="0" algn="l">
                 <a:spcBef>
                   <a:spcPts val="0"/>
                 </a:spcBef>
@@ -2553,6 +2567,9 @@
                 </a:spcAft>
                 <a:buNone/>
               </a:pPr>
+              <a:r>
+                <a:t/>
+              </a:r>
               <a:endParaRPr/>
             </a:p>
           </p:txBody>
@@ -2570,7 +2587,7 @@
             </a:xfrm>
             <a:prstGeom prst="diagStripe">
               <a:avLst>
-                <a:gd name="adj" fmla="val 50000"/>
+                <a:gd fmla="val 50000" name="adj"/>
               </a:avLst>
             </a:prstGeom>
             <a:solidFill>
@@ -2583,12 +2600,12 @@
             </a:ln>
           </p:spPr>
           <p:txBody>
-            <a:bodyPr spcFirstLastPara="1" wrap="square" lIns="91425" tIns="91425" rIns="91425" bIns="91425" anchor="ctr" anchorCtr="0">
+            <a:bodyPr anchorCtr="0" anchor="ctr" bIns="91425" lIns="91425" spcFirstLastPara="1" rIns="91425" wrap="square" tIns="91425">
               <a:noAutofit/>
             </a:bodyPr>
             <a:lstStyle/>
             <a:p>
-              <a:pPr marL="0" lvl="0" indent="0" algn="l" rtl="0">
+              <a:pPr indent="0" lvl="0" marL="0" rtl="0" algn="l">
                 <a:spcBef>
                   <a:spcPts val="0"/>
                 </a:spcBef>
@@ -2597,6 +2614,9 @@
                 </a:spcAft>
                 <a:buNone/>
               </a:pPr>
+              <a:r>
+                <a:t/>
+              </a:r>
               <a:endParaRPr/>
             </a:p>
           </p:txBody>
@@ -2605,11 +2625,9 @@
       <p:sp>
         <p:nvSpPr>
           <p:cNvPr id="125" name="Google Shape;125;p11"/>
-          <p:cNvSpPr txBox="1">
-            <a:spLocks noGrp="1"/>
-          </p:cNvSpPr>
+          <p:cNvSpPr txBox="1"/>
           <p:nvPr>
-            <p:ph type="title" hasCustomPrompt="1"/>
+            <p:ph hasCustomPrompt="1" type="title"/>
           </p:nvPr>
         </p:nvSpPr>
         <p:spPr>
@@ -2622,7 +2640,7 @@
           </a:prstGeom>
         </p:spPr>
         <p:txBody>
-          <a:bodyPr spcFirstLastPara="1" wrap="square" lIns="91425" tIns="91425" rIns="91425" bIns="91425" anchor="t" anchorCtr="0">
+          <a:bodyPr anchorCtr="0" anchor="t" bIns="91425" lIns="91425" spcFirstLastPara="1" rIns="91425" wrap="square" tIns="91425">
             <a:normAutofit/>
           </a:bodyPr>
           <a:lstStyle>
@@ -2736,11 +2754,9 @@
       <p:sp>
         <p:nvSpPr>
           <p:cNvPr id="126" name="Google Shape;126;p11"/>
-          <p:cNvSpPr txBox="1">
-            <a:spLocks noGrp="1"/>
-          </p:cNvSpPr>
+          <p:cNvSpPr txBox="1"/>
           <p:nvPr>
-            <p:ph type="body" idx="1"/>
+            <p:ph idx="1" type="body"/>
           </p:nvPr>
         </p:nvSpPr>
         <p:spPr>
@@ -2753,11 +2769,11 @@
           </a:prstGeom>
         </p:spPr>
         <p:txBody>
-          <a:bodyPr spcFirstLastPara="1" wrap="square" lIns="91425" tIns="91425" rIns="91425" bIns="91425" anchor="t" anchorCtr="0">
+          <a:bodyPr anchorCtr="0" anchor="t" bIns="91425" lIns="91425" spcFirstLastPara="1" rIns="91425" wrap="square" tIns="91425">
             <a:normAutofit/>
           </a:bodyPr>
           <a:lstStyle>
-            <a:lvl1pPr marL="457200" lvl="0" indent="-311150">
+            <a:lvl1pPr indent="-311150" lvl="0" marL="457200">
               <a:spcBef>
                 <a:spcPts val="0"/>
               </a:spcBef>
@@ -2768,7 +2784,7 @@
               <a:buChar char="●"/>
               <a:defRPr/>
             </a:lvl1pPr>
-            <a:lvl2pPr marL="914400" lvl="1" indent="-298450">
+            <a:lvl2pPr indent="-298450" lvl="1" marL="914400">
               <a:spcBef>
                 <a:spcPts val="0"/>
               </a:spcBef>
@@ -2779,7 +2795,7 @@
               <a:buChar char="○"/>
               <a:defRPr/>
             </a:lvl2pPr>
-            <a:lvl3pPr marL="1371600" lvl="2" indent="-298450">
+            <a:lvl3pPr indent="-298450" lvl="2" marL="1371600">
               <a:spcBef>
                 <a:spcPts val="0"/>
               </a:spcBef>
@@ -2790,7 +2806,7 @@
               <a:buChar char="■"/>
               <a:defRPr/>
             </a:lvl3pPr>
-            <a:lvl4pPr marL="1828800" lvl="3" indent="-298450">
+            <a:lvl4pPr indent="-298450" lvl="3" marL="1828800">
               <a:spcBef>
                 <a:spcPts val="0"/>
               </a:spcBef>
@@ -2801,7 +2817,7 @@
               <a:buChar char="●"/>
               <a:defRPr/>
             </a:lvl4pPr>
-            <a:lvl5pPr marL="2286000" lvl="4" indent="-298450">
+            <a:lvl5pPr indent="-298450" lvl="4" marL="2286000">
               <a:spcBef>
                 <a:spcPts val="0"/>
               </a:spcBef>
@@ -2812,7 +2828,7 @@
               <a:buChar char="○"/>
               <a:defRPr/>
             </a:lvl5pPr>
-            <a:lvl6pPr marL="2743200" lvl="5" indent="-298450">
+            <a:lvl6pPr indent="-298450" lvl="5" marL="2743200">
               <a:spcBef>
                 <a:spcPts val="0"/>
               </a:spcBef>
@@ -2823,7 +2839,7 @@
               <a:buChar char="■"/>
               <a:defRPr/>
             </a:lvl6pPr>
-            <a:lvl7pPr marL="3200400" lvl="6" indent="-298450">
+            <a:lvl7pPr indent="-298450" lvl="6" marL="3200400">
               <a:spcBef>
                 <a:spcPts val="0"/>
               </a:spcBef>
@@ -2834,7 +2850,7 @@
               <a:buChar char="●"/>
               <a:defRPr/>
             </a:lvl7pPr>
-            <a:lvl8pPr marL="3657600" lvl="7" indent="-298450">
+            <a:lvl8pPr indent="-298450" lvl="7" marL="3657600">
               <a:spcBef>
                 <a:spcPts val="0"/>
               </a:spcBef>
@@ -2845,7 +2861,7 @@
               <a:buChar char="○"/>
               <a:defRPr/>
             </a:lvl8pPr>
-            <a:lvl9pPr marL="4114800" lvl="8" indent="-298450">
+            <a:lvl9pPr indent="-298450" lvl="8" marL="4114800">
               <a:spcBef>
                 <a:spcPts val="0"/>
               </a:spcBef>
@@ -2857,19 +2873,15 @@
               <a:defRPr/>
             </a:lvl9pPr>
           </a:lstStyle>
-          <a:p>
-            <a:endParaRPr/>
-          </a:p>
+          <a:p/>
         </p:txBody>
       </p:sp>
       <p:sp>
         <p:nvSpPr>
           <p:cNvPr id="127" name="Google Shape;127;p11"/>
-          <p:cNvSpPr txBox="1">
-            <a:spLocks noGrp="1"/>
-          </p:cNvSpPr>
+          <p:cNvSpPr txBox="1"/>
           <p:nvPr>
-            <p:ph type="sldNum" idx="12"/>
+            <p:ph idx="12" type="sldNum"/>
           </p:nvPr>
         </p:nvSpPr>
         <p:spPr>
@@ -2882,7 +2894,7 @@
           </a:prstGeom>
         </p:spPr>
         <p:txBody>
-          <a:bodyPr spcFirstLastPara="1" wrap="square" lIns="91425" tIns="91425" rIns="91425" bIns="91425" anchor="ctr" anchorCtr="0">
+          <a:bodyPr anchorCtr="0" anchor="ctr" bIns="91425" lIns="91425" spcFirstLastPara="1" rIns="91425" wrap="square" tIns="91425">
             <a:normAutofit/>
           </a:bodyPr>
           <a:lstStyle>
@@ -2924,7 +2936,7 @@
             </a:lvl9pPr>
           </a:lstStyle>
           <a:p>
-            <a:pPr marL="0" lvl="0" indent="0" algn="r" rtl="0">
+            <a:pPr indent="0" lvl="0" marL="0" rtl="0" algn="r">
               <a:spcBef>
                 <a:spcPts val="0"/>
               </a:spcBef>
@@ -2950,11 +2962,11 @@
 </file>
 
 <file path=ppt/slideLayouts/slideLayout11.xml><?xml version="1.0" encoding="utf-8"?>
-<p:sldLayout xmlns:a="http://schemas.openxmlformats.org/drawingml/2006/main" xmlns:r="http://schemas.openxmlformats.org/officeDocument/2006/relationships" xmlns:p="http://schemas.openxmlformats.org/presentationml/2006/main" matchingName="Blank" type="blank">
+<p:sldLayout xmlns:a="http://schemas.openxmlformats.org/drawingml/2006/main" xmlns:r="http://schemas.openxmlformats.org/officeDocument/2006/relationships" xmlns:mc="http://schemas.openxmlformats.org/markup-compatibility/2006" xmlns:mv="urn:schemas-microsoft-com:mac:vml" xmlns:p="http://schemas.openxmlformats.org/presentationml/2006/main" xmlns:c="http://schemas.openxmlformats.org/drawingml/2006/chart" xmlns:dgm="http://schemas.openxmlformats.org/drawingml/2006/diagram" xmlns:o="urn:schemas-microsoft-com:office:office" xmlns:v="urn:schemas-microsoft-com:vml" xmlns:pvml="urn:schemas-microsoft-com:office:powerpoint" xmlns:com="http://schemas.openxmlformats.org/drawingml/2006/compatibility" xmlns:p14="http://schemas.microsoft.com/office/powerpoint/2010/main" xmlns:p15="http://schemas.microsoft.com/office/powerpoint/2012/main" xmlns:ahyp="http://schemas.microsoft.com/office/drawing/2018/hyperlinkcolor" matchingName="Blank" type="blank">
   <p:cSld name="BLANK">
     <p:spTree>
       <p:nvGrpSpPr>
-        <p:cNvPr id="1" name="Shape 128"/>
+        <p:cNvPr id="128" name="Shape 128"/>
         <p:cNvGrpSpPr/>
         <p:nvPr/>
       </p:nvGrpSpPr>
@@ -2969,11 +2981,9 @@
       <p:sp>
         <p:nvSpPr>
           <p:cNvPr id="129" name="Google Shape;129;p12"/>
-          <p:cNvSpPr txBox="1">
-            <a:spLocks noGrp="1"/>
-          </p:cNvSpPr>
+          <p:cNvSpPr txBox="1"/>
           <p:nvPr>
-            <p:ph type="sldNum" idx="12"/>
+            <p:ph idx="12" type="sldNum"/>
           </p:nvPr>
         </p:nvSpPr>
         <p:spPr>
@@ -2986,7 +2996,7 @@
           </a:prstGeom>
         </p:spPr>
         <p:txBody>
-          <a:bodyPr spcFirstLastPara="1" wrap="square" lIns="91425" tIns="91425" rIns="91425" bIns="91425" anchor="ctr" anchorCtr="0">
+          <a:bodyPr anchorCtr="0" anchor="ctr" bIns="91425" lIns="91425" spcFirstLastPara="1" rIns="91425" wrap="square" tIns="91425">
             <a:normAutofit/>
           </a:bodyPr>
           <a:lstStyle>
@@ -3028,7 +3038,7 @@
             </a:lvl9pPr>
           </a:lstStyle>
           <a:p>
-            <a:pPr marL="0" lvl="0" indent="0" algn="r" rtl="0">
+            <a:pPr indent="0" lvl="0" marL="0" rtl="0" algn="r">
               <a:spcBef>
                 <a:spcPts val="0"/>
               </a:spcBef>
@@ -3054,11 +3064,11 @@
 </file>
 
 <file path=ppt/slideLayouts/slideLayout2.xml><?xml version="1.0" encoding="utf-8"?>
-<p:sldLayout xmlns:a="http://schemas.openxmlformats.org/drawingml/2006/main" xmlns:r="http://schemas.openxmlformats.org/officeDocument/2006/relationships" xmlns:p="http://schemas.openxmlformats.org/presentationml/2006/main" matchingName="Section header" type="secHead">
+<p:sldLayout xmlns:a="http://schemas.openxmlformats.org/drawingml/2006/main" xmlns:r="http://schemas.openxmlformats.org/officeDocument/2006/relationships" xmlns:mc="http://schemas.openxmlformats.org/markup-compatibility/2006" xmlns:mv="urn:schemas-microsoft-com:mac:vml" xmlns:p="http://schemas.openxmlformats.org/presentationml/2006/main" xmlns:c="http://schemas.openxmlformats.org/drawingml/2006/chart" xmlns:dgm="http://schemas.openxmlformats.org/drawingml/2006/diagram" xmlns:o="urn:schemas-microsoft-com:office:office" xmlns:v="urn:schemas-microsoft-com:vml" xmlns:pvml="urn:schemas-microsoft-com:office:powerpoint" xmlns:com="http://schemas.openxmlformats.org/drawingml/2006/compatibility" xmlns:p14="http://schemas.microsoft.com/office/powerpoint/2010/main" xmlns:p15="http://schemas.microsoft.com/office/powerpoint/2012/main" xmlns:ahyp="http://schemas.microsoft.com/office/drawing/2018/hyperlinkcolor" matchingName="Section header" type="secHead">
   <p:cSld name="SECTION_HEADER">
     <p:spTree>
       <p:nvGrpSpPr>
-        <p:cNvPr id="1" name="Shape 19"/>
+        <p:cNvPr id="19" name="Shape 19"/>
         <p:cNvGrpSpPr/>
         <p:nvPr/>
       </p:nvGrpSpPr>
@@ -3097,7 +3107,7 @@
             </a:xfrm>
             <a:prstGeom prst="diagStripe">
               <a:avLst>
-                <a:gd name="adj" fmla="val 49469"/>
+                <a:gd fmla="val 49469" name="adj"/>
               </a:avLst>
             </a:prstGeom>
             <a:solidFill>
@@ -3110,12 +3120,12 @@
             </a:ln>
           </p:spPr>
           <p:txBody>
-            <a:bodyPr spcFirstLastPara="1" wrap="square" lIns="91425" tIns="91425" rIns="91425" bIns="91425" anchor="ctr" anchorCtr="0">
+            <a:bodyPr anchorCtr="0" anchor="ctr" bIns="91425" lIns="91425" spcFirstLastPara="1" rIns="91425" wrap="square" tIns="91425">
               <a:noAutofit/>
             </a:bodyPr>
             <a:lstStyle/>
             <a:p>
-              <a:pPr marL="0" lvl="0" indent="0" algn="l" rtl="0">
+              <a:pPr indent="0" lvl="0" marL="0" rtl="0" algn="l">
                 <a:spcBef>
                   <a:spcPts val="0"/>
                 </a:spcBef>
@@ -3124,6 +3134,9 @@
                 </a:spcAft>
                 <a:buNone/>
               </a:pPr>
+              <a:r>
+                <a:t/>
+              </a:r>
               <a:endParaRPr/>
             </a:p>
           </p:txBody>
@@ -3141,7 +3154,7 @@
             </a:xfrm>
             <a:prstGeom prst="diagStripe">
               <a:avLst>
-                <a:gd name="adj" fmla="val 0"/>
+                <a:gd fmla="val 0" name="adj"/>
               </a:avLst>
             </a:prstGeom>
             <a:solidFill>
@@ -3154,12 +3167,12 @@
             </a:ln>
           </p:spPr>
           <p:txBody>
-            <a:bodyPr spcFirstLastPara="1" wrap="square" lIns="91425" tIns="91425" rIns="91425" bIns="91425" anchor="ctr" anchorCtr="0">
+            <a:bodyPr anchorCtr="0" anchor="ctr" bIns="91425" lIns="91425" spcFirstLastPara="1" rIns="91425" wrap="square" tIns="91425">
               <a:noAutofit/>
             </a:bodyPr>
             <a:lstStyle/>
             <a:p>
-              <a:pPr marL="0" lvl="0" indent="0" algn="l" rtl="0">
+              <a:pPr indent="0" lvl="0" marL="0" rtl="0" algn="l">
                 <a:spcBef>
                   <a:spcPts val="0"/>
                 </a:spcBef>
@@ -3168,6 +3181,9 @@
                 </a:spcAft>
                 <a:buNone/>
               </a:pPr>
+              <a:r>
+                <a:t/>
+              </a:r>
               <a:endParaRPr/>
             </a:p>
           </p:txBody>
@@ -3185,7 +3201,7 @@
             </a:xfrm>
             <a:prstGeom prst="diagStripe">
               <a:avLst>
-                <a:gd name="adj" fmla="val 50000"/>
+                <a:gd fmla="val 50000" name="adj"/>
               </a:avLst>
             </a:prstGeom>
             <a:solidFill>
@@ -3198,12 +3214,12 @@
             </a:ln>
           </p:spPr>
           <p:txBody>
-            <a:bodyPr spcFirstLastPara="1" wrap="square" lIns="91425" tIns="91425" rIns="91425" bIns="91425" anchor="ctr" anchorCtr="0">
+            <a:bodyPr anchorCtr="0" anchor="ctr" bIns="91425" lIns="91425" spcFirstLastPara="1" rIns="91425" wrap="square" tIns="91425">
               <a:noAutofit/>
             </a:bodyPr>
             <a:lstStyle/>
             <a:p>
-              <a:pPr marL="0" lvl="0" indent="0" algn="l" rtl="0">
+              <a:pPr indent="0" lvl="0" marL="0" rtl="0" algn="l">
                 <a:spcBef>
                   <a:spcPts val="0"/>
                 </a:spcBef>
@@ -3212,6 +3228,9 @@
                 </a:spcAft>
                 <a:buNone/>
               </a:pPr>
+              <a:r>
+                <a:t/>
+              </a:r>
               <a:endParaRPr/>
             </a:p>
           </p:txBody>
@@ -3229,7 +3248,7 @@
             </a:xfrm>
             <a:prstGeom prst="diagStripe">
               <a:avLst>
-                <a:gd name="adj" fmla="val 50000"/>
+                <a:gd fmla="val 50000" name="adj"/>
               </a:avLst>
             </a:prstGeom>
             <a:solidFill>
@@ -3242,12 +3261,12 @@
             </a:ln>
           </p:spPr>
           <p:txBody>
-            <a:bodyPr spcFirstLastPara="1" wrap="square" lIns="91425" tIns="91425" rIns="91425" bIns="91425" anchor="ctr" anchorCtr="0">
+            <a:bodyPr anchorCtr="0" anchor="ctr" bIns="91425" lIns="91425" spcFirstLastPara="1" rIns="91425" wrap="square" tIns="91425">
               <a:noAutofit/>
             </a:bodyPr>
             <a:lstStyle/>
             <a:p>
-              <a:pPr marL="0" lvl="0" indent="0" algn="l" rtl="0">
+              <a:pPr indent="0" lvl="0" marL="0" rtl="0" algn="l">
                 <a:spcBef>
                   <a:spcPts val="0"/>
                 </a:spcBef>
@@ -3256,6 +3275,9 @@
                 </a:spcAft>
                 <a:buNone/>
               </a:pPr>
+              <a:r>
+                <a:t/>
+              </a:r>
               <a:endParaRPr/>
             </a:p>
           </p:txBody>
@@ -3273,7 +3295,7 @@
             </a:xfrm>
             <a:prstGeom prst="diagStripe">
               <a:avLst>
-                <a:gd name="adj" fmla="val 50000"/>
+                <a:gd fmla="val 50000" name="adj"/>
               </a:avLst>
             </a:prstGeom>
             <a:solidFill>
@@ -3286,12 +3308,12 @@
             </a:ln>
           </p:spPr>
           <p:txBody>
-            <a:bodyPr spcFirstLastPara="1" wrap="square" lIns="91425" tIns="91425" rIns="91425" bIns="91425" anchor="ctr" anchorCtr="0">
+            <a:bodyPr anchorCtr="0" anchor="ctr" bIns="91425" lIns="91425" spcFirstLastPara="1" rIns="91425" wrap="square" tIns="91425">
               <a:noAutofit/>
             </a:bodyPr>
             <a:lstStyle/>
             <a:p>
-              <a:pPr marL="0" lvl="0" indent="0" algn="l" rtl="0">
+              <a:pPr indent="0" lvl="0" marL="0" rtl="0" algn="l">
                 <a:spcBef>
                   <a:spcPts val="0"/>
                 </a:spcBef>
@@ -3300,6 +3322,9 @@
                 </a:spcAft>
                 <a:buNone/>
               </a:pPr>
+              <a:r>
+                <a:t/>
+              </a:r>
               <a:endParaRPr/>
             </a:p>
           </p:txBody>
@@ -3317,7 +3342,7 @@
             </a:xfrm>
             <a:prstGeom prst="diagStripe">
               <a:avLst>
-                <a:gd name="adj" fmla="val 50000"/>
+                <a:gd fmla="val 50000" name="adj"/>
               </a:avLst>
             </a:prstGeom>
             <a:solidFill>
@@ -3330,12 +3355,12 @@
             </a:ln>
           </p:spPr>
           <p:txBody>
-            <a:bodyPr spcFirstLastPara="1" wrap="square" lIns="91425" tIns="91425" rIns="91425" bIns="91425" anchor="ctr" anchorCtr="0">
+            <a:bodyPr anchorCtr="0" anchor="ctr" bIns="91425" lIns="91425" spcFirstLastPara="1" rIns="91425" wrap="square" tIns="91425">
               <a:noAutofit/>
             </a:bodyPr>
             <a:lstStyle/>
             <a:p>
-              <a:pPr marL="0" lvl="0" indent="0" algn="l" rtl="0">
+              <a:pPr indent="0" lvl="0" marL="0" rtl="0" algn="l">
                 <a:spcBef>
                   <a:spcPts val="0"/>
                 </a:spcBef>
@@ -3344,6 +3369,9 @@
                 </a:spcAft>
                 <a:buNone/>
               </a:pPr>
+              <a:r>
+                <a:t/>
+              </a:r>
               <a:endParaRPr/>
             </a:p>
           </p:txBody>
@@ -3361,7 +3389,7 @@
             </a:xfrm>
             <a:prstGeom prst="diagStripe">
               <a:avLst>
-                <a:gd name="adj" fmla="val 50000"/>
+                <a:gd fmla="val 50000" name="adj"/>
               </a:avLst>
             </a:prstGeom>
             <a:solidFill>
@@ -3374,12 +3402,12 @@
             </a:ln>
           </p:spPr>
           <p:txBody>
-            <a:bodyPr spcFirstLastPara="1" wrap="square" lIns="91425" tIns="91425" rIns="91425" bIns="91425" anchor="ctr" anchorCtr="0">
+            <a:bodyPr anchorCtr="0" anchor="ctr" bIns="91425" lIns="91425" spcFirstLastPara="1" rIns="91425" wrap="square" tIns="91425">
               <a:noAutofit/>
             </a:bodyPr>
             <a:lstStyle/>
             <a:p>
-              <a:pPr marL="0" lvl="0" indent="0" algn="l" rtl="0">
+              <a:pPr indent="0" lvl="0" marL="0" rtl="0" algn="l">
                 <a:spcBef>
                   <a:spcPts val="0"/>
                 </a:spcBef>
@@ -3388,6 +3416,9 @@
                 </a:spcAft>
                 <a:buNone/>
               </a:pPr>
+              <a:r>
+                <a:t/>
+              </a:r>
               <a:endParaRPr/>
             </a:p>
           </p:txBody>
@@ -3405,7 +3436,7 @@
             </a:xfrm>
             <a:prstGeom prst="diagStripe">
               <a:avLst>
-                <a:gd name="adj" fmla="val 50000"/>
+                <a:gd fmla="val 50000" name="adj"/>
               </a:avLst>
             </a:prstGeom>
             <a:solidFill>
@@ -3416,12 +3447,12 @@
             </a:ln>
           </p:spPr>
           <p:txBody>
-            <a:bodyPr spcFirstLastPara="1" wrap="square" lIns="91425" tIns="91425" rIns="91425" bIns="91425" anchor="ctr" anchorCtr="0">
+            <a:bodyPr anchorCtr="0" anchor="ctr" bIns="91425" lIns="91425" spcFirstLastPara="1" rIns="91425" wrap="square" tIns="91425">
               <a:noAutofit/>
             </a:bodyPr>
             <a:lstStyle/>
             <a:p>
-              <a:pPr marL="0" lvl="0" indent="0" algn="l" rtl="0">
+              <a:pPr indent="0" lvl="0" marL="0" rtl="0" algn="l">
                 <a:spcBef>
                   <a:spcPts val="0"/>
                 </a:spcBef>
@@ -3430,6 +3461,9 @@
                 </a:spcAft>
                 <a:buNone/>
               </a:pPr>
+              <a:r>
+                <a:t/>
+              </a:r>
               <a:endParaRPr/>
             </a:p>
           </p:txBody>
@@ -3447,7 +3481,7 @@
             </a:xfrm>
             <a:prstGeom prst="diagStripe">
               <a:avLst>
-                <a:gd name="adj" fmla="val 50000"/>
+                <a:gd fmla="val 50000" name="adj"/>
               </a:avLst>
             </a:prstGeom>
             <a:solidFill>
@@ -3460,12 +3494,12 @@
             </a:ln>
           </p:spPr>
           <p:txBody>
-            <a:bodyPr spcFirstLastPara="1" wrap="square" lIns="91425" tIns="91425" rIns="91425" bIns="91425" anchor="ctr" anchorCtr="0">
+            <a:bodyPr anchorCtr="0" anchor="ctr" bIns="91425" lIns="91425" spcFirstLastPara="1" rIns="91425" wrap="square" tIns="91425">
               <a:noAutofit/>
             </a:bodyPr>
             <a:lstStyle/>
             <a:p>
-              <a:pPr marL="0" lvl="0" indent="0" algn="l" rtl="0">
+              <a:pPr indent="0" lvl="0" marL="0" rtl="0" algn="l">
                 <a:spcBef>
                   <a:spcPts val="0"/>
                 </a:spcBef>
@@ -3474,6 +3508,9 @@
                 </a:spcAft>
                 <a:buNone/>
               </a:pPr>
+              <a:r>
+                <a:t/>
+              </a:r>
               <a:endParaRPr/>
             </a:p>
           </p:txBody>
@@ -3491,7 +3528,7 @@
             </a:xfrm>
             <a:prstGeom prst="diagStripe">
               <a:avLst>
-                <a:gd name="adj" fmla="val 50000"/>
+                <a:gd fmla="val 50000" name="adj"/>
               </a:avLst>
             </a:prstGeom>
             <a:solidFill>
@@ -3504,12 +3541,12 @@
             </a:ln>
           </p:spPr>
           <p:txBody>
-            <a:bodyPr spcFirstLastPara="1" wrap="square" lIns="91425" tIns="91425" rIns="91425" bIns="91425" anchor="ctr" anchorCtr="0">
+            <a:bodyPr anchorCtr="0" anchor="ctr" bIns="91425" lIns="91425" spcFirstLastPara="1" rIns="91425" wrap="square" tIns="91425">
               <a:noAutofit/>
             </a:bodyPr>
             <a:lstStyle/>
             <a:p>
-              <a:pPr marL="0" lvl="0" indent="0" algn="l" rtl="0">
+              <a:pPr indent="0" lvl="0" marL="0" rtl="0" algn="l">
                 <a:spcBef>
                   <a:spcPts val="0"/>
                 </a:spcBef>
@@ -3518,6 +3555,9 @@
                 </a:spcAft>
                 <a:buNone/>
               </a:pPr>
+              <a:r>
+                <a:t/>
+              </a:r>
               <a:endParaRPr/>
             </a:p>
           </p:txBody>
@@ -3535,7 +3575,7 @@
             </a:xfrm>
             <a:prstGeom prst="diagStripe">
               <a:avLst>
-                <a:gd name="adj" fmla="val 50000"/>
+                <a:gd fmla="val 50000" name="adj"/>
               </a:avLst>
             </a:prstGeom>
             <a:solidFill>
@@ -3548,12 +3588,12 @@
             </a:ln>
           </p:spPr>
           <p:txBody>
-            <a:bodyPr spcFirstLastPara="1" wrap="square" lIns="91425" tIns="91425" rIns="91425" bIns="91425" anchor="ctr" anchorCtr="0">
+            <a:bodyPr anchorCtr="0" anchor="ctr" bIns="91425" lIns="91425" spcFirstLastPara="1" rIns="91425" wrap="square" tIns="91425">
               <a:noAutofit/>
             </a:bodyPr>
             <a:lstStyle/>
             <a:p>
-              <a:pPr marL="0" lvl="0" indent="0" algn="l" rtl="0">
+              <a:pPr indent="0" lvl="0" marL="0" rtl="0" algn="l">
                 <a:spcBef>
                   <a:spcPts val="0"/>
                 </a:spcBef>
@@ -3562,6 +3602,9 @@
                 </a:spcAft>
                 <a:buNone/>
               </a:pPr>
+              <a:r>
+                <a:t/>
+              </a:r>
               <a:endParaRPr/>
             </a:p>
           </p:txBody>
@@ -3579,7 +3622,7 @@
             </a:xfrm>
             <a:prstGeom prst="diagStripe">
               <a:avLst>
-                <a:gd name="adj" fmla="val 50000"/>
+                <a:gd fmla="val 50000" name="adj"/>
               </a:avLst>
             </a:prstGeom>
             <a:solidFill>
@@ -3592,12 +3635,12 @@
             </a:ln>
           </p:spPr>
           <p:txBody>
-            <a:bodyPr spcFirstLastPara="1" wrap="square" lIns="91425" tIns="91425" rIns="91425" bIns="91425" anchor="ctr" anchorCtr="0">
+            <a:bodyPr anchorCtr="0" anchor="ctr" bIns="91425" lIns="91425" spcFirstLastPara="1" rIns="91425" wrap="square" tIns="91425">
               <a:noAutofit/>
             </a:bodyPr>
             <a:lstStyle/>
             <a:p>
-              <a:pPr marL="0" lvl="0" indent="0" algn="l" rtl="0">
+              <a:pPr indent="0" lvl="0" marL="0" rtl="0" algn="l">
                 <a:spcBef>
                   <a:spcPts val="0"/>
                 </a:spcBef>
@@ -3606,6 +3649,9 @@
                 </a:spcAft>
                 <a:buNone/>
               </a:pPr>
+              <a:r>
+                <a:t/>
+              </a:r>
               <a:endParaRPr/>
             </a:p>
           </p:txBody>
@@ -3623,7 +3669,7 @@
             </a:xfrm>
             <a:prstGeom prst="diagStripe">
               <a:avLst>
-                <a:gd name="adj" fmla="val 50000"/>
+                <a:gd fmla="val 50000" name="adj"/>
               </a:avLst>
             </a:prstGeom>
             <a:solidFill>
@@ -3636,12 +3682,12 @@
             </a:ln>
           </p:spPr>
           <p:txBody>
-            <a:bodyPr spcFirstLastPara="1" wrap="square" lIns="91425" tIns="91425" rIns="91425" bIns="91425" anchor="ctr" anchorCtr="0">
+            <a:bodyPr anchorCtr="0" anchor="ctr" bIns="91425" lIns="91425" spcFirstLastPara="1" rIns="91425" wrap="square" tIns="91425">
               <a:noAutofit/>
             </a:bodyPr>
             <a:lstStyle/>
             <a:p>
-              <a:pPr marL="0" lvl="0" indent="0" algn="l" rtl="0">
+              <a:pPr indent="0" lvl="0" marL="0" rtl="0" algn="l">
                 <a:spcBef>
                   <a:spcPts val="0"/>
                 </a:spcBef>
@@ -3650,6 +3696,9 @@
                 </a:spcAft>
                 <a:buNone/>
               </a:pPr>
+              <a:r>
+                <a:t/>
+              </a:r>
               <a:endParaRPr/>
             </a:p>
           </p:txBody>
@@ -3667,7 +3716,7 @@
             </a:xfrm>
             <a:prstGeom prst="diagStripe">
               <a:avLst>
-                <a:gd name="adj" fmla="val 50000"/>
+                <a:gd fmla="val 50000" name="adj"/>
               </a:avLst>
             </a:prstGeom>
             <a:solidFill>
@@ -3678,12 +3727,12 @@
             </a:ln>
           </p:spPr>
           <p:txBody>
-            <a:bodyPr spcFirstLastPara="1" wrap="square" lIns="91425" tIns="91425" rIns="91425" bIns="91425" anchor="ctr" anchorCtr="0">
+            <a:bodyPr anchorCtr="0" anchor="ctr" bIns="91425" lIns="91425" spcFirstLastPara="1" rIns="91425" wrap="square" tIns="91425">
               <a:noAutofit/>
             </a:bodyPr>
             <a:lstStyle/>
             <a:p>
-              <a:pPr marL="0" lvl="0" indent="0" algn="l" rtl="0">
+              <a:pPr indent="0" lvl="0" marL="0" rtl="0" algn="l">
                 <a:spcBef>
                   <a:spcPts val="0"/>
                 </a:spcBef>
@@ -3692,6 +3741,9 @@
                 </a:spcAft>
                 <a:buNone/>
               </a:pPr>
+              <a:r>
+                <a:t/>
+              </a:r>
               <a:endParaRPr/>
             </a:p>
           </p:txBody>
@@ -3709,7 +3761,7 @@
             </a:xfrm>
             <a:prstGeom prst="diagStripe">
               <a:avLst>
-                <a:gd name="adj" fmla="val 50000"/>
+                <a:gd fmla="val 50000" name="adj"/>
               </a:avLst>
             </a:prstGeom>
             <a:solidFill>
@@ -3722,12 +3774,12 @@
             </a:ln>
           </p:spPr>
           <p:txBody>
-            <a:bodyPr spcFirstLastPara="1" wrap="square" lIns="91425" tIns="91425" rIns="91425" bIns="91425" anchor="ctr" anchorCtr="0">
+            <a:bodyPr anchorCtr="0" anchor="ctr" bIns="91425" lIns="91425" spcFirstLastPara="1" rIns="91425" wrap="square" tIns="91425">
               <a:noAutofit/>
             </a:bodyPr>
             <a:lstStyle/>
             <a:p>
-              <a:pPr marL="0" lvl="0" indent="0" algn="l" rtl="0">
+              <a:pPr indent="0" lvl="0" marL="0" rtl="0" algn="l">
                 <a:spcBef>
                   <a:spcPts val="0"/>
                 </a:spcBef>
@@ -3736,6 +3788,9 @@
                 </a:spcAft>
                 <a:buNone/>
               </a:pPr>
+              <a:r>
+                <a:t/>
+              </a:r>
               <a:endParaRPr/>
             </a:p>
           </p:txBody>
@@ -3753,7 +3808,7 @@
             </a:xfrm>
             <a:prstGeom prst="diagStripe">
               <a:avLst>
-                <a:gd name="adj" fmla="val 50000"/>
+                <a:gd fmla="val 50000" name="adj"/>
               </a:avLst>
             </a:prstGeom>
             <a:solidFill>
@@ -3766,12 +3821,12 @@
             </a:ln>
           </p:spPr>
           <p:txBody>
-            <a:bodyPr spcFirstLastPara="1" wrap="square" lIns="91425" tIns="91425" rIns="91425" bIns="91425" anchor="ctr" anchorCtr="0">
+            <a:bodyPr anchorCtr="0" anchor="ctr" bIns="91425" lIns="91425" spcFirstLastPara="1" rIns="91425" wrap="square" tIns="91425">
               <a:noAutofit/>
             </a:bodyPr>
             <a:lstStyle/>
             <a:p>
-              <a:pPr marL="0" lvl="0" indent="0" algn="l" rtl="0">
+              <a:pPr indent="0" lvl="0" marL="0" rtl="0" algn="l">
                 <a:spcBef>
                   <a:spcPts val="0"/>
                 </a:spcBef>
@@ -3780,6 +3835,9 @@
                 </a:spcAft>
                 <a:buNone/>
               </a:pPr>
+              <a:r>
+                <a:t/>
+              </a:r>
               <a:endParaRPr/>
             </a:p>
           </p:txBody>
@@ -3797,7 +3855,7 @@
             </a:xfrm>
             <a:prstGeom prst="diagStripe">
               <a:avLst>
-                <a:gd name="adj" fmla="val 50000"/>
+                <a:gd fmla="val 50000" name="adj"/>
               </a:avLst>
             </a:prstGeom>
             <a:solidFill>
@@ -3810,12 +3868,12 @@
             </a:ln>
           </p:spPr>
           <p:txBody>
-            <a:bodyPr spcFirstLastPara="1" wrap="square" lIns="91425" tIns="91425" rIns="91425" bIns="91425" anchor="ctr" anchorCtr="0">
+            <a:bodyPr anchorCtr="0" anchor="ctr" bIns="91425" lIns="91425" spcFirstLastPara="1" rIns="91425" wrap="square" tIns="91425">
               <a:noAutofit/>
             </a:bodyPr>
             <a:lstStyle/>
             <a:p>
-              <a:pPr marL="0" lvl="0" indent="0" algn="l" rtl="0">
+              <a:pPr indent="0" lvl="0" marL="0" rtl="0" algn="l">
                 <a:spcBef>
                   <a:spcPts val="0"/>
                 </a:spcBef>
@@ -3824,6 +3882,9 @@
                 </a:spcAft>
                 <a:buNone/>
               </a:pPr>
+              <a:r>
+                <a:t/>
+              </a:r>
               <a:endParaRPr/>
             </a:p>
           </p:txBody>
@@ -3841,7 +3902,7 @@
             </a:xfrm>
             <a:prstGeom prst="diagStripe">
               <a:avLst>
-                <a:gd name="adj" fmla="val 50000"/>
+                <a:gd fmla="val 50000" name="adj"/>
               </a:avLst>
             </a:prstGeom>
             <a:solidFill>
@@ -3854,12 +3915,12 @@
             </a:ln>
           </p:spPr>
           <p:txBody>
-            <a:bodyPr spcFirstLastPara="1" wrap="square" lIns="91425" tIns="91425" rIns="91425" bIns="91425" anchor="ctr" anchorCtr="0">
+            <a:bodyPr anchorCtr="0" anchor="ctr" bIns="91425" lIns="91425" spcFirstLastPara="1" rIns="91425" wrap="square" tIns="91425">
               <a:noAutofit/>
             </a:bodyPr>
             <a:lstStyle/>
             <a:p>
-              <a:pPr marL="0" lvl="0" indent="0" algn="l" rtl="0">
+              <a:pPr indent="0" lvl="0" marL="0" rtl="0" algn="l">
                 <a:spcBef>
                   <a:spcPts val="0"/>
                 </a:spcBef>
@@ -3868,6 +3929,9 @@
                 </a:spcAft>
                 <a:buNone/>
               </a:pPr>
+              <a:r>
+                <a:t/>
+              </a:r>
               <a:endParaRPr/>
             </a:p>
           </p:txBody>
@@ -3876,9 +3940,7 @@
       <p:sp>
         <p:nvSpPr>
           <p:cNvPr id="39" name="Google Shape;39;p3"/>
-          <p:cNvSpPr txBox="1">
-            <a:spLocks noGrp="1"/>
-          </p:cNvSpPr>
+          <p:cNvSpPr txBox="1"/>
           <p:nvPr>
             <p:ph type="title"/>
           </p:nvPr>
@@ -3893,7 +3955,7 @@
           </a:prstGeom>
         </p:spPr>
         <p:txBody>
-          <a:bodyPr spcFirstLastPara="1" wrap="square" lIns="91425" tIns="91425" rIns="91425" bIns="91425" anchor="ctr" anchorCtr="0">
+          <a:bodyPr anchorCtr="0" anchor="ctr" bIns="91425" lIns="91425" spcFirstLastPara="1" rIns="91425" wrap="square" tIns="91425">
             <a:normAutofit/>
           </a:bodyPr>
           <a:lstStyle>
@@ -3997,19 +4059,15 @@
               <a:defRPr/>
             </a:lvl9pPr>
           </a:lstStyle>
-          <a:p>
-            <a:endParaRPr/>
-          </a:p>
+          <a:p/>
         </p:txBody>
       </p:sp>
       <p:sp>
         <p:nvSpPr>
           <p:cNvPr id="40" name="Google Shape;40;p3"/>
-          <p:cNvSpPr txBox="1">
-            <a:spLocks noGrp="1"/>
-          </p:cNvSpPr>
+          <p:cNvSpPr txBox="1"/>
           <p:nvPr>
-            <p:ph type="sldNum" idx="12"/>
+            <p:ph idx="12" type="sldNum"/>
           </p:nvPr>
         </p:nvSpPr>
         <p:spPr>
@@ -4022,7 +4080,7 @@
           </a:prstGeom>
         </p:spPr>
         <p:txBody>
-          <a:bodyPr spcFirstLastPara="1" wrap="square" lIns="91425" tIns="91425" rIns="91425" bIns="91425" anchor="ctr" anchorCtr="0">
+          <a:bodyPr anchorCtr="0" anchor="ctr" bIns="91425" lIns="91425" spcFirstLastPara="1" rIns="91425" wrap="square" tIns="91425">
             <a:normAutofit/>
           </a:bodyPr>
           <a:lstStyle>
@@ -4064,7 +4122,7 @@
             </a:lvl9pPr>
           </a:lstStyle>
           <a:p>
-            <a:pPr marL="0" lvl="0" indent="0" algn="r" rtl="0">
+            <a:pPr indent="0" lvl="0" marL="0" rtl="0" algn="r">
               <a:spcBef>
                 <a:spcPts val="0"/>
               </a:spcBef>
@@ -4090,19 +4148,18 @@
 </file>
 
 <file path=ppt/slideLayouts/slideLayout3.xml><?xml version="1.0" encoding="utf-8"?>
-<p:sldLayout xmlns:a="http://schemas.openxmlformats.org/drawingml/2006/main" xmlns:r="http://schemas.openxmlformats.org/officeDocument/2006/relationships" xmlns:p="http://schemas.openxmlformats.org/presentationml/2006/main" matchingName="Title and body" type="tx">
+<p:sldLayout xmlns:a="http://schemas.openxmlformats.org/drawingml/2006/main" xmlns:r="http://schemas.openxmlformats.org/officeDocument/2006/relationships" xmlns:mc="http://schemas.openxmlformats.org/markup-compatibility/2006" xmlns:mv="urn:schemas-microsoft-com:mac:vml" xmlns:p="http://schemas.openxmlformats.org/presentationml/2006/main" xmlns:c="http://schemas.openxmlformats.org/drawingml/2006/chart" xmlns:dgm="http://schemas.openxmlformats.org/drawingml/2006/diagram" xmlns:o="urn:schemas-microsoft-com:office:office" xmlns:v="urn:schemas-microsoft-com:vml" xmlns:pvml="urn:schemas-microsoft-com:office:powerpoint" xmlns:com="http://schemas.openxmlformats.org/drawingml/2006/compatibility" xmlns:p14="http://schemas.microsoft.com/office/powerpoint/2010/main" xmlns:p15="http://schemas.microsoft.com/office/powerpoint/2012/main" xmlns:ahyp="http://schemas.microsoft.com/office/drawing/2018/hyperlinkcolor" matchingName="Title and body" type="tx">
   <p:cSld name="TITLE_AND_BODY">
     <p:bg>
       <p:bgPr>
         <a:solidFill>
           <a:schemeClr val="lt1"/>
         </a:solidFill>
-        <a:effectLst/>
       </p:bgPr>
     </p:bg>
     <p:spTree>
       <p:nvGrpSpPr>
-        <p:cNvPr id="1" name="Shape 41"/>
+        <p:cNvPr id="41" name="Shape 41"/>
         <p:cNvGrpSpPr/>
         <p:nvPr/>
       </p:nvGrpSpPr>
@@ -4141,7 +4198,7 @@
             </a:xfrm>
             <a:prstGeom prst="diagStripe">
               <a:avLst>
-                <a:gd name="adj" fmla="val 50000"/>
+                <a:gd fmla="val 50000" name="adj"/>
               </a:avLst>
             </a:prstGeom>
             <a:solidFill>
@@ -4152,12 +4209,12 @@
             </a:ln>
           </p:spPr>
           <p:txBody>
-            <a:bodyPr spcFirstLastPara="1" wrap="square" lIns="91425" tIns="91425" rIns="91425" bIns="91425" anchor="ctr" anchorCtr="0">
+            <a:bodyPr anchorCtr="0" anchor="ctr" bIns="91425" lIns="91425" spcFirstLastPara="1" rIns="91425" wrap="square" tIns="91425">
               <a:noAutofit/>
             </a:bodyPr>
             <a:lstStyle/>
             <a:p>
-              <a:pPr marL="0" lvl="0" indent="0" algn="l" rtl="0">
+              <a:pPr indent="0" lvl="0" marL="0" rtl="0" algn="l">
                 <a:spcBef>
                   <a:spcPts val="0"/>
                 </a:spcBef>
@@ -4166,6 +4223,9 @@
                 </a:spcAft>
                 <a:buNone/>
               </a:pPr>
+              <a:r>
+                <a:t/>
+              </a:r>
               <a:endParaRPr/>
             </a:p>
           </p:txBody>
@@ -4183,7 +4243,7 @@
             </a:xfrm>
             <a:prstGeom prst="diagStripe">
               <a:avLst>
-                <a:gd name="adj" fmla="val 50000"/>
+                <a:gd fmla="val 50000" name="adj"/>
               </a:avLst>
             </a:prstGeom>
             <a:solidFill>
@@ -4194,12 +4254,12 @@
             </a:ln>
           </p:spPr>
           <p:txBody>
-            <a:bodyPr spcFirstLastPara="1" wrap="square" lIns="91425" tIns="91425" rIns="91425" bIns="91425" anchor="ctr" anchorCtr="0">
+            <a:bodyPr anchorCtr="0" anchor="ctr" bIns="91425" lIns="91425" spcFirstLastPara="1" rIns="91425" wrap="square" tIns="91425">
               <a:noAutofit/>
             </a:bodyPr>
             <a:lstStyle/>
             <a:p>
-              <a:pPr marL="0" lvl="0" indent="0" algn="l" rtl="0">
+              <a:pPr indent="0" lvl="0" marL="0" rtl="0" algn="l">
                 <a:spcBef>
                   <a:spcPts val="0"/>
                 </a:spcBef>
@@ -4208,6 +4268,9 @@
                 </a:spcAft>
                 <a:buNone/>
               </a:pPr>
+              <a:r>
+                <a:t/>
+              </a:r>
               <a:endParaRPr/>
             </a:p>
           </p:txBody>
@@ -4216,9 +4279,7 @@
       <p:sp>
         <p:nvSpPr>
           <p:cNvPr id="45" name="Google Shape;45;p4"/>
-          <p:cNvSpPr txBox="1">
-            <a:spLocks noGrp="1"/>
-          </p:cNvSpPr>
+          <p:cNvSpPr txBox="1"/>
           <p:nvPr>
             <p:ph type="title"/>
           </p:nvPr>
@@ -4233,7 +4294,7 @@
           </a:prstGeom>
         </p:spPr>
         <p:txBody>
-          <a:bodyPr spcFirstLastPara="1" wrap="square" lIns="91425" tIns="91425" rIns="91425" bIns="91425" anchor="t" anchorCtr="0">
+          <a:bodyPr anchorCtr="0" anchor="t" bIns="91425" lIns="91425" spcFirstLastPara="1" rIns="91425" wrap="square" tIns="91425">
             <a:normAutofit/>
           </a:bodyPr>
           <a:lstStyle>
@@ -4344,19 +4405,15 @@
               <a:defRPr sz="2400"/>
             </a:lvl9pPr>
           </a:lstStyle>
-          <a:p>
-            <a:endParaRPr/>
-          </a:p>
+          <a:p/>
         </p:txBody>
       </p:sp>
       <p:sp>
         <p:nvSpPr>
           <p:cNvPr id="46" name="Google Shape;46;p4"/>
-          <p:cNvSpPr txBox="1">
-            <a:spLocks noGrp="1"/>
-          </p:cNvSpPr>
+          <p:cNvSpPr txBox="1"/>
           <p:nvPr>
-            <p:ph type="body" idx="1"/>
+            <p:ph idx="1" type="body"/>
           </p:nvPr>
         </p:nvSpPr>
         <p:spPr>
@@ -4369,11 +4426,11 @@
           </a:prstGeom>
         </p:spPr>
         <p:txBody>
-          <a:bodyPr spcFirstLastPara="1" wrap="square" lIns="91425" tIns="91425" rIns="91425" bIns="91425" anchor="t" anchorCtr="0">
+          <a:bodyPr anchorCtr="0" anchor="t" bIns="91425" lIns="91425" spcFirstLastPara="1" rIns="91425" wrap="square" tIns="91425">
             <a:normAutofit/>
           </a:bodyPr>
           <a:lstStyle>
-            <a:lvl1pPr marL="457200" lvl="0" indent="-311150">
+            <a:lvl1pPr indent="-311150" lvl="0" marL="457200">
               <a:spcBef>
                 <a:spcPts val="0"/>
               </a:spcBef>
@@ -4384,7 +4441,7 @@
               <a:buChar char="●"/>
               <a:defRPr/>
             </a:lvl1pPr>
-            <a:lvl2pPr marL="914400" lvl="1" indent="-298450">
+            <a:lvl2pPr indent="-298450" lvl="1" marL="914400">
               <a:spcBef>
                 <a:spcPts val="0"/>
               </a:spcBef>
@@ -4395,7 +4452,7 @@
               <a:buChar char="○"/>
               <a:defRPr/>
             </a:lvl2pPr>
-            <a:lvl3pPr marL="1371600" lvl="2" indent="-298450">
+            <a:lvl3pPr indent="-298450" lvl="2" marL="1371600">
               <a:spcBef>
                 <a:spcPts val="0"/>
               </a:spcBef>
@@ -4406,7 +4463,7 @@
               <a:buChar char="■"/>
               <a:defRPr/>
             </a:lvl3pPr>
-            <a:lvl4pPr marL="1828800" lvl="3" indent="-298450">
+            <a:lvl4pPr indent="-298450" lvl="3" marL="1828800">
               <a:spcBef>
                 <a:spcPts val="0"/>
               </a:spcBef>
@@ -4417,7 +4474,7 @@
               <a:buChar char="●"/>
               <a:defRPr/>
             </a:lvl4pPr>
-            <a:lvl5pPr marL="2286000" lvl="4" indent="-298450">
+            <a:lvl5pPr indent="-298450" lvl="4" marL="2286000">
               <a:spcBef>
                 <a:spcPts val="0"/>
               </a:spcBef>
@@ -4428,7 +4485,7 @@
               <a:buChar char="○"/>
               <a:defRPr/>
             </a:lvl5pPr>
-            <a:lvl6pPr marL="2743200" lvl="5" indent="-298450">
+            <a:lvl6pPr indent="-298450" lvl="5" marL="2743200">
               <a:spcBef>
                 <a:spcPts val="0"/>
               </a:spcBef>
@@ -4439,7 +4496,7 @@
               <a:buChar char="■"/>
               <a:defRPr/>
             </a:lvl6pPr>
-            <a:lvl7pPr marL="3200400" lvl="6" indent="-298450">
+            <a:lvl7pPr indent="-298450" lvl="6" marL="3200400">
               <a:spcBef>
                 <a:spcPts val="0"/>
               </a:spcBef>
@@ -4450,7 +4507,7 @@
               <a:buChar char="●"/>
               <a:defRPr/>
             </a:lvl7pPr>
-            <a:lvl8pPr marL="3657600" lvl="7" indent="-298450">
+            <a:lvl8pPr indent="-298450" lvl="7" marL="3657600">
               <a:spcBef>
                 <a:spcPts val="0"/>
               </a:spcBef>
@@ -4461,7 +4518,7 @@
               <a:buChar char="○"/>
               <a:defRPr/>
             </a:lvl8pPr>
-            <a:lvl9pPr marL="4114800" lvl="8" indent="-298450">
+            <a:lvl9pPr indent="-298450" lvl="8" marL="4114800">
               <a:spcBef>
                 <a:spcPts val="0"/>
               </a:spcBef>
@@ -4473,19 +4530,15 @@
               <a:defRPr/>
             </a:lvl9pPr>
           </a:lstStyle>
-          <a:p>
-            <a:endParaRPr/>
-          </a:p>
+          <a:p/>
         </p:txBody>
       </p:sp>
       <p:sp>
         <p:nvSpPr>
           <p:cNvPr id="47" name="Google Shape;47;p4"/>
-          <p:cNvSpPr txBox="1">
-            <a:spLocks noGrp="1"/>
-          </p:cNvSpPr>
+          <p:cNvSpPr txBox="1"/>
           <p:nvPr>
-            <p:ph type="sldNum" idx="12"/>
+            <p:ph idx="12" type="sldNum"/>
           </p:nvPr>
         </p:nvSpPr>
         <p:spPr>
@@ -4498,7 +4551,7 @@
           </a:prstGeom>
         </p:spPr>
         <p:txBody>
-          <a:bodyPr spcFirstLastPara="1" wrap="square" lIns="91425" tIns="91425" rIns="91425" bIns="91425" anchor="ctr" anchorCtr="0">
+          <a:bodyPr anchorCtr="0" anchor="ctr" bIns="91425" lIns="91425" spcFirstLastPara="1" rIns="91425" wrap="square" tIns="91425">
             <a:normAutofit/>
           </a:bodyPr>
           <a:lstStyle>
@@ -4540,7 +4593,7 @@
             </a:lvl9pPr>
           </a:lstStyle>
           <a:p>
-            <a:pPr marL="0" lvl="0" indent="0" algn="r" rtl="0">
+            <a:pPr indent="0" lvl="0" marL="0" rtl="0" algn="r">
               <a:spcBef>
                 <a:spcPts val="0"/>
               </a:spcBef>
@@ -4566,11 +4619,11 @@
 </file>
 
 <file path=ppt/slideLayouts/slideLayout4.xml><?xml version="1.0" encoding="utf-8"?>
-<p:sldLayout xmlns:a="http://schemas.openxmlformats.org/drawingml/2006/main" xmlns:r="http://schemas.openxmlformats.org/officeDocument/2006/relationships" xmlns:p="http://schemas.openxmlformats.org/presentationml/2006/main" matchingName="Title and two columns" type="twoColTx">
+<p:sldLayout xmlns:a="http://schemas.openxmlformats.org/drawingml/2006/main" xmlns:r="http://schemas.openxmlformats.org/officeDocument/2006/relationships" xmlns:mc="http://schemas.openxmlformats.org/markup-compatibility/2006" xmlns:mv="urn:schemas-microsoft-com:mac:vml" xmlns:p="http://schemas.openxmlformats.org/presentationml/2006/main" xmlns:c="http://schemas.openxmlformats.org/drawingml/2006/chart" xmlns:dgm="http://schemas.openxmlformats.org/drawingml/2006/diagram" xmlns:o="urn:schemas-microsoft-com:office:office" xmlns:v="urn:schemas-microsoft-com:vml" xmlns:pvml="urn:schemas-microsoft-com:office:powerpoint" xmlns:com="http://schemas.openxmlformats.org/drawingml/2006/compatibility" xmlns:p14="http://schemas.microsoft.com/office/powerpoint/2010/main" xmlns:p15="http://schemas.microsoft.com/office/powerpoint/2012/main" xmlns:ahyp="http://schemas.microsoft.com/office/drawing/2018/hyperlinkcolor" matchingName="Title and two columns" type="twoColTx">
   <p:cSld name="TITLE_AND_TWO_COLUMNS">
     <p:spTree>
       <p:nvGrpSpPr>
-        <p:cNvPr id="1" name="Shape 48"/>
+        <p:cNvPr id="48" name="Shape 48"/>
         <p:cNvGrpSpPr/>
         <p:nvPr/>
       </p:nvGrpSpPr>
@@ -4609,7 +4662,7 @@
             </a:xfrm>
             <a:prstGeom prst="diagStripe">
               <a:avLst>
-                <a:gd name="adj" fmla="val 50000"/>
+                <a:gd fmla="val 50000" name="adj"/>
               </a:avLst>
             </a:prstGeom>
             <a:solidFill>
@@ -4620,12 +4673,12 @@
             </a:ln>
           </p:spPr>
           <p:txBody>
-            <a:bodyPr spcFirstLastPara="1" wrap="square" lIns="91425" tIns="91425" rIns="91425" bIns="91425" anchor="ctr" anchorCtr="0">
+            <a:bodyPr anchorCtr="0" anchor="ctr" bIns="91425" lIns="91425" spcFirstLastPara="1" rIns="91425" wrap="square" tIns="91425">
               <a:noAutofit/>
             </a:bodyPr>
             <a:lstStyle/>
             <a:p>
-              <a:pPr marL="0" lvl="0" indent="0" algn="l" rtl="0">
+              <a:pPr indent="0" lvl="0" marL="0" rtl="0" algn="l">
                 <a:spcBef>
                   <a:spcPts val="0"/>
                 </a:spcBef>
@@ -4634,6 +4687,9 @@
                 </a:spcAft>
                 <a:buNone/>
               </a:pPr>
+              <a:r>
+                <a:t/>
+              </a:r>
               <a:endParaRPr/>
             </a:p>
           </p:txBody>
@@ -4651,7 +4707,7 @@
             </a:xfrm>
             <a:prstGeom prst="diagStripe">
               <a:avLst>
-                <a:gd name="adj" fmla="val 50000"/>
+                <a:gd fmla="val 50000" name="adj"/>
               </a:avLst>
             </a:prstGeom>
             <a:solidFill>
@@ -4662,12 +4718,12 @@
             </a:ln>
           </p:spPr>
           <p:txBody>
-            <a:bodyPr spcFirstLastPara="1" wrap="square" lIns="91425" tIns="91425" rIns="91425" bIns="91425" anchor="ctr" anchorCtr="0">
+            <a:bodyPr anchorCtr="0" anchor="ctr" bIns="91425" lIns="91425" spcFirstLastPara="1" rIns="91425" wrap="square" tIns="91425">
               <a:noAutofit/>
             </a:bodyPr>
             <a:lstStyle/>
             <a:p>
-              <a:pPr marL="0" lvl="0" indent="0" algn="l" rtl="0">
+              <a:pPr indent="0" lvl="0" marL="0" rtl="0" algn="l">
                 <a:spcBef>
                   <a:spcPts val="0"/>
                 </a:spcBef>
@@ -4676,6 +4732,9 @@
                 </a:spcAft>
                 <a:buNone/>
               </a:pPr>
+              <a:r>
+                <a:t/>
+              </a:r>
               <a:endParaRPr/>
             </a:p>
           </p:txBody>
@@ -4684,9 +4743,7 @@
       <p:sp>
         <p:nvSpPr>
           <p:cNvPr id="52" name="Google Shape;52;p5"/>
-          <p:cNvSpPr txBox="1">
-            <a:spLocks noGrp="1"/>
-          </p:cNvSpPr>
+          <p:cNvSpPr txBox="1"/>
           <p:nvPr>
             <p:ph type="title"/>
           </p:nvPr>
@@ -4701,7 +4758,7 @@
           </a:prstGeom>
         </p:spPr>
         <p:txBody>
-          <a:bodyPr spcFirstLastPara="1" wrap="square" lIns="91425" tIns="91425" rIns="91425" bIns="91425" anchor="t" anchorCtr="0">
+          <a:bodyPr anchorCtr="0" anchor="t" bIns="91425" lIns="91425" spcFirstLastPara="1" rIns="91425" wrap="square" tIns="91425">
             <a:normAutofit/>
           </a:bodyPr>
           <a:lstStyle>
@@ -4805,19 +4862,15 @@
               <a:defRPr sz="2400"/>
             </a:lvl9pPr>
           </a:lstStyle>
-          <a:p>
-            <a:endParaRPr/>
-          </a:p>
+          <a:p/>
         </p:txBody>
       </p:sp>
       <p:sp>
         <p:nvSpPr>
           <p:cNvPr id="53" name="Google Shape;53;p5"/>
-          <p:cNvSpPr txBox="1">
-            <a:spLocks noGrp="1"/>
-          </p:cNvSpPr>
+          <p:cNvSpPr txBox="1"/>
           <p:nvPr>
-            <p:ph type="body" idx="1"/>
+            <p:ph idx="1" type="body"/>
           </p:nvPr>
         </p:nvSpPr>
         <p:spPr>
@@ -4830,11 +4883,11 @@
           </a:prstGeom>
         </p:spPr>
         <p:txBody>
-          <a:bodyPr spcFirstLastPara="1" wrap="square" lIns="91425" tIns="91425" rIns="91425" bIns="91425" anchor="t" anchorCtr="0">
+          <a:bodyPr anchorCtr="0" anchor="t" bIns="91425" lIns="91425" spcFirstLastPara="1" rIns="91425" wrap="square" tIns="91425">
             <a:normAutofit/>
           </a:bodyPr>
           <a:lstStyle>
-            <a:lvl1pPr marL="457200" lvl="0" indent="-311150">
+            <a:lvl1pPr indent="-311150" lvl="0" marL="457200">
               <a:spcBef>
                 <a:spcPts val="0"/>
               </a:spcBef>
@@ -4845,7 +4898,7 @@
               <a:buChar char="●"/>
               <a:defRPr/>
             </a:lvl1pPr>
-            <a:lvl2pPr marL="914400" lvl="1" indent="-298450">
+            <a:lvl2pPr indent="-298450" lvl="1" marL="914400">
               <a:spcBef>
                 <a:spcPts val="0"/>
               </a:spcBef>
@@ -4856,7 +4909,7 @@
               <a:buChar char="○"/>
               <a:defRPr/>
             </a:lvl2pPr>
-            <a:lvl3pPr marL="1371600" lvl="2" indent="-298450">
+            <a:lvl3pPr indent="-298450" lvl="2" marL="1371600">
               <a:spcBef>
                 <a:spcPts val="0"/>
               </a:spcBef>
@@ -4867,7 +4920,7 @@
               <a:buChar char="■"/>
               <a:defRPr/>
             </a:lvl3pPr>
-            <a:lvl4pPr marL="1828800" lvl="3" indent="-298450">
+            <a:lvl4pPr indent="-298450" lvl="3" marL="1828800">
               <a:spcBef>
                 <a:spcPts val="0"/>
               </a:spcBef>
@@ -4878,7 +4931,7 @@
               <a:buChar char="●"/>
               <a:defRPr/>
             </a:lvl4pPr>
-            <a:lvl5pPr marL="2286000" lvl="4" indent="-298450">
+            <a:lvl5pPr indent="-298450" lvl="4" marL="2286000">
               <a:spcBef>
                 <a:spcPts val="0"/>
               </a:spcBef>
@@ -4889,7 +4942,7 @@
               <a:buChar char="○"/>
               <a:defRPr/>
             </a:lvl5pPr>
-            <a:lvl6pPr marL="2743200" lvl="5" indent="-298450">
+            <a:lvl6pPr indent="-298450" lvl="5" marL="2743200">
               <a:spcBef>
                 <a:spcPts val="0"/>
               </a:spcBef>
@@ -4900,7 +4953,7 @@
               <a:buChar char="■"/>
               <a:defRPr/>
             </a:lvl6pPr>
-            <a:lvl7pPr marL="3200400" lvl="6" indent="-298450">
+            <a:lvl7pPr indent="-298450" lvl="6" marL="3200400">
               <a:spcBef>
                 <a:spcPts val="0"/>
               </a:spcBef>
@@ -4911,7 +4964,7 @@
               <a:buChar char="●"/>
               <a:defRPr/>
             </a:lvl7pPr>
-            <a:lvl8pPr marL="3657600" lvl="7" indent="-298450">
+            <a:lvl8pPr indent="-298450" lvl="7" marL="3657600">
               <a:spcBef>
                 <a:spcPts val="0"/>
               </a:spcBef>
@@ -4922,7 +4975,7 @@
               <a:buChar char="○"/>
               <a:defRPr/>
             </a:lvl8pPr>
-            <a:lvl9pPr marL="4114800" lvl="8" indent="-298450">
+            <a:lvl9pPr indent="-298450" lvl="8" marL="4114800">
               <a:spcBef>
                 <a:spcPts val="0"/>
               </a:spcBef>
@@ -4934,19 +4987,15 @@
               <a:defRPr/>
             </a:lvl9pPr>
           </a:lstStyle>
-          <a:p>
-            <a:endParaRPr/>
-          </a:p>
+          <a:p/>
         </p:txBody>
       </p:sp>
       <p:sp>
         <p:nvSpPr>
           <p:cNvPr id="54" name="Google Shape;54;p5"/>
-          <p:cNvSpPr txBox="1">
-            <a:spLocks noGrp="1"/>
-          </p:cNvSpPr>
+          <p:cNvSpPr txBox="1"/>
           <p:nvPr>
-            <p:ph type="body" idx="2"/>
+            <p:ph idx="2" type="body"/>
           </p:nvPr>
         </p:nvSpPr>
         <p:spPr>
@@ -4959,11 +5008,11 @@
           </a:prstGeom>
         </p:spPr>
         <p:txBody>
-          <a:bodyPr spcFirstLastPara="1" wrap="square" lIns="91425" tIns="91425" rIns="91425" bIns="91425" anchor="t" anchorCtr="0">
+          <a:bodyPr anchorCtr="0" anchor="t" bIns="91425" lIns="91425" spcFirstLastPara="1" rIns="91425" wrap="square" tIns="91425">
             <a:normAutofit/>
           </a:bodyPr>
           <a:lstStyle>
-            <a:lvl1pPr marL="457200" lvl="0" indent="-311150">
+            <a:lvl1pPr indent="-311150" lvl="0" marL="457200">
               <a:spcBef>
                 <a:spcPts val="0"/>
               </a:spcBef>
@@ -4974,7 +5023,7 @@
               <a:buChar char="●"/>
               <a:defRPr/>
             </a:lvl1pPr>
-            <a:lvl2pPr marL="914400" lvl="1" indent="-298450">
+            <a:lvl2pPr indent="-298450" lvl="1" marL="914400">
               <a:spcBef>
                 <a:spcPts val="0"/>
               </a:spcBef>
@@ -4985,7 +5034,7 @@
               <a:buChar char="○"/>
               <a:defRPr/>
             </a:lvl2pPr>
-            <a:lvl3pPr marL="1371600" lvl="2" indent="-298450">
+            <a:lvl3pPr indent="-298450" lvl="2" marL="1371600">
               <a:spcBef>
                 <a:spcPts val="0"/>
               </a:spcBef>
@@ -4996,7 +5045,7 @@
               <a:buChar char="■"/>
               <a:defRPr/>
             </a:lvl3pPr>
-            <a:lvl4pPr marL="1828800" lvl="3" indent="-298450">
+            <a:lvl4pPr indent="-298450" lvl="3" marL="1828800">
               <a:spcBef>
                 <a:spcPts val="0"/>
               </a:spcBef>
@@ -5007,7 +5056,7 @@
               <a:buChar char="●"/>
               <a:defRPr/>
             </a:lvl4pPr>
-            <a:lvl5pPr marL="2286000" lvl="4" indent="-298450">
+            <a:lvl5pPr indent="-298450" lvl="4" marL="2286000">
               <a:spcBef>
                 <a:spcPts val="0"/>
               </a:spcBef>
@@ -5018,7 +5067,7 @@
               <a:buChar char="○"/>
               <a:defRPr/>
             </a:lvl5pPr>
-            <a:lvl6pPr marL="2743200" lvl="5" indent="-298450">
+            <a:lvl6pPr indent="-298450" lvl="5" marL="2743200">
               <a:spcBef>
                 <a:spcPts val="0"/>
               </a:spcBef>
@@ -5029,7 +5078,7 @@
               <a:buChar char="■"/>
               <a:defRPr/>
             </a:lvl6pPr>
-            <a:lvl7pPr marL="3200400" lvl="6" indent="-298450">
+            <a:lvl7pPr indent="-298450" lvl="6" marL="3200400">
               <a:spcBef>
                 <a:spcPts val="0"/>
               </a:spcBef>
@@ -5040,7 +5089,7 @@
               <a:buChar char="●"/>
               <a:defRPr/>
             </a:lvl7pPr>
-            <a:lvl8pPr marL="3657600" lvl="7" indent="-298450">
+            <a:lvl8pPr indent="-298450" lvl="7" marL="3657600">
               <a:spcBef>
                 <a:spcPts val="0"/>
               </a:spcBef>
@@ -5051,7 +5100,7 @@
               <a:buChar char="○"/>
               <a:defRPr/>
             </a:lvl8pPr>
-            <a:lvl9pPr marL="4114800" lvl="8" indent="-298450">
+            <a:lvl9pPr indent="-298450" lvl="8" marL="4114800">
               <a:spcBef>
                 <a:spcPts val="0"/>
               </a:spcBef>
@@ -5063,19 +5112,15 @@
               <a:defRPr/>
             </a:lvl9pPr>
           </a:lstStyle>
-          <a:p>
-            <a:endParaRPr/>
-          </a:p>
+          <a:p/>
         </p:txBody>
       </p:sp>
       <p:sp>
         <p:nvSpPr>
           <p:cNvPr id="55" name="Google Shape;55;p5"/>
-          <p:cNvSpPr txBox="1">
-            <a:spLocks noGrp="1"/>
-          </p:cNvSpPr>
+          <p:cNvSpPr txBox="1"/>
           <p:nvPr>
-            <p:ph type="sldNum" idx="12"/>
+            <p:ph idx="12" type="sldNum"/>
           </p:nvPr>
         </p:nvSpPr>
         <p:spPr>
@@ -5088,7 +5133,7 @@
           </a:prstGeom>
         </p:spPr>
         <p:txBody>
-          <a:bodyPr spcFirstLastPara="1" wrap="square" lIns="91425" tIns="91425" rIns="91425" bIns="91425" anchor="ctr" anchorCtr="0">
+          <a:bodyPr anchorCtr="0" anchor="ctr" bIns="91425" lIns="91425" spcFirstLastPara="1" rIns="91425" wrap="square" tIns="91425">
             <a:normAutofit/>
           </a:bodyPr>
           <a:lstStyle>
@@ -5130,7 +5175,7 @@
             </a:lvl9pPr>
           </a:lstStyle>
           <a:p>
-            <a:pPr marL="0" lvl="0" indent="0" algn="r" rtl="0">
+            <a:pPr indent="0" lvl="0" marL="0" rtl="0" algn="r">
               <a:spcBef>
                 <a:spcPts val="0"/>
               </a:spcBef>
@@ -5156,11 +5201,11 @@
 </file>
 
 <file path=ppt/slideLayouts/slideLayout5.xml><?xml version="1.0" encoding="utf-8"?>
-<p:sldLayout xmlns:a="http://schemas.openxmlformats.org/drawingml/2006/main" xmlns:r="http://schemas.openxmlformats.org/officeDocument/2006/relationships" xmlns:p="http://schemas.openxmlformats.org/presentationml/2006/main" matchingName="Title only" type="titleOnly">
+<p:sldLayout xmlns:a="http://schemas.openxmlformats.org/drawingml/2006/main" xmlns:r="http://schemas.openxmlformats.org/officeDocument/2006/relationships" xmlns:mc="http://schemas.openxmlformats.org/markup-compatibility/2006" xmlns:mv="urn:schemas-microsoft-com:mac:vml" xmlns:p="http://schemas.openxmlformats.org/presentationml/2006/main" xmlns:c="http://schemas.openxmlformats.org/drawingml/2006/chart" xmlns:dgm="http://schemas.openxmlformats.org/drawingml/2006/diagram" xmlns:o="urn:schemas-microsoft-com:office:office" xmlns:v="urn:schemas-microsoft-com:vml" xmlns:pvml="urn:schemas-microsoft-com:office:powerpoint" xmlns:com="http://schemas.openxmlformats.org/drawingml/2006/compatibility" xmlns:p14="http://schemas.microsoft.com/office/powerpoint/2010/main" xmlns:p15="http://schemas.microsoft.com/office/powerpoint/2012/main" xmlns:ahyp="http://schemas.microsoft.com/office/drawing/2018/hyperlinkcolor" matchingName="Title only" type="titleOnly">
   <p:cSld name="TITLE_ONLY">
     <p:spTree>
       <p:nvGrpSpPr>
-        <p:cNvPr id="1" name="Shape 56"/>
+        <p:cNvPr id="56" name="Shape 56"/>
         <p:cNvGrpSpPr/>
         <p:nvPr/>
       </p:nvGrpSpPr>
@@ -5199,7 +5244,7 @@
             </a:xfrm>
             <a:prstGeom prst="diagStripe">
               <a:avLst>
-                <a:gd name="adj" fmla="val 50000"/>
+                <a:gd fmla="val 50000" name="adj"/>
               </a:avLst>
             </a:prstGeom>
             <a:solidFill>
@@ -5210,12 +5255,12 @@
             </a:ln>
           </p:spPr>
           <p:txBody>
-            <a:bodyPr spcFirstLastPara="1" wrap="square" lIns="91425" tIns="91425" rIns="91425" bIns="91425" anchor="ctr" anchorCtr="0">
+            <a:bodyPr anchorCtr="0" anchor="ctr" bIns="91425" lIns="91425" spcFirstLastPara="1" rIns="91425" wrap="square" tIns="91425">
               <a:noAutofit/>
             </a:bodyPr>
             <a:lstStyle/>
             <a:p>
-              <a:pPr marL="0" lvl="0" indent="0" algn="l" rtl="0">
+              <a:pPr indent="0" lvl="0" marL="0" rtl="0" algn="l">
                 <a:spcBef>
                   <a:spcPts val="0"/>
                 </a:spcBef>
@@ -5224,6 +5269,9 @@
                 </a:spcAft>
                 <a:buNone/>
               </a:pPr>
+              <a:r>
+                <a:t/>
+              </a:r>
               <a:endParaRPr/>
             </a:p>
           </p:txBody>
@@ -5241,7 +5289,7 @@
             </a:xfrm>
             <a:prstGeom prst="diagStripe">
               <a:avLst>
-                <a:gd name="adj" fmla="val 50000"/>
+                <a:gd fmla="val 50000" name="adj"/>
               </a:avLst>
             </a:prstGeom>
             <a:solidFill>
@@ -5252,12 +5300,12 @@
             </a:ln>
           </p:spPr>
           <p:txBody>
-            <a:bodyPr spcFirstLastPara="1" wrap="square" lIns="91425" tIns="91425" rIns="91425" bIns="91425" anchor="ctr" anchorCtr="0">
+            <a:bodyPr anchorCtr="0" anchor="ctr" bIns="91425" lIns="91425" spcFirstLastPara="1" rIns="91425" wrap="square" tIns="91425">
               <a:noAutofit/>
             </a:bodyPr>
             <a:lstStyle/>
             <a:p>
-              <a:pPr marL="0" lvl="0" indent="0" algn="l" rtl="0">
+              <a:pPr indent="0" lvl="0" marL="0" rtl="0" algn="l">
                 <a:spcBef>
                   <a:spcPts val="0"/>
                 </a:spcBef>
@@ -5266,6 +5314,9 @@
                 </a:spcAft>
                 <a:buNone/>
               </a:pPr>
+              <a:r>
+                <a:t/>
+              </a:r>
               <a:endParaRPr/>
             </a:p>
           </p:txBody>
@@ -5274,9 +5325,7 @@
       <p:sp>
         <p:nvSpPr>
           <p:cNvPr id="60" name="Google Shape;60;p6"/>
-          <p:cNvSpPr txBox="1">
-            <a:spLocks noGrp="1"/>
-          </p:cNvSpPr>
+          <p:cNvSpPr txBox="1"/>
           <p:nvPr>
             <p:ph type="title"/>
           </p:nvPr>
@@ -5291,7 +5340,7 @@
           </a:prstGeom>
         </p:spPr>
         <p:txBody>
-          <a:bodyPr spcFirstLastPara="1" wrap="square" lIns="91425" tIns="91425" rIns="91425" bIns="91425" anchor="t" anchorCtr="0">
+          <a:bodyPr anchorCtr="0" anchor="t" bIns="91425" lIns="91425" spcFirstLastPara="1" rIns="91425" wrap="square" tIns="91425">
             <a:normAutofit/>
           </a:bodyPr>
           <a:lstStyle>
@@ -5395,19 +5444,15 @@
               <a:defRPr sz="2400"/>
             </a:lvl9pPr>
           </a:lstStyle>
-          <a:p>
-            <a:endParaRPr/>
-          </a:p>
+          <a:p/>
         </p:txBody>
       </p:sp>
       <p:sp>
         <p:nvSpPr>
           <p:cNvPr id="61" name="Google Shape;61;p6"/>
-          <p:cNvSpPr txBox="1">
-            <a:spLocks noGrp="1"/>
-          </p:cNvSpPr>
+          <p:cNvSpPr txBox="1"/>
           <p:nvPr>
-            <p:ph type="sldNum" idx="12"/>
+            <p:ph idx="12" type="sldNum"/>
           </p:nvPr>
         </p:nvSpPr>
         <p:spPr>
@@ -5420,7 +5465,7 @@
           </a:prstGeom>
         </p:spPr>
         <p:txBody>
-          <a:bodyPr spcFirstLastPara="1" wrap="square" lIns="91425" tIns="91425" rIns="91425" bIns="91425" anchor="ctr" anchorCtr="0">
+          <a:bodyPr anchorCtr="0" anchor="ctr" bIns="91425" lIns="91425" spcFirstLastPara="1" rIns="91425" wrap="square" tIns="91425">
             <a:normAutofit/>
           </a:bodyPr>
           <a:lstStyle>
@@ -5462,7 +5507,7 @@
             </a:lvl9pPr>
           </a:lstStyle>
           <a:p>
-            <a:pPr marL="0" lvl="0" indent="0" algn="r" rtl="0">
+            <a:pPr indent="0" lvl="0" marL="0" rtl="0" algn="r">
               <a:spcBef>
                 <a:spcPts val="0"/>
               </a:spcBef>
@@ -5488,11 +5533,11 @@
 </file>
 
 <file path=ppt/slideLayouts/slideLayout6.xml><?xml version="1.0" encoding="utf-8"?>
-<p:sldLayout xmlns:a="http://schemas.openxmlformats.org/drawingml/2006/main" xmlns:r="http://schemas.openxmlformats.org/officeDocument/2006/relationships" xmlns:p="http://schemas.openxmlformats.org/presentationml/2006/main" matchingName="One column text">
+<p:sldLayout xmlns:a="http://schemas.openxmlformats.org/drawingml/2006/main" xmlns:r="http://schemas.openxmlformats.org/officeDocument/2006/relationships" xmlns:mc="http://schemas.openxmlformats.org/markup-compatibility/2006" xmlns:mv="urn:schemas-microsoft-com:mac:vml" xmlns:p="http://schemas.openxmlformats.org/presentationml/2006/main" xmlns:c="http://schemas.openxmlformats.org/drawingml/2006/chart" xmlns:dgm="http://schemas.openxmlformats.org/drawingml/2006/diagram" xmlns:o="urn:schemas-microsoft-com:office:office" xmlns:v="urn:schemas-microsoft-com:vml" xmlns:pvml="urn:schemas-microsoft-com:office:powerpoint" xmlns:com="http://schemas.openxmlformats.org/drawingml/2006/compatibility" xmlns:p14="http://schemas.microsoft.com/office/powerpoint/2010/main" xmlns:p15="http://schemas.microsoft.com/office/powerpoint/2012/main" xmlns:ahyp="http://schemas.microsoft.com/office/drawing/2018/hyperlinkcolor" matchingName="One column text">
   <p:cSld name="ONE_COLUMN_TEXT">
     <p:spTree>
       <p:nvGrpSpPr>
-        <p:cNvPr id="1" name="Shape 62"/>
+        <p:cNvPr id="62" name="Shape 62"/>
         <p:cNvGrpSpPr/>
         <p:nvPr/>
       </p:nvGrpSpPr>
@@ -5531,7 +5576,7 @@
             </a:xfrm>
             <a:prstGeom prst="diagStripe">
               <a:avLst>
-                <a:gd name="adj" fmla="val 50000"/>
+                <a:gd fmla="val 50000" name="adj"/>
               </a:avLst>
             </a:prstGeom>
             <a:solidFill>
@@ -5542,12 +5587,12 @@
             </a:ln>
           </p:spPr>
           <p:txBody>
-            <a:bodyPr spcFirstLastPara="1" wrap="square" lIns="91425" tIns="91425" rIns="91425" bIns="91425" anchor="ctr" anchorCtr="0">
+            <a:bodyPr anchorCtr="0" anchor="ctr" bIns="91425" lIns="91425" spcFirstLastPara="1" rIns="91425" wrap="square" tIns="91425">
               <a:noAutofit/>
             </a:bodyPr>
             <a:lstStyle/>
             <a:p>
-              <a:pPr marL="0" lvl="0" indent="0" algn="l" rtl="0">
+              <a:pPr indent="0" lvl="0" marL="0" rtl="0" algn="l">
                 <a:spcBef>
                   <a:spcPts val="0"/>
                 </a:spcBef>
@@ -5556,6 +5601,9 @@
                 </a:spcAft>
                 <a:buNone/>
               </a:pPr>
+              <a:r>
+                <a:t/>
+              </a:r>
               <a:endParaRPr/>
             </a:p>
           </p:txBody>
@@ -5573,7 +5621,7 @@
             </a:xfrm>
             <a:prstGeom prst="diagStripe">
               <a:avLst>
-                <a:gd name="adj" fmla="val 50000"/>
+                <a:gd fmla="val 50000" name="adj"/>
               </a:avLst>
             </a:prstGeom>
             <a:solidFill>
@@ -5584,12 +5632,12 @@
             </a:ln>
           </p:spPr>
           <p:txBody>
-            <a:bodyPr spcFirstLastPara="1" wrap="square" lIns="91425" tIns="91425" rIns="91425" bIns="91425" anchor="ctr" anchorCtr="0">
+            <a:bodyPr anchorCtr="0" anchor="ctr" bIns="91425" lIns="91425" spcFirstLastPara="1" rIns="91425" wrap="square" tIns="91425">
               <a:noAutofit/>
             </a:bodyPr>
             <a:lstStyle/>
             <a:p>
-              <a:pPr marL="0" lvl="0" indent="0" algn="l" rtl="0">
+              <a:pPr indent="0" lvl="0" marL="0" rtl="0" algn="l">
                 <a:spcBef>
                   <a:spcPts val="0"/>
                 </a:spcBef>
@@ -5598,6 +5646,9 @@
                 </a:spcAft>
                 <a:buNone/>
               </a:pPr>
+              <a:r>
+                <a:t/>
+              </a:r>
               <a:endParaRPr/>
             </a:p>
           </p:txBody>
@@ -5606,9 +5657,7 @@
       <p:sp>
         <p:nvSpPr>
           <p:cNvPr id="66" name="Google Shape;66;p7"/>
-          <p:cNvSpPr txBox="1">
-            <a:spLocks noGrp="1"/>
-          </p:cNvSpPr>
+          <p:cNvSpPr txBox="1"/>
           <p:nvPr>
             <p:ph type="title"/>
           </p:nvPr>
@@ -5623,7 +5672,7 @@
           </a:prstGeom>
         </p:spPr>
         <p:txBody>
-          <a:bodyPr spcFirstLastPara="1" wrap="square" lIns="91425" tIns="91425" rIns="91425" bIns="91425" anchor="t" anchorCtr="0">
+          <a:bodyPr anchorCtr="0" anchor="t" bIns="91425" lIns="91425" spcFirstLastPara="1" rIns="91425" wrap="square" tIns="91425">
             <a:normAutofit/>
           </a:bodyPr>
           <a:lstStyle>
@@ -5727,19 +5776,15 @@
               <a:defRPr sz="2400"/>
             </a:lvl9pPr>
           </a:lstStyle>
-          <a:p>
-            <a:endParaRPr/>
-          </a:p>
+          <a:p/>
         </p:txBody>
       </p:sp>
       <p:sp>
         <p:nvSpPr>
           <p:cNvPr id="67" name="Google Shape;67;p7"/>
-          <p:cNvSpPr txBox="1">
-            <a:spLocks noGrp="1"/>
-          </p:cNvSpPr>
+          <p:cNvSpPr txBox="1"/>
           <p:nvPr>
-            <p:ph type="body" idx="1"/>
+            <p:ph idx="1" type="body"/>
           </p:nvPr>
         </p:nvSpPr>
         <p:spPr>
@@ -5752,11 +5797,11 @@
           </a:prstGeom>
         </p:spPr>
         <p:txBody>
-          <a:bodyPr spcFirstLastPara="1" wrap="square" lIns="91425" tIns="91425" rIns="91425" bIns="91425" anchor="t" anchorCtr="0">
+          <a:bodyPr anchorCtr="0" anchor="t" bIns="91425" lIns="91425" spcFirstLastPara="1" rIns="91425" wrap="square" tIns="91425">
             <a:normAutofit/>
           </a:bodyPr>
           <a:lstStyle>
-            <a:lvl1pPr marL="457200" lvl="0" indent="-311150">
+            <a:lvl1pPr indent="-311150" lvl="0" marL="457200">
               <a:spcBef>
                 <a:spcPts val="0"/>
               </a:spcBef>
@@ -5767,7 +5812,7 @@
               <a:buChar char="●"/>
               <a:defRPr/>
             </a:lvl1pPr>
-            <a:lvl2pPr marL="914400" lvl="1" indent="-298450">
+            <a:lvl2pPr indent="-298450" lvl="1" marL="914400">
               <a:spcBef>
                 <a:spcPts val="0"/>
               </a:spcBef>
@@ -5778,7 +5823,7 @@
               <a:buChar char="○"/>
               <a:defRPr/>
             </a:lvl2pPr>
-            <a:lvl3pPr marL="1371600" lvl="2" indent="-298450">
+            <a:lvl3pPr indent="-298450" lvl="2" marL="1371600">
               <a:spcBef>
                 <a:spcPts val="0"/>
               </a:spcBef>
@@ -5789,7 +5834,7 @@
               <a:buChar char="■"/>
               <a:defRPr/>
             </a:lvl3pPr>
-            <a:lvl4pPr marL="1828800" lvl="3" indent="-298450">
+            <a:lvl4pPr indent="-298450" lvl="3" marL="1828800">
               <a:spcBef>
                 <a:spcPts val="0"/>
               </a:spcBef>
@@ -5800,7 +5845,7 @@
               <a:buChar char="●"/>
               <a:defRPr/>
             </a:lvl4pPr>
-            <a:lvl5pPr marL="2286000" lvl="4" indent="-298450">
+            <a:lvl5pPr indent="-298450" lvl="4" marL="2286000">
               <a:spcBef>
                 <a:spcPts val="0"/>
               </a:spcBef>
@@ -5811,7 +5856,7 @@
               <a:buChar char="○"/>
               <a:defRPr/>
             </a:lvl5pPr>
-            <a:lvl6pPr marL="2743200" lvl="5" indent="-298450">
+            <a:lvl6pPr indent="-298450" lvl="5" marL="2743200">
               <a:spcBef>
                 <a:spcPts val="0"/>
               </a:spcBef>
@@ -5822,7 +5867,7 @@
               <a:buChar char="■"/>
               <a:defRPr/>
             </a:lvl6pPr>
-            <a:lvl7pPr marL="3200400" lvl="6" indent="-298450">
+            <a:lvl7pPr indent="-298450" lvl="6" marL="3200400">
               <a:spcBef>
                 <a:spcPts val="0"/>
               </a:spcBef>
@@ -5833,7 +5878,7 @@
               <a:buChar char="●"/>
               <a:defRPr/>
             </a:lvl7pPr>
-            <a:lvl8pPr marL="3657600" lvl="7" indent="-298450">
+            <a:lvl8pPr indent="-298450" lvl="7" marL="3657600">
               <a:spcBef>
                 <a:spcPts val="0"/>
               </a:spcBef>
@@ -5844,7 +5889,7 @@
               <a:buChar char="○"/>
               <a:defRPr/>
             </a:lvl8pPr>
-            <a:lvl9pPr marL="4114800" lvl="8" indent="-298450">
+            <a:lvl9pPr indent="-298450" lvl="8" marL="4114800">
               <a:spcBef>
                 <a:spcPts val="0"/>
               </a:spcBef>
@@ -5856,19 +5901,15 @@
               <a:defRPr/>
             </a:lvl9pPr>
           </a:lstStyle>
-          <a:p>
-            <a:endParaRPr/>
-          </a:p>
+          <a:p/>
         </p:txBody>
       </p:sp>
       <p:sp>
         <p:nvSpPr>
           <p:cNvPr id="68" name="Google Shape;68;p7"/>
-          <p:cNvSpPr txBox="1">
-            <a:spLocks noGrp="1"/>
-          </p:cNvSpPr>
+          <p:cNvSpPr txBox="1"/>
           <p:nvPr>
-            <p:ph type="sldNum" idx="12"/>
+            <p:ph idx="12" type="sldNum"/>
           </p:nvPr>
         </p:nvSpPr>
         <p:spPr>
@@ -5881,7 +5922,7 @@
           </a:prstGeom>
         </p:spPr>
         <p:txBody>
-          <a:bodyPr spcFirstLastPara="1" wrap="square" lIns="91425" tIns="91425" rIns="91425" bIns="91425" anchor="ctr" anchorCtr="0">
+          <a:bodyPr anchorCtr="0" anchor="ctr" bIns="91425" lIns="91425" spcFirstLastPara="1" rIns="91425" wrap="square" tIns="91425">
             <a:normAutofit/>
           </a:bodyPr>
           <a:lstStyle>
@@ -5923,7 +5964,7 @@
             </a:lvl9pPr>
           </a:lstStyle>
           <a:p>
-            <a:pPr marL="0" lvl="0" indent="0" algn="r" rtl="0">
+            <a:pPr indent="0" lvl="0" marL="0" rtl="0" algn="r">
               <a:spcBef>
                 <a:spcPts val="0"/>
               </a:spcBef>
@@ -5949,11 +5990,11 @@
 </file>
 
 <file path=ppt/slideLayouts/slideLayout7.xml><?xml version="1.0" encoding="utf-8"?>
-<p:sldLayout xmlns:a="http://schemas.openxmlformats.org/drawingml/2006/main" xmlns:r="http://schemas.openxmlformats.org/officeDocument/2006/relationships" xmlns:p="http://schemas.openxmlformats.org/presentationml/2006/main" matchingName="Main point">
+<p:sldLayout xmlns:a="http://schemas.openxmlformats.org/drawingml/2006/main" xmlns:r="http://schemas.openxmlformats.org/officeDocument/2006/relationships" xmlns:mc="http://schemas.openxmlformats.org/markup-compatibility/2006" xmlns:mv="urn:schemas-microsoft-com:mac:vml" xmlns:p="http://schemas.openxmlformats.org/presentationml/2006/main" xmlns:c="http://schemas.openxmlformats.org/drawingml/2006/chart" xmlns:dgm="http://schemas.openxmlformats.org/drawingml/2006/diagram" xmlns:o="urn:schemas-microsoft-com:office:office" xmlns:v="urn:schemas-microsoft-com:vml" xmlns:pvml="urn:schemas-microsoft-com:office:powerpoint" xmlns:com="http://schemas.openxmlformats.org/drawingml/2006/compatibility" xmlns:p14="http://schemas.microsoft.com/office/powerpoint/2010/main" xmlns:p15="http://schemas.microsoft.com/office/powerpoint/2012/main" xmlns:ahyp="http://schemas.microsoft.com/office/drawing/2018/hyperlinkcolor" matchingName="Main point">
   <p:cSld name="MAIN_POINT">
     <p:spTree>
       <p:nvGrpSpPr>
-        <p:cNvPr id="1" name="Shape 69"/>
+        <p:cNvPr id="69" name="Shape 69"/>
         <p:cNvGrpSpPr/>
         <p:nvPr/>
       </p:nvGrpSpPr>
@@ -5992,7 +6033,7 @@
             </a:xfrm>
             <a:prstGeom prst="diagStripe">
               <a:avLst>
-                <a:gd name="adj" fmla="val 49469"/>
+                <a:gd fmla="val 49469" name="adj"/>
               </a:avLst>
             </a:prstGeom>
             <a:solidFill>
@@ -6005,12 +6046,12 @@
             </a:ln>
           </p:spPr>
           <p:txBody>
-            <a:bodyPr spcFirstLastPara="1" wrap="square" lIns="91425" tIns="91425" rIns="91425" bIns="91425" anchor="ctr" anchorCtr="0">
+            <a:bodyPr anchorCtr="0" anchor="ctr" bIns="91425" lIns="91425" spcFirstLastPara="1" rIns="91425" wrap="square" tIns="91425">
               <a:noAutofit/>
             </a:bodyPr>
             <a:lstStyle/>
             <a:p>
-              <a:pPr marL="0" lvl="0" indent="0" algn="l" rtl="0">
+              <a:pPr indent="0" lvl="0" marL="0" rtl="0" algn="l">
                 <a:spcBef>
                   <a:spcPts val="0"/>
                 </a:spcBef>
@@ -6019,6 +6060,9 @@
                 </a:spcAft>
                 <a:buNone/>
               </a:pPr>
+              <a:r>
+                <a:t/>
+              </a:r>
               <a:endParaRPr/>
             </a:p>
           </p:txBody>
@@ -6036,7 +6080,7 @@
             </a:xfrm>
             <a:prstGeom prst="diagStripe">
               <a:avLst>
-                <a:gd name="adj" fmla="val 0"/>
+                <a:gd fmla="val 0" name="adj"/>
               </a:avLst>
             </a:prstGeom>
             <a:solidFill>
@@ -6049,12 +6093,12 @@
             </a:ln>
           </p:spPr>
           <p:txBody>
-            <a:bodyPr spcFirstLastPara="1" wrap="square" lIns="91425" tIns="91425" rIns="91425" bIns="91425" anchor="ctr" anchorCtr="0">
+            <a:bodyPr anchorCtr="0" anchor="ctr" bIns="91425" lIns="91425" spcFirstLastPara="1" rIns="91425" wrap="square" tIns="91425">
               <a:noAutofit/>
             </a:bodyPr>
             <a:lstStyle/>
             <a:p>
-              <a:pPr marL="0" lvl="0" indent="0" algn="l" rtl="0">
+              <a:pPr indent="0" lvl="0" marL="0" rtl="0" algn="l">
                 <a:spcBef>
                   <a:spcPts val="0"/>
                 </a:spcBef>
@@ -6063,6 +6107,9 @@
                 </a:spcAft>
                 <a:buNone/>
               </a:pPr>
+              <a:r>
+                <a:t/>
+              </a:r>
               <a:endParaRPr/>
             </a:p>
           </p:txBody>
@@ -6080,7 +6127,7 @@
             </a:xfrm>
             <a:prstGeom prst="diagStripe">
               <a:avLst>
-                <a:gd name="adj" fmla="val 50000"/>
+                <a:gd fmla="val 50000" name="adj"/>
               </a:avLst>
             </a:prstGeom>
             <a:solidFill>
@@ -6093,12 +6140,12 @@
             </a:ln>
           </p:spPr>
           <p:txBody>
-            <a:bodyPr spcFirstLastPara="1" wrap="square" lIns="91425" tIns="91425" rIns="91425" bIns="91425" anchor="ctr" anchorCtr="0">
+            <a:bodyPr anchorCtr="0" anchor="ctr" bIns="91425" lIns="91425" spcFirstLastPara="1" rIns="91425" wrap="square" tIns="91425">
               <a:noAutofit/>
             </a:bodyPr>
             <a:lstStyle/>
             <a:p>
-              <a:pPr marL="0" lvl="0" indent="0" algn="l" rtl="0">
+              <a:pPr indent="0" lvl="0" marL="0" rtl="0" algn="l">
                 <a:spcBef>
                   <a:spcPts val="0"/>
                 </a:spcBef>
@@ -6107,6 +6154,9 @@
                 </a:spcAft>
                 <a:buNone/>
               </a:pPr>
+              <a:r>
+                <a:t/>
+              </a:r>
               <a:endParaRPr/>
             </a:p>
           </p:txBody>
@@ -6124,7 +6174,7 @@
             </a:xfrm>
             <a:prstGeom prst="diagStripe">
               <a:avLst>
-                <a:gd name="adj" fmla="val 50000"/>
+                <a:gd fmla="val 50000" name="adj"/>
               </a:avLst>
             </a:prstGeom>
             <a:solidFill>
@@ -6137,12 +6187,12 @@
             </a:ln>
           </p:spPr>
           <p:txBody>
-            <a:bodyPr spcFirstLastPara="1" wrap="square" lIns="91425" tIns="91425" rIns="91425" bIns="91425" anchor="ctr" anchorCtr="0">
+            <a:bodyPr anchorCtr="0" anchor="ctr" bIns="91425" lIns="91425" spcFirstLastPara="1" rIns="91425" wrap="square" tIns="91425">
               <a:noAutofit/>
             </a:bodyPr>
             <a:lstStyle/>
             <a:p>
-              <a:pPr marL="0" lvl="0" indent="0" algn="l" rtl="0">
+              <a:pPr indent="0" lvl="0" marL="0" rtl="0" algn="l">
                 <a:spcBef>
                   <a:spcPts val="0"/>
                 </a:spcBef>
@@ -6151,6 +6201,9 @@
                 </a:spcAft>
                 <a:buNone/>
               </a:pPr>
+              <a:r>
+                <a:t/>
+              </a:r>
               <a:endParaRPr/>
             </a:p>
           </p:txBody>
@@ -6168,7 +6221,7 @@
             </a:xfrm>
             <a:prstGeom prst="diagStripe">
               <a:avLst>
-                <a:gd name="adj" fmla="val 50000"/>
+                <a:gd fmla="val 50000" name="adj"/>
               </a:avLst>
             </a:prstGeom>
             <a:solidFill>
@@ -6181,12 +6234,12 @@
             </a:ln>
           </p:spPr>
           <p:txBody>
-            <a:bodyPr spcFirstLastPara="1" wrap="square" lIns="91425" tIns="91425" rIns="91425" bIns="91425" anchor="ctr" anchorCtr="0">
+            <a:bodyPr anchorCtr="0" anchor="ctr" bIns="91425" lIns="91425" spcFirstLastPara="1" rIns="91425" wrap="square" tIns="91425">
               <a:noAutofit/>
             </a:bodyPr>
             <a:lstStyle/>
             <a:p>
-              <a:pPr marL="0" lvl="0" indent="0" algn="l" rtl="0">
+              <a:pPr indent="0" lvl="0" marL="0" rtl="0" algn="l">
                 <a:spcBef>
                   <a:spcPts val="0"/>
                 </a:spcBef>
@@ -6195,6 +6248,9 @@
                 </a:spcAft>
                 <a:buNone/>
               </a:pPr>
+              <a:r>
+                <a:t/>
+              </a:r>
               <a:endParaRPr/>
             </a:p>
           </p:txBody>
@@ -6212,7 +6268,7 @@
             </a:xfrm>
             <a:prstGeom prst="diagStripe">
               <a:avLst>
-                <a:gd name="adj" fmla="val 50000"/>
+                <a:gd fmla="val 50000" name="adj"/>
               </a:avLst>
             </a:prstGeom>
             <a:solidFill>
@@ -6225,12 +6281,12 @@
             </a:ln>
           </p:spPr>
           <p:txBody>
-            <a:bodyPr spcFirstLastPara="1" wrap="square" lIns="91425" tIns="91425" rIns="91425" bIns="91425" anchor="ctr" anchorCtr="0">
+            <a:bodyPr anchorCtr="0" anchor="ctr" bIns="91425" lIns="91425" spcFirstLastPara="1" rIns="91425" wrap="square" tIns="91425">
               <a:noAutofit/>
             </a:bodyPr>
             <a:lstStyle/>
             <a:p>
-              <a:pPr marL="0" lvl="0" indent="0" algn="l" rtl="0">
+              <a:pPr indent="0" lvl="0" marL="0" rtl="0" algn="l">
                 <a:spcBef>
                   <a:spcPts val="0"/>
                 </a:spcBef>
@@ -6239,6 +6295,9 @@
                 </a:spcAft>
                 <a:buNone/>
               </a:pPr>
+              <a:r>
+                <a:t/>
+              </a:r>
               <a:endParaRPr/>
             </a:p>
           </p:txBody>
@@ -6256,7 +6315,7 @@
             </a:xfrm>
             <a:prstGeom prst="diagStripe">
               <a:avLst>
-                <a:gd name="adj" fmla="val 50000"/>
+                <a:gd fmla="val 50000" name="adj"/>
               </a:avLst>
             </a:prstGeom>
             <a:solidFill>
@@ -6269,12 +6328,12 @@
             </a:ln>
           </p:spPr>
           <p:txBody>
-            <a:bodyPr spcFirstLastPara="1" wrap="square" lIns="91425" tIns="91425" rIns="91425" bIns="91425" anchor="ctr" anchorCtr="0">
+            <a:bodyPr anchorCtr="0" anchor="ctr" bIns="91425" lIns="91425" spcFirstLastPara="1" rIns="91425" wrap="square" tIns="91425">
               <a:noAutofit/>
             </a:bodyPr>
             <a:lstStyle/>
             <a:p>
-              <a:pPr marL="0" lvl="0" indent="0" algn="l" rtl="0">
+              <a:pPr indent="0" lvl="0" marL="0" rtl="0" algn="l">
                 <a:spcBef>
                   <a:spcPts val="0"/>
                 </a:spcBef>
@@ -6283,6 +6342,9 @@
                 </a:spcAft>
                 <a:buNone/>
               </a:pPr>
+              <a:r>
+                <a:t/>
+              </a:r>
               <a:endParaRPr/>
             </a:p>
           </p:txBody>
@@ -6300,7 +6362,7 @@
             </a:xfrm>
             <a:prstGeom prst="diagStripe">
               <a:avLst>
-                <a:gd name="adj" fmla="val 50000"/>
+                <a:gd fmla="val 50000" name="adj"/>
               </a:avLst>
             </a:prstGeom>
             <a:solidFill>
@@ -6311,12 +6373,12 @@
             </a:ln>
           </p:spPr>
           <p:txBody>
-            <a:bodyPr spcFirstLastPara="1" wrap="square" lIns="91425" tIns="91425" rIns="91425" bIns="91425" anchor="ctr" anchorCtr="0">
+            <a:bodyPr anchorCtr="0" anchor="ctr" bIns="91425" lIns="91425" spcFirstLastPara="1" rIns="91425" wrap="square" tIns="91425">
               <a:noAutofit/>
             </a:bodyPr>
             <a:lstStyle/>
             <a:p>
-              <a:pPr marL="0" lvl="0" indent="0" algn="l" rtl="0">
+              <a:pPr indent="0" lvl="0" marL="0" rtl="0" algn="l">
                 <a:spcBef>
                   <a:spcPts val="0"/>
                 </a:spcBef>
@@ -6325,6 +6387,9 @@
                 </a:spcAft>
                 <a:buNone/>
               </a:pPr>
+              <a:r>
+                <a:t/>
+              </a:r>
               <a:endParaRPr/>
             </a:p>
           </p:txBody>
@@ -6342,7 +6407,7 @@
             </a:xfrm>
             <a:prstGeom prst="diagStripe">
               <a:avLst>
-                <a:gd name="adj" fmla="val 50000"/>
+                <a:gd fmla="val 50000" name="adj"/>
               </a:avLst>
             </a:prstGeom>
             <a:solidFill>
@@ -6355,12 +6420,12 @@
             </a:ln>
           </p:spPr>
           <p:txBody>
-            <a:bodyPr spcFirstLastPara="1" wrap="square" lIns="91425" tIns="91425" rIns="91425" bIns="91425" anchor="ctr" anchorCtr="0">
+            <a:bodyPr anchorCtr="0" anchor="ctr" bIns="91425" lIns="91425" spcFirstLastPara="1" rIns="91425" wrap="square" tIns="91425">
               <a:noAutofit/>
             </a:bodyPr>
             <a:lstStyle/>
             <a:p>
-              <a:pPr marL="0" lvl="0" indent="0" algn="l" rtl="0">
+              <a:pPr indent="0" lvl="0" marL="0" rtl="0" algn="l">
                 <a:spcBef>
                   <a:spcPts val="0"/>
                 </a:spcBef>
@@ -6369,6 +6434,9 @@
                 </a:spcAft>
                 <a:buNone/>
               </a:pPr>
+              <a:r>
+                <a:t/>
+              </a:r>
               <a:endParaRPr/>
             </a:p>
           </p:txBody>
@@ -6386,7 +6454,7 @@
             </a:xfrm>
             <a:prstGeom prst="diagStripe">
               <a:avLst>
-                <a:gd name="adj" fmla="val 50000"/>
+                <a:gd fmla="val 50000" name="adj"/>
               </a:avLst>
             </a:prstGeom>
             <a:solidFill>
@@ -6399,12 +6467,12 @@
             </a:ln>
           </p:spPr>
           <p:txBody>
-            <a:bodyPr spcFirstLastPara="1" wrap="square" lIns="91425" tIns="91425" rIns="91425" bIns="91425" anchor="ctr" anchorCtr="0">
+            <a:bodyPr anchorCtr="0" anchor="ctr" bIns="91425" lIns="91425" spcFirstLastPara="1" rIns="91425" wrap="square" tIns="91425">
               <a:noAutofit/>
             </a:bodyPr>
             <a:lstStyle/>
             <a:p>
-              <a:pPr marL="0" lvl="0" indent="0" algn="l" rtl="0">
+              <a:pPr indent="0" lvl="0" marL="0" rtl="0" algn="l">
                 <a:spcBef>
                   <a:spcPts val="0"/>
                 </a:spcBef>
@@ -6413,6 +6481,9 @@
                 </a:spcAft>
                 <a:buNone/>
               </a:pPr>
+              <a:r>
+                <a:t/>
+              </a:r>
               <a:endParaRPr/>
             </a:p>
           </p:txBody>
@@ -6430,7 +6501,7 @@
             </a:xfrm>
             <a:prstGeom prst="diagStripe">
               <a:avLst>
-                <a:gd name="adj" fmla="val 50000"/>
+                <a:gd fmla="val 50000" name="adj"/>
               </a:avLst>
             </a:prstGeom>
             <a:solidFill>
@@ -6443,12 +6514,12 @@
             </a:ln>
           </p:spPr>
           <p:txBody>
-            <a:bodyPr spcFirstLastPara="1" wrap="square" lIns="91425" tIns="91425" rIns="91425" bIns="91425" anchor="ctr" anchorCtr="0">
+            <a:bodyPr anchorCtr="0" anchor="ctr" bIns="91425" lIns="91425" spcFirstLastPara="1" rIns="91425" wrap="square" tIns="91425">
               <a:noAutofit/>
             </a:bodyPr>
             <a:lstStyle/>
             <a:p>
-              <a:pPr marL="0" lvl="0" indent="0" algn="l" rtl="0">
+              <a:pPr indent="0" lvl="0" marL="0" rtl="0" algn="l">
                 <a:spcBef>
                   <a:spcPts val="0"/>
                 </a:spcBef>
@@ -6457,6 +6528,9 @@
                 </a:spcAft>
                 <a:buNone/>
               </a:pPr>
+              <a:r>
+                <a:t/>
+              </a:r>
               <a:endParaRPr/>
             </a:p>
           </p:txBody>
@@ -6474,7 +6548,7 @@
             </a:xfrm>
             <a:prstGeom prst="diagStripe">
               <a:avLst>
-                <a:gd name="adj" fmla="val 50000"/>
+                <a:gd fmla="val 50000" name="adj"/>
               </a:avLst>
             </a:prstGeom>
             <a:solidFill>
@@ -6487,12 +6561,12 @@
             </a:ln>
           </p:spPr>
           <p:txBody>
-            <a:bodyPr spcFirstLastPara="1" wrap="square" lIns="91425" tIns="91425" rIns="91425" bIns="91425" anchor="ctr" anchorCtr="0">
+            <a:bodyPr anchorCtr="0" anchor="ctr" bIns="91425" lIns="91425" spcFirstLastPara="1" rIns="91425" wrap="square" tIns="91425">
               <a:noAutofit/>
             </a:bodyPr>
             <a:lstStyle/>
             <a:p>
-              <a:pPr marL="0" lvl="0" indent="0" algn="l" rtl="0">
+              <a:pPr indent="0" lvl="0" marL="0" rtl="0" algn="l">
                 <a:spcBef>
                   <a:spcPts val="0"/>
                 </a:spcBef>
@@ -6501,6 +6575,9 @@
                 </a:spcAft>
                 <a:buNone/>
               </a:pPr>
+              <a:r>
+                <a:t/>
+              </a:r>
               <a:endParaRPr/>
             </a:p>
           </p:txBody>
@@ -6518,7 +6595,7 @@
             </a:xfrm>
             <a:prstGeom prst="diagStripe">
               <a:avLst>
-                <a:gd name="adj" fmla="val 50000"/>
+                <a:gd fmla="val 50000" name="adj"/>
               </a:avLst>
             </a:prstGeom>
             <a:solidFill>
@@ -6531,12 +6608,12 @@
             </a:ln>
           </p:spPr>
           <p:txBody>
-            <a:bodyPr spcFirstLastPara="1" wrap="square" lIns="91425" tIns="91425" rIns="91425" bIns="91425" anchor="ctr" anchorCtr="0">
+            <a:bodyPr anchorCtr="0" anchor="ctr" bIns="91425" lIns="91425" spcFirstLastPara="1" rIns="91425" wrap="square" tIns="91425">
               <a:noAutofit/>
             </a:bodyPr>
             <a:lstStyle/>
             <a:p>
-              <a:pPr marL="0" lvl="0" indent="0" algn="l" rtl="0">
+              <a:pPr indent="0" lvl="0" marL="0" rtl="0" algn="l">
                 <a:spcBef>
                   <a:spcPts val="0"/>
                 </a:spcBef>
@@ -6545,6 +6622,9 @@
                 </a:spcAft>
                 <a:buNone/>
               </a:pPr>
+              <a:r>
+                <a:t/>
+              </a:r>
               <a:endParaRPr/>
             </a:p>
           </p:txBody>
@@ -6562,7 +6642,7 @@
             </a:xfrm>
             <a:prstGeom prst="diagStripe">
               <a:avLst>
-                <a:gd name="adj" fmla="val 50000"/>
+                <a:gd fmla="val 50000" name="adj"/>
               </a:avLst>
             </a:prstGeom>
             <a:solidFill>
@@ -6573,12 +6653,12 @@
             </a:ln>
           </p:spPr>
           <p:txBody>
-            <a:bodyPr spcFirstLastPara="1" wrap="square" lIns="91425" tIns="91425" rIns="91425" bIns="91425" anchor="ctr" anchorCtr="0">
+            <a:bodyPr anchorCtr="0" anchor="ctr" bIns="91425" lIns="91425" spcFirstLastPara="1" rIns="91425" wrap="square" tIns="91425">
               <a:noAutofit/>
             </a:bodyPr>
             <a:lstStyle/>
             <a:p>
-              <a:pPr marL="0" lvl="0" indent="0" algn="l" rtl="0">
+              <a:pPr indent="0" lvl="0" marL="0" rtl="0" algn="l">
                 <a:spcBef>
                   <a:spcPts val="0"/>
                 </a:spcBef>
@@ -6587,6 +6667,9 @@
                 </a:spcAft>
                 <a:buNone/>
               </a:pPr>
+              <a:r>
+                <a:t/>
+              </a:r>
               <a:endParaRPr/>
             </a:p>
           </p:txBody>
@@ -6604,7 +6687,7 @@
             </a:xfrm>
             <a:prstGeom prst="diagStripe">
               <a:avLst>
-                <a:gd name="adj" fmla="val 50000"/>
+                <a:gd fmla="val 50000" name="adj"/>
               </a:avLst>
             </a:prstGeom>
             <a:solidFill>
@@ -6617,12 +6700,12 @@
             </a:ln>
           </p:spPr>
           <p:txBody>
-            <a:bodyPr spcFirstLastPara="1" wrap="square" lIns="91425" tIns="91425" rIns="91425" bIns="91425" anchor="ctr" anchorCtr="0">
+            <a:bodyPr anchorCtr="0" anchor="ctr" bIns="91425" lIns="91425" spcFirstLastPara="1" rIns="91425" wrap="square" tIns="91425">
               <a:noAutofit/>
             </a:bodyPr>
             <a:lstStyle/>
             <a:p>
-              <a:pPr marL="0" lvl="0" indent="0" algn="l" rtl="0">
+              <a:pPr indent="0" lvl="0" marL="0" rtl="0" algn="l">
                 <a:spcBef>
                   <a:spcPts val="0"/>
                 </a:spcBef>
@@ -6631,6 +6714,9 @@
                 </a:spcAft>
                 <a:buNone/>
               </a:pPr>
+              <a:r>
+                <a:t/>
+              </a:r>
               <a:endParaRPr/>
             </a:p>
           </p:txBody>
@@ -6648,7 +6734,7 @@
             </a:xfrm>
             <a:prstGeom prst="diagStripe">
               <a:avLst>
-                <a:gd name="adj" fmla="val 50000"/>
+                <a:gd fmla="val 50000" name="adj"/>
               </a:avLst>
             </a:prstGeom>
             <a:solidFill>
@@ -6661,12 +6747,12 @@
             </a:ln>
           </p:spPr>
           <p:txBody>
-            <a:bodyPr spcFirstLastPara="1" wrap="square" lIns="91425" tIns="91425" rIns="91425" bIns="91425" anchor="ctr" anchorCtr="0">
+            <a:bodyPr anchorCtr="0" anchor="ctr" bIns="91425" lIns="91425" spcFirstLastPara="1" rIns="91425" wrap="square" tIns="91425">
               <a:noAutofit/>
             </a:bodyPr>
             <a:lstStyle/>
             <a:p>
-              <a:pPr marL="0" lvl="0" indent="0" algn="l" rtl="0">
+              <a:pPr indent="0" lvl="0" marL="0" rtl="0" algn="l">
                 <a:spcBef>
                   <a:spcPts val="0"/>
                 </a:spcBef>
@@ -6675,6 +6761,9 @@
                 </a:spcAft>
                 <a:buNone/>
               </a:pPr>
+              <a:r>
+                <a:t/>
+              </a:r>
               <a:endParaRPr/>
             </a:p>
           </p:txBody>
@@ -6692,7 +6781,7 @@
             </a:xfrm>
             <a:prstGeom prst="diagStripe">
               <a:avLst>
-                <a:gd name="adj" fmla="val 50000"/>
+                <a:gd fmla="val 50000" name="adj"/>
               </a:avLst>
             </a:prstGeom>
             <a:solidFill>
@@ -6705,12 +6794,12 @@
             </a:ln>
           </p:spPr>
           <p:txBody>
-            <a:bodyPr spcFirstLastPara="1" wrap="square" lIns="91425" tIns="91425" rIns="91425" bIns="91425" anchor="ctr" anchorCtr="0">
+            <a:bodyPr anchorCtr="0" anchor="ctr" bIns="91425" lIns="91425" spcFirstLastPara="1" rIns="91425" wrap="square" tIns="91425">
               <a:noAutofit/>
             </a:bodyPr>
             <a:lstStyle/>
             <a:p>
-              <a:pPr marL="0" lvl="0" indent="0" algn="l" rtl="0">
+              <a:pPr indent="0" lvl="0" marL="0" rtl="0" algn="l">
                 <a:spcBef>
                   <a:spcPts val="0"/>
                 </a:spcBef>
@@ -6719,6 +6808,9 @@
                 </a:spcAft>
                 <a:buNone/>
               </a:pPr>
+              <a:r>
+                <a:t/>
+              </a:r>
               <a:endParaRPr/>
             </a:p>
           </p:txBody>
@@ -6736,7 +6828,7 @@
             </a:xfrm>
             <a:prstGeom prst="diagStripe">
               <a:avLst>
-                <a:gd name="adj" fmla="val 50000"/>
+                <a:gd fmla="val 50000" name="adj"/>
               </a:avLst>
             </a:prstGeom>
             <a:solidFill>
@@ -6749,12 +6841,12 @@
             </a:ln>
           </p:spPr>
           <p:txBody>
-            <a:bodyPr spcFirstLastPara="1" wrap="square" lIns="91425" tIns="91425" rIns="91425" bIns="91425" anchor="ctr" anchorCtr="0">
+            <a:bodyPr anchorCtr="0" anchor="ctr" bIns="91425" lIns="91425" spcFirstLastPara="1" rIns="91425" wrap="square" tIns="91425">
               <a:noAutofit/>
             </a:bodyPr>
             <a:lstStyle/>
             <a:p>
-              <a:pPr marL="0" lvl="0" indent="0" algn="l" rtl="0">
+              <a:pPr indent="0" lvl="0" marL="0" rtl="0" algn="l">
                 <a:spcBef>
                   <a:spcPts val="0"/>
                 </a:spcBef>
@@ -6763,6 +6855,9 @@
                 </a:spcAft>
                 <a:buNone/>
               </a:pPr>
+              <a:r>
+                <a:t/>
+              </a:r>
               <a:endParaRPr/>
             </a:p>
           </p:txBody>
@@ -6771,9 +6866,7 @@
       <p:sp>
         <p:nvSpPr>
           <p:cNvPr id="89" name="Google Shape;89;p8"/>
-          <p:cNvSpPr txBox="1">
-            <a:spLocks noGrp="1"/>
-          </p:cNvSpPr>
+          <p:cNvSpPr txBox="1"/>
           <p:nvPr>
             <p:ph type="title"/>
           </p:nvPr>
@@ -6788,7 +6881,7 @@
           </a:prstGeom>
         </p:spPr>
         <p:txBody>
-          <a:bodyPr spcFirstLastPara="1" wrap="square" lIns="91425" tIns="91425" rIns="91425" bIns="91425" anchor="ctr" anchorCtr="0">
+          <a:bodyPr anchorCtr="0" anchor="ctr" bIns="91425" lIns="91425" spcFirstLastPara="1" rIns="91425" wrap="square" tIns="91425">
             <a:normAutofit/>
           </a:bodyPr>
           <a:lstStyle>
@@ -6892,19 +6985,15 @@
               <a:defRPr/>
             </a:lvl9pPr>
           </a:lstStyle>
-          <a:p>
-            <a:endParaRPr/>
-          </a:p>
+          <a:p/>
         </p:txBody>
       </p:sp>
       <p:sp>
         <p:nvSpPr>
           <p:cNvPr id="90" name="Google Shape;90;p8"/>
-          <p:cNvSpPr txBox="1">
-            <a:spLocks noGrp="1"/>
-          </p:cNvSpPr>
+          <p:cNvSpPr txBox="1"/>
           <p:nvPr>
-            <p:ph type="sldNum" idx="12"/>
+            <p:ph idx="12" type="sldNum"/>
           </p:nvPr>
         </p:nvSpPr>
         <p:spPr>
@@ -6917,7 +7006,7 @@
           </a:prstGeom>
         </p:spPr>
         <p:txBody>
-          <a:bodyPr spcFirstLastPara="1" wrap="square" lIns="91425" tIns="91425" rIns="91425" bIns="91425" anchor="ctr" anchorCtr="0">
+          <a:bodyPr anchorCtr="0" anchor="ctr" bIns="91425" lIns="91425" spcFirstLastPara="1" rIns="91425" wrap="square" tIns="91425">
             <a:normAutofit/>
           </a:bodyPr>
           <a:lstStyle>
@@ -6959,7 +7048,7 @@
             </a:lvl9pPr>
           </a:lstStyle>
           <a:p>
-            <a:pPr marL="0" lvl="0" indent="0" algn="r" rtl="0">
+            <a:pPr indent="0" lvl="0" marL="0" rtl="0" algn="r">
               <a:spcBef>
                 <a:spcPts val="0"/>
               </a:spcBef>
@@ -6985,11 +7074,11 @@
 </file>
 
 <file path=ppt/slideLayouts/slideLayout8.xml><?xml version="1.0" encoding="utf-8"?>
-<p:sldLayout xmlns:a="http://schemas.openxmlformats.org/drawingml/2006/main" xmlns:r="http://schemas.openxmlformats.org/officeDocument/2006/relationships" xmlns:p="http://schemas.openxmlformats.org/presentationml/2006/main" matchingName="Section title and description">
+<p:sldLayout xmlns:a="http://schemas.openxmlformats.org/drawingml/2006/main" xmlns:r="http://schemas.openxmlformats.org/officeDocument/2006/relationships" xmlns:mc="http://schemas.openxmlformats.org/markup-compatibility/2006" xmlns:mv="urn:schemas-microsoft-com:mac:vml" xmlns:p="http://schemas.openxmlformats.org/presentationml/2006/main" xmlns:c="http://schemas.openxmlformats.org/drawingml/2006/chart" xmlns:dgm="http://schemas.openxmlformats.org/drawingml/2006/diagram" xmlns:o="urn:schemas-microsoft-com:office:office" xmlns:v="urn:schemas-microsoft-com:vml" xmlns:pvml="urn:schemas-microsoft-com:office:powerpoint" xmlns:com="http://schemas.openxmlformats.org/drawingml/2006/compatibility" xmlns:p14="http://schemas.microsoft.com/office/powerpoint/2010/main" xmlns:p15="http://schemas.microsoft.com/office/powerpoint/2012/main" xmlns:ahyp="http://schemas.microsoft.com/office/drawing/2018/hyperlinkcolor" matchingName="Section title and description">
   <p:cSld name="SECTION_TITLE_AND_DESCRIPTION">
     <p:spTree>
       <p:nvGrpSpPr>
-        <p:cNvPr id="1" name="Shape 91"/>
+        <p:cNvPr id="91" name="Shape 91"/>
         <p:cNvGrpSpPr/>
         <p:nvPr/>
       </p:nvGrpSpPr>
@@ -7028,7 +7117,7 @@
             </a:xfrm>
             <a:prstGeom prst="diagStripe">
               <a:avLst>
-                <a:gd name="adj" fmla="val 50000"/>
+                <a:gd fmla="val 50000" name="adj"/>
               </a:avLst>
             </a:prstGeom>
             <a:solidFill>
@@ -7039,12 +7128,12 @@
             </a:ln>
           </p:spPr>
           <p:txBody>
-            <a:bodyPr spcFirstLastPara="1" wrap="square" lIns="91425" tIns="91425" rIns="91425" bIns="91425" anchor="ctr" anchorCtr="0">
+            <a:bodyPr anchorCtr="0" anchor="ctr" bIns="91425" lIns="91425" spcFirstLastPara="1" rIns="91425" wrap="square" tIns="91425">
               <a:noAutofit/>
             </a:bodyPr>
             <a:lstStyle/>
             <a:p>
-              <a:pPr marL="0" lvl="0" indent="0" algn="l" rtl="0">
+              <a:pPr indent="0" lvl="0" marL="0" rtl="0" algn="l">
                 <a:spcBef>
                   <a:spcPts val="0"/>
                 </a:spcBef>
@@ -7053,6 +7142,9 @@
                 </a:spcAft>
                 <a:buNone/>
               </a:pPr>
+              <a:r>
+                <a:t/>
+              </a:r>
               <a:endParaRPr/>
             </a:p>
           </p:txBody>
@@ -7070,7 +7162,7 @@
             </a:xfrm>
             <a:prstGeom prst="diagStripe">
               <a:avLst>
-                <a:gd name="adj" fmla="val 50000"/>
+                <a:gd fmla="val 50000" name="adj"/>
               </a:avLst>
             </a:prstGeom>
             <a:solidFill>
@@ -7081,12 +7173,12 @@
             </a:ln>
           </p:spPr>
           <p:txBody>
-            <a:bodyPr spcFirstLastPara="1" wrap="square" lIns="91425" tIns="91425" rIns="91425" bIns="91425" anchor="ctr" anchorCtr="0">
+            <a:bodyPr anchorCtr="0" anchor="ctr" bIns="91425" lIns="91425" spcFirstLastPara="1" rIns="91425" wrap="square" tIns="91425">
               <a:noAutofit/>
             </a:bodyPr>
             <a:lstStyle/>
             <a:p>
-              <a:pPr marL="0" lvl="0" indent="0" algn="l" rtl="0">
+              <a:pPr indent="0" lvl="0" marL="0" rtl="0" algn="l">
                 <a:spcBef>
                   <a:spcPts val="0"/>
                 </a:spcBef>
@@ -7095,6 +7187,9 @@
                 </a:spcAft>
                 <a:buNone/>
               </a:pPr>
+              <a:r>
+                <a:t/>
+              </a:r>
               <a:endParaRPr/>
             </a:p>
           </p:txBody>
@@ -7103,9 +7198,7 @@
       <p:sp>
         <p:nvSpPr>
           <p:cNvPr id="95" name="Google Shape;95;p9"/>
-          <p:cNvSpPr txBox="1">
-            <a:spLocks noGrp="1"/>
-          </p:cNvSpPr>
+          <p:cNvSpPr txBox="1"/>
           <p:nvPr>
             <p:ph type="title"/>
           </p:nvPr>
@@ -7120,7 +7213,7 @@
           </a:prstGeom>
         </p:spPr>
         <p:txBody>
-          <a:bodyPr spcFirstLastPara="1" wrap="square" lIns="91425" tIns="91425" rIns="91425" bIns="91425" anchor="t" anchorCtr="0">
+          <a:bodyPr anchorCtr="0" anchor="t" bIns="91425" lIns="91425" spcFirstLastPara="1" rIns="91425" wrap="square" tIns="91425">
             <a:normAutofit/>
           </a:bodyPr>
           <a:lstStyle>
@@ -7224,19 +7317,15 @@
               <a:defRPr sz="2400"/>
             </a:lvl9pPr>
           </a:lstStyle>
-          <a:p>
-            <a:endParaRPr/>
-          </a:p>
+          <a:p/>
         </p:txBody>
       </p:sp>
       <p:sp>
         <p:nvSpPr>
           <p:cNvPr id="96" name="Google Shape;96;p9"/>
-          <p:cNvSpPr txBox="1">
-            <a:spLocks noGrp="1"/>
-          </p:cNvSpPr>
+          <p:cNvSpPr txBox="1"/>
           <p:nvPr>
-            <p:ph type="subTitle" idx="1"/>
+            <p:ph idx="1" type="subTitle"/>
           </p:nvPr>
         </p:nvSpPr>
         <p:spPr>
@@ -7249,7 +7338,7 @@
           </a:prstGeom>
         </p:spPr>
         <p:txBody>
-          <a:bodyPr spcFirstLastPara="1" wrap="square" lIns="91425" tIns="91425" rIns="91425" bIns="91425" anchor="t" anchorCtr="0">
+          <a:bodyPr anchorCtr="0" anchor="t" bIns="91425" lIns="91425" spcFirstLastPara="1" rIns="91425" wrap="square" tIns="91425">
             <a:normAutofit/>
           </a:bodyPr>
           <a:lstStyle>
@@ -7380,19 +7469,15 @@
               <a:defRPr sz="1300"/>
             </a:lvl9pPr>
           </a:lstStyle>
-          <a:p>
-            <a:endParaRPr/>
-          </a:p>
+          <a:p/>
         </p:txBody>
       </p:sp>
       <p:sp>
         <p:nvSpPr>
           <p:cNvPr id="97" name="Google Shape;97;p9"/>
-          <p:cNvSpPr txBox="1">
-            <a:spLocks noGrp="1"/>
-          </p:cNvSpPr>
+          <p:cNvSpPr txBox="1"/>
           <p:nvPr>
-            <p:ph type="body" idx="2"/>
+            <p:ph idx="2" type="body"/>
           </p:nvPr>
         </p:nvSpPr>
         <p:spPr>
@@ -7405,11 +7490,11 @@
           </a:prstGeom>
         </p:spPr>
         <p:txBody>
-          <a:bodyPr spcFirstLastPara="1" wrap="square" lIns="91425" tIns="91425" rIns="91425" bIns="91425" anchor="t" anchorCtr="0">
+          <a:bodyPr anchorCtr="0" anchor="t" bIns="91425" lIns="91425" spcFirstLastPara="1" rIns="91425" wrap="square" tIns="91425">
             <a:normAutofit/>
           </a:bodyPr>
           <a:lstStyle>
-            <a:lvl1pPr marL="457200" lvl="0" indent="-311150">
+            <a:lvl1pPr indent="-311150" lvl="0" marL="457200">
               <a:spcBef>
                 <a:spcPts val="0"/>
               </a:spcBef>
@@ -7420,7 +7505,7 @@
               <a:buChar char="●"/>
               <a:defRPr/>
             </a:lvl1pPr>
-            <a:lvl2pPr marL="914400" lvl="1" indent="-298450">
+            <a:lvl2pPr indent="-298450" lvl="1" marL="914400">
               <a:spcBef>
                 <a:spcPts val="0"/>
               </a:spcBef>
@@ -7431,7 +7516,7 @@
               <a:buChar char="○"/>
               <a:defRPr/>
             </a:lvl2pPr>
-            <a:lvl3pPr marL="1371600" lvl="2" indent="-298450">
+            <a:lvl3pPr indent="-298450" lvl="2" marL="1371600">
               <a:spcBef>
                 <a:spcPts val="0"/>
               </a:spcBef>
@@ -7442,7 +7527,7 @@
               <a:buChar char="■"/>
               <a:defRPr/>
             </a:lvl3pPr>
-            <a:lvl4pPr marL="1828800" lvl="3" indent="-298450">
+            <a:lvl4pPr indent="-298450" lvl="3" marL="1828800">
               <a:spcBef>
                 <a:spcPts val="0"/>
               </a:spcBef>
@@ -7453,7 +7538,7 @@
               <a:buChar char="●"/>
               <a:defRPr/>
             </a:lvl4pPr>
-            <a:lvl5pPr marL="2286000" lvl="4" indent="-298450">
+            <a:lvl5pPr indent="-298450" lvl="4" marL="2286000">
               <a:spcBef>
                 <a:spcPts val="0"/>
               </a:spcBef>
@@ -7464,7 +7549,7 @@
               <a:buChar char="○"/>
               <a:defRPr/>
             </a:lvl5pPr>
-            <a:lvl6pPr marL="2743200" lvl="5" indent="-298450">
+            <a:lvl6pPr indent="-298450" lvl="5" marL="2743200">
               <a:spcBef>
                 <a:spcPts val="0"/>
               </a:spcBef>
@@ -7475,7 +7560,7 @@
               <a:buChar char="■"/>
               <a:defRPr/>
             </a:lvl6pPr>
-            <a:lvl7pPr marL="3200400" lvl="6" indent="-298450">
+            <a:lvl7pPr indent="-298450" lvl="6" marL="3200400">
               <a:spcBef>
                 <a:spcPts val="0"/>
               </a:spcBef>
@@ -7486,7 +7571,7 @@
               <a:buChar char="●"/>
               <a:defRPr/>
             </a:lvl7pPr>
-            <a:lvl8pPr marL="3657600" lvl="7" indent="-298450">
+            <a:lvl8pPr indent="-298450" lvl="7" marL="3657600">
               <a:spcBef>
                 <a:spcPts val="0"/>
               </a:spcBef>
@@ -7497,7 +7582,7 @@
               <a:buChar char="○"/>
               <a:defRPr/>
             </a:lvl8pPr>
-            <a:lvl9pPr marL="4114800" lvl="8" indent="-298450">
+            <a:lvl9pPr indent="-298450" lvl="8" marL="4114800">
               <a:spcBef>
                 <a:spcPts val="0"/>
               </a:spcBef>
@@ -7509,19 +7594,15 @@
               <a:defRPr/>
             </a:lvl9pPr>
           </a:lstStyle>
-          <a:p>
-            <a:endParaRPr/>
-          </a:p>
+          <a:p/>
         </p:txBody>
       </p:sp>
       <p:sp>
         <p:nvSpPr>
           <p:cNvPr id="98" name="Google Shape;98;p9"/>
-          <p:cNvSpPr txBox="1">
-            <a:spLocks noGrp="1"/>
-          </p:cNvSpPr>
+          <p:cNvSpPr txBox="1"/>
           <p:nvPr>
-            <p:ph type="sldNum" idx="12"/>
+            <p:ph idx="12" type="sldNum"/>
           </p:nvPr>
         </p:nvSpPr>
         <p:spPr>
@@ -7534,7 +7615,7 @@
           </a:prstGeom>
         </p:spPr>
         <p:txBody>
-          <a:bodyPr spcFirstLastPara="1" wrap="square" lIns="91425" tIns="91425" rIns="91425" bIns="91425" anchor="ctr" anchorCtr="0">
+          <a:bodyPr anchorCtr="0" anchor="ctr" bIns="91425" lIns="91425" spcFirstLastPara="1" rIns="91425" wrap="square" tIns="91425">
             <a:normAutofit/>
           </a:bodyPr>
           <a:lstStyle>
@@ -7576,7 +7657,7 @@
             </a:lvl9pPr>
           </a:lstStyle>
           <a:p>
-            <a:pPr marL="0" lvl="0" indent="0" algn="r" rtl="0">
+            <a:pPr indent="0" lvl="0" marL="0" rtl="0" algn="r">
               <a:spcBef>
                 <a:spcPts val="0"/>
               </a:spcBef>
@@ -7602,11 +7683,11 @@
 </file>
 
 <file path=ppt/slideLayouts/slideLayout9.xml><?xml version="1.0" encoding="utf-8"?>
-<p:sldLayout xmlns:a="http://schemas.openxmlformats.org/drawingml/2006/main" xmlns:r="http://schemas.openxmlformats.org/officeDocument/2006/relationships" xmlns:p="http://schemas.openxmlformats.org/presentationml/2006/main" matchingName="Caption">
+<p:sldLayout xmlns:a="http://schemas.openxmlformats.org/drawingml/2006/main" xmlns:r="http://schemas.openxmlformats.org/officeDocument/2006/relationships" xmlns:mc="http://schemas.openxmlformats.org/markup-compatibility/2006" xmlns:mv="urn:schemas-microsoft-com:mac:vml" xmlns:p="http://schemas.openxmlformats.org/presentationml/2006/main" xmlns:c="http://schemas.openxmlformats.org/drawingml/2006/chart" xmlns:dgm="http://schemas.openxmlformats.org/drawingml/2006/diagram" xmlns:o="urn:schemas-microsoft-com:office:office" xmlns:v="urn:schemas-microsoft-com:vml" xmlns:pvml="urn:schemas-microsoft-com:office:powerpoint" xmlns:com="http://schemas.openxmlformats.org/drawingml/2006/compatibility" xmlns:p14="http://schemas.microsoft.com/office/powerpoint/2010/main" xmlns:p15="http://schemas.microsoft.com/office/powerpoint/2012/main" xmlns:ahyp="http://schemas.microsoft.com/office/drawing/2018/hyperlinkcolor" matchingName="Caption">
   <p:cSld name="CAPTION_ONLY">
     <p:spTree>
       <p:nvGrpSpPr>
-        <p:cNvPr id="1" name="Shape 99"/>
+        <p:cNvPr id="99" name="Shape 99"/>
         <p:cNvGrpSpPr/>
         <p:nvPr/>
       </p:nvGrpSpPr>
@@ -7645,7 +7726,7 @@
             </a:xfrm>
             <a:prstGeom prst="diagStripe">
               <a:avLst>
-                <a:gd name="adj" fmla="val 50000"/>
+                <a:gd fmla="val 50000" name="adj"/>
               </a:avLst>
             </a:prstGeom>
             <a:solidFill>
@@ -7658,12 +7739,12 @@
             </a:ln>
           </p:spPr>
           <p:txBody>
-            <a:bodyPr spcFirstLastPara="1" wrap="square" lIns="91425" tIns="91425" rIns="91425" bIns="91425" anchor="ctr" anchorCtr="0">
+            <a:bodyPr anchorCtr="0" anchor="ctr" bIns="91425" lIns="91425" spcFirstLastPara="1" rIns="91425" wrap="square" tIns="91425">
               <a:noAutofit/>
             </a:bodyPr>
             <a:lstStyle/>
             <a:p>
-              <a:pPr marL="0" lvl="0" indent="0" algn="l" rtl="0">
+              <a:pPr indent="0" lvl="0" marL="0" rtl="0" algn="l">
                 <a:spcBef>
                   <a:spcPts val="0"/>
                 </a:spcBef>
@@ -7672,6 +7753,9 @@
                 </a:spcAft>
                 <a:buNone/>
               </a:pPr>
+              <a:r>
+                <a:t/>
+              </a:r>
               <a:endParaRPr/>
             </a:p>
           </p:txBody>
@@ -7689,7 +7773,7 @@
             </a:xfrm>
             <a:prstGeom prst="diagStripe">
               <a:avLst>
-                <a:gd name="adj" fmla="val 50000"/>
+                <a:gd fmla="val 50000" name="adj"/>
               </a:avLst>
             </a:prstGeom>
             <a:solidFill>
@@ -7702,12 +7786,12 @@
             </a:ln>
           </p:spPr>
           <p:txBody>
-            <a:bodyPr spcFirstLastPara="1" wrap="square" lIns="91425" tIns="91425" rIns="91425" bIns="91425" anchor="ctr" anchorCtr="0">
+            <a:bodyPr anchorCtr="0" anchor="ctr" bIns="91425" lIns="91425" spcFirstLastPara="1" rIns="91425" wrap="square" tIns="91425">
               <a:noAutofit/>
             </a:bodyPr>
             <a:lstStyle/>
             <a:p>
-              <a:pPr marL="0" lvl="0" indent="0" algn="l" rtl="0">
+              <a:pPr indent="0" lvl="0" marL="0" rtl="0" algn="l">
                 <a:spcBef>
                   <a:spcPts val="0"/>
                 </a:spcBef>
@@ -7716,6 +7800,9 @@
                 </a:spcAft>
                 <a:buNone/>
               </a:pPr>
+              <a:r>
+                <a:t/>
+              </a:r>
               <a:endParaRPr/>
             </a:p>
           </p:txBody>
@@ -7724,11 +7811,9 @@
       <p:sp>
         <p:nvSpPr>
           <p:cNvPr id="103" name="Google Shape;103;p10"/>
-          <p:cNvSpPr txBox="1">
-            <a:spLocks noGrp="1"/>
-          </p:cNvSpPr>
+          <p:cNvSpPr txBox="1"/>
           <p:nvPr>
-            <p:ph type="body" idx="1"/>
+            <p:ph idx="1" type="body"/>
           </p:nvPr>
         </p:nvSpPr>
         <p:spPr>
@@ -7741,11 +7826,11 @@
           </a:prstGeom>
         </p:spPr>
         <p:txBody>
-          <a:bodyPr spcFirstLastPara="1" wrap="square" lIns="91425" tIns="91425" rIns="91425" bIns="91425" anchor="ctr" anchorCtr="0">
+          <a:bodyPr anchorCtr="0" anchor="ctr" bIns="91425" lIns="91425" spcFirstLastPara="1" rIns="91425" wrap="square" tIns="91425">
             <a:normAutofit/>
           </a:bodyPr>
           <a:lstStyle>
-            <a:lvl1pPr marL="457200" lvl="0" indent="-228600">
+            <a:lvl1pPr indent="-228600" lvl="0" marL="457200">
               <a:lnSpc>
                 <a:spcPct val="100000"/>
               </a:lnSpc>
@@ -7760,19 +7845,15 @@
               <a:defRPr/>
             </a:lvl1pPr>
           </a:lstStyle>
-          <a:p>
-            <a:endParaRPr/>
-          </a:p>
+          <a:p/>
         </p:txBody>
       </p:sp>
       <p:sp>
         <p:nvSpPr>
           <p:cNvPr id="104" name="Google Shape;104;p10"/>
-          <p:cNvSpPr txBox="1">
-            <a:spLocks noGrp="1"/>
-          </p:cNvSpPr>
+          <p:cNvSpPr txBox="1"/>
           <p:nvPr>
-            <p:ph type="sldNum" idx="12"/>
+            <p:ph idx="12" type="sldNum"/>
           </p:nvPr>
         </p:nvSpPr>
         <p:spPr>
@@ -7785,7 +7866,7 @@
           </a:prstGeom>
         </p:spPr>
         <p:txBody>
-          <a:bodyPr spcFirstLastPara="1" wrap="square" lIns="91425" tIns="91425" rIns="91425" bIns="91425" anchor="ctr" anchorCtr="0">
+          <a:bodyPr anchorCtr="0" anchor="ctr" bIns="91425" lIns="91425" spcFirstLastPara="1" rIns="91425" wrap="square" tIns="91425">
             <a:normAutofit/>
           </a:bodyPr>
           <a:lstStyle>
@@ -7827,7 +7908,7 @@
             </a:lvl9pPr>
           </a:lstStyle>
           <a:p>
-            <a:pPr marL="0" lvl="0" indent="0" algn="r" rtl="0">
+            <a:pPr indent="0" lvl="0" marL="0" rtl="0" algn="r">
               <a:spcBef>
                 <a:spcPts val="0"/>
               </a:spcBef>
@@ -7853,19 +7934,18 @@
 </file>
 
 <file path=ppt/slideMasters/slideMaster1.xml><?xml version="1.0" encoding="utf-8"?>
-<p:sldMaster xmlns:a="http://schemas.openxmlformats.org/drawingml/2006/main" xmlns:r="http://schemas.openxmlformats.org/officeDocument/2006/relationships" xmlns:p="http://schemas.openxmlformats.org/presentationml/2006/main">
+<p:sldMaster xmlns:a="http://schemas.openxmlformats.org/drawingml/2006/main" xmlns:r="http://schemas.openxmlformats.org/officeDocument/2006/relationships" xmlns:mc="http://schemas.openxmlformats.org/markup-compatibility/2006" xmlns:mv="urn:schemas-microsoft-com:mac:vml" xmlns:p="http://schemas.openxmlformats.org/presentationml/2006/main" xmlns:c="http://schemas.openxmlformats.org/drawingml/2006/chart" xmlns:dgm="http://schemas.openxmlformats.org/drawingml/2006/diagram" xmlns:o="urn:schemas-microsoft-com:office:office" xmlns:v="urn:schemas-microsoft-com:vml" xmlns:pvml="urn:schemas-microsoft-com:office:powerpoint" xmlns:com="http://schemas.openxmlformats.org/drawingml/2006/compatibility" xmlns:p14="http://schemas.microsoft.com/office/powerpoint/2010/main" xmlns:p15="http://schemas.microsoft.com/office/powerpoint/2012/main" xmlns:ahyp="http://schemas.microsoft.com/office/drawing/2018/hyperlinkcolor">
   <p:cSld name="focus">
     <p:bg>
       <p:bgPr>
         <a:solidFill>
           <a:schemeClr val="dk1"/>
         </a:solidFill>
-        <a:effectLst/>
       </p:bgPr>
     </p:bg>
     <p:spTree>
       <p:nvGrpSpPr>
-        <p:cNvPr id="1" name="Shape 5"/>
+        <p:cNvPr id="5" name="Shape 5"/>
         <p:cNvGrpSpPr/>
         <p:nvPr/>
       </p:nvGrpSpPr>
@@ -7880,9 +7960,7 @@
       <p:sp>
         <p:nvSpPr>
           <p:cNvPr id="6" name="Google Shape;6;p1"/>
-          <p:cNvSpPr txBox="1">
-            <a:spLocks noGrp="1"/>
-          </p:cNvSpPr>
+          <p:cNvSpPr txBox="1"/>
           <p:nvPr>
             <p:ph type="title"/>
           </p:nvPr>
@@ -7901,7 +7979,7 @@
           </a:ln>
         </p:spPr>
         <p:txBody>
-          <a:bodyPr spcFirstLastPara="1" wrap="square" lIns="91425" tIns="91425" rIns="91425" bIns="91425" anchor="t" anchorCtr="0">
+          <a:bodyPr anchorCtr="0" anchor="t" bIns="91425" lIns="91425" spcFirstLastPara="1" rIns="91425" wrap="square" tIns="91425">
             <a:normAutofit/>
           </a:bodyPr>
           <a:lstStyle>
@@ -8113,19 +8191,15 @@
               </a:defRPr>
             </a:lvl9pPr>
           </a:lstStyle>
-          <a:p>
-            <a:endParaRPr/>
-          </a:p>
+          <a:p/>
         </p:txBody>
       </p:sp>
       <p:sp>
         <p:nvSpPr>
           <p:cNvPr id="7" name="Google Shape;7;p1"/>
-          <p:cNvSpPr txBox="1">
-            <a:spLocks noGrp="1"/>
-          </p:cNvSpPr>
+          <p:cNvSpPr txBox="1"/>
           <p:nvPr>
-            <p:ph type="body" idx="1"/>
+            <p:ph idx="1" type="body"/>
           </p:nvPr>
         </p:nvSpPr>
         <p:spPr>
@@ -8142,11 +8216,11 @@
           </a:ln>
         </p:spPr>
         <p:txBody>
-          <a:bodyPr spcFirstLastPara="1" wrap="square" lIns="91425" tIns="91425" rIns="91425" bIns="91425" anchor="t" anchorCtr="0">
+          <a:bodyPr anchorCtr="0" anchor="t" bIns="91425" lIns="91425" spcFirstLastPara="1" rIns="91425" wrap="square" tIns="91425">
             <a:normAutofit/>
           </a:bodyPr>
           <a:lstStyle>
-            <a:lvl1pPr marL="457200" lvl="0" indent="-311150">
+            <a:lvl1pPr indent="-311150" lvl="0" marL="457200">
               <a:lnSpc>
                 <a:spcPct val="115000"/>
               </a:lnSpc>
@@ -8172,7 +8246,7 @@
                 <a:sym typeface="Lato"/>
               </a:defRPr>
             </a:lvl1pPr>
-            <a:lvl2pPr marL="914400" lvl="1" indent="-298450">
+            <a:lvl2pPr indent="-298450" lvl="1" marL="914400">
               <a:lnSpc>
                 <a:spcPct val="115000"/>
               </a:lnSpc>
@@ -8198,7 +8272,7 @@
                 <a:sym typeface="Lato"/>
               </a:defRPr>
             </a:lvl2pPr>
-            <a:lvl3pPr marL="1371600" lvl="2" indent="-298450">
+            <a:lvl3pPr indent="-298450" lvl="2" marL="1371600">
               <a:lnSpc>
                 <a:spcPct val="115000"/>
               </a:lnSpc>
@@ -8224,7 +8298,7 @@
                 <a:sym typeface="Lato"/>
               </a:defRPr>
             </a:lvl3pPr>
-            <a:lvl4pPr marL="1828800" lvl="3" indent="-298450">
+            <a:lvl4pPr indent="-298450" lvl="3" marL="1828800">
               <a:lnSpc>
                 <a:spcPct val="115000"/>
               </a:lnSpc>
@@ -8250,7 +8324,7 @@
                 <a:sym typeface="Lato"/>
               </a:defRPr>
             </a:lvl4pPr>
-            <a:lvl5pPr marL="2286000" lvl="4" indent="-298450">
+            <a:lvl5pPr indent="-298450" lvl="4" marL="2286000">
               <a:lnSpc>
                 <a:spcPct val="115000"/>
               </a:lnSpc>
@@ -8276,7 +8350,7 @@
                 <a:sym typeface="Lato"/>
               </a:defRPr>
             </a:lvl5pPr>
-            <a:lvl6pPr marL="2743200" lvl="5" indent="-298450">
+            <a:lvl6pPr indent="-298450" lvl="5" marL="2743200">
               <a:lnSpc>
                 <a:spcPct val="115000"/>
               </a:lnSpc>
@@ -8302,7 +8376,7 @@
                 <a:sym typeface="Lato"/>
               </a:defRPr>
             </a:lvl6pPr>
-            <a:lvl7pPr marL="3200400" lvl="6" indent="-298450">
+            <a:lvl7pPr indent="-298450" lvl="6" marL="3200400">
               <a:lnSpc>
                 <a:spcPct val="115000"/>
               </a:lnSpc>
@@ -8328,7 +8402,7 @@
                 <a:sym typeface="Lato"/>
               </a:defRPr>
             </a:lvl7pPr>
-            <a:lvl8pPr marL="3657600" lvl="7" indent="-298450">
+            <a:lvl8pPr indent="-298450" lvl="7" marL="3657600">
               <a:lnSpc>
                 <a:spcPct val="115000"/>
               </a:lnSpc>
@@ -8354,7 +8428,7 @@
                 <a:sym typeface="Lato"/>
               </a:defRPr>
             </a:lvl8pPr>
-            <a:lvl9pPr marL="4114800" lvl="8" indent="-298450">
+            <a:lvl9pPr indent="-298450" lvl="8" marL="4114800">
               <a:lnSpc>
                 <a:spcPct val="115000"/>
               </a:lnSpc>
@@ -8381,19 +8455,15 @@
               </a:defRPr>
             </a:lvl9pPr>
           </a:lstStyle>
-          <a:p>
-            <a:endParaRPr/>
-          </a:p>
+          <a:p/>
         </p:txBody>
       </p:sp>
       <p:sp>
         <p:nvSpPr>
           <p:cNvPr id="8" name="Google Shape;8;p1"/>
-          <p:cNvSpPr txBox="1">
-            <a:spLocks noGrp="1"/>
-          </p:cNvSpPr>
+          <p:cNvSpPr txBox="1"/>
           <p:nvPr>
-            <p:ph type="sldNum" idx="12"/>
+            <p:ph idx="12" type="sldNum"/>
           </p:nvPr>
         </p:nvSpPr>
         <p:spPr>
@@ -8410,7 +8480,7 @@
           </a:ln>
         </p:spPr>
         <p:txBody>
-          <a:bodyPr spcFirstLastPara="1" wrap="square" lIns="91425" tIns="91425" rIns="91425" bIns="91425" anchor="ctr" anchorCtr="0">
+          <a:bodyPr anchorCtr="0" anchor="ctr" bIns="91425" lIns="91425" spcFirstLastPara="1" rIns="91425" wrap="square" tIns="91425">
             <a:normAutofit/>
           </a:bodyPr>
           <a:lstStyle>
@@ -8524,7 +8594,7 @@
             </a:lvl9pPr>
           </a:lstStyle>
           <a:p>
-            <a:pPr marL="0" lvl="0" indent="0" algn="r" rtl="0">
+            <a:pPr indent="0" lvl="0" marL="0" rtl="0" algn="r">
               <a:spcBef>
                 <a:spcPts val="0"/>
               </a:spcBef>
@@ -8543,7 +8613,7 @@
       </p:sp>
     </p:spTree>
   </p:cSld>
-  <p:clrMap bg1="lt1" tx1="dk1" bg2="dk2" tx2="lt2" accent1="accent1" accent2="accent2" accent3="accent3" accent4="accent4" accent5="accent5" accent6="accent6" hlink="hlink" folHlink="folHlink"/>
+  <p:clrMap accent1="accent1" accent2="accent2" accent3="accent3" accent4="accent4" accent5="accent5" accent6="accent6" bg1="lt1" bg2="dk2" tx1="dk1" tx2="lt2" folHlink="folHlink" hlink="hlink"/>
   <p:sldLayoutIdLst>
     <p:sldLayoutId id="2147483648" r:id="rId1"/>
     <p:sldLayoutId id="2147483649" r:id="rId2"/>
@@ -8557,10 +8627,10 @@
     <p:sldLayoutId id="2147483657" r:id="rId10"/>
     <p:sldLayoutId id="2147483658" r:id="rId11"/>
   </p:sldLayoutIdLst>
-  <p:hf sldNum="0" hdr="0" ftr="0" dt="0"/>
+  <p:hf dt="0" ftr="0" hdr="0" sldNum="0"/>
   <p:txStyles>
     <p:titleStyle>
-      <a:defPPr marR="0" lvl="0" algn="l" rtl="0">
+      <a:defPPr lvl="0" marR="0" rtl="0" algn="l">
         <a:lnSpc>
           <a:spcPct val="100000"/>
         </a:lnSpc>
@@ -8571,7 +8641,7 @@
           <a:spcPts val="0"/>
         </a:spcAft>
       </a:defPPr>
-      <a:lvl1pPr marR="0" lvl="0" algn="l" rtl="0">
+      <a:lvl1pPr lvl="0" marR="0" rtl="0" algn="l">
         <a:lnSpc>
           <a:spcPct val="100000"/>
         </a:lnSpc>
@@ -8585,7 +8655,7 @@
           <a:srgbClr val="000000"/>
         </a:buClr>
         <a:buFont typeface="Arial"/>
-        <a:defRPr sz="1400" b="0" i="0" u="none" strike="noStrike" cap="none">
+        <a:defRPr b="0" i="0" sz="1400" u="none" cap="none" strike="noStrike">
           <a:solidFill>
             <a:srgbClr val="000000"/>
           </a:solidFill>
@@ -8595,7 +8665,7 @@
           <a:sym typeface="Arial"/>
         </a:defRPr>
       </a:lvl1pPr>
-      <a:lvl2pPr marR="0" lvl="1" algn="l" rtl="0">
+      <a:lvl2pPr lvl="1" marR="0" rtl="0" algn="l">
         <a:lnSpc>
           <a:spcPct val="100000"/>
         </a:lnSpc>
@@ -8609,7 +8679,7 @@
           <a:srgbClr val="000000"/>
         </a:buClr>
         <a:buFont typeface="Arial"/>
-        <a:defRPr sz="1400" b="0" i="0" u="none" strike="noStrike" cap="none">
+        <a:defRPr b="0" i="0" sz="1400" u="none" cap="none" strike="noStrike">
           <a:solidFill>
             <a:srgbClr val="000000"/>
           </a:solidFill>
@@ -8619,7 +8689,7 @@
           <a:sym typeface="Arial"/>
         </a:defRPr>
       </a:lvl2pPr>
-      <a:lvl3pPr marR="0" lvl="2" algn="l" rtl="0">
+      <a:lvl3pPr lvl="2" marR="0" rtl="0" algn="l">
         <a:lnSpc>
           <a:spcPct val="100000"/>
         </a:lnSpc>
@@ -8633,7 +8703,7 @@
           <a:srgbClr val="000000"/>
         </a:buClr>
         <a:buFont typeface="Arial"/>
-        <a:defRPr sz="1400" b="0" i="0" u="none" strike="noStrike" cap="none">
+        <a:defRPr b="0" i="0" sz="1400" u="none" cap="none" strike="noStrike">
           <a:solidFill>
             <a:srgbClr val="000000"/>
           </a:solidFill>
@@ -8643,7 +8713,7 @@
           <a:sym typeface="Arial"/>
         </a:defRPr>
       </a:lvl3pPr>
-      <a:lvl4pPr marR="0" lvl="3" algn="l" rtl="0">
+      <a:lvl4pPr lvl="3" marR="0" rtl="0" algn="l">
         <a:lnSpc>
           <a:spcPct val="100000"/>
         </a:lnSpc>
@@ -8657,7 +8727,7 @@
           <a:srgbClr val="000000"/>
         </a:buClr>
         <a:buFont typeface="Arial"/>
-        <a:defRPr sz="1400" b="0" i="0" u="none" strike="noStrike" cap="none">
+        <a:defRPr b="0" i="0" sz="1400" u="none" cap="none" strike="noStrike">
           <a:solidFill>
             <a:srgbClr val="000000"/>
           </a:solidFill>
@@ -8667,7 +8737,7 @@
           <a:sym typeface="Arial"/>
         </a:defRPr>
       </a:lvl4pPr>
-      <a:lvl5pPr marR="0" lvl="4" algn="l" rtl="0">
+      <a:lvl5pPr lvl="4" marR="0" rtl="0" algn="l">
         <a:lnSpc>
           <a:spcPct val="100000"/>
         </a:lnSpc>
@@ -8681,7 +8751,7 @@
           <a:srgbClr val="000000"/>
         </a:buClr>
         <a:buFont typeface="Arial"/>
-        <a:defRPr sz="1400" b="0" i="0" u="none" strike="noStrike" cap="none">
+        <a:defRPr b="0" i="0" sz="1400" u="none" cap="none" strike="noStrike">
           <a:solidFill>
             <a:srgbClr val="000000"/>
           </a:solidFill>
@@ -8691,7 +8761,7 @@
           <a:sym typeface="Arial"/>
         </a:defRPr>
       </a:lvl5pPr>
-      <a:lvl6pPr marR="0" lvl="5" algn="l" rtl="0">
+      <a:lvl6pPr lvl="5" marR="0" rtl="0" algn="l">
         <a:lnSpc>
           <a:spcPct val="100000"/>
         </a:lnSpc>
@@ -8705,7 +8775,7 @@
           <a:srgbClr val="000000"/>
         </a:buClr>
         <a:buFont typeface="Arial"/>
-        <a:defRPr sz="1400" b="0" i="0" u="none" strike="noStrike" cap="none">
+        <a:defRPr b="0" i="0" sz="1400" u="none" cap="none" strike="noStrike">
           <a:solidFill>
             <a:srgbClr val="000000"/>
           </a:solidFill>
@@ -8715,7 +8785,7 @@
           <a:sym typeface="Arial"/>
         </a:defRPr>
       </a:lvl6pPr>
-      <a:lvl7pPr marR="0" lvl="6" algn="l" rtl="0">
+      <a:lvl7pPr lvl="6" marR="0" rtl="0" algn="l">
         <a:lnSpc>
           <a:spcPct val="100000"/>
         </a:lnSpc>
@@ -8729,7 +8799,7 @@
           <a:srgbClr val="000000"/>
         </a:buClr>
         <a:buFont typeface="Arial"/>
-        <a:defRPr sz="1400" b="0" i="0" u="none" strike="noStrike" cap="none">
+        <a:defRPr b="0" i="0" sz="1400" u="none" cap="none" strike="noStrike">
           <a:solidFill>
             <a:srgbClr val="000000"/>
           </a:solidFill>
@@ -8739,7 +8809,7 @@
           <a:sym typeface="Arial"/>
         </a:defRPr>
       </a:lvl7pPr>
-      <a:lvl8pPr marR="0" lvl="7" algn="l" rtl="0">
+      <a:lvl8pPr lvl="7" marR="0" rtl="0" algn="l">
         <a:lnSpc>
           <a:spcPct val="100000"/>
         </a:lnSpc>
@@ -8753,7 +8823,7 @@
           <a:srgbClr val="000000"/>
         </a:buClr>
         <a:buFont typeface="Arial"/>
-        <a:defRPr sz="1400" b="0" i="0" u="none" strike="noStrike" cap="none">
+        <a:defRPr b="0" i="0" sz="1400" u="none" cap="none" strike="noStrike">
           <a:solidFill>
             <a:srgbClr val="000000"/>
           </a:solidFill>
@@ -8763,7 +8833,7 @@
           <a:sym typeface="Arial"/>
         </a:defRPr>
       </a:lvl8pPr>
-      <a:lvl9pPr marR="0" lvl="8" algn="l" rtl="0">
+      <a:lvl9pPr lvl="8" marR="0" rtl="0" algn="l">
         <a:lnSpc>
           <a:spcPct val="100000"/>
         </a:lnSpc>
@@ -8777,7 +8847,7 @@
           <a:srgbClr val="000000"/>
         </a:buClr>
         <a:buFont typeface="Arial"/>
-        <a:defRPr sz="1400" b="0" i="0" u="none" strike="noStrike" cap="none">
+        <a:defRPr b="0" i="0" sz="1400" u="none" cap="none" strike="noStrike">
           <a:solidFill>
             <a:srgbClr val="000000"/>
           </a:solidFill>
@@ -8789,7 +8859,7 @@
       </a:lvl9pPr>
     </p:titleStyle>
     <p:bodyStyle>
-      <a:defPPr marR="0" lvl="0" algn="l" rtl="0">
+      <a:defPPr lvl="0" marR="0" rtl="0" algn="l">
         <a:lnSpc>
           <a:spcPct val="100000"/>
         </a:lnSpc>
@@ -8800,7 +8870,7 @@
           <a:spcPts val="0"/>
         </a:spcAft>
       </a:defPPr>
-      <a:lvl1pPr marR="0" lvl="0" algn="l" rtl="0">
+      <a:lvl1pPr lvl="0" marR="0" rtl="0" algn="l">
         <a:lnSpc>
           <a:spcPct val="100000"/>
         </a:lnSpc>
@@ -8814,7 +8884,7 @@
           <a:srgbClr val="000000"/>
         </a:buClr>
         <a:buFont typeface="Arial"/>
-        <a:defRPr sz="1400" b="0" i="0" u="none" strike="noStrike" cap="none">
+        <a:defRPr b="0" i="0" sz="1400" u="none" cap="none" strike="noStrike">
           <a:solidFill>
             <a:srgbClr val="000000"/>
           </a:solidFill>
@@ -8824,7 +8894,7 @@
           <a:sym typeface="Arial"/>
         </a:defRPr>
       </a:lvl1pPr>
-      <a:lvl2pPr marR="0" lvl="1" algn="l" rtl="0">
+      <a:lvl2pPr lvl="1" marR="0" rtl="0" algn="l">
         <a:lnSpc>
           <a:spcPct val="100000"/>
         </a:lnSpc>
@@ -8838,7 +8908,7 @@
           <a:srgbClr val="000000"/>
         </a:buClr>
         <a:buFont typeface="Arial"/>
-        <a:defRPr sz="1400" b="0" i="0" u="none" strike="noStrike" cap="none">
+        <a:defRPr b="0" i="0" sz="1400" u="none" cap="none" strike="noStrike">
           <a:solidFill>
             <a:srgbClr val="000000"/>
           </a:solidFill>
@@ -8848,7 +8918,7 @@
           <a:sym typeface="Arial"/>
         </a:defRPr>
       </a:lvl2pPr>
-      <a:lvl3pPr marR="0" lvl="2" algn="l" rtl="0">
+      <a:lvl3pPr lvl="2" marR="0" rtl="0" algn="l">
         <a:lnSpc>
           <a:spcPct val="100000"/>
         </a:lnSpc>
@@ -8862,7 +8932,7 @@
           <a:srgbClr val="000000"/>
         </a:buClr>
         <a:buFont typeface="Arial"/>
-        <a:defRPr sz="1400" b="0" i="0" u="none" strike="noStrike" cap="none">
+        <a:defRPr b="0" i="0" sz="1400" u="none" cap="none" strike="noStrike">
           <a:solidFill>
             <a:srgbClr val="000000"/>
           </a:solidFill>
@@ -8872,7 +8942,7 @@
           <a:sym typeface="Arial"/>
         </a:defRPr>
       </a:lvl3pPr>
-      <a:lvl4pPr marR="0" lvl="3" algn="l" rtl="0">
+      <a:lvl4pPr lvl="3" marR="0" rtl="0" algn="l">
         <a:lnSpc>
           <a:spcPct val="100000"/>
         </a:lnSpc>
@@ -8886,7 +8956,7 @@
           <a:srgbClr val="000000"/>
         </a:buClr>
         <a:buFont typeface="Arial"/>
-        <a:defRPr sz="1400" b="0" i="0" u="none" strike="noStrike" cap="none">
+        <a:defRPr b="0" i="0" sz="1400" u="none" cap="none" strike="noStrike">
           <a:solidFill>
             <a:srgbClr val="000000"/>
           </a:solidFill>
@@ -8896,7 +8966,7 @@
           <a:sym typeface="Arial"/>
         </a:defRPr>
       </a:lvl4pPr>
-      <a:lvl5pPr marR="0" lvl="4" algn="l" rtl="0">
+      <a:lvl5pPr lvl="4" marR="0" rtl="0" algn="l">
         <a:lnSpc>
           <a:spcPct val="100000"/>
         </a:lnSpc>
@@ -8910,7 +8980,7 @@
           <a:srgbClr val="000000"/>
         </a:buClr>
         <a:buFont typeface="Arial"/>
-        <a:defRPr sz="1400" b="0" i="0" u="none" strike="noStrike" cap="none">
+        <a:defRPr b="0" i="0" sz="1400" u="none" cap="none" strike="noStrike">
           <a:solidFill>
             <a:srgbClr val="000000"/>
           </a:solidFill>
@@ -8920,7 +8990,7 @@
           <a:sym typeface="Arial"/>
         </a:defRPr>
       </a:lvl5pPr>
-      <a:lvl6pPr marR="0" lvl="5" algn="l" rtl="0">
+      <a:lvl6pPr lvl="5" marR="0" rtl="0" algn="l">
         <a:lnSpc>
           <a:spcPct val="100000"/>
         </a:lnSpc>
@@ -8934,7 +9004,7 @@
           <a:srgbClr val="000000"/>
         </a:buClr>
         <a:buFont typeface="Arial"/>
-        <a:defRPr sz="1400" b="0" i="0" u="none" strike="noStrike" cap="none">
+        <a:defRPr b="0" i="0" sz="1400" u="none" cap="none" strike="noStrike">
           <a:solidFill>
             <a:srgbClr val="000000"/>
           </a:solidFill>
@@ -8944,7 +9014,7 @@
           <a:sym typeface="Arial"/>
         </a:defRPr>
       </a:lvl6pPr>
-      <a:lvl7pPr marR="0" lvl="6" algn="l" rtl="0">
+      <a:lvl7pPr lvl="6" marR="0" rtl="0" algn="l">
         <a:lnSpc>
           <a:spcPct val="100000"/>
         </a:lnSpc>
@@ -8958,7 +9028,7 @@
           <a:srgbClr val="000000"/>
         </a:buClr>
         <a:buFont typeface="Arial"/>
-        <a:defRPr sz="1400" b="0" i="0" u="none" strike="noStrike" cap="none">
+        <a:defRPr b="0" i="0" sz="1400" u="none" cap="none" strike="noStrike">
           <a:solidFill>
             <a:srgbClr val="000000"/>
           </a:solidFill>
@@ -8968,7 +9038,7 @@
           <a:sym typeface="Arial"/>
         </a:defRPr>
       </a:lvl7pPr>
-      <a:lvl8pPr marR="0" lvl="7" algn="l" rtl="0">
+      <a:lvl8pPr lvl="7" marR="0" rtl="0" algn="l">
         <a:lnSpc>
           <a:spcPct val="100000"/>
         </a:lnSpc>
@@ -8982,7 +9052,7 @@
           <a:srgbClr val="000000"/>
         </a:buClr>
         <a:buFont typeface="Arial"/>
-        <a:defRPr sz="1400" b="0" i="0" u="none" strike="noStrike" cap="none">
+        <a:defRPr b="0" i="0" sz="1400" u="none" cap="none" strike="noStrike">
           <a:solidFill>
             <a:srgbClr val="000000"/>
           </a:solidFill>
@@ -8992,7 +9062,7 @@
           <a:sym typeface="Arial"/>
         </a:defRPr>
       </a:lvl8pPr>
-      <a:lvl9pPr marR="0" lvl="8" algn="l" rtl="0">
+      <a:lvl9pPr lvl="8" marR="0" rtl="0" algn="l">
         <a:lnSpc>
           <a:spcPct val="100000"/>
         </a:lnSpc>
@@ -9006,7 +9076,7 @@
           <a:srgbClr val="000000"/>
         </a:buClr>
         <a:buFont typeface="Arial"/>
-        <a:defRPr sz="1400" b="0" i="0" u="none" strike="noStrike" cap="none">
+        <a:defRPr b="0" i="0" sz="1400" u="none" cap="none" strike="noStrike">
           <a:solidFill>
             <a:srgbClr val="000000"/>
           </a:solidFill>
@@ -9018,7 +9088,7 @@
       </a:lvl9pPr>
     </p:bodyStyle>
     <p:otherStyle>
-      <a:defPPr marR="0" lvl="0" algn="l" rtl="0">
+      <a:defPPr lvl="0" marR="0" rtl="0" algn="l">
         <a:lnSpc>
           <a:spcPct val="100000"/>
         </a:lnSpc>
@@ -9029,7 +9099,7 @@
           <a:spcPts val="0"/>
         </a:spcAft>
       </a:defPPr>
-      <a:lvl1pPr marR="0" lvl="0" algn="l" rtl="0">
+      <a:lvl1pPr lvl="0" marR="0" rtl="0" algn="l">
         <a:lnSpc>
           <a:spcPct val="100000"/>
         </a:lnSpc>
@@ -9043,7 +9113,7 @@
           <a:srgbClr val="000000"/>
         </a:buClr>
         <a:buFont typeface="Arial"/>
-        <a:defRPr sz="1400" b="0" i="0" u="none" strike="noStrike" cap="none">
+        <a:defRPr b="0" i="0" sz="1400" u="none" cap="none" strike="noStrike">
           <a:solidFill>
             <a:srgbClr val="000000"/>
           </a:solidFill>
@@ -9053,7 +9123,7 @@
           <a:sym typeface="Arial"/>
         </a:defRPr>
       </a:lvl1pPr>
-      <a:lvl2pPr marR="0" lvl="1" algn="l" rtl="0">
+      <a:lvl2pPr lvl="1" marR="0" rtl="0" algn="l">
         <a:lnSpc>
           <a:spcPct val="100000"/>
         </a:lnSpc>
@@ -9067,7 +9137,7 @@
           <a:srgbClr val="000000"/>
         </a:buClr>
         <a:buFont typeface="Arial"/>
-        <a:defRPr sz="1400" b="0" i="0" u="none" strike="noStrike" cap="none">
+        <a:defRPr b="0" i="0" sz="1400" u="none" cap="none" strike="noStrike">
           <a:solidFill>
             <a:srgbClr val="000000"/>
           </a:solidFill>
@@ -9077,7 +9147,7 @@
           <a:sym typeface="Arial"/>
         </a:defRPr>
       </a:lvl2pPr>
-      <a:lvl3pPr marR="0" lvl="2" algn="l" rtl="0">
+      <a:lvl3pPr lvl="2" marR="0" rtl="0" algn="l">
         <a:lnSpc>
           <a:spcPct val="100000"/>
         </a:lnSpc>
@@ -9091,7 +9161,7 @@
           <a:srgbClr val="000000"/>
         </a:buClr>
         <a:buFont typeface="Arial"/>
-        <a:defRPr sz="1400" b="0" i="0" u="none" strike="noStrike" cap="none">
+        <a:defRPr b="0" i="0" sz="1400" u="none" cap="none" strike="noStrike">
           <a:solidFill>
             <a:srgbClr val="000000"/>
           </a:solidFill>
@@ -9101,7 +9171,7 @@
           <a:sym typeface="Arial"/>
         </a:defRPr>
       </a:lvl3pPr>
-      <a:lvl4pPr marR="0" lvl="3" algn="l" rtl="0">
+      <a:lvl4pPr lvl="3" marR="0" rtl="0" algn="l">
         <a:lnSpc>
           <a:spcPct val="100000"/>
         </a:lnSpc>
@@ -9115,7 +9185,7 @@
           <a:srgbClr val="000000"/>
         </a:buClr>
         <a:buFont typeface="Arial"/>
-        <a:defRPr sz="1400" b="0" i="0" u="none" strike="noStrike" cap="none">
+        <a:defRPr b="0" i="0" sz="1400" u="none" cap="none" strike="noStrike">
           <a:solidFill>
             <a:srgbClr val="000000"/>
           </a:solidFill>
@@ -9125,7 +9195,7 @@
           <a:sym typeface="Arial"/>
         </a:defRPr>
       </a:lvl4pPr>
-      <a:lvl5pPr marR="0" lvl="4" algn="l" rtl="0">
+      <a:lvl5pPr lvl="4" marR="0" rtl="0" algn="l">
         <a:lnSpc>
           <a:spcPct val="100000"/>
         </a:lnSpc>
@@ -9139,7 +9209,7 @@
           <a:srgbClr val="000000"/>
         </a:buClr>
         <a:buFont typeface="Arial"/>
-        <a:defRPr sz="1400" b="0" i="0" u="none" strike="noStrike" cap="none">
+        <a:defRPr b="0" i="0" sz="1400" u="none" cap="none" strike="noStrike">
           <a:solidFill>
             <a:srgbClr val="000000"/>
           </a:solidFill>
@@ -9149,7 +9219,7 @@
           <a:sym typeface="Arial"/>
         </a:defRPr>
       </a:lvl5pPr>
-      <a:lvl6pPr marR="0" lvl="5" algn="l" rtl="0">
+      <a:lvl6pPr lvl="5" marR="0" rtl="0" algn="l">
         <a:lnSpc>
           <a:spcPct val="100000"/>
         </a:lnSpc>
@@ -9163,7 +9233,7 @@
           <a:srgbClr val="000000"/>
         </a:buClr>
         <a:buFont typeface="Arial"/>
-        <a:defRPr sz="1400" b="0" i="0" u="none" strike="noStrike" cap="none">
+        <a:defRPr b="0" i="0" sz="1400" u="none" cap="none" strike="noStrike">
           <a:solidFill>
             <a:srgbClr val="000000"/>
           </a:solidFill>
@@ -9173,7 +9243,7 @@
           <a:sym typeface="Arial"/>
         </a:defRPr>
       </a:lvl6pPr>
-      <a:lvl7pPr marR="0" lvl="6" algn="l" rtl="0">
+      <a:lvl7pPr lvl="6" marR="0" rtl="0" algn="l">
         <a:lnSpc>
           <a:spcPct val="100000"/>
         </a:lnSpc>
@@ -9187,7 +9257,7 @@
           <a:srgbClr val="000000"/>
         </a:buClr>
         <a:buFont typeface="Arial"/>
-        <a:defRPr sz="1400" b="0" i="0" u="none" strike="noStrike" cap="none">
+        <a:defRPr b="0" i="0" sz="1400" u="none" cap="none" strike="noStrike">
           <a:solidFill>
             <a:srgbClr val="000000"/>
           </a:solidFill>
@@ -9197,7 +9267,7 @@
           <a:sym typeface="Arial"/>
         </a:defRPr>
       </a:lvl7pPr>
-      <a:lvl8pPr marR="0" lvl="7" algn="l" rtl="0">
+      <a:lvl8pPr lvl="7" marR="0" rtl="0" algn="l">
         <a:lnSpc>
           <a:spcPct val="100000"/>
         </a:lnSpc>
@@ -9211,7 +9281,7 @@
           <a:srgbClr val="000000"/>
         </a:buClr>
         <a:buFont typeface="Arial"/>
-        <a:defRPr sz="1400" b="0" i="0" u="none" strike="noStrike" cap="none">
+        <a:defRPr b="0" i="0" sz="1400" u="none" cap="none" strike="noStrike">
           <a:solidFill>
             <a:srgbClr val="000000"/>
           </a:solidFill>
@@ -9221,7 +9291,7 @@
           <a:sym typeface="Arial"/>
         </a:defRPr>
       </a:lvl8pPr>
-      <a:lvl9pPr marR="0" lvl="8" algn="l" rtl="0">
+      <a:lvl9pPr lvl="8" marR="0" rtl="0" algn="l">
         <a:lnSpc>
           <a:spcPct val="100000"/>
         </a:lnSpc>
@@ -9235,7 +9305,7 @@
           <a:srgbClr val="000000"/>
         </a:buClr>
         <a:buFont typeface="Arial"/>
-        <a:defRPr sz="1400" b="0" i="0" u="none" strike="noStrike" cap="none">
+        <a:defRPr b="0" i="0" sz="1400" u="none" cap="none" strike="noStrike">
           <a:solidFill>
             <a:srgbClr val="000000"/>
           </a:solidFill>
@@ -9251,19 +9321,18 @@
 </file>
 
 <file path=ppt/slides/slide1.xml><?xml version="1.0" encoding="utf-8"?>
-<p:sld xmlns:a="http://schemas.openxmlformats.org/drawingml/2006/main" xmlns:r="http://schemas.openxmlformats.org/officeDocument/2006/relationships" xmlns:p="http://schemas.openxmlformats.org/presentationml/2006/main">
+<p:sld xmlns:a="http://schemas.openxmlformats.org/drawingml/2006/main" xmlns:r="http://schemas.openxmlformats.org/officeDocument/2006/relationships" xmlns:mc="http://schemas.openxmlformats.org/markup-compatibility/2006" xmlns:mv="urn:schemas-microsoft-com:mac:vml" xmlns:p="http://schemas.openxmlformats.org/presentationml/2006/main" xmlns:c="http://schemas.openxmlformats.org/drawingml/2006/chart" xmlns:dgm="http://schemas.openxmlformats.org/drawingml/2006/diagram" xmlns:o="urn:schemas-microsoft-com:office:office" xmlns:v="urn:schemas-microsoft-com:vml" xmlns:pvml="urn:schemas-microsoft-com:office:powerpoint" xmlns:com="http://schemas.openxmlformats.org/drawingml/2006/compatibility" xmlns:p14="http://schemas.microsoft.com/office/powerpoint/2010/main" xmlns:p15="http://schemas.microsoft.com/office/powerpoint/2012/main" xmlns:ahyp="http://schemas.microsoft.com/office/drawing/2018/hyperlinkcolor">
   <p:cSld>
     <p:bg>
       <p:bgPr>
         <a:solidFill>
           <a:schemeClr val="lt1"/>
         </a:solidFill>
-        <a:effectLst/>
       </p:bgPr>
     </p:bg>
     <p:spTree>
       <p:nvGrpSpPr>
-        <p:cNvPr id="1" name="Shape 133"/>
+        <p:cNvPr id="133" name="Shape 133"/>
         <p:cNvGrpSpPr/>
         <p:nvPr/>
       </p:nvGrpSpPr>
@@ -9275,34 +9344,159 @@
           <a:chExt cx="0" cy="0"/>
         </a:xfrm>
       </p:grpSpPr>
+      <p:sp>
+        <p:nvSpPr>
+          <p:cNvPr id="134" name="Google Shape;134;p13"/>
+          <p:cNvSpPr txBox="1"/>
+          <p:nvPr>
+            <p:ph type="ctrTitle"/>
+          </p:nvPr>
+        </p:nvSpPr>
+        <p:spPr>
+          <a:xfrm>
+            <a:off x="3537150" y="1578400"/>
+            <a:ext cx="5017500" cy="1578900"/>
+          </a:xfrm>
+          <a:prstGeom prst="rect">
+            <a:avLst/>
+          </a:prstGeom>
+          <a:noFill/>
+        </p:spPr>
+        <p:txBody>
+          <a:bodyPr anchorCtr="0" anchor="t" bIns="91425" lIns="91425" spcFirstLastPara="1" rIns="91425" wrap="square" tIns="91425">
+            <a:normAutofit/>
+          </a:bodyPr>
+          <a:lstStyle/>
+          <a:p>
+            <a:pPr indent="0" lvl="0" marL="0" rtl="0" algn="l">
+              <a:spcBef>
+                <a:spcPts val="0"/>
+              </a:spcBef>
+              <a:spcAft>
+                <a:spcPts val="0"/>
+              </a:spcAft>
+              <a:buNone/>
+            </a:pPr>
+            <a:r>
+              <a:rPr lang="en">
+                <a:solidFill>
+                  <a:srgbClr val="41B670"/>
+                </a:solidFill>
+              </a:rPr>
+              <a:t>Session Title</a:t>
+            </a:r>
+            <a:endParaRPr>
+              <a:solidFill>
+                <a:srgbClr val="41B670"/>
+              </a:solidFill>
+            </a:endParaRPr>
+          </a:p>
+        </p:txBody>
+      </p:sp>
+      <p:sp>
+        <p:nvSpPr>
+          <p:cNvPr id="135" name="Google Shape;135;p13"/>
+          <p:cNvSpPr txBox="1"/>
+          <p:nvPr>
+            <p:ph idx="1" type="subTitle"/>
+          </p:nvPr>
+        </p:nvSpPr>
+        <p:spPr>
+          <a:xfrm>
+            <a:off x="4268684" y="3097025"/>
+            <a:ext cx="4185300" cy="506100"/>
+          </a:xfrm>
+          <a:prstGeom prst="rect">
+            <a:avLst/>
+          </a:prstGeom>
+        </p:spPr>
+        <p:txBody>
+          <a:bodyPr anchorCtr="0" anchor="t" bIns="91425" lIns="91425" spcFirstLastPara="1" rIns="91425" wrap="square" tIns="91425">
+            <a:normAutofit/>
+          </a:bodyPr>
+          <a:lstStyle/>
+          <a:p>
+            <a:pPr indent="0" lvl="0" marL="0" rtl="0" algn="l">
+              <a:spcBef>
+                <a:spcPts val="0"/>
+              </a:spcBef>
+              <a:spcAft>
+                <a:spcPts val="0"/>
+              </a:spcAft>
+              <a:buNone/>
+            </a:pPr>
+            <a:r>
+              <a:rPr lang="en" sz="1800">
+                <a:solidFill>
+                  <a:schemeClr val="dk1"/>
+                </a:solidFill>
+              </a:rPr>
+              <a:t>Jon Doe</a:t>
+            </a:r>
+            <a:endParaRPr sz="1800">
+              <a:solidFill>
+                <a:schemeClr val="dk1"/>
+              </a:solidFill>
+            </a:endParaRPr>
+          </a:p>
+        </p:txBody>
+      </p:sp>
+      <p:pic>
+        <p:nvPicPr>
+          <p:cNvPr id="136" name="Google Shape;136;p13"/>
+          <p:cNvPicPr preferRelativeResize="0"/>
+          <p:nvPr/>
+        </p:nvPicPr>
+        <p:blipFill>
+          <a:blip r:embed="rId3">
+            <a:alphaModFix/>
+          </a:blip>
+          <a:stretch>
+            <a:fillRect/>
+          </a:stretch>
+        </p:blipFill>
+        <p:spPr>
+          <a:xfrm>
+            <a:off x="3537159" y="2942916"/>
+            <a:ext cx="731520" cy="694945"/>
+          </a:xfrm>
+          <a:prstGeom prst="rect">
+            <a:avLst/>
+          </a:prstGeom>
+          <a:noFill/>
+          <a:ln>
+            <a:noFill/>
+          </a:ln>
+        </p:spPr>
+      </p:pic>
       <p:grpSp>
         <p:nvGrpSpPr>
-          <p:cNvPr id="134" name="Google Shape;134;p13"/>
+          <p:cNvPr id="137" name="Google Shape;137;p13"/>
           <p:cNvGrpSpPr/>
           <p:nvPr/>
         </p:nvGrpSpPr>
         <p:grpSpPr>
           <a:xfrm>
-            <a:off x="5725125" y="4360470"/>
-            <a:ext cx="3229200" cy="654873"/>
-            <a:chOff x="5725125" y="4360470"/>
-            <a:chExt cx="3229200" cy="654873"/>
+            <a:off x="6139085" y="4391505"/>
+            <a:ext cx="2918815" cy="794724"/>
+            <a:chOff x="6139085" y="4391505"/>
+            <a:chExt cx="2918815" cy="794724"/>
           </a:xfrm>
         </p:grpSpPr>
         <p:sp>
           <p:nvSpPr>
-            <p:cNvPr id="135" name="Google Shape;135;p13"/>
+            <p:cNvPr id="138" name="Google Shape;138;p13"/>
             <p:cNvSpPr/>
             <p:nvPr/>
           </p:nvSpPr>
           <p:spPr>
             <a:xfrm>
-              <a:off x="5725125" y="4485300"/>
-              <a:ext cx="3229200" cy="405000"/>
+              <a:off x="6553200" y="4516345"/>
+              <a:ext cx="2504700" cy="405000"/>
             </a:xfrm>
             <a:prstGeom prst="roundRect">
               <a:avLst>
-                <a:gd name="adj" fmla="val 16667"/>
+                <a:gd fmla="val 16667" name="adj"/>
               </a:avLst>
             </a:prstGeom>
             <a:solidFill>
@@ -9313,50 +9507,12 @@
             </a:ln>
           </p:spPr>
           <p:txBody>
-            <a:bodyPr spcFirstLastPara="1" wrap="square" lIns="91425" tIns="91425" rIns="91425" bIns="91425" anchor="ctr" anchorCtr="0">
+            <a:bodyPr anchorCtr="0" anchor="ctr" bIns="91425" lIns="91425" spcFirstLastPara="1" rIns="91425" wrap="square" tIns="91425">
               <a:noAutofit/>
             </a:bodyPr>
             <a:lstStyle/>
             <a:p>
-              <a:pPr marL="0" lvl="0" indent="0" algn="l" rtl="0">
-                <a:spcBef>
-                  <a:spcPts val="0"/>
-                </a:spcBef>
-                <a:spcAft>
-                  <a:spcPts val="0"/>
-                </a:spcAft>
-                <a:buNone/>
-              </a:pPr>
-              <a:endParaRPr/>
-            </a:p>
-          </p:txBody>
-        </p:sp>
-        <p:sp>
-          <p:nvSpPr>
-            <p:cNvPr id="136" name="Google Shape;136;p13"/>
-            <p:cNvSpPr txBox="1"/>
-            <p:nvPr/>
-          </p:nvSpPr>
-          <p:spPr>
-            <a:xfrm>
-              <a:off x="5776875" y="4426200"/>
-              <a:ext cx="2338800" cy="523200"/>
-            </a:xfrm>
-            <a:prstGeom prst="rect">
-              <a:avLst/>
-            </a:prstGeom>
-            <a:noFill/>
-            <a:ln>
-              <a:noFill/>
-            </a:ln>
-          </p:spPr>
-          <p:txBody>
-            <a:bodyPr spcFirstLastPara="1" wrap="square" lIns="91425" tIns="91425" rIns="91425" bIns="91425" anchor="t" anchorCtr="0">
-              <a:spAutoFit/>
-            </a:bodyPr>
-            <a:lstStyle/>
-            <a:p>
-              <a:pPr marL="0" lvl="0" indent="0" algn="l" rtl="0">
+              <a:pPr indent="0" lvl="0" marL="0" rtl="0" algn="l">
                 <a:spcBef>
                   <a:spcPts val="0"/>
                 </a:spcBef>
@@ -9366,46 +9522,29 @@
                 <a:buNone/>
               </a:pPr>
               <a:r>
-                <a:rPr lang="en" sz="2200" b="1">
-                  <a:solidFill>
-                    <a:srgbClr val="FFFFFF"/>
-                  </a:solidFill>
-                  <a:latin typeface="Lato"/>
-                  <a:ea typeface="Lato"/>
-                  <a:cs typeface="Lato"/>
-                  <a:sym typeface="Lato"/>
-                </a:rPr>
-                <a:t>Orchard Harvest</a:t>
+                <a:t/>
               </a:r>
-              <a:endParaRPr sz="2200" b="1">
-                <a:solidFill>
-                  <a:srgbClr val="FFFFFF"/>
-                </a:solidFill>
-                <a:latin typeface="Lato"/>
-                <a:ea typeface="Lato"/>
-                <a:cs typeface="Lato"/>
-                <a:sym typeface="Lato"/>
-              </a:endParaRPr>
+              <a:endParaRPr/>
             </a:p>
           </p:txBody>
         </p:sp>
         <p:grpSp>
           <p:nvGrpSpPr>
-            <p:cNvPr id="137" name="Google Shape;137;p13"/>
+            <p:cNvPr id="139" name="Google Shape;139;p13"/>
             <p:cNvGrpSpPr/>
             <p:nvPr/>
           </p:nvGrpSpPr>
           <p:grpSpPr>
             <a:xfrm>
-              <a:off x="8057761" y="4360470"/>
-              <a:ext cx="710085" cy="654873"/>
-              <a:chOff x="6715900" y="4391718"/>
-              <a:chExt cx="935800" cy="935800"/>
+              <a:off x="8262877" y="4391505"/>
+              <a:ext cx="711956" cy="654873"/>
+              <a:chOff x="6754350" y="4391718"/>
+              <a:chExt cx="938266" cy="935800"/>
             </a:xfrm>
           </p:grpSpPr>
           <p:sp>
             <p:nvSpPr>
-              <p:cNvPr id="138" name="Google Shape;138;p13"/>
+              <p:cNvPr id="140" name="Google Shape;140;p13"/>
               <p:cNvSpPr/>
               <p:nvPr/>
             </p:nvSpPr>
@@ -9425,12 +9564,12 @@
               </a:ln>
             </p:spPr>
             <p:txBody>
-              <a:bodyPr spcFirstLastPara="1" wrap="square" lIns="91425" tIns="91425" rIns="91425" bIns="91425" anchor="ctr" anchorCtr="0">
+              <a:bodyPr anchorCtr="0" anchor="ctr" bIns="91425" lIns="91425" spcFirstLastPara="1" rIns="91425" wrap="square" tIns="91425">
                 <a:noAutofit/>
               </a:bodyPr>
               <a:lstStyle/>
               <a:p>
-                <a:pPr marL="0" lvl="0" indent="0" algn="l" rtl="0">
+                <a:pPr indent="0" lvl="0" marL="0" rtl="0" algn="l">
                   <a:spcBef>
                     <a:spcPts val="0"/>
                   </a:spcBef>
@@ -9439,18 +9578,21 @@
                   </a:spcAft>
                   <a:buNone/>
                 </a:pPr>
+                <a:r>
+                  <a:t/>
+                </a:r>
                 <a:endParaRPr/>
               </a:p>
             </p:txBody>
           </p:sp>
           <p:pic>
             <p:nvPicPr>
-              <p:cNvPr id="139" name="Google Shape;139;p13"/>
+              <p:cNvPr id="141" name="Google Shape;141;p13"/>
               <p:cNvPicPr preferRelativeResize="0"/>
               <p:nvPr/>
             </p:nvPicPr>
             <p:blipFill>
-              <a:blip r:embed="rId3">
+              <a:blip r:embed="rId4">
                 <a:alphaModFix/>
               </a:blip>
               <a:stretch>
@@ -9459,7 +9601,7 @@
             </p:blipFill>
             <p:spPr>
               <a:xfrm>
-                <a:off x="6715900" y="4391718"/>
+                <a:off x="6756816" y="4391718"/>
                 <a:ext cx="935800" cy="935800"/>
               </a:xfrm>
               <a:prstGeom prst="rect">
@@ -9472,446 +9614,166 @@
             </p:spPr>
           </p:pic>
         </p:grpSp>
-      </p:grpSp>
-      <p:sp>
-        <p:nvSpPr>
-          <p:cNvPr id="140" name="Google Shape;140;p13"/>
-          <p:cNvSpPr txBox="1">
-            <a:spLocks noGrp="1"/>
-          </p:cNvSpPr>
-          <p:nvPr>
-            <p:ph type="ctrTitle"/>
-          </p:nvPr>
-        </p:nvSpPr>
-        <p:spPr>
-          <a:xfrm>
-            <a:off x="3537150" y="1578400"/>
-            <a:ext cx="5017500" cy="1578900"/>
-          </a:xfrm>
-          <a:prstGeom prst="rect">
-            <a:avLst/>
-          </a:prstGeom>
-          <a:noFill/>
-        </p:spPr>
-        <p:txBody>
-          <a:bodyPr spcFirstLastPara="1" wrap="square" lIns="91425" tIns="91425" rIns="91425" bIns="91425" anchor="t" anchorCtr="0">
-            <a:normAutofit/>
-          </a:bodyPr>
-          <a:lstStyle/>
-          <a:p>
-            <a:pPr marL="0" lvl="0" indent="0" algn="l" rtl="0">
-              <a:spcBef>
-                <a:spcPts val="0"/>
-              </a:spcBef>
-              <a:spcAft>
-                <a:spcPts val="0"/>
-              </a:spcAft>
-              <a:buNone/>
-            </a:pPr>
-            <a:r>
-              <a:rPr lang="en" dirty="0">
+        <p:sp>
+          <p:nvSpPr>
+            <p:cNvPr id="142" name="Google Shape;142;p13"/>
+            <p:cNvSpPr txBox="1"/>
+            <p:nvPr/>
+          </p:nvSpPr>
+          <p:spPr>
+            <a:xfrm>
+              <a:off x="6573764" y="4519339"/>
+              <a:ext cx="1754700" cy="400200"/>
+            </a:xfrm>
+            <a:prstGeom prst="rect">
+              <a:avLst/>
+            </a:prstGeom>
+            <a:noFill/>
+            <a:ln>
+              <a:noFill/>
+            </a:ln>
+          </p:spPr>
+          <p:txBody>
+            <a:bodyPr anchorCtr="0" anchor="t" bIns="91425" lIns="91425" spcFirstLastPara="1" rIns="91425" wrap="square" tIns="91425">
+              <a:spAutoFit/>
+            </a:bodyPr>
+            <a:lstStyle/>
+            <a:p>
+              <a:pPr indent="0" lvl="0" marL="0" rtl="0" algn="ctr">
+                <a:spcBef>
+                  <a:spcPts val="0"/>
+                </a:spcBef>
+                <a:spcAft>
+                  <a:spcPts val="0"/>
+                </a:spcAft>
+                <a:buNone/>
+              </a:pPr>
+              <a:r>
+                <a:rPr lang="en">
+                  <a:solidFill>
+                    <a:srgbClr val="FFFFFF"/>
+                  </a:solidFill>
+                  <a:latin typeface="Montserrat SemiBold"/>
+                  <a:ea typeface="Montserrat SemiBold"/>
+                  <a:cs typeface="Montserrat SemiBold"/>
+                  <a:sym typeface="Montserrat SemiBold"/>
+                </a:rPr>
+                <a:t>Orchard Harvest</a:t>
+              </a:r>
+              <a:endParaRPr>
+                <a:solidFill>
+                  <a:srgbClr val="FFFFFF"/>
+                </a:solidFill>
+                <a:latin typeface="Montserrat SemiBold"/>
+                <a:ea typeface="Montserrat SemiBold"/>
+                <a:cs typeface="Montserrat SemiBold"/>
+                <a:sym typeface="Montserrat SemiBold"/>
+              </a:endParaRPr>
+            </a:p>
+          </p:txBody>
+        </p:sp>
+        <p:sp>
+          <p:nvSpPr>
+            <p:cNvPr id="143" name="Google Shape;143;p13"/>
+            <p:cNvSpPr txBox="1"/>
+            <p:nvPr/>
+          </p:nvSpPr>
+          <p:spPr>
+            <a:xfrm>
+              <a:off x="6139085" y="4847529"/>
+              <a:ext cx="2152500" cy="338700"/>
+            </a:xfrm>
+            <a:prstGeom prst="rect">
+              <a:avLst/>
+            </a:prstGeom>
+            <a:noFill/>
+            <a:ln>
+              <a:noFill/>
+            </a:ln>
+          </p:spPr>
+          <p:txBody>
+            <a:bodyPr anchorCtr="0" anchor="t" bIns="91425" lIns="91425" spcFirstLastPara="1" rIns="91425" wrap="square" tIns="91425">
+              <a:spAutoFit/>
+            </a:bodyPr>
+            <a:lstStyle/>
+            <a:p>
+              <a:pPr indent="0" lvl="0" marL="0" rtl="0" algn="r">
+                <a:spcBef>
+                  <a:spcPts val="0"/>
+                </a:spcBef>
+                <a:spcAft>
+                  <a:spcPts val="0"/>
+                </a:spcAft>
+                <a:buNone/>
+              </a:pPr>
+              <a:r>
+                <a:rPr b="1" lang="en" sz="1000">
+                  <a:solidFill>
+                    <a:srgbClr val="41B670"/>
+                  </a:solidFill>
+                  <a:latin typeface="Lato"/>
+                  <a:ea typeface="Lato"/>
+                  <a:cs typeface="Lato"/>
+                  <a:sym typeface="Lato"/>
+                </a:rPr>
+                <a:t>Conference 2023</a:t>
+              </a:r>
+              <a:endParaRPr b="1" sz="1000">
                 <a:solidFill>
                   <a:srgbClr val="41B670"/>
                 </a:solidFill>
-              </a:rPr>
-              <a:t>Session Title</a:t>
-            </a:r>
-            <a:endParaRPr dirty="0">
-              <a:solidFill>
-                <a:srgbClr val="41B670"/>
-              </a:solidFill>
-            </a:endParaRPr>
-          </a:p>
-        </p:txBody>
-      </p:sp>
-      <p:sp>
-        <p:nvSpPr>
-          <p:cNvPr id="141" name="Google Shape;141;p13"/>
-          <p:cNvSpPr txBox="1">
-            <a:spLocks noGrp="1"/>
-          </p:cNvSpPr>
-          <p:nvPr>
-            <p:ph type="subTitle" idx="1"/>
-          </p:nvPr>
-        </p:nvSpPr>
-        <p:spPr>
-          <a:xfrm>
-            <a:off x="4553370" y="3477738"/>
-            <a:ext cx="4185300" cy="506100"/>
-          </a:xfrm>
-          <a:prstGeom prst="rect">
-            <a:avLst/>
-          </a:prstGeom>
-        </p:spPr>
-        <p:txBody>
-          <a:bodyPr spcFirstLastPara="1" wrap="square" lIns="91425" tIns="91425" rIns="91425" bIns="91425" anchor="t" anchorCtr="0">
-            <a:normAutofit/>
-          </a:bodyPr>
-          <a:lstStyle/>
-          <a:p>
-            <a:pPr marL="0" lvl="0" indent="0" algn="l" rtl="0">
-              <a:spcBef>
-                <a:spcPts val="0"/>
-              </a:spcBef>
-              <a:spcAft>
-                <a:spcPts val="0"/>
-              </a:spcAft>
-              <a:buNone/>
-            </a:pPr>
-            <a:r>
-              <a:rPr lang="en" sz="1800" dirty="0">
-                <a:solidFill>
-                  <a:schemeClr val="dk1"/>
-                </a:solidFill>
-              </a:rPr>
-              <a:t>Jon Doe</a:t>
-            </a:r>
-            <a:endParaRPr sz="1800" dirty="0">
-              <a:solidFill>
-                <a:schemeClr val="dk1"/>
-              </a:solidFill>
-            </a:endParaRPr>
-          </a:p>
-        </p:txBody>
-      </p:sp>
-      <p:pic>
-        <p:nvPicPr>
-          <p:cNvPr id="142" name="Google Shape;142;p13"/>
-          <p:cNvPicPr preferRelativeResize="0"/>
-          <p:nvPr/>
-        </p:nvPicPr>
-        <p:blipFill>
-          <a:blip r:embed="rId4">
-            <a:alphaModFix/>
-          </a:blip>
-          <a:stretch>
-            <a:fillRect/>
-          </a:stretch>
-        </p:blipFill>
-        <p:spPr>
-          <a:xfrm>
-            <a:off x="3451920" y="3094251"/>
-            <a:ext cx="1174375" cy="1148876"/>
-          </a:xfrm>
-          <a:prstGeom prst="rect">
-            <a:avLst/>
-          </a:prstGeom>
-          <a:noFill/>
-          <a:ln>
-            <a:noFill/>
-          </a:ln>
-        </p:spPr>
-      </p:pic>
-      <p:sp>
-        <p:nvSpPr>
-          <p:cNvPr id="4" name="Google Shape;296;p24">
-            <a:extLst>
-              <a:ext uri="{FF2B5EF4-FFF2-40B4-BE49-F238E27FC236}">
-                <a16:creationId xmlns:a16="http://schemas.microsoft.com/office/drawing/2014/main" id="{B5F4F464-EBEE-557A-9846-D9086F852107}"/>
-              </a:ext>
-            </a:extLst>
-          </p:cNvPr>
-          <p:cNvSpPr txBox="1">
-            <a:spLocks/>
-          </p:cNvSpPr>
-          <p:nvPr/>
-        </p:nvSpPr>
-        <p:spPr>
-          <a:xfrm>
-            <a:off x="5022649" y="309926"/>
-            <a:ext cx="3931676" cy="1081748"/>
-          </a:xfrm>
-          <a:prstGeom prst="rect">
-            <a:avLst/>
-          </a:prstGeom>
-          <a:noFill/>
-          <a:ln>
-            <a:noFill/>
-          </a:ln>
-        </p:spPr>
-        <p:txBody>
-          <a:bodyPr spcFirstLastPara="1" wrap="square" lIns="91425" tIns="91425" rIns="91425" bIns="91425" anchor="t" anchorCtr="0">
-            <a:normAutofit/>
-          </a:bodyPr>
-          <a:lstStyle>
-            <a:defPPr marR="0" lvl="0" algn="l" rtl="0">
-              <a:lnSpc>
-                <a:spcPct val="100000"/>
-              </a:lnSpc>
-              <a:spcBef>
-                <a:spcPts val="0"/>
-              </a:spcBef>
-              <a:spcAft>
-                <a:spcPts val="0"/>
-              </a:spcAft>
-            </a:defPPr>
-            <a:lvl1pPr marR="0" lvl="0" algn="l" rtl="0">
-              <a:lnSpc>
-                <a:spcPct val="100000"/>
-              </a:lnSpc>
-              <a:spcBef>
-                <a:spcPts val="0"/>
-              </a:spcBef>
-              <a:spcAft>
-                <a:spcPts val="0"/>
-              </a:spcAft>
-              <a:buClr>
-                <a:schemeClr val="lt1"/>
-              </a:buClr>
-              <a:buSzPts val="2800"/>
-              <a:buFont typeface="Montserrat"/>
-              <a:buNone/>
-              <a:defRPr sz="2800" b="0" i="0" u="none" strike="noStrike" cap="none">
-                <a:solidFill>
-                  <a:schemeClr val="lt1"/>
-                </a:solidFill>
-                <a:latin typeface="Montserrat"/>
-                <a:ea typeface="Montserrat"/>
-                <a:cs typeface="Montserrat"/>
-                <a:sym typeface="Montserrat"/>
-              </a:defRPr>
-            </a:lvl1pPr>
-            <a:lvl2pPr marR="0" lvl="1" algn="l" rtl="0">
-              <a:lnSpc>
-                <a:spcPct val="100000"/>
-              </a:lnSpc>
-              <a:spcBef>
-                <a:spcPts val="0"/>
-              </a:spcBef>
-              <a:spcAft>
-                <a:spcPts val="0"/>
-              </a:spcAft>
-              <a:buClr>
-                <a:schemeClr val="lt1"/>
-              </a:buClr>
-              <a:buSzPts val="2800"/>
-              <a:buFont typeface="Montserrat"/>
-              <a:buNone/>
-              <a:defRPr sz="2800" b="0" i="0" u="none" strike="noStrike" cap="none">
-                <a:solidFill>
-                  <a:schemeClr val="lt1"/>
-                </a:solidFill>
-                <a:latin typeface="Montserrat"/>
-                <a:ea typeface="Montserrat"/>
-                <a:cs typeface="Montserrat"/>
-                <a:sym typeface="Montserrat"/>
-              </a:defRPr>
-            </a:lvl2pPr>
-            <a:lvl3pPr marR="0" lvl="2" algn="l" rtl="0">
-              <a:lnSpc>
-                <a:spcPct val="100000"/>
-              </a:lnSpc>
-              <a:spcBef>
-                <a:spcPts val="0"/>
-              </a:spcBef>
-              <a:spcAft>
-                <a:spcPts val="0"/>
-              </a:spcAft>
-              <a:buClr>
-                <a:schemeClr val="lt1"/>
-              </a:buClr>
-              <a:buSzPts val="2800"/>
-              <a:buFont typeface="Montserrat"/>
-              <a:buNone/>
-              <a:defRPr sz="2800" b="0" i="0" u="none" strike="noStrike" cap="none">
-                <a:solidFill>
-                  <a:schemeClr val="lt1"/>
-                </a:solidFill>
-                <a:latin typeface="Montserrat"/>
-                <a:ea typeface="Montserrat"/>
-                <a:cs typeface="Montserrat"/>
-                <a:sym typeface="Montserrat"/>
-              </a:defRPr>
-            </a:lvl3pPr>
-            <a:lvl4pPr marR="0" lvl="3" algn="l" rtl="0">
-              <a:lnSpc>
-                <a:spcPct val="100000"/>
-              </a:lnSpc>
-              <a:spcBef>
-                <a:spcPts val="0"/>
-              </a:spcBef>
-              <a:spcAft>
-                <a:spcPts val="0"/>
-              </a:spcAft>
-              <a:buClr>
-                <a:schemeClr val="lt1"/>
-              </a:buClr>
-              <a:buSzPts val="2800"/>
-              <a:buFont typeface="Montserrat"/>
-              <a:buNone/>
-              <a:defRPr sz="2800" b="0" i="0" u="none" strike="noStrike" cap="none">
-                <a:solidFill>
-                  <a:schemeClr val="lt1"/>
-                </a:solidFill>
-                <a:latin typeface="Montserrat"/>
-                <a:ea typeface="Montserrat"/>
-                <a:cs typeface="Montserrat"/>
-                <a:sym typeface="Montserrat"/>
-              </a:defRPr>
-            </a:lvl4pPr>
-            <a:lvl5pPr marR="0" lvl="4" algn="l" rtl="0">
-              <a:lnSpc>
-                <a:spcPct val="100000"/>
-              </a:lnSpc>
-              <a:spcBef>
-                <a:spcPts val="0"/>
-              </a:spcBef>
-              <a:spcAft>
-                <a:spcPts val="0"/>
-              </a:spcAft>
-              <a:buClr>
-                <a:schemeClr val="lt1"/>
-              </a:buClr>
-              <a:buSzPts val="2800"/>
-              <a:buFont typeface="Montserrat"/>
-              <a:buNone/>
-              <a:defRPr sz="2800" b="0" i="0" u="none" strike="noStrike" cap="none">
-                <a:solidFill>
-                  <a:schemeClr val="lt1"/>
-                </a:solidFill>
-                <a:latin typeface="Montserrat"/>
-                <a:ea typeface="Montserrat"/>
-                <a:cs typeface="Montserrat"/>
-                <a:sym typeface="Montserrat"/>
-              </a:defRPr>
-            </a:lvl5pPr>
-            <a:lvl6pPr marR="0" lvl="5" algn="l" rtl="0">
-              <a:lnSpc>
-                <a:spcPct val="100000"/>
-              </a:lnSpc>
-              <a:spcBef>
-                <a:spcPts val="0"/>
-              </a:spcBef>
-              <a:spcAft>
-                <a:spcPts val="0"/>
-              </a:spcAft>
-              <a:buClr>
-                <a:schemeClr val="lt1"/>
-              </a:buClr>
-              <a:buSzPts val="2800"/>
-              <a:buFont typeface="Montserrat"/>
-              <a:buNone/>
-              <a:defRPr sz="2800" b="0" i="0" u="none" strike="noStrike" cap="none">
-                <a:solidFill>
-                  <a:schemeClr val="lt1"/>
-                </a:solidFill>
-                <a:latin typeface="Montserrat"/>
-                <a:ea typeface="Montserrat"/>
-                <a:cs typeface="Montserrat"/>
-                <a:sym typeface="Montserrat"/>
-              </a:defRPr>
-            </a:lvl6pPr>
-            <a:lvl7pPr marR="0" lvl="6" algn="l" rtl="0">
-              <a:lnSpc>
-                <a:spcPct val="100000"/>
-              </a:lnSpc>
-              <a:spcBef>
-                <a:spcPts val="0"/>
-              </a:spcBef>
-              <a:spcAft>
-                <a:spcPts val="0"/>
-              </a:spcAft>
-              <a:buClr>
-                <a:schemeClr val="lt1"/>
-              </a:buClr>
-              <a:buSzPts val="2800"/>
-              <a:buFont typeface="Montserrat"/>
-              <a:buNone/>
-              <a:defRPr sz="2800" b="0" i="0" u="none" strike="noStrike" cap="none">
-                <a:solidFill>
-                  <a:schemeClr val="lt1"/>
-                </a:solidFill>
-                <a:latin typeface="Montserrat"/>
-                <a:ea typeface="Montserrat"/>
-                <a:cs typeface="Montserrat"/>
-                <a:sym typeface="Montserrat"/>
-              </a:defRPr>
-            </a:lvl7pPr>
-            <a:lvl8pPr marR="0" lvl="7" algn="l" rtl="0">
-              <a:lnSpc>
-                <a:spcPct val="100000"/>
-              </a:lnSpc>
-              <a:spcBef>
-                <a:spcPts val="0"/>
-              </a:spcBef>
-              <a:spcAft>
-                <a:spcPts val="0"/>
-              </a:spcAft>
-              <a:buClr>
-                <a:schemeClr val="lt1"/>
-              </a:buClr>
-              <a:buSzPts val="2800"/>
-              <a:buFont typeface="Montserrat"/>
-              <a:buNone/>
-              <a:defRPr sz="2800" b="0" i="0" u="none" strike="noStrike" cap="none">
-                <a:solidFill>
-                  <a:schemeClr val="lt1"/>
-                </a:solidFill>
-                <a:latin typeface="Montserrat"/>
-                <a:ea typeface="Montserrat"/>
-                <a:cs typeface="Montserrat"/>
-                <a:sym typeface="Montserrat"/>
-              </a:defRPr>
-            </a:lvl8pPr>
-            <a:lvl9pPr marR="0" lvl="8" algn="l" rtl="0">
-              <a:lnSpc>
-                <a:spcPct val="100000"/>
-              </a:lnSpc>
-              <a:spcBef>
-                <a:spcPts val="0"/>
-              </a:spcBef>
-              <a:spcAft>
-                <a:spcPts val="0"/>
-              </a:spcAft>
-              <a:buClr>
-                <a:schemeClr val="lt1"/>
-              </a:buClr>
-              <a:buSzPts val="2800"/>
-              <a:buFont typeface="Montserrat"/>
-              <a:buNone/>
-              <a:defRPr sz="2800" b="0" i="0" u="none" strike="noStrike" cap="none">
-                <a:solidFill>
-                  <a:schemeClr val="lt1"/>
-                </a:solidFill>
-                <a:latin typeface="Montserrat"/>
-                <a:ea typeface="Montserrat"/>
-                <a:cs typeface="Montserrat"/>
-                <a:sym typeface="Montserrat"/>
-              </a:defRPr>
-            </a:lvl9pPr>
-          </a:lstStyle>
-          <a:p>
-            <a:pPr algn="r">
-              <a:buSzPts val="990"/>
-            </a:pPr>
-            <a:r>
-              <a:rPr lang="hu-HU" sz="2600" b="1">
-                <a:solidFill>
-                  <a:srgbClr val="41B670"/>
-                </a:solidFill>
-              </a:rPr>
-              <a:t>ORCHARD HARVEST</a:t>
-            </a:r>
-            <a:r>
-              <a:rPr lang="hu-HU" sz="2600"/>
-              <a:t>     </a:t>
-            </a:r>
-            <a:r>
-              <a:rPr lang="hu-HU" sz="2600">
-                <a:solidFill>
-                  <a:schemeClr val="dk1"/>
-                </a:solidFill>
-              </a:rPr>
-              <a:t>Conference 2003</a:t>
-            </a:r>
-            <a:endParaRPr lang="hu-HU" sz="2600" dirty="0">
-              <a:solidFill>
-                <a:schemeClr val="dk1"/>
-              </a:solidFill>
-            </a:endParaRPr>
-          </a:p>
-        </p:txBody>
-      </p:sp>
+                <a:latin typeface="Lato"/>
+                <a:ea typeface="Lato"/>
+                <a:cs typeface="Lato"/>
+                <a:sym typeface="Lato"/>
+              </a:endParaRPr>
+            </a:p>
+          </p:txBody>
+        </p:sp>
+        <p:sp>
+          <p:nvSpPr>
+            <p:cNvPr id="144" name="Google Shape;144;p13"/>
+            <p:cNvSpPr/>
+            <p:nvPr/>
+          </p:nvSpPr>
+          <p:spPr>
+            <a:xfrm>
+              <a:off x="8229600" y="4627502"/>
+              <a:ext cx="76200" cy="228600"/>
+            </a:xfrm>
+            <a:prstGeom prst="rect">
+              <a:avLst/>
+            </a:prstGeom>
+            <a:solidFill>
+              <a:srgbClr val="41B670"/>
+            </a:solidFill>
+            <a:ln>
+              <a:noFill/>
+            </a:ln>
+          </p:spPr>
+          <p:txBody>
+            <a:bodyPr anchorCtr="0" anchor="ctr" bIns="91425" lIns="91425" spcFirstLastPara="1" rIns="91425" wrap="square" tIns="91425">
+              <a:noAutofit/>
+            </a:bodyPr>
+            <a:lstStyle/>
+            <a:p>
+              <a:pPr indent="0" lvl="0" marL="0" rtl="0" algn="l">
+                <a:spcBef>
+                  <a:spcPts val="0"/>
+                </a:spcBef>
+                <a:spcAft>
+                  <a:spcPts val="0"/>
+                </a:spcAft>
+                <a:buNone/>
+              </a:pPr>
+              <a:r>
+                <a:t/>
+              </a:r>
+              <a:endParaRPr/>
+            </a:p>
+          </p:txBody>
+        </p:sp>
+      </p:grpSp>
     </p:spTree>
   </p:cSld>
   <p:clrMapOvr>
@@ -9921,11 +9783,11 @@
 </file>
 
 <file path=ppt/slides/slide2.xml><?xml version="1.0" encoding="utf-8"?>
-<p:sld xmlns:a="http://schemas.openxmlformats.org/drawingml/2006/main" xmlns:r="http://schemas.openxmlformats.org/officeDocument/2006/relationships" xmlns:p="http://schemas.openxmlformats.org/presentationml/2006/main">
+<p:sld xmlns:a="http://schemas.openxmlformats.org/drawingml/2006/main" xmlns:r="http://schemas.openxmlformats.org/officeDocument/2006/relationships" xmlns:mc="http://schemas.openxmlformats.org/markup-compatibility/2006" xmlns:mv="urn:schemas-microsoft-com:mac:vml" xmlns:p="http://schemas.openxmlformats.org/presentationml/2006/main" xmlns:c="http://schemas.openxmlformats.org/drawingml/2006/chart" xmlns:dgm="http://schemas.openxmlformats.org/drawingml/2006/diagram" xmlns:o="urn:schemas-microsoft-com:office:office" xmlns:v="urn:schemas-microsoft-com:vml" xmlns:pvml="urn:schemas-microsoft-com:office:powerpoint" xmlns:com="http://schemas.openxmlformats.org/drawingml/2006/compatibility" xmlns:p14="http://schemas.microsoft.com/office/powerpoint/2010/main" xmlns:p15="http://schemas.microsoft.com/office/powerpoint/2012/main" xmlns:ahyp="http://schemas.microsoft.com/office/drawing/2018/hyperlinkcolor">
   <p:cSld>
     <p:spTree>
       <p:nvGrpSpPr>
-        <p:cNvPr id="1" name="Shape 287"/>
+        <p:cNvPr id="148" name="Shape 148"/>
         <p:cNvGrpSpPr/>
         <p:nvPr/>
       </p:nvGrpSpPr>
@@ -9939,10 +9801,8 @@
       </p:grpSpPr>
       <p:sp>
         <p:nvSpPr>
-          <p:cNvPr id="288" name="Google Shape;288;p24"/>
-          <p:cNvSpPr txBox="1">
-            <a:spLocks noGrp="1"/>
-          </p:cNvSpPr>
+          <p:cNvPr id="149" name="Google Shape;149;p14"/>
+          <p:cNvSpPr txBox="1"/>
           <p:nvPr>
             <p:ph type="title"/>
           </p:nvPr>
@@ -9950,19 +9810,19 @@
         <p:spPr>
           <a:xfrm>
             <a:off x="1297500" y="393750"/>
-            <a:ext cx="4003370" cy="914100"/>
+            <a:ext cx="7038900" cy="914100"/>
           </a:xfrm>
           <a:prstGeom prst="rect">
             <a:avLst/>
           </a:prstGeom>
         </p:spPr>
         <p:txBody>
-          <a:bodyPr spcFirstLastPara="1" wrap="square" lIns="91425" tIns="91425" rIns="91425" bIns="91425" anchor="t" anchorCtr="0">
-            <a:noAutofit/>
+          <a:bodyPr anchorCtr="0" anchor="t" bIns="91425" lIns="91425" spcFirstLastPara="1" rIns="91425" wrap="square" tIns="91425">
+            <a:normAutofit/>
           </a:bodyPr>
           <a:lstStyle/>
           <a:p>
-            <a:pPr marL="0" lvl="0" indent="0" algn="l" rtl="0">
+            <a:pPr indent="0" lvl="0" marL="0" rtl="0" algn="l">
               <a:spcBef>
                 <a:spcPts val="0"/>
               </a:spcBef>
@@ -9972,10 +9832,10 @@
               <a:buNone/>
             </a:pPr>
             <a:r>
-              <a:rPr lang="en-US" dirty="0"/>
-              <a:t>Slide Title</a:t>
+              <a:rPr lang="en"/>
+              <a:t>About Me</a:t>
             </a:r>
-            <a:endParaRPr dirty="0">
+            <a:endParaRPr>
               <a:solidFill>
                 <a:schemeClr val="dk1"/>
               </a:solidFill>
@@ -9985,90 +9845,76 @@
       </p:sp>
       <p:sp>
         <p:nvSpPr>
-          <p:cNvPr id="289" name="Google Shape;289;p24"/>
-          <p:cNvSpPr txBox="1">
-            <a:spLocks noGrp="1"/>
-          </p:cNvSpPr>
+          <p:cNvPr id="150" name="Google Shape;150;p14"/>
+          <p:cNvSpPr txBox="1"/>
           <p:nvPr>
-            <p:ph type="body" idx="1"/>
+            <p:ph idx="1" type="body"/>
           </p:nvPr>
         </p:nvSpPr>
         <p:spPr>
           <a:xfrm>
             <a:off x="1297500" y="1567550"/>
-            <a:ext cx="7563300" cy="2911200"/>
+            <a:ext cx="7038900" cy="2911200"/>
           </a:xfrm>
           <a:prstGeom prst="rect">
             <a:avLst/>
           </a:prstGeom>
         </p:spPr>
         <p:txBody>
-          <a:bodyPr spcFirstLastPara="1" wrap="square" lIns="91425" tIns="91425" rIns="91425" bIns="91425" anchor="t" anchorCtr="0">
+          <a:bodyPr anchorCtr="0" anchor="t" bIns="91425" lIns="91425" spcFirstLastPara="1" rIns="91425" wrap="square" tIns="91425">
             <a:normAutofit/>
           </a:bodyPr>
           <a:lstStyle/>
           <a:p>
-            <a:pPr marL="457200" lvl="0" indent="-317500" algn="l" rtl="0">
-              <a:lnSpc>
-                <a:spcPct val="150000"/>
-              </a:lnSpc>
-              <a:spcBef>
-                <a:spcPts val="0"/>
-              </a:spcBef>
-              <a:spcAft>
-                <a:spcPts val="0"/>
-              </a:spcAft>
-              <a:buClr>
-                <a:srgbClr val="41B670"/>
-              </a:buClr>
-              <a:buSzPts val="1400"/>
-              <a:buChar char="●"/>
+            <a:pPr indent="0" lvl="0" marL="0" rtl="0" algn="l">
+              <a:spcBef>
+                <a:spcPts val="0"/>
+              </a:spcBef>
+              <a:spcAft>
+                <a:spcPts val="0"/>
+              </a:spcAft>
+              <a:buNone/>
             </a:pPr>
             <a:r>
-              <a:rPr lang="en-US" sz="2000" dirty="0">
+              <a:rPr b="1" lang="en" sz="1600">
+                <a:solidFill>
+                  <a:srgbClr val="41B670"/>
+                </a:solidFill>
+              </a:rPr>
+              <a:t>JON DOE</a:t>
+            </a:r>
+            <a:endParaRPr b="1" sz="1600">
+              <a:solidFill>
+                <a:srgbClr val="41B670"/>
+              </a:solidFill>
+            </a:endParaRPr>
+          </a:p>
+          <a:p>
+            <a:pPr indent="0" lvl="0" marL="0" rtl="0" algn="l">
+              <a:spcBef>
+                <a:spcPts val="1200"/>
+              </a:spcBef>
+              <a:spcAft>
+                <a:spcPts val="0"/>
+              </a:spcAft>
+              <a:buNone/>
+            </a:pPr>
+            <a:r>
+              <a:rPr lang="en" sz="1600">
                 <a:solidFill>
                   <a:schemeClr val="dk1"/>
                 </a:solidFill>
               </a:rPr>
-              <a:t>Talking point 1</a:t>
+              <a:t>Job Title</a:t>
             </a:r>
-          </a:p>
-          <a:p>
-            <a:pPr marL="457200" lvl="0" indent="-317500" algn="l" rtl="0">
-              <a:lnSpc>
-                <a:spcPct val="150000"/>
-              </a:lnSpc>
-              <a:spcBef>
-                <a:spcPts val="0"/>
-              </a:spcBef>
-              <a:spcAft>
-                <a:spcPts val="0"/>
-              </a:spcAft>
-              <a:buClr>
-                <a:srgbClr val="41B670"/>
-              </a:buClr>
-              <a:buSzPts val="1400"/>
-              <a:buChar char="●"/>
-            </a:pPr>
-            <a:r>
-              <a:rPr lang="en-US" sz="2000" dirty="0">
-                <a:solidFill>
-                  <a:schemeClr val="dk1"/>
-                </a:solidFill>
-              </a:rPr>
-              <a:t>Talking point 2</a:t>
-            </a:r>
-            <a:endParaRPr sz="2000" dirty="0">
+            <a:endParaRPr sz="1600">
               <a:solidFill>
                 <a:schemeClr val="dk1"/>
               </a:solidFill>
             </a:endParaRPr>
           </a:p>
           <a:p>
-            <a:pPr marL="0" lvl="0" indent="0" algn="l" rtl="0">
-              <a:lnSpc>
-                <a:spcPct val="150000"/>
-              </a:lnSpc>
+            <a:pPr indent="0" lvl="0" marL="0" rtl="0" algn="l">
               <a:spcBef>
                 <a:spcPts val="1200"/>
               </a:spcBef>
@@ -10077,26 +9923,125 @@
               </a:spcAft>
               <a:buNone/>
             </a:pPr>
-            <a:endParaRPr sz="2000" dirty="0">
+            <a:r>
+              <a:t/>
+            </a:r>
+            <a:endParaRPr b="1" sz="1600">
               <a:solidFill>
                 <a:schemeClr val="dk1"/>
               </a:solidFill>
             </a:endParaRPr>
           </a:p>
           <a:p>
-            <a:pPr marL="0" lvl="0" indent="0" algn="l" rtl="0">
-              <a:lnSpc>
-                <a:spcPct val="150000"/>
-              </a:lnSpc>
+            <a:pPr indent="0" lvl="0" marL="0" rtl="0" algn="l">
               <a:spcBef>
                 <a:spcPts val="1200"/>
               </a:spcBef>
               <a:spcAft>
+                <a:spcPts val="0"/>
+              </a:spcAft>
+              <a:buNone/>
+            </a:pPr>
+            <a:r>
+              <a:t/>
+            </a:r>
+            <a:endParaRPr b="1" sz="1600">
+              <a:solidFill>
+                <a:schemeClr val="dk1"/>
+              </a:solidFill>
+            </a:endParaRPr>
+          </a:p>
+          <a:p>
+            <a:pPr indent="0" lvl="0" marL="0" rtl="0" algn="l">
+              <a:spcBef>
                 <a:spcPts val="1200"/>
+              </a:spcBef>
+              <a:spcAft>
+                <a:spcPts val="0"/>
               </a:spcAft>
               <a:buNone/>
             </a:pPr>
-            <a:endParaRPr sz="2000" dirty="0">
+            <a:r>
+              <a:rPr b="1" lang="en">
+                <a:solidFill>
+                  <a:schemeClr val="dk1"/>
+                </a:solidFill>
+              </a:rPr>
+              <a:t>Website:</a:t>
+            </a:r>
+            <a:r>
+              <a:rPr lang="en">
+                <a:solidFill>
+                  <a:schemeClr val="dk1"/>
+                </a:solidFill>
+              </a:rPr>
+              <a:t> http://www.jdoe.com</a:t>
+            </a:r>
+            <a:endParaRPr>
+              <a:solidFill>
+                <a:schemeClr val="dk1"/>
+              </a:solidFill>
+            </a:endParaRPr>
+          </a:p>
+          <a:p>
+            <a:pPr indent="0" lvl="0" marL="0" rtl="0" algn="l">
+              <a:spcBef>
+                <a:spcPts val="1200"/>
+              </a:spcBef>
+              <a:spcAft>
+                <a:spcPts val="0"/>
+              </a:spcAft>
+              <a:buNone/>
+            </a:pPr>
+            <a:r>
+              <a:rPr b="1" lang="en">
+                <a:solidFill>
+                  <a:schemeClr val="dk1"/>
+                </a:solidFill>
+              </a:rPr>
+              <a:t>GitHub:</a:t>
+            </a:r>
+            <a:r>
+              <a:rPr lang="en">
+                <a:solidFill>
+                  <a:schemeClr val="dk1"/>
+                </a:solidFill>
+              </a:rPr>
+              <a:t> https://www.github.com/jdoe</a:t>
+            </a:r>
+            <a:endParaRPr>
+              <a:solidFill>
+                <a:schemeClr val="dk1"/>
+              </a:solidFill>
+            </a:endParaRPr>
+          </a:p>
+          <a:p>
+            <a:pPr indent="0" lvl="0" marL="0" rtl="0" algn="l">
+              <a:spcBef>
+                <a:spcPts val="1200"/>
+              </a:spcBef>
+              <a:spcAft>
+                <a:spcPts val="1200"/>
+              </a:spcAft>
+              <a:buNone/>
+            </a:pPr>
+            <a:r>
+              <a:rPr b="1" lang="en">
+                <a:solidFill>
+                  <a:schemeClr val="dk1"/>
+                </a:solidFill>
+              </a:rPr>
+              <a:t>Twitter:</a:t>
+            </a:r>
+            <a:r>
+              <a:rPr lang="en">
+                <a:solidFill>
+                  <a:schemeClr val="dk1"/>
+                </a:solidFill>
+              </a:rPr>
+              <a:t> https://www.twitter.com/jdoe</a:t>
+            </a:r>
+            <a:endParaRPr>
               <a:solidFill>
                 <a:schemeClr val="dk1"/>
               </a:solidFill>
@@ -10106,32 +10051,32 @@
       </p:sp>
       <p:grpSp>
         <p:nvGrpSpPr>
-          <p:cNvPr id="290" name="Google Shape;290;p24"/>
+          <p:cNvPr id="151" name="Google Shape;151;p14"/>
           <p:cNvGrpSpPr/>
           <p:nvPr/>
         </p:nvGrpSpPr>
         <p:grpSpPr>
           <a:xfrm>
-            <a:off x="5725125" y="4360470"/>
-            <a:ext cx="3229200" cy="654873"/>
-            <a:chOff x="5725125" y="4360470"/>
-            <a:chExt cx="3229200" cy="654873"/>
+            <a:off x="6139085" y="4391505"/>
+            <a:ext cx="2918815" cy="794724"/>
+            <a:chOff x="6139085" y="4391505"/>
+            <a:chExt cx="2918815" cy="794724"/>
           </a:xfrm>
         </p:grpSpPr>
         <p:sp>
           <p:nvSpPr>
-            <p:cNvPr id="291" name="Google Shape;291;p24"/>
+            <p:cNvPr id="152" name="Google Shape;152;p14"/>
             <p:cNvSpPr/>
             <p:nvPr/>
           </p:nvSpPr>
           <p:spPr>
             <a:xfrm>
-              <a:off x="5725125" y="4485300"/>
-              <a:ext cx="3229200" cy="405000"/>
+              <a:off x="6553200" y="4516345"/>
+              <a:ext cx="2504700" cy="405000"/>
             </a:xfrm>
             <a:prstGeom prst="roundRect">
               <a:avLst>
-                <a:gd name="adj" fmla="val 16667"/>
+                <a:gd fmla="val 16667" name="adj"/>
               </a:avLst>
             </a:prstGeom>
             <a:solidFill>
@@ -10142,50 +10087,12 @@
             </a:ln>
           </p:spPr>
           <p:txBody>
-            <a:bodyPr spcFirstLastPara="1" wrap="square" lIns="91425" tIns="91425" rIns="91425" bIns="91425" anchor="ctr" anchorCtr="0">
+            <a:bodyPr anchorCtr="0" anchor="ctr" bIns="91425" lIns="91425" spcFirstLastPara="1" rIns="91425" wrap="square" tIns="91425">
               <a:noAutofit/>
             </a:bodyPr>
             <a:lstStyle/>
             <a:p>
-              <a:pPr marL="0" lvl="0" indent="0" algn="l" rtl="0">
-                <a:spcBef>
-                  <a:spcPts val="0"/>
-                </a:spcBef>
-                <a:spcAft>
-                  <a:spcPts val="0"/>
-                </a:spcAft>
-                <a:buNone/>
-              </a:pPr>
-              <a:endParaRPr/>
-            </a:p>
-          </p:txBody>
-        </p:sp>
-        <p:sp>
-          <p:nvSpPr>
-            <p:cNvPr id="292" name="Google Shape;292;p24"/>
-            <p:cNvSpPr txBox="1"/>
-            <p:nvPr/>
-          </p:nvSpPr>
-          <p:spPr>
-            <a:xfrm>
-              <a:off x="5776875" y="4426200"/>
-              <a:ext cx="2338800" cy="523200"/>
-            </a:xfrm>
-            <a:prstGeom prst="rect">
-              <a:avLst/>
-            </a:prstGeom>
-            <a:noFill/>
-            <a:ln>
-              <a:noFill/>
-            </a:ln>
-          </p:spPr>
-          <p:txBody>
-            <a:bodyPr spcFirstLastPara="1" wrap="square" lIns="91425" tIns="91425" rIns="91425" bIns="91425" anchor="t" anchorCtr="0">
-              <a:spAutoFit/>
-            </a:bodyPr>
-            <a:lstStyle/>
-            <a:p>
-              <a:pPr marL="0" lvl="0" indent="0" algn="l" rtl="0">
+              <a:pPr indent="0" lvl="0" marL="0" rtl="0" algn="l">
                 <a:spcBef>
                   <a:spcPts val="0"/>
                 </a:spcBef>
@@ -10195,46 +10102,29 @@
                 <a:buNone/>
               </a:pPr>
               <a:r>
-                <a:rPr lang="en" sz="2200" b="1">
-                  <a:solidFill>
-                    <a:srgbClr val="FFFFFF"/>
-                  </a:solidFill>
-                  <a:latin typeface="Lato"/>
-                  <a:ea typeface="Lato"/>
-                  <a:cs typeface="Lato"/>
-                  <a:sym typeface="Lato"/>
-                </a:rPr>
-                <a:t>Orchard Harvest</a:t>
+                <a:t/>
               </a:r>
-              <a:endParaRPr sz="2200" b="1">
-                <a:solidFill>
-                  <a:srgbClr val="FFFFFF"/>
-                </a:solidFill>
-                <a:latin typeface="Lato"/>
-                <a:ea typeface="Lato"/>
-                <a:cs typeface="Lato"/>
-                <a:sym typeface="Lato"/>
-              </a:endParaRPr>
+              <a:endParaRPr/>
             </a:p>
           </p:txBody>
         </p:sp>
         <p:grpSp>
           <p:nvGrpSpPr>
-            <p:cNvPr id="293" name="Google Shape;293;p24"/>
+            <p:cNvPr id="153" name="Google Shape;153;p14"/>
             <p:cNvGrpSpPr/>
             <p:nvPr/>
           </p:nvGrpSpPr>
           <p:grpSpPr>
             <a:xfrm>
-              <a:off x="8057761" y="4360470"/>
-              <a:ext cx="710085" cy="654873"/>
-              <a:chOff x="6715900" y="4391718"/>
-              <a:chExt cx="935800" cy="935800"/>
+              <a:off x="8262877" y="4391505"/>
+              <a:ext cx="711956" cy="654873"/>
+              <a:chOff x="6754350" y="4391718"/>
+              <a:chExt cx="938266" cy="935800"/>
             </a:xfrm>
           </p:grpSpPr>
           <p:sp>
             <p:nvSpPr>
-              <p:cNvPr id="294" name="Google Shape;294;p24"/>
+              <p:cNvPr id="154" name="Google Shape;154;p14"/>
               <p:cNvSpPr/>
               <p:nvPr/>
             </p:nvSpPr>
@@ -10254,12 +10144,12 @@
               </a:ln>
             </p:spPr>
             <p:txBody>
-              <a:bodyPr spcFirstLastPara="1" wrap="square" lIns="91425" tIns="91425" rIns="91425" bIns="91425" anchor="ctr" anchorCtr="0">
+              <a:bodyPr anchorCtr="0" anchor="ctr" bIns="91425" lIns="91425" spcFirstLastPara="1" rIns="91425" wrap="square" tIns="91425">
                 <a:noAutofit/>
               </a:bodyPr>
               <a:lstStyle/>
               <a:p>
-                <a:pPr marL="0" lvl="0" indent="0" algn="l" rtl="0">
+                <a:pPr indent="0" lvl="0" marL="0" rtl="0" algn="l">
                   <a:spcBef>
                     <a:spcPts val="0"/>
                   </a:spcBef>
@@ -10268,13 +10158,16 @@
                   </a:spcAft>
                   <a:buNone/>
                 </a:pPr>
+                <a:r>
+                  <a:t/>
+                </a:r>
                 <a:endParaRPr/>
               </a:p>
             </p:txBody>
           </p:sp>
           <p:pic>
             <p:nvPicPr>
-              <p:cNvPr id="295" name="Google Shape;295;p24"/>
+              <p:cNvPr id="155" name="Google Shape;155;p14"/>
               <p:cNvPicPr preferRelativeResize="0"/>
               <p:nvPr/>
             </p:nvPicPr>
@@ -10288,7 +10181,7 @@
             </p:blipFill>
             <p:spPr>
               <a:xfrm>
-                <a:off x="6715900" y="4391718"/>
+                <a:off x="6756816" y="4391718"/>
                 <a:ext cx="935800" cy="935800"/>
               </a:xfrm>
               <a:prstGeom prst="rect">
@@ -10301,71 +10194,166 @@
             </p:spPr>
           </p:pic>
         </p:grpSp>
-      </p:grpSp>
-      <p:sp>
-        <p:nvSpPr>
-          <p:cNvPr id="296" name="Google Shape;296;p24"/>
-          <p:cNvSpPr txBox="1">
-            <a:spLocks noGrp="1"/>
-          </p:cNvSpPr>
-          <p:nvPr>
-            <p:ph type="ctrTitle" idx="4294967295"/>
-          </p:nvPr>
-        </p:nvSpPr>
-        <p:spPr>
-          <a:xfrm>
-            <a:off x="5022649" y="309926"/>
-            <a:ext cx="3931676" cy="1081748"/>
-          </a:xfrm>
-          <a:prstGeom prst="rect">
-            <a:avLst/>
-          </a:prstGeom>
-          <a:noFill/>
-        </p:spPr>
-        <p:txBody>
-          <a:bodyPr spcFirstLastPara="1" wrap="square" lIns="91425" tIns="91425" rIns="91425" bIns="91425" anchor="t" anchorCtr="0">
-            <a:normAutofit/>
-          </a:bodyPr>
-          <a:lstStyle/>
-          <a:p>
-            <a:pPr marL="0" lvl="0" indent="0" algn="r" rtl="0">
-              <a:spcBef>
-                <a:spcPts val="0"/>
-              </a:spcBef>
-              <a:spcAft>
-                <a:spcPts val="0"/>
-              </a:spcAft>
-              <a:buSzPts val="990"/>
-              <a:buNone/>
-            </a:pPr>
-            <a:r>
-              <a:rPr lang="en" sz="2600" b="1" dirty="0">
+        <p:sp>
+          <p:nvSpPr>
+            <p:cNvPr id="156" name="Google Shape;156;p14"/>
+            <p:cNvSpPr txBox="1"/>
+            <p:nvPr/>
+          </p:nvSpPr>
+          <p:spPr>
+            <a:xfrm>
+              <a:off x="6573764" y="4519339"/>
+              <a:ext cx="1754700" cy="400200"/>
+            </a:xfrm>
+            <a:prstGeom prst="rect">
+              <a:avLst/>
+            </a:prstGeom>
+            <a:noFill/>
+            <a:ln>
+              <a:noFill/>
+            </a:ln>
+          </p:spPr>
+          <p:txBody>
+            <a:bodyPr anchorCtr="0" anchor="t" bIns="91425" lIns="91425" spcFirstLastPara="1" rIns="91425" wrap="square" tIns="91425">
+              <a:spAutoFit/>
+            </a:bodyPr>
+            <a:lstStyle/>
+            <a:p>
+              <a:pPr indent="0" lvl="0" marL="0" rtl="0" algn="ctr">
+                <a:spcBef>
+                  <a:spcPts val="0"/>
+                </a:spcBef>
+                <a:spcAft>
+                  <a:spcPts val="0"/>
+                </a:spcAft>
+                <a:buNone/>
+              </a:pPr>
+              <a:r>
+                <a:rPr lang="en">
+                  <a:solidFill>
+                    <a:srgbClr val="FFFFFF"/>
+                  </a:solidFill>
+                  <a:latin typeface="Montserrat SemiBold"/>
+                  <a:ea typeface="Montserrat SemiBold"/>
+                  <a:cs typeface="Montserrat SemiBold"/>
+                  <a:sym typeface="Montserrat SemiBold"/>
+                </a:rPr>
+                <a:t>Orchard Harvest</a:t>
+              </a:r>
+              <a:endParaRPr>
+                <a:solidFill>
+                  <a:srgbClr val="FFFFFF"/>
+                </a:solidFill>
+                <a:latin typeface="Montserrat SemiBold"/>
+                <a:ea typeface="Montserrat SemiBold"/>
+                <a:cs typeface="Montserrat SemiBold"/>
+                <a:sym typeface="Montserrat SemiBold"/>
+              </a:endParaRPr>
+            </a:p>
+          </p:txBody>
+        </p:sp>
+        <p:sp>
+          <p:nvSpPr>
+            <p:cNvPr id="157" name="Google Shape;157;p14"/>
+            <p:cNvSpPr txBox="1"/>
+            <p:nvPr/>
+          </p:nvSpPr>
+          <p:spPr>
+            <a:xfrm>
+              <a:off x="6139085" y="4847529"/>
+              <a:ext cx="2152500" cy="338700"/>
+            </a:xfrm>
+            <a:prstGeom prst="rect">
+              <a:avLst/>
+            </a:prstGeom>
+            <a:noFill/>
+            <a:ln>
+              <a:noFill/>
+            </a:ln>
+          </p:spPr>
+          <p:txBody>
+            <a:bodyPr anchorCtr="0" anchor="t" bIns="91425" lIns="91425" spcFirstLastPara="1" rIns="91425" wrap="square" tIns="91425">
+              <a:spAutoFit/>
+            </a:bodyPr>
+            <a:lstStyle/>
+            <a:p>
+              <a:pPr indent="0" lvl="0" marL="0" rtl="0" algn="r">
+                <a:spcBef>
+                  <a:spcPts val="0"/>
+                </a:spcBef>
+                <a:spcAft>
+                  <a:spcPts val="0"/>
+                </a:spcAft>
+                <a:buNone/>
+              </a:pPr>
+              <a:r>
+                <a:rPr b="1" lang="en" sz="1000">
+                  <a:solidFill>
+                    <a:srgbClr val="41B670"/>
+                  </a:solidFill>
+                  <a:latin typeface="Lato"/>
+                  <a:ea typeface="Lato"/>
+                  <a:cs typeface="Lato"/>
+                  <a:sym typeface="Lato"/>
+                </a:rPr>
+                <a:t>Conference 2023</a:t>
+              </a:r>
+              <a:endParaRPr b="1" sz="1000">
                 <a:solidFill>
                   <a:srgbClr val="41B670"/>
                 </a:solidFill>
-              </a:rPr>
-              <a:t>ORCHARD HARVEST</a:t>
-            </a:r>
-            <a:r>
-              <a:rPr lang="en" sz="2600" dirty="0"/>
-              <a:t>     </a:t>
-            </a:r>
-            <a:r>
-              <a:rPr lang="en" sz="2600" dirty="0">
-                <a:solidFill>
-                  <a:schemeClr val="dk1"/>
-                </a:solidFill>
-              </a:rPr>
-              <a:t>Conference 2003</a:t>
-            </a:r>
-            <a:endParaRPr sz="2600" dirty="0">
-              <a:solidFill>
-                <a:schemeClr val="dk1"/>
-              </a:solidFill>
-            </a:endParaRPr>
-          </a:p>
-        </p:txBody>
-      </p:sp>
+                <a:latin typeface="Lato"/>
+                <a:ea typeface="Lato"/>
+                <a:cs typeface="Lato"/>
+                <a:sym typeface="Lato"/>
+              </a:endParaRPr>
+            </a:p>
+          </p:txBody>
+        </p:sp>
+        <p:sp>
+          <p:nvSpPr>
+            <p:cNvPr id="158" name="Google Shape;158;p14"/>
+            <p:cNvSpPr/>
+            <p:nvPr/>
+          </p:nvSpPr>
+          <p:spPr>
+            <a:xfrm>
+              <a:off x="8229600" y="4627502"/>
+              <a:ext cx="76200" cy="228600"/>
+            </a:xfrm>
+            <a:prstGeom prst="rect">
+              <a:avLst/>
+            </a:prstGeom>
+            <a:solidFill>
+              <a:srgbClr val="41B670"/>
+            </a:solidFill>
+            <a:ln>
+              <a:noFill/>
+            </a:ln>
+          </p:spPr>
+          <p:txBody>
+            <a:bodyPr anchorCtr="0" anchor="ctr" bIns="91425" lIns="91425" spcFirstLastPara="1" rIns="91425" wrap="square" tIns="91425">
+              <a:noAutofit/>
+            </a:bodyPr>
+            <a:lstStyle/>
+            <a:p>
+              <a:pPr indent="0" lvl="0" marL="0" rtl="0" algn="l">
+                <a:spcBef>
+                  <a:spcPts val="0"/>
+                </a:spcBef>
+                <a:spcAft>
+                  <a:spcPts val="0"/>
+                </a:spcAft>
+                <a:buNone/>
+              </a:pPr>
+              <a:r>
+                <a:t/>
+              </a:r>
+              <a:endParaRPr/>
+            </a:p>
+          </p:txBody>
+        </p:sp>
+      </p:grpSp>
     </p:spTree>
   </p:cSld>
   <p:clrMapOvr>
@@ -10375,11 +10363,11 @@
 </file>
 
 <file path=ppt/slides/slide3.xml><?xml version="1.0" encoding="utf-8"?>
-<p:sld xmlns:a="http://schemas.openxmlformats.org/drawingml/2006/main" xmlns:r="http://schemas.openxmlformats.org/officeDocument/2006/relationships" xmlns:p="http://schemas.openxmlformats.org/presentationml/2006/main">
+<p:sld xmlns:a="http://schemas.openxmlformats.org/drawingml/2006/main" xmlns:r="http://schemas.openxmlformats.org/officeDocument/2006/relationships" xmlns:mc="http://schemas.openxmlformats.org/markup-compatibility/2006" xmlns:mv="urn:schemas-microsoft-com:mac:vml" xmlns:p="http://schemas.openxmlformats.org/presentationml/2006/main" xmlns:c="http://schemas.openxmlformats.org/drawingml/2006/chart" xmlns:dgm="http://schemas.openxmlformats.org/drawingml/2006/diagram" xmlns:o="urn:schemas-microsoft-com:office:office" xmlns:v="urn:schemas-microsoft-com:vml" xmlns:pvml="urn:schemas-microsoft-com:office:powerpoint" xmlns:com="http://schemas.openxmlformats.org/drawingml/2006/compatibility" xmlns:p14="http://schemas.microsoft.com/office/powerpoint/2010/main" xmlns:p15="http://schemas.microsoft.com/office/powerpoint/2012/main" xmlns:ahyp="http://schemas.microsoft.com/office/drawing/2018/hyperlinkcolor">
   <p:cSld>
     <p:spTree>
       <p:nvGrpSpPr>
-        <p:cNvPr id="1" name="Shape 287"/>
+        <p:cNvPr id="162" name="Shape 162"/>
         <p:cNvGrpSpPr/>
         <p:nvPr/>
       </p:nvGrpSpPr>
@@ -10393,32 +10381,74 @@
       </p:grpSpPr>
       <p:sp>
         <p:nvSpPr>
-          <p:cNvPr id="289" name="Google Shape;289;p24"/>
-          <p:cNvSpPr txBox="1">
-            <a:spLocks noGrp="1"/>
-          </p:cNvSpPr>
+          <p:cNvPr id="163" name="Google Shape;163;p15"/>
+          <p:cNvSpPr txBox="1"/>
           <p:nvPr>
-            <p:ph type="body" idx="1"/>
+            <p:ph type="title"/>
           </p:nvPr>
         </p:nvSpPr>
         <p:spPr>
           <a:xfrm>
-            <a:off x="1297500" y="1974574"/>
-            <a:ext cx="7563300" cy="1305339"/>
+            <a:off x="1297500" y="393750"/>
+            <a:ext cx="7038900" cy="914100"/>
           </a:xfrm>
           <a:prstGeom prst="rect">
             <a:avLst/>
           </a:prstGeom>
         </p:spPr>
         <p:txBody>
-          <a:bodyPr spcFirstLastPara="1" wrap="square" lIns="91425" tIns="91425" rIns="91425" bIns="91425" anchor="t" anchorCtr="0">
+          <a:bodyPr anchorCtr="0" anchor="t" bIns="91425" lIns="91425" spcFirstLastPara="1" rIns="91425" wrap="square" tIns="91425">
             <a:normAutofit/>
           </a:bodyPr>
           <a:lstStyle/>
           <a:p>
-            <a:pPr marL="139700" lvl="0" indent="0" algn="ctr" rtl="0">
+            <a:pPr indent="0" lvl="0" marL="0" rtl="0" algn="l">
+              <a:spcBef>
+                <a:spcPts val="0"/>
+              </a:spcBef>
+              <a:spcAft>
+                <a:spcPts val="0"/>
+              </a:spcAft>
+              <a:buNone/>
+            </a:pPr>
+            <a:r>
+              <a:rPr lang="en"/>
+              <a:t>Agenda</a:t>
+            </a:r>
+            <a:endParaRPr>
+              <a:solidFill>
+                <a:schemeClr val="dk1"/>
+              </a:solidFill>
+            </a:endParaRPr>
+          </a:p>
+        </p:txBody>
+      </p:sp>
+      <p:sp>
+        <p:nvSpPr>
+          <p:cNvPr id="164" name="Google Shape;164;p15"/>
+          <p:cNvSpPr txBox="1"/>
+          <p:nvPr>
+            <p:ph idx="1" type="body"/>
+          </p:nvPr>
+        </p:nvSpPr>
+        <p:spPr>
+          <a:xfrm>
+            <a:off x="1297500" y="1567550"/>
+            <a:ext cx="7038900" cy="2911200"/>
+          </a:xfrm>
+          <a:prstGeom prst="rect">
+            <a:avLst/>
+          </a:prstGeom>
+        </p:spPr>
+        <p:txBody>
+          <a:bodyPr anchorCtr="0" anchor="t" bIns="91425" lIns="91425" spcFirstLastPara="1" rIns="91425" wrap="square" tIns="91425">
+            <a:normAutofit/>
+          </a:bodyPr>
+          <a:lstStyle/>
+          <a:p>
+            <a:pPr indent="-317500" lvl="0" marL="457200" rtl="0" algn="l">
               <a:lnSpc>
-                <a:spcPct val="150000"/>
+                <a:spcPct val="200000"/>
               </a:lnSpc>
               <a:spcBef>
                 <a:spcPts val="0"/>
@@ -10430,36 +10460,95 @@
                 <a:srgbClr val="41B670"/>
               </a:buClr>
               <a:buSzPts val="1400"/>
-              <a:buNone/>
+              <a:buChar char="●"/>
             </a:pPr>
             <a:r>
-              <a:rPr lang="en-US" sz="2400" dirty="0">
+              <a:rPr lang="en" sz="1400">
                 <a:solidFill>
                   <a:schemeClr val="dk1"/>
                 </a:solidFill>
               </a:rPr>
-              <a:t>Important message</a:t>
+              <a:t>Title 1</a:t>
             </a:r>
-            <a:endParaRPr sz="2400" dirty="0">
+            <a:r>
+              <a:rPr lang="en" sz="1400">
+                <a:solidFill>
+                  <a:schemeClr val="dk1"/>
+                </a:solidFill>
+              </a:rPr>
+              <a:t> goes here</a:t>
+            </a:r>
+            <a:endParaRPr sz="1400">
               <a:solidFill>
                 <a:schemeClr val="dk1"/>
               </a:solidFill>
             </a:endParaRPr>
           </a:p>
           <a:p>
-            <a:pPr marL="0" lvl="0" indent="0" algn="l" rtl="0">
+            <a:pPr indent="-317500" lvl="0" marL="457200" rtl="0" algn="l">
               <a:lnSpc>
-                <a:spcPct val="150000"/>
+                <a:spcPct val="200000"/>
               </a:lnSpc>
               <a:spcBef>
-                <a:spcPts val="1200"/>
-              </a:spcBef>
-              <a:spcAft>
-                <a:spcPts val="1200"/>
-              </a:spcAft>
-              <a:buNone/>
+                <a:spcPts val="0"/>
+              </a:spcBef>
+              <a:spcAft>
+                <a:spcPts val="0"/>
+              </a:spcAft>
+              <a:buClr>
+                <a:srgbClr val="41B670"/>
+              </a:buClr>
+              <a:buSzPts val="1400"/>
+              <a:buChar char="●"/>
             </a:pPr>
-            <a:endParaRPr sz="2400" dirty="0">
+            <a:r>
+              <a:rPr lang="en" sz="1400">
+                <a:solidFill>
+                  <a:schemeClr val="dk1"/>
+                </a:solidFill>
+              </a:rPr>
+              <a:t>Title 2</a:t>
+            </a:r>
+            <a:r>
+              <a:rPr lang="en" sz="1400">
+                <a:solidFill>
+                  <a:schemeClr val="dk1"/>
+                </a:solidFill>
+              </a:rPr>
+              <a:t> goes here</a:t>
+            </a:r>
+            <a:endParaRPr sz="1400">
+              <a:solidFill>
+                <a:schemeClr val="dk1"/>
+              </a:solidFill>
+            </a:endParaRPr>
+          </a:p>
+          <a:p>
+            <a:pPr indent="-317500" lvl="0" marL="457200" rtl="0" algn="l">
+              <a:lnSpc>
+                <a:spcPct val="200000"/>
+              </a:lnSpc>
+              <a:spcBef>
+                <a:spcPts val="0"/>
+              </a:spcBef>
+              <a:spcAft>
+                <a:spcPts val="0"/>
+              </a:spcAft>
+              <a:buClr>
+                <a:srgbClr val="41B670"/>
+              </a:buClr>
+              <a:buSzPts val="1400"/>
+              <a:buChar char="●"/>
+            </a:pPr>
+            <a:r>
+              <a:rPr lang="en" sz="1400">
+                <a:solidFill>
+                  <a:schemeClr val="dk1"/>
+                </a:solidFill>
+              </a:rPr>
+              <a:t>Title 3 goes here</a:t>
+            </a:r>
+            <a:endParaRPr sz="1400">
               <a:solidFill>
                 <a:schemeClr val="dk1"/>
               </a:solidFill>
@@ -10469,32 +10558,32 @@
       </p:sp>
       <p:grpSp>
         <p:nvGrpSpPr>
-          <p:cNvPr id="290" name="Google Shape;290;p24"/>
+          <p:cNvPr id="165" name="Google Shape;165;p15"/>
           <p:cNvGrpSpPr/>
           <p:nvPr/>
         </p:nvGrpSpPr>
         <p:grpSpPr>
           <a:xfrm>
-            <a:off x="5725125" y="4360470"/>
-            <a:ext cx="3229200" cy="654873"/>
-            <a:chOff x="5725125" y="4360470"/>
-            <a:chExt cx="3229200" cy="654873"/>
+            <a:off x="6139085" y="4391505"/>
+            <a:ext cx="2918815" cy="794724"/>
+            <a:chOff x="6139085" y="4391505"/>
+            <a:chExt cx="2918815" cy="794724"/>
           </a:xfrm>
         </p:grpSpPr>
         <p:sp>
           <p:nvSpPr>
-            <p:cNvPr id="291" name="Google Shape;291;p24"/>
+            <p:cNvPr id="166" name="Google Shape;166;p15"/>
             <p:cNvSpPr/>
             <p:nvPr/>
           </p:nvSpPr>
           <p:spPr>
             <a:xfrm>
-              <a:off x="5725125" y="4485300"/>
-              <a:ext cx="3229200" cy="405000"/>
+              <a:off x="6553200" y="4516345"/>
+              <a:ext cx="2504700" cy="405000"/>
             </a:xfrm>
             <a:prstGeom prst="roundRect">
               <a:avLst>
-                <a:gd name="adj" fmla="val 16667"/>
+                <a:gd fmla="val 16667" name="adj"/>
               </a:avLst>
             </a:prstGeom>
             <a:solidFill>
@@ -10505,50 +10594,12 @@
             </a:ln>
           </p:spPr>
           <p:txBody>
-            <a:bodyPr spcFirstLastPara="1" wrap="square" lIns="91425" tIns="91425" rIns="91425" bIns="91425" anchor="ctr" anchorCtr="0">
+            <a:bodyPr anchorCtr="0" anchor="ctr" bIns="91425" lIns="91425" spcFirstLastPara="1" rIns="91425" wrap="square" tIns="91425">
               <a:noAutofit/>
             </a:bodyPr>
             <a:lstStyle/>
             <a:p>
-              <a:pPr marL="0" lvl="0" indent="0" algn="l" rtl="0">
-                <a:spcBef>
-                  <a:spcPts val="0"/>
-                </a:spcBef>
-                <a:spcAft>
-                  <a:spcPts val="0"/>
-                </a:spcAft>
-                <a:buNone/>
-              </a:pPr>
-              <a:endParaRPr/>
-            </a:p>
-          </p:txBody>
-        </p:sp>
-        <p:sp>
-          <p:nvSpPr>
-            <p:cNvPr id="292" name="Google Shape;292;p24"/>
-            <p:cNvSpPr txBox="1"/>
-            <p:nvPr/>
-          </p:nvSpPr>
-          <p:spPr>
-            <a:xfrm>
-              <a:off x="5776875" y="4426200"/>
-              <a:ext cx="2338800" cy="523200"/>
-            </a:xfrm>
-            <a:prstGeom prst="rect">
-              <a:avLst/>
-            </a:prstGeom>
-            <a:noFill/>
-            <a:ln>
-              <a:noFill/>
-            </a:ln>
-          </p:spPr>
-          <p:txBody>
-            <a:bodyPr spcFirstLastPara="1" wrap="square" lIns="91425" tIns="91425" rIns="91425" bIns="91425" anchor="t" anchorCtr="0">
-              <a:spAutoFit/>
-            </a:bodyPr>
-            <a:lstStyle/>
-            <a:p>
-              <a:pPr marL="0" lvl="0" indent="0" algn="l" rtl="0">
+              <a:pPr indent="0" lvl="0" marL="0" rtl="0" algn="l">
                 <a:spcBef>
                   <a:spcPts val="0"/>
                 </a:spcBef>
@@ -10558,46 +10609,29 @@
                 <a:buNone/>
               </a:pPr>
               <a:r>
-                <a:rPr lang="en" sz="2200" b="1">
-                  <a:solidFill>
-                    <a:srgbClr val="FFFFFF"/>
-                  </a:solidFill>
-                  <a:latin typeface="Lato"/>
-                  <a:ea typeface="Lato"/>
-                  <a:cs typeface="Lato"/>
-                  <a:sym typeface="Lato"/>
-                </a:rPr>
-                <a:t>Orchard Harvest</a:t>
+                <a:t/>
               </a:r>
-              <a:endParaRPr sz="2200" b="1">
-                <a:solidFill>
-                  <a:srgbClr val="FFFFFF"/>
-                </a:solidFill>
-                <a:latin typeface="Lato"/>
-                <a:ea typeface="Lato"/>
-                <a:cs typeface="Lato"/>
-                <a:sym typeface="Lato"/>
-              </a:endParaRPr>
+              <a:endParaRPr/>
             </a:p>
           </p:txBody>
         </p:sp>
         <p:grpSp>
           <p:nvGrpSpPr>
-            <p:cNvPr id="293" name="Google Shape;293;p24"/>
+            <p:cNvPr id="167" name="Google Shape;167;p15"/>
             <p:cNvGrpSpPr/>
             <p:nvPr/>
           </p:nvGrpSpPr>
           <p:grpSpPr>
             <a:xfrm>
-              <a:off x="8057761" y="4360470"/>
-              <a:ext cx="710085" cy="654873"/>
-              <a:chOff x="6715900" y="4391718"/>
-              <a:chExt cx="935800" cy="935800"/>
+              <a:off x="8262877" y="4391505"/>
+              <a:ext cx="711956" cy="654873"/>
+              <a:chOff x="6754350" y="4391718"/>
+              <a:chExt cx="938266" cy="935800"/>
             </a:xfrm>
           </p:grpSpPr>
           <p:sp>
             <p:nvSpPr>
-              <p:cNvPr id="294" name="Google Shape;294;p24"/>
+              <p:cNvPr id="168" name="Google Shape;168;p15"/>
               <p:cNvSpPr/>
               <p:nvPr/>
             </p:nvSpPr>
@@ -10617,12 +10651,12 @@
               </a:ln>
             </p:spPr>
             <p:txBody>
-              <a:bodyPr spcFirstLastPara="1" wrap="square" lIns="91425" tIns="91425" rIns="91425" bIns="91425" anchor="ctr" anchorCtr="0">
+              <a:bodyPr anchorCtr="0" anchor="ctr" bIns="91425" lIns="91425" spcFirstLastPara="1" rIns="91425" wrap="square" tIns="91425">
                 <a:noAutofit/>
               </a:bodyPr>
               <a:lstStyle/>
               <a:p>
-                <a:pPr marL="0" lvl="0" indent="0" algn="l" rtl="0">
+                <a:pPr indent="0" lvl="0" marL="0" rtl="0" algn="l">
                   <a:spcBef>
                     <a:spcPts val="0"/>
                   </a:spcBef>
@@ -10631,13 +10665,16 @@
                   </a:spcAft>
                   <a:buNone/>
                 </a:pPr>
+                <a:r>
+                  <a:t/>
+                </a:r>
                 <a:endParaRPr/>
               </a:p>
             </p:txBody>
           </p:sp>
           <p:pic>
             <p:nvPicPr>
-              <p:cNvPr id="295" name="Google Shape;295;p24"/>
+              <p:cNvPr id="169" name="Google Shape;169;p15"/>
               <p:cNvPicPr preferRelativeResize="0"/>
               <p:nvPr/>
             </p:nvPicPr>
@@ -10651,7 +10688,7 @@
             </p:blipFill>
             <p:spPr>
               <a:xfrm>
-                <a:off x="6715900" y="4391718"/>
+                <a:off x="6756816" y="4391718"/>
                 <a:ext cx="935800" cy="935800"/>
               </a:xfrm>
               <a:prstGeom prst="rect">
@@ -10664,77 +10701,167 @@
             </p:spPr>
           </p:pic>
         </p:grpSp>
-      </p:grpSp>
-      <p:sp>
-        <p:nvSpPr>
-          <p:cNvPr id="296" name="Google Shape;296;p24"/>
-          <p:cNvSpPr txBox="1">
-            <a:spLocks noGrp="1"/>
-          </p:cNvSpPr>
-          <p:nvPr>
-            <p:ph type="ctrTitle" idx="4294967295"/>
-          </p:nvPr>
-        </p:nvSpPr>
-        <p:spPr>
-          <a:xfrm>
-            <a:off x="5022649" y="309926"/>
-            <a:ext cx="3931676" cy="1081748"/>
-          </a:xfrm>
-          <a:prstGeom prst="rect">
-            <a:avLst/>
-          </a:prstGeom>
-          <a:noFill/>
-        </p:spPr>
-        <p:txBody>
-          <a:bodyPr spcFirstLastPara="1" wrap="square" lIns="91425" tIns="91425" rIns="91425" bIns="91425" anchor="t" anchorCtr="0">
-            <a:normAutofit/>
-          </a:bodyPr>
-          <a:lstStyle/>
-          <a:p>
-            <a:pPr marL="0" lvl="0" indent="0" algn="r" rtl="0">
-              <a:spcBef>
-                <a:spcPts val="0"/>
-              </a:spcBef>
-              <a:spcAft>
-                <a:spcPts val="0"/>
-              </a:spcAft>
-              <a:buSzPts val="990"/>
-              <a:buNone/>
-            </a:pPr>
-            <a:r>
-              <a:rPr lang="en" sz="2600" b="1" dirty="0">
+        <p:sp>
+          <p:nvSpPr>
+            <p:cNvPr id="170" name="Google Shape;170;p15"/>
+            <p:cNvSpPr txBox="1"/>
+            <p:nvPr/>
+          </p:nvSpPr>
+          <p:spPr>
+            <a:xfrm>
+              <a:off x="6573764" y="4519339"/>
+              <a:ext cx="1754700" cy="400200"/>
+            </a:xfrm>
+            <a:prstGeom prst="rect">
+              <a:avLst/>
+            </a:prstGeom>
+            <a:noFill/>
+            <a:ln>
+              <a:noFill/>
+            </a:ln>
+          </p:spPr>
+          <p:txBody>
+            <a:bodyPr anchorCtr="0" anchor="t" bIns="91425" lIns="91425" spcFirstLastPara="1" rIns="91425" wrap="square" tIns="91425">
+              <a:spAutoFit/>
+            </a:bodyPr>
+            <a:lstStyle/>
+            <a:p>
+              <a:pPr indent="0" lvl="0" marL="0" rtl="0" algn="ctr">
+                <a:spcBef>
+                  <a:spcPts val="0"/>
+                </a:spcBef>
+                <a:spcAft>
+                  <a:spcPts val="0"/>
+                </a:spcAft>
+                <a:buNone/>
+              </a:pPr>
+              <a:r>
+                <a:rPr lang="en">
+                  <a:solidFill>
+                    <a:srgbClr val="FFFFFF"/>
+                  </a:solidFill>
+                  <a:latin typeface="Montserrat SemiBold"/>
+                  <a:ea typeface="Montserrat SemiBold"/>
+                  <a:cs typeface="Montserrat SemiBold"/>
+                  <a:sym typeface="Montserrat SemiBold"/>
+                </a:rPr>
+                <a:t>Orchard Harvest</a:t>
+              </a:r>
+              <a:endParaRPr>
+                <a:solidFill>
+                  <a:srgbClr val="FFFFFF"/>
+                </a:solidFill>
+                <a:latin typeface="Montserrat SemiBold"/>
+                <a:ea typeface="Montserrat SemiBold"/>
+                <a:cs typeface="Montserrat SemiBold"/>
+                <a:sym typeface="Montserrat SemiBold"/>
+              </a:endParaRPr>
+            </a:p>
+          </p:txBody>
+        </p:sp>
+        <p:sp>
+          <p:nvSpPr>
+            <p:cNvPr id="171" name="Google Shape;171;p15"/>
+            <p:cNvSpPr txBox="1"/>
+            <p:nvPr/>
+          </p:nvSpPr>
+          <p:spPr>
+            <a:xfrm>
+              <a:off x="6139085" y="4847529"/>
+              <a:ext cx="2152500" cy="338700"/>
+            </a:xfrm>
+            <a:prstGeom prst="rect">
+              <a:avLst/>
+            </a:prstGeom>
+            <a:noFill/>
+            <a:ln>
+              <a:noFill/>
+            </a:ln>
+          </p:spPr>
+          <p:txBody>
+            <a:bodyPr anchorCtr="0" anchor="t" bIns="91425" lIns="91425" spcFirstLastPara="1" rIns="91425" wrap="square" tIns="91425">
+              <a:spAutoFit/>
+            </a:bodyPr>
+            <a:lstStyle/>
+            <a:p>
+              <a:pPr indent="0" lvl="0" marL="0" rtl="0" algn="r">
+                <a:spcBef>
+                  <a:spcPts val="0"/>
+                </a:spcBef>
+                <a:spcAft>
+                  <a:spcPts val="0"/>
+                </a:spcAft>
+                <a:buNone/>
+              </a:pPr>
+              <a:r>
+                <a:rPr b="1" lang="en" sz="1000">
+                  <a:solidFill>
+                    <a:srgbClr val="41B670"/>
+                  </a:solidFill>
+                  <a:latin typeface="Lato"/>
+                  <a:ea typeface="Lato"/>
+                  <a:cs typeface="Lato"/>
+                  <a:sym typeface="Lato"/>
+                </a:rPr>
+                <a:t>Conference 2023</a:t>
+              </a:r>
+              <a:endParaRPr b="1" sz="1000">
                 <a:solidFill>
                   <a:srgbClr val="41B670"/>
                 </a:solidFill>
-              </a:rPr>
-              <a:t>ORCHARD HARVEST</a:t>
-            </a:r>
-            <a:r>
-              <a:rPr lang="en" sz="2600" dirty="0"/>
-              <a:t>     </a:t>
-            </a:r>
-            <a:r>
-              <a:rPr lang="en" sz="2600" dirty="0">
-                <a:solidFill>
-                  <a:schemeClr val="dk1"/>
-                </a:solidFill>
-              </a:rPr>
-              <a:t>Conference 2003</a:t>
-            </a:r>
-            <a:endParaRPr sz="2600" dirty="0">
-              <a:solidFill>
-                <a:schemeClr val="dk1"/>
-              </a:solidFill>
-            </a:endParaRPr>
-          </a:p>
-        </p:txBody>
-      </p:sp>
+                <a:latin typeface="Lato"/>
+                <a:ea typeface="Lato"/>
+                <a:cs typeface="Lato"/>
+                <a:sym typeface="Lato"/>
+              </a:endParaRPr>
+            </a:p>
+          </p:txBody>
+        </p:sp>
+        <p:sp>
+          <p:nvSpPr>
+            <p:cNvPr id="172" name="Google Shape;172;p15"/>
+            <p:cNvSpPr/>
+            <p:nvPr/>
+          </p:nvSpPr>
+          <p:spPr>
+            <a:xfrm>
+              <a:off x="8229600" y="4627502"/>
+              <a:ext cx="76200" cy="228600"/>
+            </a:xfrm>
+            <a:prstGeom prst="rect">
+              <a:avLst/>
+            </a:prstGeom>
+            <a:solidFill>
+              <a:srgbClr val="41B670"/>
+            </a:solidFill>
+            <a:ln>
+              <a:noFill/>
+            </a:ln>
+          </p:spPr>
+          <p:txBody>
+            <a:bodyPr anchorCtr="0" anchor="ctr" bIns="91425" lIns="91425" spcFirstLastPara="1" rIns="91425" wrap="square" tIns="91425">
+              <a:noAutofit/>
+            </a:bodyPr>
+            <a:lstStyle/>
+            <a:p>
+              <a:pPr indent="0" lvl="0" marL="0" rtl="0" algn="l">
+                <a:spcBef>
+                  <a:spcPts val="0"/>
+                </a:spcBef>
+                <a:spcAft>
+                  <a:spcPts val="0"/>
+                </a:spcAft>
+                <a:buNone/>
+              </a:pPr>
+              <a:r>
+                <a:t/>
+              </a:r>
+              <a:endParaRPr/>
+            </a:p>
+          </p:txBody>
+        </p:sp>
+      </p:grpSp>
     </p:spTree>
-    <p:extLst>
-      <p:ext uri="{BB962C8B-B14F-4D97-AF65-F5344CB8AC3E}">
-        <p14:creationId xmlns:p14="http://schemas.microsoft.com/office/powerpoint/2010/main" val="3216964656"/>
-      </p:ext>
-    </p:extLst>
   </p:cSld>
   <p:clrMapOvr>
     <a:masterClrMapping/>
@@ -10743,11 +10870,11 @@
 </file>
 
 <file path=ppt/slides/slide4.xml><?xml version="1.0" encoding="utf-8"?>
-<p:sld xmlns:a="http://schemas.openxmlformats.org/drawingml/2006/main" xmlns:r="http://schemas.openxmlformats.org/officeDocument/2006/relationships" xmlns:p="http://schemas.openxmlformats.org/presentationml/2006/main">
+<p:sld xmlns:a="http://schemas.openxmlformats.org/drawingml/2006/main" xmlns:r="http://schemas.openxmlformats.org/officeDocument/2006/relationships" xmlns:mc="http://schemas.openxmlformats.org/markup-compatibility/2006" xmlns:mv="urn:schemas-microsoft-com:mac:vml" xmlns:p="http://schemas.openxmlformats.org/presentationml/2006/main" xmlns:c="http://schemas.openxmlformats.org/drawingml/2006/chart" xmlns:dgm="http://schemas.openxmlformats.org/drawingml/2006/diagram" xmlns:o="urn:schemas-microsoft-com:office:office" xmlns:v="urn:schemas-microsoft-com:vml" xmlns:pvml="urn:schemas-microsoft-com:office:powerpoint" xmlns:com="http://schemas.openxmlformats.org/drawingml/2006/compatibility" xmlns:p14="http://schemas.microsoft.com/office/powerpoint/2010/main" xmlns:p15="http://schemas.microsoft.com/office/powerpoint/2012/main" xmlns:ahyp="http://schemas.microsoft.com/office/drawing/2018/hyperlinkcolor">
   <p:cSld>
     <p:spTree>
       <p:nvGrpSpPr>
-        <p:cNvPr id="1" name="Shape 287"/>
+        <p:cNvPr id="176" name="Shape 176"/>
         <p:cNvGrpSpPr/>
         <p:nvPr/>
       </p:nvGrpSpPr>
@@ -10761,10 +10888,8 @@
       </p:grpSpPr>
       <p:sp>
         <p:nvSpPr>
-          <p:cNvPr id="288" name="Google Shape;288;p24"/>
-          <p:cNvSpPr txBox="1">
-            <a:spLocks noGrp="1"/>
-          </p:cNvSpPr>
+          <p:cNvPr id="177" name="Google Shape;177;p16"/>
+          <p:cNvSpPr txBox="1"/>
           <p:nvPr>
             <p:ph type="title"/>
           </p:nvPr>
@@ -10772,19 +10897,19 @@
         <p:spPr>
           <a:xfrm>
             <a:off x="1297500" y="393750"/>
-            <a:ext cx="4003370" cy="914100"/>
+            <a:ext cx="7038900" cy="914100"/>
           </a:xfrm>
           <a:prstGeom prst="rect">
             <a:avLst/>
           </a:prstGeom>
         </p:spPr>
         <p:txBody>
-          <a:bodyPr spcFirstLastPara="1" wrap="square" lIns="91425" tIns="91425" rIns="91425" bIns="91425" anchor="t" anchorCtr="0">
-            <a:noAutofit/>
+          <a:bodyPr anchorCtr="0" anchor="t" bIns="91425" lIns="91425" spcFirstLastPara="1" rIns="91425" wrap="square" tIns="91425">
+            <a:normAutofit/>
           </a:bodyPr>
           <a:lstStyle/>
           <a:p>
-            <a:pPr marL="0" lvl="0" indent="0" algn="l" rtl="0">
+            <a:pPr indent="0" lvl="0" marL="0" rtl="0" algn="l">
               <a:spcBef>
                 <a:spcPts val="0"/>
               </a:spcBef>
@@ -10794,10 +10919,10 @@
               <a:buNone/>
             </a:pPr>
             <a:r>
-              <a:rPr lang="en-US" dirty="0"/>
-              <a:t>Thank you!</a:t>
+              <a:rPr lang="en"/>
+              <a:t>Slide title</a:t>
             </a:r>
-            <a:endParaRPr dirty="0">
+            <a:endParaRPr>
               <a:solidFill>
                 <a:schemeClr val="dk1"/>
               </a:solidFill>
@@ -10807,125 +10932,45 @@
       </p:sp>
       <p:sp>
         <p:nvSpPr>
-          <p:cNvPr id="289" name="Google Shape;289;p24"/>
-          <p:cNvSpPr txBox="1">
-            <a:spLocks noGrp="1"/>
-          </p:cNvSpPr>
+          <p:cNvPr id="178" name="Google Shape;178;p16"/>
+          <p:cNvSpPr txBox="1"/>
           <p:nvPr>
-            <p:ph type="body" idx="1"/>
+            <p:ph idx="1" type="body"/>
           </p:nvPr>
         </p:nvSpPr>
         <p:spPr>
           <a:xfrm>
             <a:off x="1297500" y="1567550"/>
-            <a:ext cx="7563300" cy="2911200"/>
+            <a:ext cx="7038900" cy="2911200"/>
           </a:xfrm>
           <a:prstGeom prst="rect">
             <a:avLst/>
           </a:prstGeom>
         </p:spPr>
         <p:txBody>
-          <a:bodyPr spcFirstLastPara="1" wrap="square" lIns="91425" tIns="91425" rIns="91425" bIns="91425" anchor="t" anchorCtr="0">
+          <a:bodyPr anchorCtr="0" anchor="t" bIns="91425" lIns="91425" spcFirstLastPara="1" rIns="91425" wrap="square" tIns="91425">
             <a:normAutofit/>
           </a:bodyPr>
           <a:lstStyle/>
           <a:p>
-            <a:pPr marL="457200" lvl="0" indent="-317500" algn="l" rtl="0">
-              <a:lnSpc>
-                <a:spcPct val="150000"/>
-              </a:lnSpc>
-              <a:spcBef>
-                <a:spcPts val="0"/>
-              </a:spcBef>
-              <a:spcAft>
-                <a:spcPts val="0"/>
-              </a:spcAft>
-              <a:buClr>
-                <a:srgbClr val="41B670"/>
-              </a:buClr>
-              <a:buSzPts val="1400"/>
-              <a:buChar char="●"/>
+            <a:pPr indent="0" lvl="0" marL="0" rtl="0" algn="l">
+              <a:spcBef>
+                <a:spcPts val="0"/>
+              </a:spcBef>
+              <a:spcAft>
+                <a:spcPts val="1200"/>
+              </a:spcAft>
+              <a:buNone/>
             </a:pPr>
             <a:r>
-              <a:rPr lang="en-US" sz="2000" dirty="0">
+              <a:rPr lang="en" sz="1400">
                 <a:solidFill>
                   <a:schemeClr val="dk1"/>
                 </a:solidFill>
               </a:rPr>
-              <a:t>https://www.jdoe.com</a:t>
+              <a:t>Content goes here …</a:t>
             </a:r>
-          </a:p>
-          <a:p>
-            <a:pPr marL="457200" lvl="0" indent="-317500" algn="l" rtl="0">
-              <a:lnSpc>
-                <a:spcPct val="150000"/>
-              </a:lnSpc>
-              <a:spcBef>
-                <a:spcPts val="0"/>
-              </a:spcBef>
-              <a:spcAft>
-                <a:spcPts val="0"/>
-              </a:spcAft>
-              <a:buClr>
-                <a:srgbClr val="41B670"/>
-              </a:buClr>
-              <a:buSzPts val="1400"/>
-              <a:buChar char="●"/>
-            </a:pPr>
-            <a:r>
-              <a:rPr lang="en" sz="2000" dirty="0">
-                <a:solidFill>
-                  <a:schemeClr val="dk1"/>
-                </a:solidFill>
-              </a:rPr>
-              <a:t>https://www.github.com/jdoe</a:t>
-            </a:r>
-          </a:p>
-          <a:p>
-            <a:pPr marL="457200" lvl="0" indent="-317500" algn="l" rtl="0">
-              <a:lnSpc>
-                <a:spcPct val="150000"/>
-              </a:lnSpc>
-              <a:spcBef>
-                <a:spcPts val="0"/>
-              </a:spcBef>
-              <a:spcAft>
-                <a:spcPts val="0"/>
-              </a:spcAft>
-              <a:buClr>
-                <a:srgbClr val="41B670"/>
-              </a:buClr>
-              <a:buSzPts val="1400"/>
-              <a:buChar char="●"/>
-            </a:pPr>
-            <a:r>
-              <a:rPr lang="en" sz="2000" dirty="0">
-                <a:solidFill>
-                  <a:schemeClr val="dk1"/>
-                </a:solidFill>
-              </a:rPr>
-              <a:t>https://www.twitter.com/jdoe</a:t>
-            </a:r>
-            <a:endParaRPr sz="2000" dirty="0">
-              <a:solidFill>
-                <a:schemeClr val="dk1"/>
-              </a:solidFill>
-            </a:endParaRPr>
-          </a:p>
-          <a:p>
-            <a:pPr marL="0" lvl="0" indent="0" algn="l" rtl="0">
-              <a:lnSpc>
-                <a:spcPct val="150000"/>
-              </a:lnSpc>
-              <a:spcBef>
-                <a:spcPts val="1200"/>
-              </a:spcBef>
-              <a:spcAft>
-                <a:spcPts val="1200"/>
-              </a:spcAft>
-              <a:buNone/>
-            </a:pPr>
-            <a:endParaRPr sz="2000" dirty="0">
+            <a:endParaRPr sz="1400">
               <a:solidFill>
                 <a:schemeClr val="dk1"/>
               </a:solidFill>
@@ -10935,32 +10980,32 @@
       </p:sp>
       <p:grpSp>
         <p:nvGrpSpPr>
-          <p:cNvPr id="290" name="Google Shape;290;p24"/>
+          <p:cNvPr id="179" name="Google Shape;179;p16"/>
           <p:cNvGrpSpPr/>
           <p:nvPr/>
         </p:nvGrpSpPr>
         <p:grpSpPr>
           <a:xfrm>
-            <a:off x="5725125" y="4360470"/>
-            <a:ext cx="3229200" cy="654873"/>
-            <a:chOff x="5725125" y="4360470"/>
-            <a:chExt cx="3229200" cy="654873"/>
+            <a:off x="6139085" y="4391505"/>
+            <a:ext cx="2918815" cy="794724"/>
+            <a:chOff x="6139085" y="4391505"/>
+            <a:chExt cx="2918815" cy="794724"/>
           </a:xfrm>
         </p:grpSpPr>
         <p:sp>
           <p:nvSpPr>
-            <p:cNvPr id="291" name="Google Shape;291;p24"/>
+            <p:cNvPr id="180" name="Google Shape;180;p16"/>
             <p:cNvSpPr/>
             <p:nvPr/>
           </p:nvSpPr>
           <p:spPr>
             <a:xfrm>
-              <a:off x="5725125" y="4485300"/>
-              <a:ext cx="3229200" cy="405000"/>
+              <a:off x="6553200" y="4516345"/>
+              <a:ext cx="2504700" cy="405000"/>
             </a:xfrm>
             <a:prstGeom prst="roundRect">
               <a:avLst>
-                <a:gd name="adj" fmla="val 16667"/>
+                <a:gd fmla="val 16667" name="adj"/>
               </a:avLst>
             </a:prstGeom>
             <a:solidFill>
@@ -10971,50 +11016,12 @@
             </a:ln>
           </p:spPr>
           <p:txBody>
-            <a:bodyPr spcFirstLastPara="1" wrap="square" lIns="91425" tIns="91425" rIns="91425" bIns="91425" anchor="ctr" anchorCtr="0">
+            <a:bodyPr anchorCtr="0" anchor="ctr" bIns="91425" lIns="91425" spcFirstLastPara="1" rIns="91425" wrap="square" tIns="91425">
               <a:noAutofit/>
             </a:bodyPr>
             <a:lstStyle/>
             <a:p>
-              <a:pPr marL="0" lvl="0" indent="0" algn="l" rtl="0">
-                <a:spcBef>
-                  <a:spcPts val="0"/>
-                </a:spcBef>
-                <a:spcAft>
-                  <a:spcPts val="0"/>
-                </a:spcAft>
-                <a:buNone/>
-              </a:pPr>
-              <a:endParaRPr/>
-            </a:p>
-          </p:txBody>
-        </p:sp>
-        <p:sp>
-          <p:nvSpPr>
-            <p:cNvPr id="292" name="Google Shape;292;p24"/>
-            <p:cNvSpPr txBox="1"/>
-            <p:nvPr/>
-          </p:nvSpPr>
-          <p:spPr>
-            <a:xfrm>
-              <a:off x="5776875" y="4426200"/>
-              <a:ext cx="2338800" cy="523200"/>
-            </a:xfrm>
-            <a:prstGeom prst="rect">
-              <a:avLst/>
-            </a:prstGeom>
-            <a:noFill/>
-            <a:ln>
-              <a:noFill/>
-            </a:ln>
-          </p:spPr>
-          <p:txBody>
-            <a:bodyPr spcFirstLastPara="1" wrap="square" lIns="91425" tIns="91425" rIns="91425" bIns="91425" anchor="t" anchorCtr="0">
-              <a:spAutoFit/>
-            </a:bodyPr>
-            <a:lstStyle/>
-            <a:p>
-              <a:pPr marL="0" lvl="0" indent="0" algn="l" rtl="0">
+              <a:pPr indent="0" lvl="0" marL="0" rtl="0" algn="l">
                 <a:spcBef>
                   <a:spcPts val="0"/>
                 </a:spcBef>
@@ -11024,46 +11031,29 @@
                 <a:buNone/>
               </a:pPr>
               <a:r>
-                <a:rPr lang="en" sz="2200" b="1">
-                  <a:solidFill>
-                    <a:srgbClr val="FFFFFF"/>
-                  </a:solidFill>
-                  <a:latin typeface="Lato"/>
-                  <a:ea typeface="Lato"/>
-                  <a:cs typeface="Lato"/>
-                  <a:sym typeface="Lato"/>
-                </a:rPr>
-                <a:t>Orchard Harvest</a:t>
+                <a:t/>
               </a:r>
-              <a:endParaRPr sz="2200" b="1">
-                <a:solidFill>
-                  <a:srgbClr val="FFFFFF"/>
-                </a:solidFill>
-                <a:latin typeface="Lato"/>
-                <a:ea typeface="Lato"/>
-                <a:cs typeface="Lato"/>
-                <a:sym typeface="Lato"/>
-              </a:endParaRPr>
+              <a:endParaRPr/>
             </a:p>
           </p:txBody>
         </p:sp>
         <p:grpSp>
           <p:nvGrpSpPr>
-            <p:cNvPr id="293" name="Google Shape;293;p24"/>
+            <p:cNvPr id="181" name="Google Shape;181;p16"/>
             <p:cNvGrpSpPr/>
             <p:nvPr/>
           </p:nvGrpSpPr>
           <p:grpSpPr>
             <a:xfrm>
-              <a:off x="8057761" y="4360470"/>
-              <a:ext cx="710085" cy="654873"/>
-              <a:chOff x="6715900" y="4391718"/>
-              <a:chExt cx="935800" cy="935800"/>
+              <a:off x="8262877" y="4391505"/>
+              <a:ext cx="711956" cy="654873"/>
+              <a:chOff x="6754350" y="4391718"/>
+              <a:chExt cx="938266" cy="935800"/>
             </a:xfrm>
           </p:grpSpPr>
           <p:sp>
             <p:nvSpPr>
-              <p:cNvPr id="294" name="Google Shape;294;p24"/>
+              <p:cNvPr id="182" name="Google Shape;182;p16"/>
               <p:cNvSpPr/>
               <p:nvPr/>
             </p:nvSpPr>
@@ -11083,12 +11073,12 @@
               </a:ln>
             </p:spPr>
             <p:txBody>
-              <a:bodyPr spcFirstLastPara="1" wrap="square" lIns="91425" tIns="91425" rIns="91425" bIns="91425" anchor="ctr" anchorCtr="0">
+              <a:bodyPr anchorCtr="0" anchor="ctr" bIns="91425" lIns="91425" spcFirstLastPara="1" rIns="91425" wrap="square" tIns="91425">
                 <a:noAutofit/>
               </a:bodyPr>
               <a:lstStyle/>
               <a:p>
-                <a:pPr marL="0" lvl="0" indent="0" algn="l" rtl="0">
+                <a:pPr indent="0" lvl="0" marL="0" rtl="0" algn="l">
                   <a:spcBef>
                     <a:spcPts val="0"/>
                   </a:spcBef>
@@ -11097,13 +11087,16 @@
                   </a:spcAft>
                   <a:buNone/>
                 </a:pPr>
+                <a:r>
+                  <a:t/>
+                </a:r>
                 <a:endParaRPr/>
               </a:p>
             </p:txBody>
           </p:sp>
           <p:pic>
             <p:nvPicPr>
-              <p:cNvPr id="295" name="Google Shape;295;p24"/>
+              <p:cNvPr id="183" name="Google Shape;183;p16"/>
               <p:cNvPicPr preferRelativeResize="0"/>
               <p:nvPr/>
             </p:nvPicPr>
@@ -11117,7 +11110,7 @@
             </p:blipFill>
             <p:spPr>
               <a:xfrm>
-                <a:off x="6715900" y="4391718"/>
+                <a:off x="6756816" y="4391718"/>
                 <a:ext cx="935800" cy="935800"/>
               </a:xfrm>
               <a:prstGeom prst="rect">
@@ -11130,77 +11123,167 @@
             </p:spPr>
           </p:pic>
         </p:grpSp>
-      </p:grpSp>
-      <p:sp>
-        <p:nvSpPr>
-          <p:cNvPr id="296" name="Google Shape;296;p24"/>
-          <p:cNvSpPr txBox="1">
-            <a:spLocks noGrp="1"/>
-          </p:cNvSpPr>
-          <p:nvPr>
-            <p:ph type="ctrTitle" idx="4294967295"/>
-          </p:nvPr>
-        </p:nvSpPr>
-        <p:spPr>
-          <a:xfrm>
-            <a:off x="5022649" y="309926"/>
-            <a:ext cx="3931676" cy="1081748"/>
-          </a:xfrm>
-          <a:prstGeom prst="rect">
-            <a:avLst/>
-          </a:prstGeom>
-          <a:noFill/>
-        </p:spPr>
-        <p:txBody>
-          <a:bodyPr spcFirstLastPara="1" wrap="square" lIns="91425" tIns="91425" rIns="91425" bIns="91425" anchor="t" anchorCtr="0">
-            <a:normAutofit/>
-          </a:bodyPr>
-          <a:lstStyle/>
-          <a:p>
-            <a:pPr marL="0" lvl="0" indent="0" algn="r" rtl="0">
-              <a:spcBef>
-                <a:spcPts val="0"/>
-              </a:spcBef>
-              <a:spcAft>
-                <a:spcPts val="0"/>
-              </a:spcAft>
-              <a:buSzPts val="990"/>
-              <a:buNone/>
-            </a:pPr>
-            <a:r>
-              <a:rPr lang="en" sz="2600" b="1" dirty="0">
+        <p:sp>
+          <p:nvSpPr>
+            <p:cNvPr id="184" name="Google Shape;184;p16"/>
+            <p:cNvSpPr txBox="1"/>
+            <p:nvPr/>
+          </p:nvSpPr>
+          <p:spPr>
+            <a:xfrm>
+              <a:off x="6573764" y="4519339"/>
+              <a:ext cx="1754700" cy="400200"/>
+            </a:xfrm>
+            <a:prstGeom prst="rect">
+              <a:avLst/>
+            </a:prstGeom>
+            <a:noFill/>
+            <a:ln>
+              <a:noFill/>
+            </a:ln>
+          </p:spPr>
+          <p:txBody>
+            <a:bodyPr anchorCtr="0" anchor="t" bIns="91425" lIns="91425" spcFirstLastPara="1" rIns="91425" wrap="square" tIns="91425">
+              <a:spAutoFit/>
+            </a:bodyPr>
+            <a:lstStyle/>
+            <a:p>
+              <a:pPr indent="0" lvl="0" marL="0" rtl="0" algn="ctr">
+                <a:spcBef>
+                  <a:spcPts val="0"/>
+                </a:spcBef>
+                <a:spcAft>
+                  <a:spcPts val="0"/>
+                </a:spcAft>
+                <a:buNone/>
+              </a:pPr>
+              <a:r>
+                <a:rPr lang="en">
+                  <a:solidFill>
+                    <a:srgbClr val="FFFFFF"/>
+                  </a:solidFill>
+                  <a:latin typeface="Montserrat SemiBold"/>
+                  <a:ea typeface="Montserrat SemiBold"/>
+                  <a:cs typeface="Montserrat SemiBold"/>
+                  <a:sym typeface="Montserrat SemiBold"/>
+                </a:rPr>
+                <a:t>Orchard Harvest</a:t>
+              </a:r>
+              <a:endParaRPr>
+                <a:solidFill>
+                  <a:srgbClr val="FFFFFF"/>
+                </a:solidFill>
+                <a:latin typeface="Montserrat SemiBold"/>
+                <a:ea typeface="Montserrat SemiBold"/>
+                <a:cs typeface="Montserrat SemiBold"/>
+                <a:sym typeface="Montserrat SemiBold"/>
+              </a:endParaRPr>
+            </a:p>
+          </p:txBody>
+        </p:sp>
+        <p:sp>
+          <p:nvSpPr>
+            <p:cNvPr id="185" name="Google Shape;185;p16"/>
+            <p:cNvSpPr txBox="1"/>
+            <p:nvPr/>
+          </p:nvSpPr>
+          <p:spPr>
+            <a:xfrm>
+              <a:off x="6139085" y="4847529"/>
+              <a:ext cx="2152500" cy="338700"/>
+            </a:xfrm>
+            <a:prstGeom prst="rect">
+              <a:avLst/>
+            </a:prstGeom>
+            <a:noFill/>
+            <a:ln>
+              <a:noFill/>
+            </a:ln>
+          </p:spPr>
+          <p:txBody>
+            <a:bodyPr anchorCtr="0" anchor="t" bIns="91425" lIns="91425" spcFirstLastPara="1" rIns="91425" wrap="square" tIns="91425">
+              <a:spAutoFit/>
+            </a:bodyPr>
+            <a:lstStyle/>
+            <a:p>
+              <a:pPr indent="0" lvl="0" marL="0" rtl="0" algn="r">
+                <a:spcBef>
+                  <a:spcPts val="0"/>
+                </a:spcBef>
+                <a:spcAft>
+                  <a:spcPts val="0"/>
+                </a:spcAft>
+                <a:buNone/>
+              </a:pPr>
+              <a:r>
+                <a:rPr b="1" lang="en" sz="1000">
+                  <a:solidFill>
+                    <a:srgbClr val="41B670"/>
+                  </a:solidFill>
+                  <a:latin typeface="Lato"/>
+                  <a:ea typeface="Lato"/>
+                  <a:cs typeface="Lato"/>
+                  <a:sym typeface="Lato"/>
+                </a:rPr>
+                <a:t>Conference 2023</a:t>
+              </a:r>
+              <a:endParaRPr b="1" sz="1000">
                 <a:solidFill>
                   <a:srgbClr val="41B670"/>
                 </a:solidFill>
-              </a:rPr>
-              <a:t>ORCHARD HARVEST</a:t>
-            </a:r>
-            <a:r>
-              <a:rPr lang="en" sz="2600" dirty="0"/>
-              <a:t>     </a:t>
-            </a:r>
-            <a:r>
-              <a:rPr lang="en" sz="2600" dirty="0">
-                <a:solidFill>
-                  <a:schemeClr val="dk1"/>
-                </a:solidFill>
-              </a:rPr>
-              <a:t>Conference 2003</a:t>
-            </a:r>
-            <a:endParaRPr sz="2600" dirty="0">
-              <a:solidFill>
-                <a:schemeClr val="dk1"/>
-              </a:solidFill>
-            </a:endParaRPr>
-          </a:p>
-        </p:txBody>
-      </p:sp>
+                <a:latin typeface="Lato"/>
+                <a:ea typeface="Lato"/>
+                <a:cs typeface="Lato"/>
+                <a:sym typeface="Lato"/>
+              </a:endParaRPr>
+            </a:p>
+          </p:txBody>
+        </p:sp>
+        <p:sp>
+          <p:nvSpPr>
+            <p:cNvPr id="186" name="Google Shape;186;p16"/>
+            <p:cNvSpPr/>
+            <p:nvPr/>
+          </p:nvSpPr>
+          <p:spPr>
+            <a:xfrm>
+              <a:off x="8229600" y="4627502"/>
+              <a:ext cx="76200" cy="228600"/>
+            </a:xfrm>
+            <a:prstGeom prst="rect">
+              <a:avLst/>
+            </a:prstGeom>
+            <a:solidFill>
+              <a:srgbClr val="41B670"/>
+            </a:solidFill>
+            <a:ln>
+              <a:noFill/>
+            </a:ln>
+          </p:spPr>
+          <p:txBody>
+            <a:bodyPr anchorCtr="0" anchor="ctr" bIns="91425" lIns="91425" spcFirstLastPara="1" rIns="91425" wrap="square" tIns="91425">
+              <a:noAutofit/>
+            </a:bodyPr>
+            <a:lstStyle/>
+            <a:p>
+              <a:pPr indent="0" lvl="0" marL="0" rtl="0" algn="l">
+                <a:spcBef>
+                  <a:spcPts val="0"/>
+                </a:spcBef>
+                <a:spcAft>
+                  <a:spcPts val="0"/>
+                </a:spcAft>
+                <a:buNone/>
+              </a:pPr>
+              <a:r>
+                <a:t/>
+              </a:r>
+              <a:endParaRPr/>
+            </a:p>
+          </p:txBody>
+        </p:sp>
+      </p:grpSp>
     </p:spTree>
-    <p:extLst>
-      <p:ext uri="{BB962C8B-B14F-4D97-AF65-F5344CB8AC3E}">
-        <p14:creationId xmlns:p14="http://schemas.microsoft.com/office/powerpoint/2010/main" val="1609101201"/>
-      </p:ext>
-    </p:extLst>
   </p:cSld>
   <p:clrMapOvr>
     <a:masterClrMapping/>
@@ -11209,7 +11292,286 @@
 </file>
 
 <file path=ppt/theme/theme1.xml><?xml version="1.0" encoding="utf-8"?>
-<a:theme xmlns:a="http://schemas.openxmlformats.org/drawingml/2006/main" name="Focus">
+<a:theme xmlns:a="http://schemas.openxmlformats.org/drawingml/2006/main" xmlns:r="http://schemas.openxmlformats.org/officeDocument/2006/relationships">
+  <a:themeElements>
+    <a:clrScheme name="Default">
+      <a:dk1>
+        <a:srgbClr val="000000"/>
+      </a:dk1>
+      <a:lt1>
+        <a:srgbClr val="FFFFFF"/>
+      </a:lt1>
+      <a:dk2>
+        <a:srgbClr val="158158"/>
+      </a:dk2>
+      <a:lt2>
+        <a:srgbClr val="F3F3F3"/>
+      </a:lt2>
+      <a:accent1>
+        <a:srgbClr val="058DC7"/>
+      </a:accent1>
+      <a:accent2>
+        <a:srgbClr val="50B432"/>
+      </a:accent2>
+      <a:accent3>
+        <a:srgbClr val="ED561B"/>
+      </a:accent3>
+      <a:accent4>
+        <a:srgbClr val="EDEF00"/>
+      </a:accent4>
+      <a:accent5>
+        <a:srgbClr val="24CBE5"/>
+      </a:accent5>
+      <a:accent6>
+        <a:srgbClr val="64E572"/>
+      </a:accent6>
+      <a:hlink>
+        <a:srgbClr val="2200CC"/>
+      </a:hlink>
+      <a:folHlink>
+        <a:srgbClr val="551A8B"/>
+      </a:folHlink>
+    </a:clrScheme>
+    <a:fontScheme name="Office">
+      <a:majorFont>
+        <a:latin typeface="Arial"/>
+        <a:ea typeface=""/>
+        <a:cs typeface=""/>
+        <a:font script="Jpan" typeface="ＭＳ Ｐゴシック"/>
+        <a:font script="Hang" typeface="맑은 고딕"/>
+        <a:font script="Hans" typeface="宋体"/>
+        <a:font script="Hant" typeface="新細明體"/>
+        <a:font script="Arab" typeface="Times New Roman"/>
+        <a:font script="Hebr" typeface="Times New Roman"/>
+        <a:font script="Thai" typeface="Angsana New"/>
+        <a:font script="Ethi" typeface="Nyala"/>
+        <a:font script="Beng" typeface="Vrinda"/>
+        <a:font script="Gujr" typeface="Shruti"/>
+        <a:font script="Khmr" typeface="MoolBoran"/>
+        <a:font script="Knda" typeface="Tunga"/>
+        <a:font script="Guru" typeface="Raavi"/>
+        <a:font script="Cans" typeface="Euphemia"/>
+        <a:font script="Cher" typeface="Plantagenet Cherokee"/>
+        <a:font script="Yiii" typeface="Microsoft Yi Baiti"/>
+        <a:font script="Tibt" typeface="Microsoft Himalaya"/>
+        <a:font script="Thaa" typeface="MV Boli"/>
+        <a:font script="Deva" typeface="Mangal"/>
+        <a:font script="Telu" typeface="Gautami"/>
+        <a:font script="Taml" typeface="Latha"/>
+        <a:font script="Syrc" typeface="Estrangelo Edessa"/>
+        <a:font script="Orya" typeface="Kalinga"/>
+        <a:font script="Mlym" typeface="Kartika"/>
+        <a:font script="Laoo" typeface="DokChampa"/>
+        <a:font script="Sinh" typeface="Iskoola Pota"/>
+        <a:font script="Mong" typeface="Mongolian Baiti"/>
+        <a:font script="Viet" typeface="Times New Roman"/>
+        <a:font script="Uigh" typeface="Microsoft Uighur"/>
+        <a:font script="Geor" typeface="Sylfaen"/>
+      </a:majorFont>
+      <a:minorFont>
+        <a:latin typeface="Arial"/>
+        <a:ea typeface=""/>
+        <a:cs typeface=""/>
+        <a:font script="Jpan" typeface="ＭＳ Ｐゴシック"/>
+        <a:font script="Hang" typeface="맑은 고딕"/>
+        <a:font script="Hans" typeface="宋体"/>
+        <a:font script="Hant" typeface="新細明體"/>
+        <a:font script="Arab" typeface="Arial"/>
+        <a:font script="Hebr" typeface="Arial"/>
+        <a:font script="Thai" typeface="Cordia New"/>
+        <a:font script="Ethi" typeface="Nyala"/>
+        <a:font script="Beng" typeface="Vrinda"/>
+        <a:font script="Gujr" typeface="Shruti"/>
+        <a:font script="Khmr" typeface="DaunPenh"/>
+        <a:font script="Knda" typeface="Tunga"/>
+        <a:font script="Guru" typeface="Raavi"/>
+        <a:font script="Cans" typeface="Euphemia"/>
+        <a:font script="Cher" typeface="Plantagenet Cherokee"/>
+        <a:font script="Yiii" typeface="Microsoft Yi Baiti"/>
+        <a:font script="Tibt" typeface="Microsoft Himalaya"/>
+        <a:font script="Thaa" typeface="MV Boli"/>
+        <a:font script="Deva" typeface="Mangal"/>
+        <a:font script="Telu" typeface="Gautami"/>
+        <a:font script="Taml" typeface="Latha"/>
+        <a:font script="Syrc" typeface="Estrangelo Edessa"/>
+        <a:font script="Orya" typeface="Kalinga"/>
+        <a:font script="Mlym" typeface="Kartika"/>
+        <a:font script="Laoo" typeface="DokChampa"/>
+        <a:font script="Sinh" typeface="Iskoola Pota"/>
+        <a:font script="Mong" typeface="Mongolian Baiti"/>
+        <a:font script="Viet" typeface="Arial"/>
+        <a:font script="Uigh" typeface="Microsoft Uighur"/>
+        <a:font script="Geor" typeface="Sylfaen"/>
+      </a:minorFont>
+    </a:fontScheme>
+    <a:fmtScheme name="Office">
+      <a:fillStyleLst>
+        <a:solidFill>
+          <a:schemeClr val="phClr"/>
+        </a:solidFill>
+        <a:gradFill rotWithShape="1">
+          <a:gsLst>
+            <a:gs pos="0">
+              <a:schemeClr val="phClr">
+                <a:tint val="50000"/>
+                <a:satMod val="300000"/>
+              </a:schemeClr>
+            </a:gs>
+            <a:gs pos="35000">
+              <a:schemeClr val="phClr">
+                <a:tint val="37000"/>
+                <a:satMod val="300000"/>
+              </a:schemeClr>
+            </a:gs>
+            <a:gs pos="100000">
+              <a:schemeClr val="phClr">
+                <a:tint val="15000"/>
+                <a:satMod val="350000"/>
+              </a:schemeClr>
+            </a:gs>
+          </a:gsLst>
+          <a:lin ang="16200000" scaled="1"/>
+        </a:gradFill>
+        <a:gradFill rotWithShape="1">
+          <a:gsLst>
+            <a:gs pos="0">
+              <a:schemeClr val="phClr">
+                <a:tint val="100000"/>
+                <a:shade val="100000"/>
+                <a:satMod val="130000"/>
+              </a:schemeClr>
+            </a:gs>
+            <a:gs pos="100000">
+              <a:schemeClr val="phClr">
+                <a:tint val="50000"/>
+                <a:shade val="100000"/>
+                <a:satMod val="350000"/>
+              </a:schemeClr>
+            </a:gs>
+          </a:gsLst>
+          <a:lin ang="16200000" scaled="0"/>
+        </a:gradFill>
+      </a:fillStyleLst>
+      <a:lnStyleLst>
+        <a:ln w="9525" cap="flat" cmpd="sng" algn="ctr">
+          <a:solidFill>
+            <a:schemeClr val="phClr">
+              <a:shade val="95000"/>
+              <a:satMod val="105000"/>
+            </a:schemeClr>
+          </a:solidFill>
+          <a:prstDash val="solid"/>
+        </a:ln>
+        <a:ln w="25400" cap="flat" cmpd="sng" algn="ctr">
+          <a:solidFill>
+            <a:schemeClr val="phClr"/>
+          </a:solidFill>
+          <a:prstDash val="solid"/>
+        </a:ln>
+        <a:ln w="38100" cap="flat" cmpd="sng" algn="ctr">
+          <a:solidFill>
+            <a:schemeClr val="phClr"/>
+          </a:solidFill>
+          <a:prstDash val="solid"/>
+        </a:ln>
+      </a:lnStyleLst>
+      <a:effectStyleLst>
+        <a:effectStyle>
+          <a:effectLst>
+            <a:outerShdw blurRad="40000" dist="20000" dir="5400000" rotWithShape="0">
+              <a:srgbClr val="000000">
+                <a:alpha val="38000"/>
+              </a:srgbClr>
+            </a:outerShdw>
+          </a:effectLst>
+        </a:effectStyle>
+        <a:effectStyle>
+          <a:effectLst>
+            <a:outerShdw blurRad="40000" dist="23000" dir="5400000" rotWithShape="0">
+              <a:srgbClr val="000000">
+                <a:alpha val="35000"/>
+              </a:srgbClr>
+            </a:outerShdw>
+          </a:effectLst>
+        </a:effectStyle>
+        <a:effectStyle>
+          <a:effectLst>
+            <a:outerShdw blurRad="40000" dist="23000" dir="5400000" rotWithShape="0">
+              <a:srgbClr val="000000">
+                <a:alpha val="35000"/>
+              </a:srgbClr>
+            </a:outerShdw>
+          </a:effectLst>
+          <a:scene3d>
+            <a:camera prst="orthographicFront">
+              <a:rot lat="0" lon="0" rev="0"/>
+            </a:camera>
+            <a:lightRig rig="threePt" dir="t">
+              <a:rot lat="0" lon="0" rev="1200000"/>
+            </a:lightRig>
+          </a:scene3d>
+          <a:sp3d>
+            <a:bevelT w="63500" h="25400"/>
+          </a:sp3d>
+        </a:effectStyle>
+      </a:effectStyleLst>
+      <a:bgFillStyleLst>
+        <a:solidFill>
+          <a:schemeClr val="phClr"/>
+        </a:solidFill>
+        <a:gradFill rotWithShape="1">
+          <a:gsLst>
+            <a:gs pos="0">
+              <a:schemeClr val="phClr">
+                <a:tint val="40000"/>
+                <a:satMod val="350000"/>
+              </a:schemeClr>
+            </a:gs>
+            <a:gs pos="40000">
+              <a:schemeClr val="phClr">
+                <a:tint val="45000"/>
+                <a:shade val="99000"/>
+                <a:satMod val="350000"/>
+              </a:schemeClr>
+            </a:gs>
+            <a:gs pos="100000">
+              <a:schemeClr val="phClr">
+                <a:shade val="20000"/>
+                <a:satMod val="255000"/>
+              </a:schemeClr>
+            </a:gs>
+          </a:gsLst>
+          <a:path path="circle">
+            <a:fillToRect l="50000" t="-80000" r="50000" b="180000"/>
+          </a:path>
+        </a:gradFill>
+        <a:gradFill rotWithShape="1">
+          <a:gsLst>
+            <a:gs pos="0">
+              <a:schemeClr val="phClr">
+                <a:tint val="80000"/>
+                <a:satMod val="300000"/>
+              </a:schemeClr>
+            </a:gs>
+            <a:gs pos="100000">
+              <a:schemeClr val="phClr">
+                <a:shade val="30000"/>
+                <a:satMod val="200000"/>
+              </a:schemeClr>
+            </a:gs>
+          </a:gsLst>
+          <a:path path="circle">
+            <a:fillToRect l="50000" t="50000" r="50000" b="50000"/>
+          </a:path>
+        </a:gradFill>
+      </a:bgFillStyleLst>
+    </a:fmtScheme>
+  </a:themeElements>
+</a:theme>
+</file>
+
+<file path=ppt/theme/theme2.xml><?xml version="1.0" encoding="utf-8"?>
+<a:theme xmlns:a="http://schemas.openxmlformats.org/drawingml/2006/main" xmlns:r="http://schemas.openxmlformats.org/officeDocument/2006/relationships" name="Focus">
   <a:themeElements>
     <a:clrScheme name="Focus">
       <a:dk1>
@@ -11484,288 +11846,5 @@
       </a:bgFillStyleLst>
     </a:fmtScheme>
   </a:themeElements>
-  <a:objectDefaults/>
-  <a:extraClrSchemeLst/>
-</a:theme>
-</file>
-
-<file path=ppt/theme/theme2.xml><?xml version="1.0" encoding="utf-8"?>
-<a:theme xmlns:a="http://schemas.openxmlformats.org/drawingml/2006/main">
-  <a:themeElements>
-    <a:clrScheme name="Default">
-      <a:dk1>
-        <a:srgbClr val="000000"/>
-      </a:dk1>
-      <a:lt1>
-        <a:srgbClr val="FFFFFF"/>
-      </a:lt1>
-      <a:dk2>
-        <a:srgbClr val="158158"/>
-      </a:dk2>
-      <a:lt2>
-        <a:srgbClr val="F3F3F3"/>
-      </a:lt2>
-      <a:accent1>
-        <a:srgbClr val="058DC7"/>
-      </a:accent1>
-      <a:accent2>
-        <a:srgbClr val="50B432"/>
-      </a:accent2>
-      <a:accent3>
-        <a:srgbClr val="ED561B"/>
-      </a:accent3>
-      <a:accent4>
-        <a:srgbClr val="EDEF00"/>
-      </a:accent4>
-      <a:accent5>
-        <a:srgbClr val="24CBE5"/>
-      </a:accent5>
-      <a:accent6>
-        <a:srgbClr val="64E572"/>
-      </a:accent6>
-      <a:hlink>
-        <a:srgbClr val="2200CC"/>
-      </a:hlink>
-      <a:folHlink>
-        <a:srgbClr val="551A8B"/>
-      </a:folHlink>
-    </a:clrScheme>
-    <a:fontScheme name="Office">
-      <a:majorFont>
-        <a:latin typeface="Arial"/>
-        <a:ea typeface=""/>
-        <a:cs typeface=""/>
-        <a:font script="Jpan" typeface="ＭＳ Ｐゴシック"/>
-        <a:font script="Hang" typeface="맑은 고딕"/>
-        <a:font script="Hans" typeface="宋体"/>
-        <a:font script="Hant" typeface="新細明體"/>
-        <a:font script="Arab" typeface="Times New Roman"/>
-        <a:font script="Hebr" typeface="Times New Roman"/>
-        <a:font script="Thai" typeface="Angsana New"/>
-        <a:font script="Ethi" typeface="Nyala"/>
-        <a:font script="Beng" typeface="Vrinda"/>
-        <a:font script="Gujr" typeface="Shruti"/>
-        <a:font script="Khmr" typeface="MoolBoran"/>
-        <a:font script="Knda" typeface="Tunga"/>
-        <a:font script="Guru" typeface="Raavi"/>
-        <a:font script="Cans" typeface="Euphemia"/>
-        <a:font script="Cher" typeface="Plantagenet Cherokee"/>
-        <a:font script="Yiii" typeface="Microsoft Yi Baiti"/>
-        <a:font script="Tibt" typeface="Microsoft Himalaya"/>
-        <a:font script="Thaa" typeface="MV Boli"/>
-        <a:font script="Deva" typeface="Mangal"/>
-        <a:font script="Telu" typeface="Gautami"/>
-        <a:font script="Taml" typeface="Latha"/>
-        <a:font script="Syrc" typeface="Estrangelo Edessa"/>
-        <a:font script="Orya" typeface="Kalinga"/>
-        <a:font script="Mlym" typeface="Kartika"/>
-        <a:font script="Laoo" typeface="DokChampa"/>
-        <a:font script="Sinh" typeface="Iskoola Pota"/>
-        <a:font script="Mong" typeface="Mongolian Baiti"/>
-        <a:font script="Viet" typeface="Times New Roman"/>
-        <a:font script="Uigh" typeface="Microsoft Uighur"/>
-        <a:font script="Geor" typeface="Sylfaen"/>
-      </a:majorFont>
-      <a:minorFont>
-        <a:latin typeface="Arial"/>
-        <a:ea typeface=""/>
-        <a:cs typeface=""/>
-        <a:font script="Jpan" typeface="ＭＳ Ｐゴシック"/>
-        <a:font script="Hang" typeface="맑은 고딕"/>
-        <a:font script="Hans" typeface="宋体"/>
-        <a:font script="Hant" typeface="新細明體"/>
-        <a:font script="Arab" typeface="Arial"/>
-        <a:font script="Hebr" typeface="Arial"/>
-        <a:font script="Thai" typeface="Cordia New"/>
-        <a:font script="Ethi" typeface="Nyala"/>
-        <a:font script="Beng" typeface="Vrinda"/>
-        <a:font script="Gujr" typeface="Shruti"/>
-        <a:font script="Khmr" typeface="DaunPenh"/>
-        <a:font script="Knda" typeface="Tunga"/>
-        <a:font script="Guru" typeface="Raavi"/>
-        <a:font script="Cans" typeface="Euphemia"/>
-        <a:font script="Cher" typeface="Plantagenet Cherokee"/>
-        <a:font script="Yiii" typeface="Microsoft Yi Baiti"/>
-        <a:font script="Tibt" typeface="Microsoft Himalaya"/>
-        <a:font script="Thaa" typeface="MV Boli"/>
-        <a:font script="Deva" typeface="Mangal"/>
-        <a:font script="Telu" typeface="Gautami"/>
-        <a:font script="Taml" typeface="Latha"/>
-        <a:font script="Syrc" typeface="Estrangelo Edessa"/>
-        <a:font script="Orya" typeface="Kalinga"/>
-        <a:font script="Mlym" typeface="Kartika"/>
-        <a:font script="Laoo" typeface="DokChampa"/>
-        <a:font script="Sinh" typeface="Iskoola Pota"/>
-        <a:font script="Mong" typeface="Mongolian Baiti"/>
-        <a:font script="Viet" typeface="Arial"/>
-        <a:font script="Uigh" typeface="Microsoft Uighur"/>
-        <a:font script="Geor" typeface="Sylfaen"/>
-      </a:minorFont>
-    </a:fontScheme>
-    <a:fmtScheme name="Office">
-      <a:fillStyleLst>
-        <a:solidFill>
-          <a:schemeClr val="phClr"/>
-        </a:solidFill>
-        <a:gradFill rotWithShape="1">
-          <a:gsLst>
-            <a:gs pos="0">
-              <a:schemeClr val="phClr">
-                <a:tint val="50000"/>
-                <a:satMod val="300000"/>
-              </a:schemeClr>
-            </a:gs>
-            <a:gs pos="35000">
-              <a:schemeClr val="phClr">
-                <a:tint val="37000"/>
-                <a:satMod val="300000"/>
-              </a:schemeClr>
-            </a:gs>
-            <a:gs pos="100000">
-              <a:schemeClr val="phClr">
-                <a:tint val="15000"/>
-                <a:satMod val="350000"/>
-              </a:schemeClr>
-            </a:gs>
-          </a:gsLst>
-          <a:lin ang="16200000" scaled="1"/>
-        </a:gradFill>
-        <a:gradFill rotWithShape="1">
-          <a:gsLst>
-            <a:gs pos="0">
-              <a:schemeClr val="phClr">
-                <a:tint val="100000"/>
-                <a:shade val="100000"/>
-                <a:satMod val="130000"/>
-              </a:schemeClr>
-            </a:gs>
-            <a:gs pos="100000">
-              <a:schemeClr val="phClr">
-                <a:tint val="50000"/>
-                <a:shade val="100000"/>
-                <a:satMod val="350000"/>
-              </a:schemeClr>
-            </a:gs>
-          </a:gsLst>
-          <a:lin ang="16200000" scaled="0"/>
-        </a:gradFill>
-      </a:fillStyleLst>
-      <a:lnStyleLst>
-        <a:ln w="9525" cap="flat" cmpd="sng" algn="ctr">
-          <a:solidFill>
-            <a:schemeClr val="phClr">
-              <a:shade val="95000"/>
-              <a:satMod val="105000"/>
-            </a:schemeClr>
-          </a:solidFill>
-          <a:prstDash val="solid"/>
-        </a:ln>
-        <a:ln w="25400" cap="flat" cmpd="sng" algn="ctr">
-          <a:solidFill>
-            <a:schemeClr val="phClr"/>
-          </a:solidFill>
-          <a:prstDash val="solid"/>
-        </a:ln>
-        <a:ln w="38100" cap="flat" cmpd="sng" algn="ctr">
-          <a:solidFill>
-            <a:schemeClr val="phClr"/>
-          </a:solidFill>
-          <a:prstDash val="solid"/>
-        </a:ln>
-      </a:lnStyleLst>
-      <a:effectStyleLst>
-        <a:effectStyle>
-          <a:effectLst>
-            <a:outerShdw blurRad="40000" dist="20000" dir="5400000" rotWithShape="0">
-              <a:srgbClr val="000000">
-                <a:alpha val="38000"/>
-              </a:srgbClr>
-            </a:outerShdw>
-          </a:effectLst>
-        </a:effectStyle>
-        <a:effectStyle>
-          <a:effectLst>
-            <a:outerShdw blurRad="40000" dist="23000" dir="5400000" rotWithShape="0">
-              <a:srgbClr val="000000">
-                <a:alpha val="35000"/>
-              </a:srgbClr>
-            </a:outerShdw>
-          </a:effectLst>
-        </a:effectStyle>
-        <a:effectStyle>
-          <a:effectLst>
-            <a:outerShdw blurRad="40000" dist="23000" dir="5400000" rotWithShape="0">
-              <a:srgbClr val="000000">
-                <a:alpha val="35000"/>
-              </a:srgbClr>
-            </a:outerShdw>
-          </a:effectLst>
-          <a:scene3d>
-            <a:camera prst="orthographicFront">
-              <a:rot lat="0" lon="0" rev="0"/>
-            </a:camera>
-            <a:lightRig rig="threePt" dir="t">
-              <a:rot lat="0" lon="0" rev="1200000"/>
-            </a:lightRig>
-          </a:scene3d>
-          <a:sp3d>
-            <a:bevelT w="63500" h="25400"/>
-          </a:sp3d>
-        </a:effectStyle>
-      </a:effectStyleLst>
-      <a:bgFillStyleLst>
-        <a:solidFill>
-          <a:schemeClr val="phClr"/>
-        </a:solidFill>
-        <a:gradFill rotWithShape="1">
-          <a:gsLst>
-            <a:gs pos="0">
-              <a:schemeClr val="phClr">
-                <a:tint val="40000"/>
-                <a:satMod val="350000"/>
-              </a:schemeClr>
-            </a:gs>
-            <a:gs pos="40000">
-              <a:schemeClr val="phClr">
-                <a:tint val="45000"/>
-                <a:shade val="99000"/>
-                <a:satMod val="350000"/>
-              </a:schemeClr>
-            </a:gs>
-            <a:gs pos="100000">
-              <a:schemeClr val="phClr">
-                <a:shade val="20000"/>
-                <a:satMod val="255000"/>
-              </a:schemeClr>
-            </a:gs>
-          </a:gsLst>
-          <a:path path="circle">
-            <a:fillToRect l="50000" t="-80000" r="50000" b="180000"/>
-          </a:path>
-        </a:gradFill>
-        <a:gradFill rotWithShape="1">
-          <a:gsLst>
-            <a:gs pos="0">
-              <a:schemeClr val="phClr">
-                <a:tint val="80000"/>
-                <a:satMod val="300000"/>
-              </a:schemeClr>
-            </a:gs>
-            <a:gs pos="100000">
-              <a:schemeClr val="phClr">
-                <a:shade val="30000"/>
-                <a:satMod val="200000"/>
-              </a:schemeClr>
-            </a:gs>
-          </a:gsLst>
-          <a:path path="circle">
-            <a:fillToRect l="50000" t="50000" r="50000" b="50000"/>
-          </a:path>
-        </a:gradFill>
-      </a:bgFillStyleLst>
-    </a:fmtScheme>
-  </a:themeElements>
-  <a:objectDefaults/>
-  <a:extraClrSchemeLst/>
 </a:theme>
 </file>